--- a/Oral/RV_PhD_defense.pptx
+++ b/Oral/RV_PhD_defense.pptx
@@ -6,14 +6,20 @@
     <p:sldMasterId id="2147483684" r:id="rId2"/>
   </p:sldMasterIdLst>
   <p:notesMasterIdLst>
-    <p:notesMasterId r:id="rId8"/>
+    <p:notesMasterId r:id="rId14"/>
   </p:notesMasterIdLst>
   <p:sldIdLst>
     <p:sldId id="256" r:id="rId3"/>
-    <p:sldId id="257" r:id="rId4"/>
-    <p:sldId id="260" r:id="rId5"/>
-    <p:sldId id="261" r:id="rId6"/>
-    <p:sldId id="259" r:id="rId7"/>
+    <p:sldId id="269" r:id="rId4"/>
+    <p:sldId id="262" r:id="rId5"/>
+    <p:sldId id="268" r:id="rId6"/>
+    <p:sldId id="271" r:id="rId7"/>
+    <p:sldId id="270" r:id="rId8"/>
+    <p:sldId id="263" r:id="rId9"/>
+    <p:sldId id="264" r:id="rId10"/>
+    <p:sldId id="267" r:id="rId11"/>
+    <p:sldId id="266" r:id="rId12"/>
+    <p:sldId id="265" r:id="rId13"/>
   </p:sldIdLst>
   <p:sldSz cx="9144000" cy="6858000" type="screen4x3"/>
   <p:notesSz cx="6858000" cy="9144000"/>
@@ -115,37 +121,22 @@
   <p:extLst>
     <p:ext uri="{EFAFB233-063F-42B5-8137-9DF3F51BA10A}">
       <p15:sldGuideLst xmlns:p15="http://schemas.microsoft.com/office/powerpoint/2012/main">
-        <p15:guide id="1" pos="2880" userDrawn="1">
+        <p15:guide id="2" pos="5375" userDrawn="1">
           <p15:clr>
             <a:srgbClr val="A4A3A4"/>
           </p15:clr>
         </p15:guide>
-        <p15:guide id="2" pos="5602" userDrawn="1">
+        <p15:guide id="7" pos="2880" userDrawn="1">
           <p15:clr>
             <a:srgbClr val="A4A3A4"/>
           </p15:clr>
         </p15:guide>
-        <p15:guide id="3" pos="158" userDrawn="1">
+        <p15:guide id="12" pos="385" userDrawn="1">
           <p15:clr>
             <a:srgbClr val="A4A3A4"/>
           </p15:clr>
         </p15:guide>
-        <p15:guide id="4" orient="horz" pos="346" userDrawn="1">
-          <p15:clr>
-            <a:srgbClr val="A4A3A4"/>
-          </p15:clr>
-        </p15:guide>
-        <p15:guide id="5" orient="horz" pos="2183" userDrawn="1">
-          <p15:clr>
-            <a:srgbClr val="A4A3A4"/>
-          </p15:clr>
-        </p15:guide>
-        <p15:guide id="6" orient="horz" pos="3974" userDrawn="1">
-          <p15:clr>
-            <a:srgbClr val="A4A3A4"/>
-          </p15:clr>
-        </p15:guide>
-        <p15:guide id="7" pos="363" userDrawn="1">
+        <p15:guide id="14" orient="horz" pos="504" userDrawn="1">
           <p15:clr>
             <a:srgbClr val="A4A3A4"/>
           </p15:clr>
@@ -238,7 +229,7 @@
           <a:p>
             <a:fld id="{E5E32354-32FA-4E6A-B814-26266AE6F353}" type="datetimeFigureOut">
               <a:rPr lang="en-US" smtClean="0"/>
-              <a:t>9/2/2017</a:t>
+              <a:t>11/2/2017</a:t>
             </a:fld>
             <a:endParaRPr lang="en-US"/>
           </a:p>
@@ -590,6 +581,258 @@
 </p:notes>
 </file>
 
+<file path=ppt/notesSlides/notesSlide2.xml><?xml version="1.0" encoding="utf-8"?>
+<p:notes xmlns:a="http://schemas.openxmlformats.org/drawingml/2006/main" xmlns:r="http://schemas.openxmlformats.org/officeDocument/2006/relationships" xmlns:p="http://schemas.openxmlformats.org/presentationml/2006/main">
+  <p:cSld>
+    <p:spTree>
+      <p:nvGrpSpPr>
+        <p:cNvPr id="1" name=""/>
+        <p:cNvGrpSpPr/>
+        <p:nvPr/>
+      </p:nvGrpSpPr>
+      <p:grpSpPr>
+        <a:xfrm>
+          <a:off x="0" y="0"/>
+          <a:ext cx="0" cy="0"/>
+          <a:chOff x="0" y="0"/>
+          <a:chExt cx="0" cy="0"/>
+        </a:xfrm>
+      </p:grpSpPr>
+      <p:sp>
+        <p:nvSpPr>
+          <p:cNvPr id="2" name="Espace réservé de l'image des diapositives 1"/>
+          <p:cNvSpPr>
+            <a:spLocks noGrp="1" noRot="1" noChangeAspect="1"/>
+          </p:cNvSpPr>
+          <p:nvPr>
+            <p:ph type="sldImg"/>
+          </p:nvPr>
+        </p:nvSpPr>
+        <p:spPr/>
+      </p:sp>
+      <p:sp>
+        <p:nvSpPr>
+          <p:cNvPr id="3" name="Espace réservé des commentaires 2"/>
+          <p:cNvSpPr>
+            <a:spLocks noGrp="1"/>
+          </p:cNvSpPr>
+          <p:nvPr>
+            <p:ph type="body" idx="1"/>
+          </p:nvPr>
+        </p:nvSpPr>
+        <p:spPr/>
+        <p:txBody>
+          <a:bodyPr/>
+          <a:lstStyle/>
+          <a:p>
+            <a:endParaRPr lang="en-US"/>
+          </a:p>
+        </p:txBody>
+      </p:sp>
+      <p:sp>
+        <p:nvSpPr>
+          <p:cNvPr id="4" name="Espace réservé du numéro de diapositive 3"/>
+          <p:cNvSpPr>
+            <a:spLocks noGrp="1"/>
+          </p:cNvSpPr>
+          <p:nvPr>
+            <p:ph type="sldNum" sz="quarter" idx="10"/>
+          </p:nvPr>
+        </p:nvSpPr>
+        <p:spPr/>
+        <p:txBody>
+          <a:bodyPr/>
+          <a:lstStyle/>
+          <a:p>
+            <a:fld id="{4F99528B-31E4-4315-AFFE-E46C62513355}" type="slidenum">
+              <a:rPr lang="en-US" smtClean="0"/>
+              <a:t>4</a:t>
+            </a:fld>
+            <a:endParaRPr lang="en-US"/>
+          </a:p>
+        </p:txBody>
+      </p:sp>
+    </p:spTree>
+    <p:extLst>
+      <p:ext uri="{BB962C8B-B14F-4D97-AF65-F5344CB8AC3E}">
+        <p14:creationId xmlns:p14="http://schemas.microsoft.com/office/powerpoint/2010/main" val="4220408457"/>
+      </p:ext>
+    </p:extLst>
+  </p:cSld>
+  <p:clrMapOvr>
+    <a:masterClrMapping/>
+  </p:clrMapOvr>
+</p:notes>
+</file>
+
+<file path=ppt/notesSlides/notesSlide3.xml><?xml version="1.0" encoding="utf-8"?>
+<p:notes xmlns:a="http://schemas.openxmlformats.org/drawingml/2006/main" xmlns:r="http://schemas.openxmlformats.org/officeDocument/2006/relationships" xmlns:p="http://schemas.openxmlformats.org/presentationml/2006/main">
+  <p:cSld>
+    <p:spTree>
+      <p:nvGrpSpPr>
+        <p:cNvPr id="1" name=""/>
+        <p:cNvGrpSpPr/>
+        <p:nvPr/>
+      </p:nvGrpSpPr>
+      <p:grpSpPr>
+        <a:xfrm>
+          <a:off x="0" y="0"/>
+          <a:ext cx="0" cy="0"/>
+          <a:chOff x="0" y="0"/>
+          <a:chExt cx="0" cy="0"/>
+        </a:xfrm>
+      </p:grpSpPr>
+      <p:sp>
+        <p:nvSpPr>
+          <p:cNvPr id="2" name="Espace réservé de l'image des diapositives 1"/>
+          <p:cNvSpPr>
+            <a:spLocks noGrp="1" noRot="1" noChangeAspect="1"/>
+          </p:cNvSpPr>
+          <p:nvPr>
+            <p:ph type="sldImg"/>
+          </p:nvPr>
+        </p:nvSpPr>
+        <p:spPr/>
+      </p:sp>
+      <p:sp>
+        <p:nvSpPr>
+          <p:cNvPr id="3" name="Espace réservé des commentaires 2"/>
+          <p:cNvSpPr>
+            <a:spLocks noGrp="1"/>
+          </p:cNvSpPr>
+          <p:nvPr>
+            <p:ph type="body" idx="1"/>
+          </p:nvPr>
+        </p:nvSpPr>
+        <p:spPr/>
+        <p:txBody>
+          <a:bodyPr/>
+          <a:lstStyle/>
+          <a:p>
+            <a:endParaRPr lang="en-US"/>
+          </a:p>
+        </p:txBody>
+      </p:sp>
+      <p:sp>
+        <p:nvSpPr>
+          <p:cNvPr id="4" name="Espace réservé du numéro de diapositive 3"/>
+          <p:cNvSpPr>
+            <a:spLocks noGrp="1"/>
+          </p:cNvSpPr>
+          <p:nvPr>
+            <p:ph type="sldNum" sz="quarter" idx="10"/>
+          </p:nvPr>
+        </p:nvSpPr>
+        <p:spPr/>
+        <p:txBody>
+          <a:bodyPr/>
+          <a:lstStyle/>
+          <a:p>
+            <a:fld id="{4F99528B-31E4-4315-AFFE-E46C62513355}" type="slidenum">
+              <a:rPr lang="en-US" smtClean="0"/>
+              <a:t>5</a:t>
+            </a:fld>
+            <a:endParaRPr lang="en-US"/>
+          </a:p>
+        </p:txBody>
+      </p:sp>
+    </p:spTree>
+    <p:extLst>
+      <p:ext uri="{BB962C8B-B14F-4D97-AF65-F5344CB8AC3E}">
+        <p14:creationId xmlns:p14="http://schemas.microsoft.com/office/powerpoint/2010/main" val="2223014954"/>
+      </p:ext>
+    </p:extLst>
+  </p:cSld>
+  <p:clrMapOvr>
+    <a:masterClrMapping/>
+  </p:clrMapOvr>
+</p:notes>
+</file>
+
+<file path=ppt/notesSlides/notesSlide4.xml><?xml version="1.0" encoding="utf-8"?>
+<p:notes xmlns:a="http://schemas.openxmlformats.org/drawingml/2006/main" xmlns:r="http://schemas.openxmlformats.org/officeDocument/2006/relationships" xmlns:p="http://schemas.openxmlformats.org/presentationml/2006/main">
+  <p:cSld>
+    <p:spTree>
+      <p:nvGrpSpPr>
+        <p:cNvPr id="1" name=""/>
+        <p:cNvGrpSpPr/>
+        <p:nvPr/>
+      </p:nvGrpSpPr>
+      <p:grpSpPr>
+        <a:xfrm>
+          <a:off x="0" y="0"/>
+          <a:ext cx="0" cy="0"/>
+          <a:chOff x="0" y="0"/>
+          <a:chExt cx="0" cy="0"/>
+        </a:xfrm>
+      </p:grpSpPr>
+      <p:sp>
+        <p:nvSpPr>
+          <p:cNvPr id="2" name="Espace réservé de l'image des diapositives 1"/>
+          <p:cNvSpPr>
+            <a:spLocks noGrp="1" noRot="1" noChangeAspect="1"/>
+          </p:cNvSpPr>
+          <p:nvPr>
+            <p:ph type="sldImg"/>
+          </p:nvPr>
+        </p:nvSpPr>
+        <p:spPr/>
+      </p:sp>
+      <p:sp>
+        <p:nvSpPr>
+          <p:cNvPr id="3" name="Espace réservé des commentaires 2"/>
+          <p:cNvSpPr>
+            <a:spLocks noGrp="1"/>
+          </p:cNvSpPr>
+          <p:nvPr>
+            <p:ph type="body" idx="1"/>
+          </p:nvPr>
+        </p:nvSpPr>
+        <p:spPr/>
+        <p:txBody>
+          <a:bodyPr/>
+          <a:lstStyle/>
+          <a:p>
+            <a:endParaRPr lang="en-US"/>
+          </a:p>
+        </p:txBody>
+      </p:sp>
+      <p:sp>
+        <p:nvSpPr>
+          <p:cNvPr id="4" name="Espace réservé du numéro de diapositive 3"/>
+          <p:cNvSpPr>
+            <a:spLocks noGrp="1"/>
+          </p:cNvSpPr>
+          <p:nvPr>
+            <p:ph type="sldNum" sz="quarter" idx="10"/>
+          </p:nvPr>
+        </p:nvSpPr>
+        <p:spPr/>
+        <p:txBody>
+          <a:bodyPr/>
+          <a:lstStyle/>
+          <a:p>
+            <a:fld id="{4F99528B-31E4-4315-AFFE-E46C62513355}" type="slidenum">
+              <a:rPr lang="en-US" smtClean="0"/>
+              <a:t>6</a:t>
+            </a:fld>
+            <a:endParaRPr lang="en-US"/>
+          </a:p>
+        </p:txBody>
+      </p:sp>
+    </p:spTree>
+    <p:extLst>
+      <p:ext uri="{BB962C8B-B14F-4D97-AF65-F5344CB8AC3E}">
+        <p14:creationId xmlns:p14="http://schemas.microsoft.com/office/powerpoint/2010/main" val="1626542680"/>
+      </p:ext>
+    </p:extLst>
+  </p:cSld>
+  <p:clrMapOvr>
+    <a:masterClrMapping/>
+  </p:clrMapOvr>
+</p:notes>
+</file>
+
 <file path=ppt/slideLayouts/slideLayout1.xml><?xml version="1.0" encoding="utf-8"?>
 <p:sldLayout xmlns:a="http://schemas.openxmlformats.org/drawingml/2006/main" xmlns:r="http://schemas.openxmlformats.org/officeDocument/2006/relationships" xmlns:p="http://schemas.openxmlformats.org/presentationml/2006/main" type="title" preserve="1">
   <p:cSld name="Diapositive de titre">
@@ -732,7 +975,7 @@
           <a:p>
             <a:fld id="{8036C585-A983-4D29-A701-9EF3CFE70FBF}" type="datetime1">
               <a:rPr lang="en-US" smtClean="0"/>
-              <a:t>9/2/2017</a:t>
+              <a:t>11/2/2017</a:t>
             </a:fld>
             <a:endParaRPr lang="en-US"/>
           </a:p>
@@ -906,7 +1149,7 @@
           <a:p>
             <a:fld id="{AD1D5203-BC7C-42C2-89E4-02366F891280}" type="datetime1">
               <a:rPr lang="en-US" smtClean="0"/>
-              <a:t>9/2/2017</a:t>
+              <a:t>11/2/2017</a:t>
             </a:fld>
             <a:endParaRPr lang="en-US"/>
           </a:p>
@@ -1090,7 +1333,7 @@
           <a:p>
             <a:fld id="{FE6A3051-F935-4999-BFBE-212236356A8A}" type="datetime1">
               <a:rPr lang="en-US" smtClean="0"/>
-              <a:t>9/2/2017</a:t>
+              <a:t>11/2/2017</a:t>
             </a:fld>
             <a:endParaRPr lang="en-US"/>
           </a:p>
@@ -1286,7 +1529,7 @@
           <a:p>
             <a:fld id="{1E985461-1E70-4229-80DB-853BCB51875B}" type="datetime1">
               <a:rPr lang="en-US" smtClean="0"/>
-              <a:t>9/2/2017</a:t>
+              <a:t>11/2/2017</a:t>
             </a:fld>
             <a:endParaRPr lang="en-US"/>
           </a:p>
@@ -1460,7 +1703,7 @@
           <a:p>
             <a:fld id="{1479ADC5-FB6A-4DCC-AB51-D77886120822}" type="datetime1">
               <a:rPr lang="en-US" smtClean="0"/>
-              <a:t>9/2/2017</a:t>
+              <a:t>11/2/2017</a:t>
             </a:fld>
             <a:endParaRPr lang="en-US"/>
           </a:p>
@@ -1710,7 +1953,7 @@
           <a:p>
             <a:fld id="{796F4621-15DA-4B45-88C5-BECF2E40AC9B}" type="datetime1">
               <a:rPr lang="en-US" smtClean="0"/>
-              <a:t>9/2/2017</a:t>
+              <a:t>11/2/2017</a:t>
             </a:fld>
             <a:endParaRPr lang="en-US"/>
           </a:p>
@@ -1946,7 +2189,7 @@
           <a:p>
             <a:fld id="{B46B4746-6956-4EA4-991F-9D1531476F93}" type="datetime1">
               <a:rPr lang="en-US" smtClean="0"/>
-              <a:t>9/2/2017</a:t>
+              <a:t>11/2/2017</a:t>
             </a:fld>
             <a:endParaRPr lang="en-US"/>
           </a:p>
@@ -2317,7 +2560,7 @@
           <a:p>
             <a:fld id="{31180A16-EB34-4043-B83D-499281663695}" type="datetime1">
               <a:rPr lang="en-US" smtClean="0"/>
-              <a:t>9/2/2017</a:t>
+              <a:t>11/2/2017</a:t>
             </a:fld>
             <a:endParaRPr lang="en-US"/>
           </a:p>
@@ -2439,7 +2682,7 @@
           <a:p>
             <a:fld id="{5CBB39BD-9303-492F-A561-94B0326944D4}" type="datetime1">
               <a:rPr lang="en-US" smtClean="0"/>
-              <a:t>9/2/2017</a:t>
+              <a:t>11/2/2017</a:t>
             </a:fld>
             <a:endParaRPr lang="en-US"/>
           </a:p>
@@ -2538,7 +2781,7 @@
           <a:p>
             <a:fld id="{965B9AAD-3125-47FF-B1D7-D42B954F5039}" type="datetime1">
               <a:rPr lang="en-US" smtClean="0"/>
-              <a:t>9/2/2017</a:t>
+              <a:t>11/2/2017</a:t>
             </a:fld>
             <a:endParaRPr lang="en-US"/>
           </a:p>
@@ -2819,7 +3062,7 @@
           <a:p>
             <a:fld id="{73E65BEB-1141-4F9F-908C-BD8E737F9C5F}" type="datetime1">
               <a:rPr lang="en-US" smtClean="0"/>
-              <a:t>9/2/2017</a:t>
+              <a:t>11/2/2017</a:t>
             </a:fld>
             <a:endParaRPr lang="en-US"/>
           </a:p>
@@ -2993,7 +3236,7 @@
           <a:p>
             <a:fld id="{B51E5FD6-B3F0-4913-AF4E-91B2558E2D08}" type="datetime1">
               <a:rPr lang="en-US" smtClean="0"/>
-              <a:t>9/2/2017</a:t>
+              <a:t>11/2/2017</a:t>
             </a:fld>
             <a:endParaRPr lang="en-US"/>
           </a:p>
@@ -3250,7 +3493,7 @@
           <a:p>
             <a:fld id="{7B41DB24-2C19-44F1-A737-961FAAE5907A}" type="datetime1">
               <a:rPr lang="en-US" smtClean="0"/>
-              <a:t>9/2/2017</a:t>
+              <a:t>11/2/2017</a:t>
             </a:fld>
             <a:endParaRPr lang="en-US"/>
           </a:p>
@@ -3424,7 +3667,7 @@
           <a:p>
             <a:fld id="{F9ED351E-CFBA-488B-ADA5-28317BCE17F6}" type="datetime1">
               <a:rPr lang="en-US" smtClean="0"/>
-              <a:t>9/2/2017</a:t>
+              <a:t>11/2/2017</a:t>
             </a:fld>
             <a:endParaRPr lang="en-US"/>
           </a:p>
@@ -3608,7 +3851,7 @@
           <a:p>
             <a:fld id="{D1DFA93E-67A5-4629-9ACE-4E7AE6772B60}" type="datetime1">
               <a:rPr lang="en-US" smtClean="0"/>
-              <a:t>9/2/2017</a:t>
+              <a:t>11/2/2017</a:t>
             </a:fld>
             <a:endParaRPr lang="en-US"/>
           </a:p>
@@ -3863,7 +4106,7 @@
           <a:p>
             <a:fld id="{7E94A088-F3ED-45FD-9B60-6A8E24D4BDA9}" type="datetime1">
               <a:rPr lang="en-US" smtClean="0"/>
-              <a:t>9/2/2017</a:t>
+              <a:t>11/2/2017</a:t>
             </a:fld>
             <a:endParaRPr lang="en-US"/>
           </a:p>
@@ -4099,7 +4342,7 @@
           <a:p>
             <a:fld id="{5485EAEB-10C1-49D0-A5DC-442D745E8FED}" type="datetime1">
               <a:rPr lang="en-US" smtClean="0"/>
-              <a:t>9/2/2017</a:t>
+              <a:t>11/2/2017</a:t>
             </a:fld>
             <a:endParaRPr lang="en-US"/>
           </a:p>
@@ -4450,7 +4693,7 @@
           <a:p>
             <a:fld id="{C1ED6B4D-0C06-4066-BE55-C5DC19397E83}" type="datetime1">
               <a:rPr lang="en-US" smtClean="0"/>
-              <a:t>9/2/2017</a:t>
+              <a:t>11/2/2017</a:t>
             </a:fld>
             <a:endParaRPr lang="en-US"/>
           </a:p>
@@ -4572,7 +4815,7 @@
           <a:p>
             <a:fld id="{DA7F24C4-47F4-4F0B-B861-24178AF4F882}" type="datetime1">
               <a:rPr lang="en-US" smtClean="0"/>
-              <a:t>9/2/2017</a:t>
+              <a:t>11/2/2017</a:t>
             </a:fld>
             <a:endParaRPr lang="en-US"/>
           </a:p>
@@ -4694,7 +4937,7 @@
           <a:p>
             <a:fld id="{166C1A3D-B811-45A7-AE31-D8748560452F}" type="datetime1">
               <a:rPr lang="en-US" smtClean="0"/>
-              <a:t>9/2/2017</a:t>
+              <a:t>11/2/2017</a:t>
             </a:fld>
             <a:endParaRPr lang="en-US"/>
           </a:p>
@@ -4982,7 +5225,7 @@
           <a:p>
             <a:fld id="{816142D6-16DD-4A95-80C3-F6FBF97DD9B4}" type="datetime1">
               <a:rPr lang="en-US" smtClean="0"/>
-              <a:t>9/2/2017</a:t>
+              <a:t>11/2/2017</a:t>
             </a:fld>
             <a:endParaRPr lang="en-US"/>
           </a:p>
@@ -5250,7 +5493,7 @@
           <a:p>
             <a:fld id="{3BF0FADF-0E41-41CE-BA51-5C4EDEC3FC01}" type="datetime1">
               <a:rPr lang="en-US" smtClean="0"/>
-              <a:t>9/2/2017</a:t>
+              <a:t>11/2/2017</a:t>
             </a:fld>
             <a:endParaRPr lang="en-US"/>
           </a:p>
@@ -5468,7 +5711,7 @@
           <a:p>
             <a:fld id="{A148A423-D151-4948-9C16-2DC5199FF080}" type="datetime1">
               <a:rPr lang="en-US" smtClean="0"/>
-              <a:t>9/2/2017</a:t>
+              <a:t>11/2/2017</a:t>
             </a:fld>
             <a:endParaRPr lang="en-US"/>
           </a:p>
@@ -6002,7 +6245,7 @@
           <a:p>
             <a:fld id="{CD387425-1F8A-4A62-90D5-DC2B7946C9CD}" type="datetime1">
               <a:rPr lang="en-US" smtClean="0"/>
-              <a:t>9/2/2017</a:t>
+              <a:t>11/2/2017</a:t>
             </a:fld>
             <a:endParaRPr lang="en-US"/>
           </a:p>
@@ -6428,8 +6671,8 @@
         </p:nvSpPr>
         <p:spPr>
           <a:xfrm>
-            <a:off x="250825" y="1514052"/>
-            <a:ext cx="8642350" cy="3829895"/>
+            <a:off x="611188" y="1882951"/>
+            <a:ext cx="7921626" cy="3981988"/>
           </a:xfrm>
           <a:prstGeom prst="rect">
             <a:avLst/>
@@ -6440,6 +6683,69 @@
             <a:spAutoFit/>
           </a:bodyPr>
           <a:lstStyle/>
+          <a:p>
+            <a:pPr algn="ctr">
+              <a:lnSpc>
+                <a:spcPct val="114000"/>
+              </a:lnSpc>
+              <a:spcAft>
+                <a:spcPts val="600"/>
+              </a:spcAft>
+            </a:pPr>
+            <a:r>
+              <a:rPr lang="fr-FR" sz="2000" dirty="0">
+                <a:solidFill>
+                  <a:srgbClr val="2C3E50"/>
+                </a:solidFill>
+                <a:latin typeface="Roboto Black" panose="02000000000000000000" pitchFamily="2" charset="0"/>
+                <a:ea typeface="Roboto Black" panose="02000000000000000000" pitchFamily="2" charset="0"/>
+                <a:cs typeface="Times New Roman" panose="02020603050405020304" pitchFamily="18" charset="0"/>
+              </a:rPr>
+              <a:t>CONTENU ET FRÉQUENCE DU RAPPORT DE RÊVE.</a:t>
+            </a:r>
+          </a:p>
+          <a:p>
+            <a:pPr algn="ctr">
+              <a:lnSpc>
+                <a:spcPct val="114000"/>
+              </a:lnSpc>
+              <a:spcAft>
+                <a:spcPts val="4200"/>
+              </a:spcAft>
+            </a:pPr>
+            <a:r>
+              <a:rPr lang="fr-FR" sz="2000" dirty="0" smtClean="0">
+                <a:solidFill>
+                  <a:srgbClr val="2C3E50"/>
+                </a:solidFill>
+                <a:latin typeface="Roboto" pitchFamily="2" charset="0"/>
+                <a:ea typeface="Roboto" pitchFamily="2" charset="0"/>
+                <a:cs typeface="Times New Roman" panose="02020603050405020304" pitchFamily="18" charset="0"/>
+              </a:rPr>
+              <a:t>Approches comportementales et neurophysiologiques.</a:t>
+            </a:r>
+          </a:p>
+          <a:p>
+            <a:pPr algn="ctr">
+              <a:lnSpc>
+                <a:spcPct val="114000"/>
+              </a:lnSpc>
+              <a:spcAft>
+                <a:spcPts val="2400"/>
+              </a:spcAft>
+            </a:pPr>
+            <a:r>
+              <a:rPr lang="fr-FR" sz="2000" dirty="0" smtClean="0">
+                <a:solidFill>
+                  <a:srgbClr val="2980B9"/>
+                </a:solidFill>
+                <a:latin typeface="Roboto Medium" panose="02000000000000000000" pitchFamily="2" charset="0"/>
+                <a:ea typeface="Roboto Medium" panose="02000000000000000000" pitchFamily="2" charset="0"/>
+                <a:cs typeface="Open Sans ExtraBold" panose="020B0906030804020204" pitchFamily="34" charset="0"/>
+              </a:rPr>
+              <a:t>Raphaël Vallat</a:t>
+            </a:r>
+          </a:p>
           <a:p>
             <a:pPr algn="ctr">
               <a:lnSpc>
@@ -6447,15 +6753,15 @@
               </a:lnSpc>
             </a:pPr>
             <a:r>
-              <a:rPr lang="en-US" sz="2200" b="1" dirty="0" smtClean="0">
-                <a:solidFill>
-                  <a:srgbClr val="282A2E"/>
-                </a:solidFill>
-                <a:latin typeface="Helvetica Neue" panose="02000503000000020004" pitchFamily="50"/>
-                <a:ea typeface="Roboto Medium" panose="02000000000000000000" pitchFamily="2" charset="0"/>
-                <a:cs typeface="Times New Roman" panose="02020603050405020304" pitchFamily="18" charset="0"/>
-              </a:rPr>
-              <a:t>CONTENT AND FREQUENCY OF DREAM REPORTS. </a:t>
+              <a:rPr lang="fr-FR" sz="1400" i="1" dirty="0" smtClean="0">
+                <a:solidFill>
+                  <a:srgbClr val="7F8C8D"/>
+                </a:solidFill>
+                <a:latin typeface="Roboto" pitchFamily="2" charset="0"/>
+                <a:ea typeface="Roboto" pitchFamily="2" charset="0"/>
+                <a:cs typeface="Open Sans ExtraBold" panose="020B0906030804020204" pitchFamily="34" charset="0"/>
+              </a:rPr>
+              <a:t>Université Claude Bernard Lyon 1,</a:t>
             </a:r>
           </a:p>
           <a:p>
@@ -6463,41 +6769,17 @@
               <a:lnSpc>
                 <a:spcPct val="114000"/>
               </a:lnSpc>
-              <a:spcAft>
-                <a:spcPts val="6000"/>
-              </a:spcAft>
             </a:pPr>
             <a:r>
-              <a:rPr lang="en-US" sz="2200" i="1" dirty="0" smtClean="0">
-                <a:solidFill>
-                  <a:srgbClr val="282A2E"/>
-                </a:solidFill>
-                <a:latin typeface="Helvetica Neue" panose="02000503000000020004" pitchFamily="50"/>
-                <a:ea typeface="Roboto Medium" panose="02000000000000000000" pitchFamily="2" charset="0"/>
-                <a:cs typeface="Times New Roman" panose="02020603050405020304" pitchFamily="18" charset="0"/>
-              </a:rPr>
-              <a:t>Psychological and Neurophysiological Correlates.</a:t>
-            </a:r>
-          </a:p>
-          <a:p>
-            <a:pPr algn="ctr">
-              <a:lnSpc>
-                <a:spcPct val="114000"/>
-              </a:lnSpc>
-              <a:spcAft>
-                <a:spcPts val="1800"/>
-              </a:spcAft>
-            </a:pPr>
-            <a:r>
-              <a:rPr lang="en-US" sz="2200" b="1" dirty="0" smtClean="0">
-                <a:solidFill>
-                  <a:srgbClr val="282A2E"/>
-                </a:solidFill>
-                <a:latin typeface="Helvetica Neue" panose="02000503000000020004" pitchFamily="50"/>
+              <a:rPr lang="fr-FR" sz="1400" i="1" dirty="0" smtClean="0">
+                <a:solidFill>
+                  <a:srgbClr val="7F8C8D"/>
+                </a:solidFill>
+                <a:latin typeface="Roboto" pitchFamily="2" charset="0"/>
                 <a:ea typeface="Roboto" pitchFamily="2" charset="0"/>
-                <a:cs typeface="Times New Roman" panose="02020603050405020304" pitchFamily="18" charset="0"/>
-              </a:rPr>
-              <a:t>Raphaël Vallat</a:t>
+                <a:cs typeface="Open Sans ExtraBold" panose="020B0906030804020204" pitchFamily="34" charset="0"/>
+              </a:rPr>
+              <a:t>Centre de Recherche en Neurosciences de Lyon,</a:t>
             </a:r>
           </a:p>
           <a:p>
@@ -6510,15 +6792,15 @@
               </a:spcAft>
             </a:pPr>
             <a:r>
-              <a:rPr lang="en-US" dirty="0" smtClean="0">
-                <a:solidFill>
-                  <a:srgbClr val="282A2E"/>
-                </a:solidFill>
-                <a:latin typeface="Helvetica Neue" panose="02000503000000020004" pitchFamily="50"/>
+              <a:rPr lang="fr-FR" sz="1400" i="1" dirty="0" smtClean="0">
+                <a:solidFill>
+                  <a:srgbClr val="7F8C8D"/>
+                </a:solidFill>
+                <a:latin typeface="Roboto" pitchFamily="2" charset="0"/>
                 <a:ea typeface="Roboto" pitchFamily="2" charset="0"/>
-                <a:cs typeface="Times New Roman" panose="02020603050405020304" pitchFamily="18" charset="0"/>
-              </a:rPr>
-              <a:t>Lyon 1 University</a:t>
+                <a:cs typeface="Open Sans ExtraBold" panose="020B0906030804020204" pitchFamily="34" charset="0"/>
+              </a:rPr>
+              <a:t>Équipe Dynamique Cérébrale et Cognition </a:t>
             </a:r>
           </a:p>
           <a:p>
@@ -6527,41 +6809,19 @@
                 <a:spcPct val="114000"/>
               </a:lnSpc>
               <a:spcAft>
-                <a:spcPts val="1800"/>
+                <a:spcPts val="600"/>
               </a:spcAft>
             </a:pPr>
             <a:r>
-              <a:rPr lang="en-US" dirty="0" smtClean="0">
-                <a:solidFill>
-                  <a:srgbClr val="282A2E"/>
-                </a:solidFill>
-                <a:latin typeface="Helvetica Neue" panose="02000503000000020004" pitchFamily="50"/>
-                <a:ea typeface="Roboto" pitchFamily="2" charset="0"/>
+              <a:rPr lang="fr-FR" sz="1600" dirty="0" smtClean="0">
+                <a:solidFill>
+                  <a:srgbClr val="2C3E50"/>
+                </a:solidFill>
+                <a:latin typeface="Roboto Medium" panose="02000000000000000000" pitchFamily="2" charset="0"/>
+                <a:ea typeface="Roboto Medium" panose="02000000000000000000" pitchFamily="2" charset="0"/>
                 <a:cs typeface="Times New Roman" panose="02020603050405020304" pitchFamily="18" charset="0"/>
               </a:rPr>
-              <a:t>Ph.D. </a:t>
-            </a:r>
-            <a:r>
-              <a:rPr lang="en-US" dirty="0">
-                <a:solidFill>
-                  <a:srgbClr val="282A2E"/>
-                </a:solidFill>
-                <a:latin typeface="Helvetica Neue" panose="02000503000000020004" pitchFamily="50"/>
-                <a:ea typeface="Roboto" pitchFamily="2" charset="0"/>
-                <a:cs typeface="Times New Roman" panose="02020603050405020304" pitchFamily="18" charset="0"/>
-              </a:rPr>
-              <a:t>O</a:t>
-            </a:r>
-            <a:r>
-              <a:rPr lang="en-US" dirty="0" smtClean="0">
-                <a:solidFill>
-                  <a:srgbClr val="282A2E"/>
-                </a:solidFill>
-                <a:latin typeface="Helvetica Neue" panose="02000503000000020004" pitchFamily="50"/>
-                <a:ea typeface="Roboto" pitchFamily="2" charset="0"/>
-                <a:cs typeface="Times New Roman" panose="02020603050405020304" pitchFamily="18" charset="0"/>
-              </a:rPr>
-              <a:t>ral Defense</a:t>
+              <a:t>Soutenance de thèse</a:t>
             </a:r>
           </a:p>
           <a:p>
@@ -6570,57 +6830,34 @@
                 <a:spcPct val="114000"/>
               </a:lnSpc>
               <a:spcAft>
-                <a:spcPts val="2400"/>
+                <a:spcPts val="3600"/>
               </a:spcAft>
             </a:pPr>
             <a:r>
-              <a:rPr lang="en-US" sz="1600" i="1" dirty="0" smtClean="0">
-                <a:solidFill>
-                  <a:srgbClr val="282A2E"/>
-                </a:solidFill>
-                <a:latin typeface="Helvetica Neue" panose="02000503000000020004" pitchFamily="50"/>
-                <a:ea typeface="Roboto" pitchFamily="2" charset="0"/>
+              <a:rPr lang="fr-FR" sz="1600" i="1" dirty="0" smtClean="0">
+                <a:solidFill>
+                  <a:srgbClr val="2C3E50"/>
+                </a:solidFill>
+                <a:latin typeface="Roboto Light" panose="02000000000000000000" pitchFamily="2" charset="0"/>
+                <a:ea typeface="Roboto Light" panose="02000000000000000000" pitchFamily="2" charset="0"/>
                 <a:cs typeface="Times New Roman" panose="02020603050405020304" pitchFamily="18" charset="0"/>
               </a:rPr>
-              <a:t>December 19, 2017</a:t>
-            </a:r>
-            <a:endParaRPr lang="en-US" sz="1600" i="1" dirty="0">
+              <a:t>8 décembre 2017</a:t>
+            </a:r>
+            <a:endParaRPr lang="fr-FR" sz="1600" i="1" dirty="0">
               <a:solidFill>
-                <a:srgbClr val="282A2E"/>
+                <a:srgbClr val="2C3E50"/>
               </a:solidFill>
-              <a:latin typeface="Helvetica Neue" panose="02000503000000020004" pitchFamily="50"/>
-              <a:ea typeface="Roboto" pitchFamily="2" charset="0"/>
+              <a:latin typeface="Roboto Light" panose="02000000000000000000" pitchFamily="2" charset="0"/>
+              <a:ea typeface="Roboto Light" panose="02000000000000000000" pitchFamily="2" charset="0"/>
               <a:cs typeface="Times New Roman" panose="02020603050405020304" pitchFamily="18" charset="0"/>
             </a:endParaRPr>
           </a:p>
         </p:txBody>
       </p:sp>
-      <p:sp>
-        <p:nvSpPr>
-          <p:cNvPr id="9" name="Espace réservé du numéro de diapositive 8"/>
-          <p:cNvSpPr>
-            <a:spLocks noGrp="1"/>
-          </p:cNvSpPr>
-          <p:nvPr>
-            <p:ph type="sldNum" sz="quarter" idx="12"/>
-          </p:nvPr>
-        </p:nvSpPr>
-        <p:spPr/>
-        <p:txBody>
-          <a:bodyPr/>
-          <a:lstStyle/>
-          <a:p>
-            <a:fld id="{35FF5DC1-B1C3-4575-9516-BF75EB359694}" type="slidenum">
-              <a:rPr lang="en-US" smtClean="0"/>
-              <a:t>1</a:t>
-            </a:fld>
-            <a:endParaRPr lang="en-US"/>
-          </a:p>
-        </p:txBody>
-      </p:sp>
       <p:pic>
         <p:nvPicPr>
-          <p:cNvPr id="2" name="Image 1"/>
+          <p:cNvPr id="3" name="Image 2"/>
           <p:cNvPicPr>
             <a:picLocks noChangeAspect="1"/>
           </p:cNvPicPr>
@@ -6640,8 +6877,8 @@
         </p:blipFill>
         <p:spPr>
           <a:xfrm>
-            <a:off x="250825" y="99275"/>
-            <a:ext cx="1239953" cy="900000"/>
+            <a:off x="3789816" y="186361"/>
+            <a:ext cx="2357033" cy="900000"/>
           </a:xfrm>
           <a:prstGeom prst="rect">
             <a:avLst/>
@@ -6652,6 +6889,1544 @@
     <p:extLst>
       <p:ext uri="{BB962C8B-B14F-4D97-AF65-F5344CB8AC3E}">
         <p14:creationId xmlns:p14="http://schemas.microsoft.com/office/powerpoint/2010/main" val="2649120297"/>
+      </p:ext>
+    </p:extLst>
+  </p:cSld>
+  <p:clrMapOvr>
+    <a:masterClrMapping/>
+  </p:clrMapOvr>
+  <p:timing>
+    <p:tnLst>
+      <p:par>
+        <p:cTn id="1" dur="indefinite" restart="never" nodeType="tmRoot"/>
+      </p:par>
+    </p:tnLst>
+  </p:timing>
+</p:sld>
+</file>
+
+<file path=ppt/slides/slide10.xml><?xml version="1.0" encoding="utf-8"?>
+<p:sld xmlns:a="http://schemas.openxmlformats.org/drawingml/2006/main" xmlns:r="http://schemas.openxmlformats.org/officeDocument/2006/relationships" xmlns:p="http://schemas.openxmlformats.org/presentationml/2006/main">
+  <p:cSld>
+    <p:spTree>
+      <p:nvGrpSpPr>
+        <p:cNvPr id="1" name=""/>
+        <p:cNvGrpSpPr/>
+        <p:nvPr/>
+      </p:nvGrpSpPr>
+      <p:grpSpPr>
+        <a:xfrm>
+          <a:off x="0" y="0"/>
+          <a:ext cx="0" cy="0"/>
+          <a:chOff x="0" y="0"/>
+          <a:chExt cx="0" cy="0"/>
+        </a:xfrm>
+      </p:grpSpPr>
+      <p:sp>
+        <p:nvSpPr>
+          <p:cNvPr id="13" name="Rectangle 12"/>
+          <p:cNvSpPr/>
+          <p:nvPr/>
+        </p:nvSpPr>
+        <p:spPr>
+          <a:xfrm>
+            <a:off x="611188" y="800100"/>
+            <a:ext cx="7921625" cy="5508625"/>
+          </a:xfrm>
+          <a:prstGeom prst="rect">
+            <a:avLst/>
+          </a:prstGeom>
+          <a:noFill/>
+          <a:ln>
+            <a:noFill/>
+          </a:ln>
+        </p:spPr>
+        <p:style>
+          <a:lnRef idx="2">
+            <a:schemeClr val="accent1">
+              <a:shade val="50000"/>
+            </a:schemeClr>
+          </a:lnRef>
+          <a:fillRef idx="1">
+            <a:schemeClr val="accent1"/>
+          </a:fillRef>
+          <a:effectRef idx="0">
+            <a:schemeClr val="accent1"/>
+          </a:effectRef>
+          <a:fontRef idx="minor">
+            <a:schemeClr val="lt1"/>
+          </a:fontRef>
+        </p:style>
+        <p:txBody>
+          <a:bodyPr rtlCol="0" anchor="t"/>
+          <a:lstStyle/>
+          <a:p>
+            <a:pPr>
+              <a:spcAft>
+                <a:spcPts val="1200"/>
+              </a:spcAft>
+            </a:pPr>
+            <a:r>
+              <a:rPr lang="en-US" b="1" dirty="0" smtClean="0">
+                <a:solidFill>
+                  <a:srgbClr val="2C3E50"/>
+                </a:solidFill>
+                <a:latin typeface="+mj-lt"/>
+              </a:rPr>
+              <a:t>EEG-fMRI Paradigm</a:t>
+            </a:r>
+          </a:p>
+          <a:p>
+            <a:pPr algn="just">
+              <a:spcAft>
+                <a:spcPts val="1200"/>
+              </a:spcAft>
+            </a:pPr>
+            <a:endParaRPr lang="en-US" b="1" dirty="0" smtClean="0">
+              <a:solidFill>
+                <a:srgbClr val="2C3E50"/>
+              </a:solidFill>
+              <a:latin typeface="+mj-lt"/>
+            </a:endParaRPr>
+          </a:p>
+          <a:p>
+            <a:pPr algn="just">
+              <a:spcAft>
+                <a:spcPts val="1200"/>
+              </a:spcAft>
+            </a:pPr>
+            <a:endParaRPr lang="en-US" sz="1600" i="1" dirty="0" smtClean="0">
+              <a:solidFill>
+                <a:srgbClr val="10171E"/>
+              </a:solidFill>
+            </a:endParaRPr>
+          </a:p>
+          <a:p>
+            <a:pPr algn="just">
+              <a:spcAft>
+                <a:spcPts val="1200"/>
+              </a:spcAft>
+            </a:pPr>
+            <a:endParaRPr lang="en-US" sz="1600" i="1" dirty="0">
+              <a:solidFill>
+                <a:srgbClr val="10171E"/>
+              </a:solidFill>
+            </a:endParaRPr>
+          </a:p>
+          <a:p>
+            <a:pPr algn="just">
+              <a:spcAft>
+                <a:spcPts val="1200"/>
+              </a:spcAft>
+            </a:pPr>
+            <a:endParaRPr lang="en-US" sz="1600" i="1" dirty="0" smtClean="0">
+              <a:solidFill>
+                <a:srgbClr val="10171E"/>
+              </a:solidFill>
+            </a:endParaRPr>
+          </a:p>
+          <a:p>
+            <a:pPr algn="just">
+              <a:spcAft>
+                <a:spcPts val="1200"/>
+              </a:spcAft>
+            </a:pPr>
+            <a:endParaRPr lang="en-US" sz="1600" i="1" dirty="0">
+              <a:solidFill>
+                <a:srgbClr val="10171E"/>
+              </a:solidFill>
+            </a:endParaRPr>
+          </a:p>
+          <a:p>
+            <a:pPr algn="just">
+              <a:spcAft>
+                <a:spcPts val="1200"/>
+              </a:spcAft>
+            </a:pPr>
+            <a:endParaRPr lang="en-US" sz="1600" i="1" dirty="0" smtClean="0">
+              <a:solidFill>
+                <a:srgbClr val="10171E"/>
+              </a:solidFill>
+            </a:endParaRPr>
+          </a:p>
+          <a:p>
+            <a:pPr algn="just">
+              <a:spcAft>
+                <a:spcPts val="1200"/>
+              </a:spcAft>
+            </a:pPr>
+            <a:endParaRPr lang="en-US" sz="1600" dirty="0" smtClean="0">
+              <a:solidFill>
+                <a:srgbClr val="10171E"/>
+              </a:solidFill>
+            </a:endParaRPr>
+          </a:p>
+        </p:txBody>
+      </p:sp>
+      <p:sp>
+        <p:nvSpPr>
+          <p:cNvPr id="4" name="Espace réservé du numéro de diapositive 3"/>
+          <p:cNvSpPr>
+            <a:spLocks noGrp="1"/>
+          </p:cNvSpPr>
+          <p:nvPr>
+            <p:ph type="sldNum" sz="quarter" idx="12"/>
+          </p:nvPr>
+        </p:nvSpPr>
+        <p:spPr>
+          <a:xfrm>
+            <a:off x="8532813" y="6420123"/>
+            <a:ext cx="611187" cy="365125"/>
+          </a:xfrm>
+        </p:spPr>
+        <p:txBody>
+          <a:bodyPr/>
+          <a:lstStyle/>
+          <a:p>
+            <a:pPr algn="ctr"/>
+            <a:fld id="{35FF5DC1-B1C3-4575-9516-BF75EB359694}" type="slidenum">
+              <a:rPr lang="en-US" sz="1100" smtClean="0">
+                <a:solidFill>
+                  <a:srgbClr val="7F8C8D"/>
+                </a:solidFill>
+              </a:rPr>
+              <a:pPr algn="ctr"/>
+              <a:t>10</a:t>
+            </a:fld>
+            <a:endParaRPr lang="en-US" sz="1100" dirty="0">
+              <a:solidFill>
+                <a:srgbClr val="7F8C8D"/>
+              </a:solidFill>
+            </a:endParaRPr>
+          </a:p>
+        </p:txBody>
+      </p:sp>
+      <p:cxnSp>
+        <p:nvCxnSpPr>
+          <p:cNvPr id="6" name="Connecteur droit 5"/>
+          <p:cNvCxnSpPr/>
+          <p:nvPr/>
+        </p:nvCxnSpPr>
+        <p:spPr>
+          <a:xfrm flipH="1" flipV="1">
+            <a:off x="8521927" y="6318000"/>
+            <a:ext cx="0" cy="540000"/>
+          </a:xfrm>
+          <a:prstGeom prst="line">
+            <a:avLst/>
+          </a:prstGeom>
+          <a:ln w="28575">
+            <a:solidFill>
+              <a:srgbClr val="7F8C8D"/>
+            </a:solidFill>
+          </a:ln>
+        </p:spPr>
+        <p:style>
+          <a:lnRef idx="1">
+            <a:schemeClr val="dk1"/>
+          </a:lnRef>
+          <a:fillRef idx="0">
+            <a:schemeClr val="dk1"/>
+          </a:fillRef>
+          <a:effectRef idx="0">
+            <a:schemeClr val="dk1"/>
+          </a:effectRef>
+          <a:fontRef idx="minor">
+            <a:schemeClr val="tx1"/>
+          </a:fontRef>
+        </p:style>
+      </p:cxnSp>
+      <p:sp>
+        <p:nvSpPr>
+          <p:cNvPr id="7" name="ZoneTexte 6"/>
+          <p:cNvSpPr txBox="1"/>
+          <p:nvPr/>
+        </p:nvSpPr>
+        <p:spPr>
+          <a:xfrm>
+            <a:off x="4572000" y="6471881"/>
+            <a:ext cx="3893227" cy="261610"/>
+          </a:xfrm>
+          <a:prstGeom prst="rect">
+            <a:avLst/>
+          </a:prstGeom>
+          <a:noFill/>
+        </p:spPr>
+        <p:txBody>
+          <a:bodyPr wrap="square" rtlCol="0">
+            <a:spAutoFit/>
+          </a:bodyPr>
+          <a:lstStyle/>
+          <a:p>
+            <a:pPr algn="r"/>
+            <a:r>
+              <a:rPr lang="en-US" sz="1100" dirty="0" smtClean="0">
+                <a:solidFill>
+                  <a:srgbClr val="7F8C8D"/>
+                </a:solidFill>
+                <a:latin typeface="Roboto Medium" panose="02000000000000000000" pitchFamily="2" charset="0"/>
+                <a:ea typeface="Roboto Medium" panose="02000000000000000000" pitchFamily="2" charset="0"/>
+              </a:rPr>
+              <a:t>II. Mechanisms of dream recall frequency </a:t>
+            </a:r>
+            <a:r>
+              <a:rPr lang="en-US" sz="1100" dirty="0" smtClean="0">
+                <a:solidFill>
+                  <a:srgbClr val="7F8C8D"/>
+                </a:solidFill>
+                <a:latin typeface="Roboto Medium" panose="02000000000000000000" pitchFamily="2" charset="0"/>
+                <a:ea typeface="Roboto Medium" panose="02000000000000000000" pitchFamily="2" charset="0"/>
+              </a:rPr>
+              <a:t>– </a:t>
+            </a:r>
+            <a:r>
+              <a:rPr lang="en-US" sz="1100" dirty="0" smtClean="0">
+                <a:solidFill>
+                  <a:srgbClr val="7F8C8D"/>
+                </a:solidFill>
+                <a:latin typeface="Roboto" pitchFamily="2" charset="0"/>
+                <a:ea typeface="Roboto" pitchFamily="2" charset="0"/>
+              </a:rPr>
+              <a:t>Study 2</a:t>
+            </a:r>
+            <a:endParaRPr lang="en-US" sz="1100" dirty="0">
+              <a:solidFill>
+                <a:srgbClr val="7F8C8D"/>
+              </a:solidFill>
+              <a:latin typeface="Roboto" pitchFamily="2" charset="0"/>
+              <a:ea typeface="Roboto" pitchFamily="2" charset="0"/>
+            </a:endParaRPr>
+          </a:p>
+        </p:txBody>
+      </p:sp>
+      <p:sp>
+        <p:nvSpPr>
+          <p:cNvPr id="12" name="Rectangle 11"/>
+          <p:cNvSpPr/>
+          <p:nvPr/>
+        </p:nvSpPr>
+        <p:spPr>
+          <a:xfrm>
+            <a:off x="0" y="0"/>
+            <a:ext cx="9144000" cy="259200"/>
+          </a:xfrm>
+          <a:prstGeom prst="rect">
+            <a:avLst/>
+          </a:prstGeom>
+          <a:solidFill>
+            <a:srgbClr val="45607B"/>
+          </a:solidFill>
+          <a:ln>
+            <a:noFill/>
+          </a:ln>
+        </p:spPr>
+        <p:style>
+          <a:lnRef idx="2">
+            <a:schemeClr val="accent1">
+              <a:shade val="50000"/>
+            </a:schemeClr>
+          </a:lnRef>
+          <a:fillRef idx="1">
+            <a:schemeClr val="accent1"/>
+          </a:fillRef>
+          <a:effectRef idx="0">
+            <a:schemeClr val="accent1"/>
+          </a:effectRef>
+          <a:fontRef idx="minor">
+            <a:schemeClr val="lt1"/>
+          </a:fontRef>
+        </p:style>
+        <p:txBody>
+          <a:bodyPr rtlCol="0" anchor="ctr"/>
+          <a:lstStyle/>
+          <a:p>
+            <a:pPr algn="ctr"/>
+            <a:endParaRPr lang="en-US" dirty="0">
+              <a:solidFill>
+                <a:schemeClr val="bg1"/>
+              </a:solidFill>
+              <a:latin typeface="Roboto Light" panose="02000000000000000000" pitchFamily="2" charset="0"/>
+              <a:ea typeface="Roboto Light" panose="02000000000000000000" pitchFamily="2" charset="0"/>
+            </a:endParaRPr>
+          </a:p>
+        </p:txBody>
+      </p:sp>
+      <p:sp>
+        <p:nvSpPr>
+          <p:cNvPr id="15" name="ZoneTexte 14"/>
+          <p:cNvSpPr txBox="1"/>
+          <p:nvPr/>
+        </p:nvSpPr>
+        <p:spPr>
+          <a:xfrm>
+            <a:off x="284615" y="6471880"/>
+            <a:ext cx="3893227" cy="261610"/>
+          </a:xfrm>
+          <a:prstGeom prst="rect">
+            <a:avLst/>
+          </a:prstGeom>
+          <a:noFill/>
+        </p:spPr>
+        <p:txBody>
+          <a:bodyPr wrap="square" rtlCol="0">
+            <a:spAutoFit/>
+          </a:bodyPr>
+          <a:lstStyle/>
+          <a:p>
+            <a:r>
+              <a:rPr lang="en-US" sz="1100" dirty="0" smtClean="0">
+                <a:solidFill>
+                  <a:srgbClr val="7F8C8D"/>
+                </a:solidFill>
+                <a:latin typeface="Roboto Light" panose="02000000000000000000" pitchFamily="2" charset="0"/>
+                <a:ea typeface="Roboto Light" panose="02000000000000000000" pitchFamily="2" charset="0"/>
+              </a:rPr>
+              <a:t>R. Vallat – Ph.D. Oral Defense – December 8</a:t>
+            </a:r>
+            <a:r>
+              <a:rPr lang="en-US" sz="1100" baseline="30000" dirty="0" smtClean="0">
+                <a:solidFill>
+                  <a:srgbClr val="7F8C8D"/>
+                </a:solidFill>
+                <a:latin typeface="Roboto Light" panose="02000000000000000000" pitchFamily="2" charset="0"/>
+                <a:ea typeface="Roboto Light" panose="02000000000000000000" pitchFamily="2" charset="0"/>
+              </a:rPr>
+              <a:t>th</a:t>
+            </a:r>
+            <a:r>
+              <a:rPr lang="en-US" sz="1100" dirty="0" smtClean="0">
+                <a:solidFill>
+                  <a:srgbClr val="7F8C8D"/>
+                </a:solidFill>
+                <a:latin typeface="Roboto Light" panose="02000000000000000000" pitchFamily="2" charset="0"/>
+                <a:ea typeface="Roboto Light" panose="02000000000000000000" pitchFamily="2" charset="0"/>
+              </a:rPr>
+              <a:t> 2017</a:t>
+            </a:r>
+            <a:endParaRPr lang="en-US" sz="1100" dirty="0">
+              <a:solidFill>
+                <a:srgbClr val="7F8C8D"/>
+              </a:solidFill>
+              <a:latin typeface="Roboto Light" panose="02000000000000000000" pitchFamily="2" charset="0"/>
+              <a:ea typeface="Roboto Light" panose="02000000000000000000" pitchFamily="2" charset="0"/>
+            </a:endParaRPr>
+          </a:p>
+        </p:txBody>
+      </p:sp>
+      <p:sp>
+        <p:nvSpPr>
+          <p:cNvPr id="17" name="ZoneTexte 16"/>
+          <p:cNvSpPr txBox="1"/>
+          <p:nvPr/>
+        </p:nvSpPr>
+        <p:spPr>
+          <a:xfrm>
+            <a:off x="0" y="259200"/>
+            <a:ext cx="1828800" cy="261610"/>
+          </a:xfrm>
+          <a:prstGeom prst="rect">
+            <a:avLst/>
+          </a:prstGeom>
+          <a:solidFill>
+            <a:srgbClr val="ECF0F1"/>
+          </a:solidFill>
+        </p:spPr>
+        <p:txBody>
+          <a:bodyPr wrap="square" rtlCol="0">
+            <a:spAutoFit/>
+          </a:bodyPr>
+          <a:lstStyle/>
+          <a:p>
+            <a:pPr algn="ctr"/>
+            <a:r>
+              <a:rPr lang="en-US" sz="1100" i="1" dirty="0" smtClean="0">
+                <a:solidFill>
+                  <a:srgbClr val="95A5A6"/>
+                </a:solidFill>
+                <a:latin typeface="Roboto Light" panose="02000000000000000000" pitchFamily="2" charset="0"/>
+                <a:ea typeface="Roboto Light" panose="02000000000000000000" pitchFamily="2" charset="0"/>
+              </a:rPr>
+              <a:t>Introduction</a:t>
+            </a:r>
+            <a:endParaRPr lang="en-US" sz="1100" i="1" dirty="0">
+              <a:solidFill>
+                <a:srgbClr val="95A5A6"/>
+              </a:solidFill>
+              <a:latin typeface="Roboto Light" panose="02000000000000000000" pitchFamily="2" charset="0"/>
+              <a:ea typeface="Roboto Light" panose="02000000000000000000" pitchFamily="2" charset="0"/>
+            </a:endParaRPr>
+          </a:p>
+        </p:txBody>
+      </p:sp>
+      <p:sp>
+        <p:nvSpPr>
+          <p:cNvPr id="19" name="ZoneTexte 18"/>
+          <p:cNvSpPr txBox="1"/>
+          <p:nvPr/>
+        </p:nvSpPr>
+        <p:spPr>
+          <a:xfrm>
+            <a:off x="1828800" y="258463"/>
+            <a:ext cx="1828800" cy="261610"/>
+          </a:xfrm>
+          <a:prstGeom prst="rect">
+            <a:avLst/>
+          </a:prstGeom>
+          <a:solidFill>
+            <a:srgbClr val="ECF0F1"/>
+          </a:solidFill>
+        </p:spPr>
+        <p:txBody>
+          <a:bodyPr wrap="square" rtlCol="0">
+            <a:spAutoFit/>
+          </a:bodyPr>
+          <a:lstStyle/>
+          <a:p>
+            <a:pPr algn="ctr"/>
+            <a:r>
+              <a:rPr lang="en-US" sz="1100" b="1" i="1" dirty="0" smtClean="0">
+                <a:solidFill>
+                  <a:srgbClr val="34495E"/>
+                </a:solidFill>
+                <a:latin typeface="Roboto Light" panose="02000000000000000000" pitchFamily="2" charset="0"/>
+                <a:ea typeface="Roboto Light" panose="02000000000000000000" pitchFamily="2" charset="0"/>
+              </a:rPr>
+              <a:t>Dream recall</a:t>
+            </a:r>
+            <a:endParaRPr lang="en-US" sz="1100" b="1" i="1" dirty="0">
+              <a:solidFill>
+                <a:srgbClr val="34495E"/>
+              </a:solidFill>
+              <a:latin typeface="Roboto Light" panose="02000000000000000000" pitchFamily="2" charset="0"/>
+              <a:ea typeface="Roboto Light" panose="02000000000000000000" pitchFamily="2" charset="0"/>
+            </a:endParaRPr>
+          </a:p>
+        </p:txBody>
+      </p:sp>
+      <p:sp>
+        <p:nvSpPr>
+          <p:cNvPr id="20" name="ZoneTexte 19"/>
+          <p:cNvSpPr txBox="1"/>
+          <p:nvPr/>
+        </p:nvSpPr>
+        <p:spPr>
+          <a:xfrm>
+            <a:off x="3657600" y="258463"/>
+            <a:ext cx="1828800" cy="261610"/>
+          </a:xfrm>
+          <a:prstGeom prst="rect">
+            <a:avLst/>
+          </a:prstGeom>
+          <a:solidFill>
+            <a:srgbClr val="ECF0F1"/>
+          </a:solidFill>
+        </p:spPr>
+        <p:txBody>
+          <a:bodyPr wrap="square" rtlCol="0">
+            <a:spAutoFit/>
+          </a:bodyPr>
+          <a:lstStyle/>
+          <a:p>
+            <a:pPr algn="ctr"/>
+            <a:r>
+              <a:rPr lang="en-US" sz="1100" i="1" dirty="0" smtClean="0">
+                <a:solidFill>
+                  <a:srgbClr val="95A5A6"/>
+                </a:solidFill>
+                <a:latin typeface="Roboto Light" panose="02000000000000000000" pitchFamily="2" charset="0"/>
+                <a:ea typeface="Roboto Light" panose="02000000000000000000" pitchFamily="2" charset="0"/>
+              </a:rPr>
+              <a:t>Dream content</a:t>
+            </a:r>
+            <a:endParaRPr lang="en-US" sz="1100" i="1" dirty="0">
+              <a:solidFill>
+                <a:srgbClr val="95A5A6"/>
+              </a:solidFill>
+              <a:latin typeface="Roboto Light" panose="02000000000000000000" pitchFamily="2" charset="0"/>
+              <a:ea typeface="Roboto Light" panose="02000000000000000000" pitchFamily="2" charset="0"/>
+            </a:endParaRPr>
+          </a:p>
+        </p:txBody>
+      </p:sp>
+      <p:sp>
+        <p:nvSpPr>
+          <p:cNvPr id="21" name="ZoneTexte 20"/>
+          <p:cNvSpPr txBox="1"/>
+          <p:nvPr/>
+        </p:nvSpPr>
+        <p:spPr>
+          <a:xfrm>
+            <a:off x="5486400" y="258463"/>
+            <a:ext cx="1828800" cy="261610"/>
+          </a:xfrm>
+          <a:prstGeom prst="rect">
+            <a:avLst/>
+          </a:prstGeom>
+          <a:solidFill>
+            <a:srgbClr val="ECF0F1"/>
+          </a:solidFill>
+        </p:spPr>
+        <p:txBody>
+          <a:bodyPr wrap="square" rtlCol="0">
+            <a:spAutoFit/>
+          </a:bodyPr>
+          <a:lstStyle/>
+          <a:p>
+            <a:pPr algn="ctr"/>
+            <a:r>
+              <a:rPr lang="en-US" sz="1100" i="1" dirty="0" smtClean="0">
+                <a:solidFill>
+                  <a:srgbClr val="95A5A6"/>
+                </a:solidFill>
+                <a:latin typeface="Roboto Light" panose="02000000000000000000" pitchFamily="2" charset="0"/>
+                <a:ea typeface="Roboto Light" panose="02000000000000000000" pitchFamily="2" charset="0"/>
+              </a:rPr>
+              <a:t>Software</a:t>
+            </a:r>
+            <a:endParaRPr lang="en-US" sz="1100" i="1" dirty="0">
+              <a:solidFill>
+                <a:srgbClr val="95A5A6"/>
+              </a:solidFill>
+              <a:latin typeface="Roboto Light" panose="02000000000000000000" pitchFamily="2" charset="0"/>
+              <a:ea typeface="Roboto Light" panose="02000000000000000000" pitchFamily="2" charset="0"/>
+            </a:endParaRPr>
+          </a:p>
+        </p:txBody>
+      </p:sp>
+      <p:sp>
+        <p:nvSpPr>
+          <p:cNvPr id="22" name="ZoneTexte 21"/>
+          <p:cNvSpPr txBox="1"/>
+          <p:nvPr/>
+        </p:nvSpPr>
+        <p:spPr>
+          <a:xfrm>
+            <a:off x="7315200" y="258463"/>
+            <a:ext cx="1828800" cy="261610"/>
+          </a:xfrm>
+          <a:prstGeom prst="rect">
+            <a:avLst/>
+          </a:prstGeom>
+          <a:solidFill>
+            <a:srgbClr val="ECF0F1"/>
+          </a:solidFill>
+        </p:spPr>
+        <p:txBody>
+          <a:bodyPr wrap="square" rtlCol="0">
+            <a:spAutoFit/>
+          </a:bodyPr>
+          <a:lstStyle/>
+          <a:p>
+            <a:pPr algn="ctr"/>
+            <a:r>
+              <a:rPr lang="en-US" sz="1100" i="1" dirty="0" smtClean="0">
+                <a:solidFill>
+                  <a:srgbClr val="95A5A6"/>
+                </a:solidFill>
+                <a:latin typeface="Roboto Light" panose="02000000000000000000" pitchFamily="2" charset="0"/>
+                <a:ea typeface="Roboto Light" panose="02000000000000000000" pitchFamily="2" charset="0"/>
+              </a:rPr>
+              <a:t>Conclusion</a:t>
+            </a:r>
+            <a:endParaRPr lang="en-US" sz="1100" i="1" dirty="0">
+              <a:solidFill>
+                <a:srgbClr val="95A5A6"/>
+              </a:solidFill>
+              <a:latin typeface="Roboto Light" panose="02000000000000000000" pitchFamily="2" charset="0"/>
+              <a:ea typeface="Roboto Light" panose="02000000000000000000" pitchFamily="2" charset="0"/>
+            </a:endParaRPr>
+          </a:p>
+        </p:txBody>
+      </p:sp>
+      <p:pic>
+        <p:nvPicPr>
+          <p:cNvPr id="3" name="Image 2"/>
+          <p:cNvPicPr>
+            <a:picLocks noChangeAspect="1"/>
+          </p:cNvPicPr>
+          <p:nvPr/>
+        </p:nvPicPr>
+        <p:blipFill>
+          <a:blip r:embed="rId2" cstate="print">
+            <a:extLst>
+              <a:ext uri="{28A0092B-C50C-407E-A947-70E740481C1C}">
+                <a14:useLocalDpi xmlns:a14="http://schemas.microsoft.com/office/drawing/2010/main" val="0"/>
+              </a:ext>
+            </a:extLst>
+          </a:blip>
+          <a:stretch>
+            <a:fillRect/>
+          </a:stretch>
+        </p:blipFill>
+        <p:spPr>
+          <a:xfrm>
+            <a:off x="569479" y="1155778"/>
+            <a:ext cx="8005039" cy="2952000"/>
+          </a:xfrm>
+          <a:prstGeom prst="rect">
+            <a:avLst/>
+          </a:prstGeom>
+        </p:spPr>
+      </p:pic>
+      <p:pic>
+        <p:nvPicPr>
+          <p:cNvPr id="24" name="Picture 44" descr="eeg-fmri_small"/>
+          <p:cNvPicPr>
+            <a:picLocks noChangeAspect="1" noChangeArrowheads="1"/>
+          </p:cNvPicPr>
+          <p:nvPr/>
+        </p:nvPicPr>
+        <p:blipFill>
+          <a:blip r:embed="rId3">
+            <a:extLst>
+              <a:ext uri="{28A0092B-C50C-407E-A947-70E740481C1C}">
+                <a14:useLocalDpi xmlns:a14="http://schemas.microsoft.com/office/drawing/2010/main" val="0"/>
+              </a:ext>
+            </a:extLst>
+          </a:blip>
+          <a:srcRect/>
+          <a:stretch>
+            <a:fillRect/>
+          </a:stretch>
+        </p:blipFill>
+        <p:spPr bwMode="auto">
+          <a:xfrm>
+            <a:off x="725258" y="4638378"/>
+            <a:ext cx="1772073" cy="1181381"/>
+          </a:xfrm>
+          <a:prstGeom prst="rect">
+            <a:avLst/>
+          </a:prstGeom>
+          <a:noFill/>
+          <a:ln>
+            <a:noFill/>
+          </a:ln>
+          <a:extLst>
+            <a:ext uri="{909E8E84-426E-40DD-AFC4-6F175D3DCCD1}">
+              <a14:hiddenFill xmlns:a14="http://schemas.microsoft.com/office/drawing/2010/main">
+                <a:solidFill>
+                  <a:srgbClr val="FFFFFF"/>
+                </a:solidFill>
+              </a14:hiddenFill>
+            </a:ext>
+            <a:ext uri="{91240B29-F687-4F45-9708-019B960494DF}">
+              <a14:hiddenLine xmlns:a14="http://schemas.microsoft.com/office/drawing/2010/main" w="9525">
+                <a:solidFill>
+                  <a:srgbClr val="000000"/>
+                </a:solidFill>
+                <a:miter lim="800000"/>
+                <a:headEnd/>
+                <a:tailEnd/>
+              </a14:hiddenLine>
+            </a:ext>
+          </a:extLst>
+        </p:spPr>
+      </p:pic>
+      <p:sp>
+        <p:nvSpPr>
+          <p:cNvPr id="25" name="ZoneTexte 24"/>
+          <p:cNvSpPr txBox="1"/>
+          <p:nvPr/>
+        </p:nvSpPr>
+        <p:spPr>
+          <a:xfrm>
+            <a:off x="611187" y="4157428"/>
+            <a:ext cx="2135569" cy="461665"/>
+          </a:xfrm>
+          <a:prstGeom prst="rect">
+            <a:avLst/>
+          </a:prstGeom>
+          <a:noFill/>
+        </p:spPr>
+        <p:txBody>
+          <a:bodyPr wrap="square" rtlCol="0">
+            <a:spAutoFit/>
+          </a:bodyPr>
+          <a:lstStyle/>
+          <a:p>
+            <a:pPr algn="ctr"/>
+            <a:r>
+              <a:rPr lang="en-US" sz="1200" b="1" dirty="0" smtClean="0">
+                <a:solidFill>
+                  <a:srgbClr val="2C3E50"/>
+                </a:solidFill>
+                <a:ea typeface="Roboto" pitchFamily="2" charset="0"/>
+              </a:rPr>
+              <a:t>MRI-compatible EEG cap</a:t>
+            </a:r>
+          </a:p>
+          <a:p>
+            <a:pPr algn="ctr"/>
+            <a:r>
+              <a:rPr lang="en-US" sz="1200" dirty="0" smtClean="0">
+                <a:solidFill>
+                  <a:srgbClr val="2C3E50"/>
+                </a:solidFill>
+                <a:ea typeface="Roboto" pitchFamily="2" charset="0"/>
+              </a:rPr>
+              <a:t>15 channels – EasyCap</a:t>
+            </a:r>
+          </a:p>
+        </p:txBody>
+      </p:sp>
+      <p:grpSp>
+        <p:nvGrpSpPr>
+          <p:cNvPr id="27" name="Groupe 26"/>
+          <p:cNvGrpSpPr/>
+          <p:nvPr/>
+        </p:nvGrpSpPr>
+        <p:grpSpPr>
+          <a:xfrm>
+            <a:off x="2746757" y="4155130"/>
+            <a:ext cx="3650485" cy="2205481"/>
+            <a:chOff x="4313973" y="3823018"/>
+            <a:chExt cx="4054792" cy="2635405"/>
+          </a:xfrm>
+        </p:grpSpPr>
+        <p:pic>
+          <p:nvPicPr>
+            <p:cNvPr id="28" name="Image 27"/>
+            <p:cNvPicPr>
+              <a:picLocks noChangeAspect="1"/>
+            </p:cNvPicPr>
+            <p:nvPr/>
+          </p:nvPicPr>
+          <p:blipFill rotWithShape="1">
+            <a:blip r:embed="rId4" cstate="print">
+              <a:extLst>
+                <a:ext uri="{28A0092B-C50C-407E-A947-70E740481C1C}">
+                  <a14:useLocalDpi xmlns:a14="http://schemas.microsoft.com/office/drawing/2010/main" val="0"/>
+                </a:ext>
+              </a:extLst>
+            </a:blip>
+            <a:srcRect l="4308" t="6915" r="12616" b="13950"/>
+            <a:stretch/>
+          </p:blipFill>
+          <p:spPr>
+            <a:xfrm>
+              <a:off x="4396861" y="3823018"/>
+              <a:ext cx="3889019" cy="2083745"/>
+            </a:xfrm>
+            <a:prstGeom prst="rect">
+              <a:avLst/>
+            </a:prstGeom>
+            <a:ln>
+              <a:noFill/>
+            </a:ln>
+          </p:spPr>
+        </p:pic>
+        <p:sp>
+          <p:nvSpPr>
+            <p:cNvPr id="29" name="ZoneTexte 28"/>
+            <p:cNvSpPr txBox="1"/>
+            <p:nvPr/>
+          </p:nvSpPr>
+          <p:spPr>
+            <a:xfrm>
+              <a:off x="4313973" y="5906764"/>
+              <a:ext cx="4054792" cy="551659"/>
+            </a:xfrm>
+            <a:prstGeom prst="rect">
+              <a:avLst/>
+            </a:prstGeom>
+            <a:noFill/>
+            <a:ln>
+              <a:noFill/>
+            </a:ln>
+          </p:spPr>
+          <p:txBody>
+            <a:bodyPr wrap="square" rtlCol="0">
+              <a:spAutoFit/>
+            </a:bodyPr>
+            <a:lstStyle/>
+            <a:p>
+              <a:r>
+                <a:rPr lang="en-US" sz="1200" b="1" dirty="0" smtClean="0">
+                  <a:solidFill>
+                    <a:srgbClr val="2C3E50"/>
+                  </a:solidFill>
+                  <a:ea typeface="Roboto" pitchFamily="2" charset="0"/>
+                </a:rPr>
+                <a:t>Online correction of cardioballistic artefact</a:t>
+              </a:r>
+            </a:p>
+            <a:p>
+              <a:r>
+                <a:rPr lang="en-US" sz="1200" dirty="0" smtClean="0">
+                  <a:solidFill>
+                    <a:srgbClr val="2C3E50"/>
+                  </a:solidFill>
+                  <a:ea typeface="Roboto" pitchFamily="2" charset="0"/>
+                </a:rPr>
+                <a:t>20 sec window – N3 sleep – BrainVision RecView</a:t>
+              </a:r>
+              <a:endParaRPr lang="en-US" sz="1200" dirty="0">
+                <a:solidFill>
+                  <a:srgbClr val="2C3E50"/>
+                </a:solidFill>
+                <a:ea typeface="Roboto" pitchFamily="2" charset="0"/>
+              </a:endParaRPr>
+            </a:p>
+          </p:txBody>
+        </p:sp>
+      </p:grpSp>
+      <p:pic>
+        <p:nvPicPr>
+          <p:cNvPr id="30" name="Picture 2" descr="Afficher l'image d'origine"/>
+          <p:cNvPicPr>
+            <a:picLocks noChangeAspect="1" noChangeArrowheads="1"/>
+          </p:cNvPicPr>
+          <p:nvPr/>
+        </p:nvPicPr>
+        <p:blipFill rotWithShape="1">
+          <a:blip r:embed="rId5">
+            <a:extLst>
+              <a:ext uri="{28A0092B-C50C-407E-A947-70E740481C1C}">
+                <a14:useLocalDpi xmlns:a14="http://schemas.microsoft.com/office/drawing/2010/main" val="0"/>
+              </a:ext>
+            </a:extLst>
+          </a:blip>
+          <a:srcRect l="25877" t="516" r="26801" b="25397"/>
+          <a:stretch/>
+        </p:blipFill>
+        <p:spPr bwMode="auto">
+          <a:xfrm>
+            <a:off x="6686486" y="4130159"/>
+            <a:ext cx="1647617" cy="1939693"/>
+          </a:xfrm>
+          <a:prstGeom prst="rect">
+            <a:avLst/>
+          </a:prstGeom>
+          <a:noFill/>
+          <a:extLst>
+            <a:ext uri="{909E8E84-426E-40DD-AFC4-6F175D3DCCD1}">
+              <a14:hiddenFill xmlns:a14="http://schemas.microsoft.com/office/drawing/2010/main">
+                <a:solidFill>
+                  <a:srgbClr val="FFFFFF"/>
+                </a:solidFill>
+              </a14:hiddenFill>
+            </a:ext>
+          </a:extLst>
+        </p:spPr>
+      </p:pic>
+      <p:sp>
+        <p:nvSpPr>
+          <p:cNvPr id="31" name="ZoneTexte 30"/>
+          <p:cNvSpPr txBox="1"/>
+          <p:nvPr/>
+        </p:nvSpPr>
+        <p:spPr>
+          <a:xfrm>
+            <a:off x="6348747" y="5232993"/>
+            <a:ext cx="1220211" cy="1015663"/>
+          </a:xfrm>
+          <a:prstGeom prst="rect">
+            <a:avLst/>
+          </a:prstGeom>
+          <a:solidFill>
+            <a:schemeClr val="bg1"/>
+          </a:solidFill>
+          <a:ln>
+            <a:noFill/>
+          </a:ln>
+        </p:spPr>
+        <p:txBody>
+          <a:bodyPr wrap="square" rtlCol="0">
+            <a:spAutoFit/>
+          </a:bodyPr>
+          <a:lstStyle/>
+          <a:p>
+            <a:pPr algn="r"/>
+            <a:r>
+              <a:rPr lang="en-US" sz="1200" b="1" dirty="0" smtClean="0">
+                <a:solidFill>
+                  <a:srgbClr val="2C3E50"/>
+                </a:solidFill>
+                <a:ea typeface="Roboto" pitchFamily="2" charset="0"/>
+              </a:rPr>
+              <a:t>Eye-Tracker</a:t>
+            </a:r>
+          </a:p>
+          <a:p>
+            <a:pPr algn="r"/>
+            <a:r>
+              <a:rPr lang="en-US" sz="1200" dirty="0" smtClean="0">
+                <a:solidFill>
+                  <a:srgbClr val="2C3E50"/>
+                </a:solidFill>
+                <a:ea typeface="Roboto" pitchFamily="2" charset="0"/>
+              </a:rPr>
+              <a:t>(SR Research, EyeLink</a:t>
+            </a:r>
+            <a:r>
+              <a:rPr lang="en-US" sz="1200" dirty="0" smtClean="0">
+                <a:solidFill>
+                  <a:srgbClr val="2C3E50"/>
+                </a:solidFill>
+                <a:ea typeface="Roboto" pitchFamily="2" charset="0"/>
+              </a:rPr>
+              <a:t>)</a:t>
+            </a:r>
+          </a:p>
+          <a:p>
+            <a:pPr algn="r"/>
+            <a:endParaRPr lang="en-US" sz="1200" dirty="0">
+              <a:solidFill>
+                <a:srgbClr val="2C3E50"/>
+              </a:solidFill>
+              <a:ea typeface="Roboto" pitchFamily="2" charset="0"/>
+            </a:endParaRPr>
+          </a:p>
+          <a:p>
+            <a:pPr algn="r"/>
+            <a:endParaRPr lang="en-US" sz="1200" dirty="0">
+              <a:solidFill>
+                <a:srgbClr val="2C3E50"/>
+              </a:solidFill>
+              <a:ea typeface="Roboto" pitchFamily="2" charset="0"/>
+            </a:endParaRPr>
+          </a:p>
+        </p:txBody>
+      </p:sp>
+    </p:spTree>
+    <p:extLst>
+      <p:ext uri="{BB962C8B-B14F-4D97-AF65-F5344CB8AC3E}">
+        <p14:creationId xmlns:p14="http://schemas.microsoft.com/office/powerpoint/2010/main" val="1565944546"/>
+      </p:ext>
+    </p:extLst>
+  </p:cSld>
+  <p:clrMapOvr>
+    <a:masterClrMapping/>
+  </p:clrMapOvr>
+  <p:timing>
+    <p:tnLst>
+      <p:par>
+        <p:cTn id="1" dur="indefinite" restart="never" nodeType="tmRoot"/>
+      </p:par>
+    </p:tnLst>
+  </p:timing>
+</p:sld>
+</file>
+
+<file path=ppt/slides/slide11.xml><?xml version="1.0" encoding="utf-8"?>
+<p:sld xmlns:a="http://schemas.openxmlformats.org/drawingml/2006/main" xmlns:r="http://schemas.openxmlformats.org/officeDocument/2006/relationships" xmlns:p="http://schemas.openxmlformats.org/presentationml/2006/main">
+  <p:cSld>
+    <p:spTree>
+      <p:nvGrpSpPr>
+        <p:cNvPr id="1" name=""/>
+        <p:cNvGrpSpPr/>
+        <p:nvPr/>
+      </p:nvGrpSpPr>
+      <p:grpSpPr>
+        <a:xfrm>
+          <a:off x="0" y="0"/>
+          <a:ext cx="0" cy="0"/>
+          <a:chOff x="0" y="0"/>
+          <a:chExt cx="0" cy="0"/>
+        </a:xfrm>
+      </p:grpSpPr>
+      <p:sp>
+        <p:nvSpPr>
+          <p:cNvPr id="2" name="Titre 1"/>
+          <p:cNvSpPr>
+            <a:spLocks noGrp="1"/>
+          </p:cNvSpPr>
+          <p:nvPr>
+            <p:ph type="title"/>
+          </p:nvPr>
+        </p:nvSpPr>
+        <p:spPr/>
+        <p:txBody>
+          <a:bodyPr/>
+          <a:lstStyle/>
+          <a:p>
+            <a:r>
+              <a:rPr lang="en-US" dirty="0" smtClean="0"/>
+              <a:t>Color</a:t>
+            </a:r>
+            <a:endParaRPr lang="en-US" dirty="0"/>
+          </a:p>
+        </p:txBody>
+      </p:sp>
+      <p:pic>
+        <p:nvPicPr>
+          <p:cNvPr id="5" name="Image 4"/>
+          <p:cNvPicPr>
+            <a:picLocks noChangeAspect="1"/>
+          </p:cNvPicPr>
+          <p:nvPr/>
+        </p:nvPicPr>
+        <p:blipFill rotWithShape="1">
+          <a:blip r:embed="rId2"/>
+          <a:srcRect l="23094" t="65272" r="62892" b="29474"/>
+          <a:stretch/>
+        </p:blipFill>
+        <p:spPr>
+          <a:xfrm>
+            <a:off x="628650" y="2030325"/>
+            <a:ext cx="5553308" cy="1170878"/>
+          </a:xfrm>
+          <a:prstGeom prst="rect">
+            <a:avLst/>
+          </a:prstGeom>
+        </p:spPr>
+      </p:pic>
+      <p:cxnSp>
+        <p:nvCxnSpPr>
+          <p:cNvPr id="7" name="Connecteur droit avec flèche 6"/>
+          <p:cNvCxnSpPr/>
+          <p:nvPr/>
+        </p:nvCxnSpPr>
+        <p:spPr>
+          <a:xfrm flipH="1" flipV="1">
+            <a:off x="5956663" y="3201203"/>
+            <a:ext cx="404948" cy="567433"/>
+          </a:xfrm>
+          <a:prstGeom prst="straightConnector1">
+            <a:avLst/>
+          </a:prstGeom>
+          <a:ln>
+            <a:tailEnd type="triangle"/>
+          </a:ln>
+        </p:spPr>
+        <p:style>
+          <a:lnRef idx="1">
+            <a:schemeClr val="dk1"/>
+          </a:lnRef>
+          <a:fillRef idx="0">
+            <a:schemeClr val="dk1"/>
+          </a:fillRef>
+          <a:effectRef idx="0">
+            <a:schemeClr val="dk1"/>
+          </a:effectRef>
+          <a:fontRef idx="minor">
+            <a:schemeClr val="tx1"/>
+          </a:fontRef>
+        </p:style>
+      </p:cxnSp>
+      <p:sp>
+        <p:nvSpPr>
+          <p:cNvPr id="8" name="ZoneTexte 7"/>
+          <p:cNvSpPr txBox="1"/>
+          <p:nvPr/>
+        </p:nvSpPr>
+        <p:spPr>
+          <a:xfrm>
+            <a:off x="6457950" y="3768636"/>
+            <a:ext cx="1140056" cy="369332"/>
+          </a:xfrm>
+          <a:prstGeom prst="rect">
+            <a:avLst/>
+          </a:prstGeom>
+          <a:noFill/>
+        </p:spPr>
+        <p:txBody>
+          <a:bodyPr wrap="none" rtlCol="0">
+            <a:spAutoFit/>
+          </a:bodyPr>
+          <a:lstStyle/>
+          <a:p>
+            <a:r>
+              <a:rPr lang="en-US" dirty="0" smtClean="0"/>
+              <a:t>Main text</a:t>
+            </a:r>
+            <a:endParaRPr lang="en-US" dirty="0"/>
+          </a:p>
+        </p:txBody>
+      </p:sp>
+      <p:cxnSp>
+        <p:nvCxnSpPr>
+          <p:cNvPr id="9" name="Connecteur droit avec flèche 8"/>
+          <p:cNvCxnSpPr/>
+          <p:nvPr/>
+        </p:nvCxnSpPr>
+        <p:spPr>
+          <a:xfrm flipH="1" flipV="1">
+            <a:off x="2098766" y="3203243"/>
+            <a:ext cx="404948" cy="567433"/>
+          </a:xfrm>
+          <a:prstGeom prst="straightConnector1">
+            <a:avLst/>
+          </a:prstGeom>
+          <a:ln>
+            <a:tailEnd type="triangle"/>
+          </a:ln>
+        </p:spPr>
+        <p:style>
+          <a:lnRef idx="1">
+            <a:schemeClr val="dk1"/>
+          </a:lnRef>
+          <a:fillRef idx="0">
+            <a:schemeClr val="dk1"/>
+          </a:fillRef>
+          <a:effectRef idx="0">
+            <a:schemeClr val="dk1"/>
+          </a:effectRef>
+          <a:fontRef idx="minor">
+            <a:schemeClr val="tx1"/>
+          </a:fontRef>
+        </p:style>
+      </p:cxnSp>
+      <p:sp>
+        <p:nvSpPr>
+          <p:cNvPr id="10" name="ZoneTexte 9"/>
+          <p:cNvSpPr txBox="1"/>
+          <p:nvPr/>
+        </p:nvSpPr>
+        <p:spPr>
+          <a:xfrm>
+            <a:off x="2600053" y="3770676"/>
+            <a:ext cx="1099981" cy="369332"/>
+          </a:xfrm>
+          <a:prstGeom prst="rect">
+            <a:avLst/>
+          </a:prstGeom>
+          <a:noFill/>
+        </p:spPr>
+        <p:txBody>
+          <a:bodyPr wrap="none" rtlCol="0">
+            <a:spAutoFit/>
+          </a:bodyPr>
+          <a:lstStyle/>
+          <a:p>
+            <a:r>
+              <a:rPr lang="en-US" dirty="0" smtClean="0"/>
+              <a:t>Highlight</a:t>
+            </a:r>
+            <a:endParaRPr lang="en-US" dirty="0"/>
+          </a:p>
+        </p:txBody>
+      </p:sp>
+      <p:cxnSp>
+        <p:nvCxnSpPr>
+          <p:cNvPr id="11" name="Connecteur droit avec flèche 10"/>
+          <p:cNvCxnSpPr/>
+          <p:nvPr/>
+        </p:nvCxnSpPr>
+        <p:spPr>
+          <a:xfrm flipH="1" flipV="1">
+            <a:off x="5261630" y="3201204"/>
+            <a:ext cx="145043" cy="1174855"/>
+          </a:xfrm>
+          <a:prstGeom prst="straightConnector1">
+            <a:avLst/>
+          </a:prstGeom>
+          <a:ln>
+            <a:tailEnd type="triangle"/>
+          </a:ln>
+        </p:spPr>
+        <p:style>
+          <a:lnRef idx="1">
+            <a:schemeClr val="dk1"/>
+          </a:lnRef>
+          <a:fillRef idx="0">
+            <a:schemeClr val="dk1"/>
+          </a:fillRef>
+          <a:effectRef idx="0">
+            <a:schemeClr val="dk1"/>
+          </a:effectRef>
+          <a:fontRef idx="minor">
+            <a:schemeClr val="tx1"/>
+          </a:fontRef>
+        </p:style>
+      </p:cxnSp>
+      <p:sp>
+        <p:nvSpPr>
+          <p:cNvPr id="12" name="ZoneTexte 11"/>
+          <p:cNvSpPr txBox="1"/>
+          <p:nvPr/>
+        </p:nvSpPr>
+        <p:spPr>
+          <a:xfrm>
+            <a:off x="4363310" y="4372081"/>
+            <a:ext cx="2138727" cy="369332"/>
+          </a:xfrm>
+          <a:prstGeom prst="rect">
+            <a:avLst/>
+          </a:prstGeom>
+          <a:noFill/>
+        </p:spPr>
+        <p:txBody>
+          <a:bodyPr wrap="none" rtlCol="0">
+            <a:spAutoFit/>
+          </a:bodyPr>
+          <a:lstStyle/>
+          <a:p>
+            <a:r>
+              <a:rPr lang="en-US" dirty="0" smtClean="0"/>
+              <a:t>Bottom text + </a:t>
+            </a:r>
+            <a:r>
+              <a:rPr lang="en-US" dirty="0" err="1" smtClean="0"/>
+              <a:t>vline</a:t>
+            </a:r>
+            <a:endParaRPr lang="en-US" dirty="0"/>
+          </a:p>
+        </p:txBody>
+      </p:sp>
+      <p:cxnSp>
+        <p:nvCxnSpPr>
+          <p:cNvPr id="14" name="Connecteur droit avec flèche 13"/>
+          <p:cNvCxnSpPr/>
+          <p:nvPr/>
+        </p:nvCxnSpPr>
+        <p:spPr>
+          <a:xfrm>
+            <a:off x="4314297" y="1599110"/>
+            <a:ext cx="479774" cy="331526"/>
+          </a:xfrm>
+          <a:prstGeom prst="straightConnector1">
+            <a:avLst/>
+          </a:prstGeom>
+          <a:ln>
+            <a:tailEnd type="triangle"/>
+          </a:ln>
+        </p:spPr>
+        <p:style>
+          <a:lnRef idx="1">
+            <a:schemeClr val="dk1"/>
+          </a:lnRef>
+          <a:fillRef idx="0">
+            <a:schemeClr val="dk1"/>
+          </a:fillRef>
+          <a:effectRef idx="0">
+            <a:schemeClr val="dk1"/>
+          </a:effectRef>
+          <a:fontRef idx="minor">
+            <a:schemeClr val="tx1"/>
+          </a:fontRef>
+        </p:style>
+      </p:cxnSp>
+      <p:sp>
+        <p:nvSpPr>
+          <p:cNvPr id="17" name="ZoneTexte 16"/>
+          <p:cNvSpPr txBox="1"/>
+          <p:nvPr/>
+        </p:nvSpPr>
+        <p:spPr>
+          <a:xfrm>
+            <a:off x="2169726" y="1276186"/>
+            <a:ext cx="2274020" cy="369332"/>
+          </a:xfrm>
+          <a:prstGeom prst="rect">
+            <a:avLst/>
+          </a:prstGeom>
+          <a:noFill/>
+        </p:spPr>
+        <p:txBody>
+          <a:bodyPr wrap="none" rtlCol="0">
+            <a:spAutoFit/>
+          </a:bodyPr>
+          <a:lstStyle/>
+          <a:p>
+            <a:r>
+              <a:rPr lang="en-US" dirty="0" smtClean="0"/>
+              <a:t>Background </a:t>
+            </a:r>
+            <a:r>
+              <a:rPr lang="en-US" dirty="0" err="1" smtClean="0"/>
+              <a:t>nav</a:t>
+            </a:r>
+            <a:r>
+              <a:rPr lang="en-US" dirty="0" smtClean="0"/>
+              <a:t> bar</a:t>
+            </a:r>
+            <a:endParaRPr lang="en-US" dirty="0"/>
+          </a:p>
+        </p:txBody>
+      </p:sp>
+      <p:cxnSp>
+        <p:nvCxnSpPr>
+          <p:cNvPr id="18" name="Connecteur droit avec flèche 17"/>
+          <p:cNvCxnSpPr/>
+          <p:nvPr/>
+        </p:nvCxnSpPr>
+        <p:spPr>
+          <a:xfrm flipH="1">
+            <a:off x="5352821" y="1599110"/>
+            <a:ext cx="329522" cy="338757"/>
+          </a:xfrm>
+          <a:prstGeom prst="straightConnector1">
+            <a:avLst/>
+          </a:prstGeom>
+          <a:ln>
+            <a:tailEnd type="triangle"/>
+          </a:ln>
+        </p:spPr>
+        <p:style>
+          <a:lnRef idx="1">
+            <a:schemeClr val="dk1"/>
+          </a:lnRef>
+          <a:fillRef idx="0">
+            <a:schemeClr val="dk1"/>
+          </a:fillRef>
+          <a:effectRef idx="0">
+            <a:schemeClr val="dk1"/>
+          </a:effectRef>
+          <a:fontRef idx="minor">
+            <a:schemeClr val="tx1"/>
+          </a:fontRef>
+        </p:style>
+      </p:cxnSp>
+      <p:sp>
+        <p:nvSpPr>
+          <p:cNvPr id="20" name="ZoneTexte 19"/>
+          <p:cNvSpPr txBox="1"/>
+          <p:nvPr/>
+        </p:nvSpPr>
+        <p:spPr>
+          <a:xfrm>
+            <a:off x="5682343" y="1276186"/>
+            <a:ext cx="2393604" cy="369332"/>
+          </a:xfrm>
+          <a:prstGeom prst="rect">
+            <a:avLst/>
+          </a:prstGeom>
+          <a:noFill/>
+        </p:spPr>
+        <p:txBody>
+          <a:bodyPr wrap="none" rtlCol="0">
+            <a:spAutoFit/>
+          </a:bodyPr>
+          <a:lstStyle/>
+          <a:p>
+            <a:r>
+              <a:rPr lang="en-US" dirty="0" smtClean="0"/>
+              <a:t>Text outline + </a:t>
+            </a:r>
+            <a:r>
+              <a:rPr lang="en-US" dirty="0" err="1" smtClean="0"/>
+              <a:t>nav</a:t>
+            </a:r>
+            <a:r>
+              <a:rPr lang="en-US" dirty="0" smtClean="0"/>
+              <a:t> bar</a:t>
+            </a:r>
+            <a:endParaRPr lang="en-US" dirty="0"/>
+          </a:p>
+        </p:txBody>
+      </p:sp>
+      <p:sp>
+        <p:nvSpPr>
+          <p:cNvPr id="23" name="ZoneTexte 22"/>
+          <p:cNvSpPr txBox="1"/>
+          <p:nvPr/>
+        </p:nvSpPr>
+        <p:spPr>
+          <a:xfrm>
+            <a:off x="628650" y="5212080"/>
+            <a:ext cx="7418070" cy="1754326"/>
+          </a:xfrm>
+          <a:prstGeom prst="rect">
+            <a:avLst/>
+          </a:prstGeom>
+          <a:noFill/>
+        </p:spPr>
+        <p:txBody>
+          <a:bodyPr wrap="square" rtlCol="0">
+            <a:spAutoFit/>
+          </a:bodyPr>
+          <a:lstStyle/>
+          <a:p>
+            <a:r>
+              <a:rPr lang="en-US" b="1" dirty="0" smtClean="0"/>
+              <a:t>Font size:</a:t>
+            </a:r>
+          </a:p>
+          <a:p>
+            <a:r>
+              <a:rPr lang="en-US" dirty="0"/>
+              <a:t>Title </a:t>
+            </a:r>
+            <a:r>
+              <a:rPr lang="en-US" dirty="0" smtClean="0"/>
+              <a:t>		= 18 	</a:t>
+            </a:r>
+            <a:r>
+              <a:rPr lang="en-US" dirty="0" err="1" smtClean="0"/>
+              <a:t>Helv</a:t>
+            </a:r>
+            <a:r>
+              <a:rPr lang="en-US" dirty="0" smtClean="0"/>
+              <a:t>. </a:t>
+            </a:r>
+            <a:r>
+              <a:rPr lang="en-US" dirty="0" err="1" smtClean="0"/>
+              <a:t>Neue</a:t>
+            </a:r>
+            <a:r>
+              <a:rPr lang="en-US" dirty="0" smtClean="0"/>
+              <a:t> bold</a:t>
+            </a:r>
+          </a:p>
+          <a:p>
+            <a:r>
+              <a:rPr lang="en-US" dirty="0" smtClean="0"/>
+              <a:t>Main text 	= 16 	</a:t>
+            </a:r>
+            <a:r>
+              <a:rPr lang="en-US" dirty="0" err="1" smtClean="0"/>
+              <a:t>Helv</a:t>
+            </a:r>
+            <a:r>
+              <a:rPr lang="en-US" dirty="0" smtClean="0"/>
+              <a:t>. </a:t>
+            </a:r>
+            <a:r>
+              <a:rPr lang="en-US" dirty="0" err="1" smtClean="0"/>
+              <a:t>Neue</a:t>
+            </a:r>
+            <a:endParaRPr lang="en-US" dirty="0" smtClean="0"/>
+          </a:p>
+          <a:p>
+            <a:r>
+              <a:rPr lang="en-US" dirty="0" smtClean="0"/>
+              <a:t>References 	= 14 	</a:t>
+            </a:r>
+            <a:r>
+              <a:rPr lang="en-US" dirty="0" err="1" smtClean="0"/>
+              <a:t>Helv</a:t>
+            </a:r>
+            <a:r>
+              <a:rPr lang="en-US" dirty="0" smtClean="0"/>
+              <a:t>. </a:t>
+            </a:r>
+            <a:r>
+              <a:rPr lang="en-US" dirty="0" err="1" smtClean="0"/>
+              <a:t>Neue</a:t>
+            </a:r>
+            <a:r>
+              <a:rPr lang="en-US" dirty="0" smtClean="0"/>
+              <a:t> LT light</a:t>
+            </a:r>
+          </a:p>
+          <a:p>
+            <a:r>
+              <a:rPr lang="en-US" dirty="0" smtClean="0"/>
+              <a:t>Outline &amp; bottom 	= 11 	</a:t>
+            </a:r>
+            <a:r>
+              <a:rPr lang="en-US" dirty="0" err="1" smtClean="0"/>
+              <a:t>Roboto</a:t>
+            </a:r>
+            <a:r>
+              <a:rPr lang="en-US" dirty="0" smtClean="0"/>
+              <a:t> light (medium for chapter)</a:t>
+            </a:r>
+          </a:p>
+          <a:p>
+            <a:r>
+              <a:rPr lang="en-US" dirty="0" smtClean="0"/>
+              <a:t> </a:t>
+            </a:r>
+            <a:endParaRPr lang="en-US" dirty="0"/>
+          </a:p>
+        </p:txBody>
+      </p:sp>
+    </p:spTree>
+    <p:extLst>
+      <p:ext uri="{BB962C8B-B14F-4D97-AF65-F5344CB8AC3E}">
+        <p14:creationId xmlns:p14="http://schemas.microsoft.com/office/powerpoint/2010/main" val="1403398417"/>
       </p:ext>
     </p:extLst>
   </p:cSld>
@@ -6687,112 +8462,442 @@
       </p:grpSpPr>
       <p:sp>
         <p:nvSpPr>
-          <p:cNvPr id="6" name="Rectangle 5"/>
+          <p:cNvPr id="13" name="Rectangle 12"/>
           <p:cNvSpPr/>
           <p:nvPr/>
         </p:nvSpPr>
         <p:spPr>
           <a:xfrm>
-            <a:off x="4572000" y="2980947"/>
-            <a:ext cx="4321175" cy="896656"/>
+            <a:off x="611188" y="800100"/>
+            <a:ext cx="7921625" cy="5508625"/>
           </a:xfrm>
           <a:prstGeom prst="rect">
             <a:avLst/>
           </a:prstGeom>
-        </p:spPr>
-        <p:txBody>
-          <a:bodyPr wrap="square">
-            <a:spAutoFit/>
-          </a:bodyPr>
-          <a:lstStyle/>
-          <a:p>
-            <a:pPr algn="ctr">
-              <a:lnSpc>
-                <a:spcPct val="114000"/>
-              </a:lnSpc>
+          <a:noFill/>
+          <a:ln>
+            <a:noFill/>
+          </a:ln>
+        </p:spPr>
+        <p:style>
+          <a:lnRef idx="2">
+            <a:schemeClr val="accent1">
+              <a:shade val="50000"/>
+            </a:schemeClr>
+          </a:lnRef>
+          <a:fillRef idx="1">
+            <a:schemeClr val="accent1"/>
+          </a:fillRef>
+          <a:effectRef idx="0">
+            <a:schemeClr val="accent1"/>
+          </a:effectRef>
+          <a:fontRef idx="minor">
+            <a:schemeClr val="lt1"/>
+          </a:fontRef>
+        </p:style>
+        <p:txBody>
+          <a:bodyPr rtlCol="0" anchor="t"/>
+          <a:lstStyle/>
+          <a:p>
+            <a:pPr>
+              <a:spcAft>
+                <a:spcPts val="1800"/>
+              </a:spcAft>
             </a:pPr>
             <a:r>
-              <a:rPr lang="en-US" sz="2400" dirty="0" smtClean="0">
-                <a:solidFill>
-                  <a:srgbClr val="969896"/>
-                </a:solidFill>
-                <a:latin typeface="Helvetica Neue" panose="02000503000000020004" pitchFamily="50"/>
-              </a:rPr>
-              <a:t>GENERAL INTRODUCTION</a:t>
-            </a:r>
-            <a:endParaRPr lang="en-US" sz="2400" dirty="0" smtClean="0">
+              <a:rPr lang="en-US" b="1" dirty="0" smtClean="0">
+                <a:solidFill>
+                  <a:srgbClr val="34495E"/>
+                </a:solidFill>
+                <a:latin typeface="+mj-lt"/>
+                <a:ea typeface="Open Sans" panose="020B0606030504020204" pitchFamily="34" charset="0"/>
+                <a:cs typeface="Open Sans" panose="020B0606030504020204" pitchFamily="34" charset="0"/>
+              </a:rPr>
+              <a:t>Questions</a:t>
+            </a:r>
+            <a:endParaRPr lang="en-US" b="1" dirty="0">
               <a:solidFill>
-                <a:srgbClr val="969896"/>
+                <a:srgbClr val="34495E"/>
               </a:solidFill>
-              <a:latin typeface="Helvetica Neue" panose="02000503000000020004" pitchFamily="50"/>
+              <a:latin typeface="+mj-lt"/>
+              <a:ea typeface="Open Sans" panose="020B0606030504020204" pitchFamily="34" charset="0"/>
+              <a:cs typeface="Open Sans" panose="020B0606030504020204" pitchFamily="34" charset="0"/>
             </a:endParaRPr>
           </a:p>
           <a:p>
-            <a:pPr algn="ctr">
-              <a:lnSpc>
-                <a:spcPct val="114000"/>
-              </a:lnSpc>
+            <a:pPr marL="800100" lvl="1" indent="-342900">
+              <a:spcAft>
+                <a:spcPts val="2400"/>
+              </a:spcAft>
+              <a:buFont typeface="+mj-lt"/>
+              <a:buAutoNum type="arabicPeriod"/>
             </a:pPr>
             <a:r>
-              <a:rPr lang="en-US" sz="2400" dirty="0" smtClean="0">
-                <a:solidFill>
-                  <a:srgbClr val="282A2E"/>
-                </a:solidFill>
-                <a:latin typeface="Helvetica Neue" panose="02000503000000020004" pitchFamily="50"/>
-              </a:rPr>
-              <a:t>DREAMING</a:t>
-            </a:r>
-            <a:endParaRPr lang="en-US" sz="2400" dirty="0">
+              <a:rPr lang="en-US" sz="1600" dirty="0" smtClean="0">
+                <a:solidFill>
+                  <a:srgbClr val="34495E"/>
+                </a:solidFill>
+                <a:ea typeface="Open Sans" panose="020B0606030504020204" pitchFamily="34" charset="0"/>
+                <a:cs typeface="Open Sans" panose="020B0606030504020204" pitchFamily="34" charset="0"/>
+              </a:rPr>
+              <a:t>What is dreaming?</a:t>
+            </a:r>
+          </a:p>
+          <a:p>
+            <a:pPr marL="800100" lvl="1" indent="-342900">
+              <a:spcAft>
+                <a:spcPts val="2400"/>
+              </a:spcAft>
+              <a:buFont typeface="+mj-lt"/>
+              <a:buAutoNum type="arabicPeriod"/>
+            </a:pPr>
+            <a:r>
+              <a:rPr lang="en-US" sz="1600" dirty="0" smtClean="0">
+                <a:solidFill>
+                  <a:srgbClr val="34495E"/>
+                </a:solidFill>
+                <a:ea typeface="Open Sans" panose="020B0606030504020204" pitchFamily="34" charset="0"/>
+                <a:cs typeface="Open Sans" panose="020B0606030504020204" pitchFamily="34" charset="0"/>
+              </a:rPr>
+              <a:t>When does it occur during the night?</a:t>
+            </a:r>
+          </a:p>
+          <a:p>
+            <a:pPr marL="800100" lvl="1" indent="-342900">
+              <a:spcAft>
+                <a:spcPts val="2400"/>
+              </a:spcAft>
+              <a:buFont typeface="+mj-lt"/>
+              <a:buAutoNum type="arabicPeriod"/>
+            </a:pPr>
+            <a:r>
+              <a:rPr lang="en-US" sz="1600" dirty="0" smtClean="0">
+                <a:solidFill>
+                  <a:srgbClr val="34495E"/>
+                </a:solidFill>
+                <a:ea typeface="Open Sans" panose="020B0606030504020204" pitchFamily="34" charset="0"/>
+                <a:cs typeface="Open Sans" panose="020B0606030504020204" pitchFamily="34" charset="0"/>
+              </a:rPr>
+              <a:t>Do dreams have a function?</a:t>
+            </a:r>
+          </a:p>
+          <a:p>
+            <a:pPr marL="800100" lvl="1" indent="-342900">
+              <a:spcAft>
+                <a:spcPts val="2400"/>
+              </a:spcAft>
+              <a:buFont typeface="+mj-lt"/>
+              <a:buAutoNum type="arabicPeriod"/>
+            </a:pPr>
+            <a:r>
+              <a:rPr lang="en-US" sz="1600" dirty="0" smtClean="0">
+                <a:solidFill>
+                  <a:srgbClr val="34495E"/>
+                </a:solidFill>
+                <a:ea typeface="Open Sans" panose="020B0606030504020204" pitchFamily="34" charset="0"/>
+                <a:cs typeface="Open Sans" panose="020B0606030504020204" pitchFamily="34" charset="0"/>
+              </a:rPr>
+              <a:t>Why is there such variability in dream recall?</a:t>
+            </a:r>
+          </a:p>
+          <a:p>
+            <a:pPr marL="1257300" lvl="2" indent="-342900">
+              <a:spcAft>
+                <a:spcPts val="1800"/>
+              </a:spcAft>
+              <a:buFont typeface="+mj-lt"/>
+              <a:buAutoNum type="arabicPeriod"/>
+            </a:pPr>
+            <a:endParaRPr lang="en-US" sz="1600" dirty="0" smtClean="0">
               <a:solidFill>
-                <a:srgbClr val="282A2E"/>
+                <a:srgbClr val="34495E"/>
               </a:solidFill>
-              <a:latin typeface="Helvetica Neue" panose="02000503000000020004" pitchFamily="50"/>
+              <a:ea typeface="Open Sans" panose="020B0606030504020204" pitchFamily="34" charset="0"/>
+              <a:cs typeface="Open Sans" panose="020B0606030504020204" pitchFamily="34" charset="0"/>
             </a:endParaRPr>
           </a:p>
         </p:txBody>
       </p:sp>
-      <p:pic>
-        <p:nvPicPr>
-          <p:cNvPr id="7" name="Image 6"/>
-          <p:cNvPicPr>
-            <a:picLocks noChangeAspect="1"/>
-          </p:cNvPicPr>
+      <p:sp>
+        <p:nvSpPr>
+          <p:cNvPr id="16" name="Rectangle 15"/>
+          <p:cNvSpPr/>
           <p:nvPr/>
-        </p:nvPicPr>
-        <p:blipFill rotWithShape="1">
-          <a:blip r:embed="rId2">
-            <a:clrChange>
-              <a:clrFrom>
-                <a:srgbClr val="E2E6F1"/>
-              </a:clrFrom>
-              <a:clrTo>
-                <a:srgbClr val="E2E6F1">
-                  <a:alpha val="0"/>
-                </a:srgbClr>
-              </a:clrTo>
-            </a:clrChange>
-            <a:extLst>
-              <a:ext uri="{28A0092B-C50C-407E-A947-70E740481C1C}">
-                <a14:useLocalDpi xmlns:a14="http://schemas.microsoft.com/office/drawing/2010/main" val="0"/>
-              </a:ext>
-            </a:extLst>
-          </a:blip>
-          <a:srcRect b="5985"/>
-          <a:stretch/>
-        </p:blipFill>
-        <p:spPr>
-          <a:xfrm>
-            <a:off x="417890" y="549275"/>
-            <a:ext cx="3982660" cy="5760000"/>
+        </p:nvSpPr>
+        <p:spPr>
+          <a:xfrm>
+            <a:off x="0" y="0"/>
+            <a:ext cx="9144000" cy="259200"/>
           </a:xfrm>
           <a:prstGeom prst="rect">
             <a:avLst/>
           </a:prstGeom>
-        </p:spPr>
-      </p:pic>
-      <p:sp>
-        <p:nvSpPr>
-          <p:cNvPr id="3" name="Espace réservé du numéro de diapositive 2"/>
+          <a:solidFill>
+            <a:srgbClr val="45607B"/>
+          </a:solidFill>
+          <a:ln>
+            <a:noFill/>
+          </a:ln>
+        </p:spPr>
+        <p:style>
+          <a:lnRef idx="2">
+            <a:schemeClr val="accent1">
+              <a:shade val="50000"/>
+            </a:schemeClr>
+          </a:lnRef>
+          <a:fillRef idx="1">
+            <a:schemeClr val="accent1"/>
+          </a:fillRef>
+          <a:effectRef idx="0">
+            <a:schemeClr val="accent1"/>
+          </a:effectRef>
+          <a:fontRef idx="minor">
+            <a:schemeClr val="lt1"/>
+          </a:fontRef>
+        </p:style>
+        <p:txBody>
+          <a:bodyPr rtlCol="0" anchor="ctr"/>
+          <a:lstStyle/>
+          <a:p>
+            <a:pPr algn="ctr"/>
+            <a:endParaRPr lang="en-US" dirty="0">
+              <a:solidFill>
+                <a:schemeClr val="bg1"/>
+              </a:solidFill>
+              <a:latin typeface="Roboto Light" panose="02000000000000000000" pitchFamily="2" charset="0"/>
+              <a:ea typeface="Roboto Light" panose="02000000000000000000" pitchFamily="2" charset="0"/>
+            </a:endParaRPr>
+          </a:p>
+        </p:txBody>
+      </p:sp>
+      <p:sp>
+        <p:nvSpPr>
+          <p:cNvPr id="17" name="ZoneTexte 16"/>
+          <p:cNvSpPr txBox="1"/>
+          <p:nvPr/>
+        </p:nvSpPr>
+        <p:spPr>
+          <a:xfrm>
+            <a:off x="0" y="259200"/>
+            <a:ext cx="1828800" cy="261610"/>
+          </a:xfrm>
+          <a:prstGeom prst="rect">
+            <a:avLst/>
+          </a:prstGeom>
+          <a:solidFill>
+            <a:srgbClr val="ECF0F1"/>
+          </a:solidFill>
+        </p:spPr>
+        <p:txBody>
+          <a:bodyPr wrap="square" rtlCol="0">
+            <a:spAutoFit/>
+          </a:bodyPr>
+          <a:lstStyle/>
+          <a:p>
+            <a:pPr algn="ctr"/>
+            <a:r>
+              <a:rPr lang="en-US" sz="1100" b="1" i="1" dirty="0" smtClean="0">
+                <a:solidFill>
+                  <a:srgbClr val="34495E"/>
+                </a:solidFill>
+                <a:latin typeface="Roboto Light" panose="02000000000000000000" pitchFamily="2" charset="0"/>
+                <a:ea typeface="Roboto Light" panose="02000000000000000000" pitchFamily="2" charset="0"/>
+              </a:rPr>
+              <a:t>Introduction</a:t>
+            </a:r>
+            <a:endParaRPr lang="en-US" sz="1100" b="1" i="1" dirty="0">
+              <a:solidFill>
+                <a:srgbClr val="34495E"/>
+              </a:solidFill>
+              <a:latin typeface="Roboto Light" panose="02000000000000000000" pitchFamily="2" charset="0"/>
+              <a:ea typeface="Roboto Light" panose="02000000000000000000" pitchFamily="2" charset="0"/>
+            </a:endParaRPr>
+          </a:p>
+        </p:txBody>
+      </p:sp>
+      <p:sp>
+        <p:nvSpPr>
+          <p:cNvPr id="18" name="ZoneTexte 17"/>
+          <p:cNvSpPr txBox="1"/>
+          <p:nvPr/>
+        </p:nvSpPr>
+        <p:spPr>
+          <a:xfrm>
+            <a:off x="1828800" y="258463"/>
+            <a:ext cx="1828800" cy="261610"/>
+          </a:xfrm>
+          <a:prstGeom prst="rect">
+            <a:avLst/>
+          </a:prstGeom>
+          <a:solidFill>
+            <a:srgbClr val="ECF0F1"/>
+          </a:solidFill>
+        </p:spPr>
+        <p:txBody>
+          <a:bodyPr wrap="square" rtlCol="0">
+            <a:spAutoFit/>
+          </a:bodyPr>
+          <a:lstStyle/>
+          <a:p>
+            <a:pPr algn="ctr"/>
+            <a:r>
+              <a:rPr lang="en-US" sz="1100" i="1" dirty="0" smtClean="0">
+                <a:solidFill>
+                  <a:srgbClr val="95A5A6"/>
+                </a:solidFill>
+                <a:latin typeface="Roboto Light" panose="02000000000000000000" pitchFamily="2" charset="0"/>
+                <a:ea typeface="Roboto Light" panose="02000000000000000000" pitchFamily="2" charset="0"/>
+              </a:rPr>
+              <a:t>Dream recall</a:t>
+            </a:r>
+            <a:endParaRPr lang="en-US" sz="1100" i="1" dirty="0">
+              <a:solidFill>
+                <a:srgbClr val="95A5A6"/>
+              </a:solidFill>
+              <a:latin typeface="Roboto Light" panose="02000000000000000000" pitchFamily="2" charset="0"/>
+              <a:ea typeface="Roboto Light" panose="02000000000000000000" pitchFamily="2" charset="0"/>
+            </a:endParaRPr>
+          </a:p>
+        </p:txBody>
+      </p:sp>
+      <p:sp>
+        <p:nvSpPr>
+          <p:cNvPr id="19" name="ZoneTexte 18"/>
+          <p:cNvSpPr txBox="1"/>
+          <p:nvPr/>
+        </p:nvSpPr>
+        <p:spPr>
+          <a:xfrm>
+            <a:off x="3657600" y="258463"/>
+            <a:ext cx="1828800" cy="261610"/>
+          </a:xfrm>
+          <a:prstGeom prst="rect">
+            <a:avLst/>
+          </a:prstGeom>
+          <a:solidFill>
+            <a:srgbClr val="ECF0F1"/>
+          </a:solidFill>
+        </p:spPr>
+        <p:txBody>
+          <a:bodyPr wrap="square" rtlCol="0">
+            <a:spAutoFit/>
+          </a:bodyPr>
+          <a:lstStyle/>
+          <a:p>
+            <a:pPr algn="ctr"/>
+            <a:r>
+              <a:rPr lang="en-US" sz="1100" i="1" dirty="0" smtClean="0">
+                <a:solidFill>
+                  <a:srgbClr val="95A5A6"/>
+                </a:solidFill>
+                <a:latin typeface="Roboto Light" panose="02000000000000000000" pitchFamily="2" charset="0"/>
+                <a:ea typeface="Roboto Light" panose="02000000000000000000" pitchFamily="2" charset="0"/>
+              </a:rPr>
+              <a:t>Dream content</a:t>
+            </a:r>
+            <a:endParaRPr lang="en-US" sz="1100" i="1" dirty="0">
+              <a:solidFill>
+                <a:srgbClr val="95A5A6"/>
+              </a:solidFill>
+              <a:latin typeface="Roboto Light" panose="02000000000000000000" pitchFamily="2" charset="0"/>
+              <a:ea typeface="Roboto Light" panose="02000000000000000000" pitchFamily="2" charset="0"/>
+            </a:endParaRPr>
+          </a:p>
+        </p:txBody>
+      </p:sp>
+      <p:sp>
+        <p:nvSpPr>
+          <p:cNvPr id="20" name="ZoneTexte 19"/>
+          <p:cNvSpPr txBox="1"/>
+          <p:nvPr/>
+        </p:nvSpPr>
+        <p:spPr>
+          <a:xfrm>
+            <a:off x="5486400" y="258463"/>
+            <a:ext cx="1828800" cy="261610"/>
+          </a:xfrm>
+          <a:prstGeom prst="rect">
+            <a:avLst/>
+          </a:prstGeom>
+          <a:solidFill>
+            <a:srgbClr val="ECF0F1"/>
+          </a:solidFill>
+        </p:spPr>
+        <p:txBody>
+          <a:bodyPr wrap="square" rtlCol="0">
+            <a:spAutoFit/>
+          </a:bodyPr>
+          <a:lstStyle/>
+          <a:p>
+            <a:pPr algn="ctr"/>
+            <a:r>
+              <a:rPr lang="en-US" sz="1100" i="1" dirty="0" smtClean="0">
+                <a:solidFill>
+                  <a:srgbClr val="95A5A6"/>
+                </a:solidFill>
+                <a:latin typeface="Roboto Light" panose="02000000000000000000" pitchFamily="2" charset="0"/>
+                <a:ea typeface="Roboto Light" panose="02000000000000000000" pitchFamily="2" charset="0"/>
+              </a:rPr>
+              <a:t>Software</a:t>
+            </a:r>
+            <a:endParaRPr lang="en-US" sz="1100" i="1" dirty="0">
+              <a:solidFill>
+                <a:srgbClr val="95A5A6"/>
+              </a:solidFill>
+              <a:latin typeface="Roboto Light" panose="02000000000000000000" pitchFamily="2" charset="0"/>
+              <a:ea typeface="Roboto Light" panose="02000000000000000000" pitchFamily="2" charset="0"/>
+            </a:endParaRPr>
+          </a:p>
+        </p:txBody>
+      </p:sp>
+      <p:sp>
+        <p:nvSpPr>
+          <p:cNvPr id="21" name="ZoneTexte 20"/>
+          <p:cNvSpPr txBox="1"/>
+          <p:nvPr/>
+        </p:nvSpPr>
+        <p:spPr>
+          <a:xfrm>
+            <a:off x="7315200" y="258463"/>
+            <a:ext cx="1828800" cy="261610"/>
+          </a:xfrm>
+          <a:prstGeom prst="rect">
+            <a:avLst/>
+          </a:prstGeom>
+          <a:solidFill>
+            <a:srgbClr val="ECF0F1"/>
+          </a:solidFill>
+        </p:spPr>
+        <p:txBody>
+          <a:bodyPr wrap="square" rtlCol="0">
+            <a:spAutoFit/>
+          </a:bodyPr>
+          <a:lstStyle/>
+          <a:p>
+            <a:pPr algn="ctr"/>
+            <a:r>
+              <a:rPr lang="en-US" sz="1100" i="1" dirty="0" smtClean="0">
+                <a:solidFill>
+                  <a:srgbClr val="95A5A6"/>
+                </a:solidFill>
+                <a:latin typeface="Roboto Light" panose="02000000000000000000" pitchFamily="2" charset="0"/>
+                <a:ea typeface="Roboto Light" panose="02000000000000000000" pitchFamily="2" charset="0"/>
+              </a:rPr>
+              <a:t>Conclusion</a:t>
+            </a:r>
+            <a:endParaRPr lang="en-US" sz="1100" i="1" dirty="0">
+              <a:solidFill>
+                <a:srgbClr val="95A5A6"/>
+              </a:solidFill>
+              <a:latin typeface="Roboto Light" panose="02000000000000000000" pitchFamily="2" charset="0"/>
+              <a:ea typeface="Roboto Light" panose="02000000000000000000" pitchFamily="2" charset="0"/>
+            </a:endParaRPr>
+          </a:p>
+        </p:txBody>
+      </p:sp>
+      <p:sp>
+        <p:nvSpPr>
+          <p:cNvPr id="22" name="Espace réservé du numéro de diapositive 3"/>
           <p:cNvSpPr>
             <a:spLocks noGrp="1"/>
           </p:cNvSpPr>
@@ -6800,29 +8905,78 @@
             <p:ph type="sldNum" sz="quarter" idx="12"/>
           </p:nvPr>
         </p:nvSpPr>
-        <p:spPr/>
+        <p:spPr>
+          <a:xfrm>
+            <a:off x="8532813" y="6420123"/>
+            <a:ext cx="611187" cy="365125"/>
+          </a:xfrm>
+        </p:spPr>
         <p:txBody>
           <a:bodyPr/>
           <a:lstStyle/>
           <a:p>
-            <a:fld id="{35FF5DC1-B1C3-4575-9516-BF75EB359694}" type="slidenum">
-              <a:rPr lang="en-US" smtClean="0"/>
-              <a:t>2</a:t>
-            </a:fld>
-            <a:endParaRPr lang="en-US"/>
-          </a:p>
-        </p:txBody>
-      </p:sp>
-      <p:sp>
-        <p:nvSpPr>
-          <p:cNvPr id="2" name="ZoneTexte 1"/>
+            <a:pPr algn="ctr"/>
+            <a:r>
+              <a:rPr lang="en-US" sz="1100" dirty="0" smtClean="0">
+                <a:solidFill>
+                  <a:srgbClr val="7F8C8D"/>
+                </a:solidFill>
+              </a:rPr>
+              <a:t>3</a:t>
+            </a:r>
+            <a:endParaRPr lang="en-US" sz="1100" dirty="0">
+              <a:solidFill>
+                <a:srgbClr val="7F8C8D"/>
+              </a:solidFill>
+            </a:endParaRPr>
+          </a:p>
+        </p:txBody>
+      </p:sp>
+      <p:cxnSp>
+        <p:nvCxnSpPr>
+          <p:cNvPr id="23" name="Connecteur droit 22"/>
+          <p:cNvCxnSpPr/>
+          <p:nvPr/>
+        </p:nvCxnSpPr>
+        <p:spPr>
+          <a:xfrm flipH="1" flipV="1">
+            <a:off x="8521927" y="6318000"/>
+            <a:ext cx="0" cy="540000"/>
+          </a:xfrm>
+          <a:prstGeom prst="line">
+            <a:avLst/>
+          </a:prstGeom>
+          <a:ln w="28575">
+            <a:solidFill>
+              <a:srgbClr val="7F8C8D"/>
+            </a:solidFill>
+          </a:ln>
+        </p:spPr>
+        <p:style>
+          <a:lnRef idx="1">
+            <a:schemeClr val="dk1"/>
+          </a:lnRef>
+          <a:fillRef idx="0">
+            <a:schemeClr val="dk1"/>
+          </a:fillRef>
+          <a:effectRef idx="0">
+            <a:schemeClr val="dk1"/>
+          </a:effectRef>
+          <a:fontRef idx="minor">
+            <a:schemeClr val="tx1"/>
+          </a:fontRef>
+        </p:style>
+      </p:cxnSp>
+      <p:sp>
+        <p:nvSpPr>
+          <p:cNvPr id="24" name="ZoneTexte 23"/>
           <p:cNvSpPr txBox="1"/>
           <p:nvPr/>
         </p:nvSpPr>
         <p:spPr>
           <a:xfrm>
-            <a:off x="417890" y="6356351"/>
-            <a:ext cx="3305360" cy="215444"/>
+            <a:off x="4572000" y="6471881"/>
+            <a:ext cx="3893227" cy="261610"/>
           </a:xfrm>
           <a:prstGeom prst="rect">
             <a:avLst/>
@@ -6835,46 +8989,93 @@
           </a:bodyPr>
           <a:lstStyle/>
           <a:p>
-            <a:r>
-              <a:rPr lang="fr-FR" sz="800" dirty="0" smtClean="0"/>
-              <a:t>Grandville</a:t>
-            </a:r>
-            <a:r>
-              <a:rPr lang="fr-FR" sz="800" dirty="0"/>
-              <a:t>. </a:t>
-            </a:r>
-            <a:r>
-              <a:rPr lang="fr-FR" sz="800" i="1" dirty="0"/>
-              <a:t>Second rêve </a:t>
-            </a:r>
-            <a:r>
-              <a:rPr lang="fr-FR" sz="800" i="1" dirty="0" smtClean="0"/>
-              <a:t>– Une </a:t>
-            </a:r>
-            <a:r>
-              <a:rPr lang="fr-FR" sz="800" i="1" dirty="0"/>
-              <a:t>promenade dans le </a:t>
-            </a:r>
-            <a:r>
-              <a:rPr lang="fr-FR" sz="800" i="1" dirty="0" smtClean="0"/>
-              <a:t>ciel</a:t>
-            </a:r>
-            <a:r>
-              <a:rPr lang="fr-FR" sz="800" dirty="0"/>
-              <a:t>.</a:t>
-            </a:r>
-            <a:r>
-              <a:rPr lang="fr-FR" sz="800" dirty="0" smtClean="0"/>
-              <a:t> 1847.</a:t>
-            </a:r>
-            <a:endParaRPr lang="en-US" sz="800" dirty="0"/>
+            <a:pPr algn="r"/>
+            <a:r>
+              <a:rPr lang="en-US" sz="1100" dirty="0" smtClean="0">
+                <a:solidFill>
+                  <a:srgbClr val="7F8C8D"/>
+                </a:solidFill>
+                <a:latin typeface="Roboto Medium" panose="02000000000000000000" pitchFamily="2" charset="0"/>
+                <a:ea typeface="Roboto Medium" panose="02000000000000000000" pitchFamily="2" charset="0"/>
+              </a:rPr>
+              <a:t>Outline</a:t>
+            </a:r>
+            <a:endParaRPr lang="en-US" sz="1100" dirty="0">
+              <a:solidFill>
+                <a:srgbClr val="7F8C8D"/>
+              </a:solidFill>
+              <a:latin typeface="Roboto" pitchFamily="2" charset="0"/>
+              <a:ea typeface="Roboto" pitchFamily="2" charset="0"/>
+            </a:endParaRPr>
+          </a:p>
+        </p:txBody>
+      </p:sp>
+      <p:sp>
+        <p:nvSpPr>
+          <p:cNvPr id="25" name="ZoneTexte 24"/>
+          <p:cNvSpPr txBox="1"/>
+          <p:nvPr/>
+        </p:nvSpPr>
+        <p:spPr>
+          <a:xfrm>
+            <a:off x="284615" y="6471880"/>
+            <a:ext cx="3893227" cy="261610"/>
+          </a:xfrm>
+          <a:prstGeom prst="rect">
+            <a:avLst/>
+          </a:prstGeom>
+          <a:noFill/>
+        </p:spPr>
+        <p:txBody>
+          <a:bodyPr wrap="square" rtlCol="0">
+            <a:spAutoFit/>
+          </a:bodyPr>
+          <a:lstStyle/>
+          <a:p>
+            <a:r>
+              <a:rPr lang="en-US" sz="1100" dirty="0" smtClean="0">
+                <a:solidFill>
+                  <a:srgbClr val="7F8C8D"/>
+                </a:solidFill>
+                <a:latin typeface="Roboto Light" panose="02000000000000000000" pitchFamily="2" charset="0"/>
+                <a:ea typeface="Roboto Light" panose="02000000000000000000" pitchFamily="2" charset="0"/>
+              </a:rPr>
+              <a:t>R. Vallat – Ph.D. Oral Defense – December 8</a:t>
+            </a:r>
+            <a:r>
+              <a:rPr lang="en-US" sz="1100" baseline="30000" dirty="0" smtClean="0">
+                <a:solidFill>
+                  <a:srgbClr val="7F8C8D"/>
+                </a:solidFill>
+                <a:latin typeface="Roboto Light" panose="02000000000000000000" pitchFamily="2" charset="0"/>
+                <a:ea typeface="Roboto Light" panose="02000000000000000000" pitchFamily="2" charset="0"/>
+              </a:rPr>
+              <a:t>th</a:t>
+            </a:r>
+            <a:r>
+              <a:rPr lang="en-US" sz="1100" dirty="0" smtClean="0">
+                <a:solidFill>
+                  <a:srgbClr val="7F8C8D"/>
+                </a:solidFill>
+                <a:latin typeface="Roboto Light" panose="02000000000000000000" pitchFamily="2" charset="0"/>
+                <a:ea typeface="Roboto Light" panose="02000000000000000000" pitchFamily="2" charset="0"/>
+              </a:rPr>
+              <a:t> 2017</a:t>
+            </a:r>
+            <a:endParaRPr lang="en-US" sz="1100" dirty="0">
+              <a:solidFill>
+                <a:srgbClr val="7F8C8D"/>
+              </a:solidFill>
+              <a:latin typeface="Roboto Light" panose="02000000000000000000" pitchFamily="2" charset="0"/>
+              <a:ea typeface="Roboto Light" panose="02000000000000000000" pitchFamily="2" charset="0"/>
+            </a:endParaRPr>
           </a:p>
         </p:txBody>
       </p:sp>
     </p:spTree>
     <p:extLst>
       <p:ext uri="{BB962C8B-B14F-4D97-AF65-F5344CB8AC3E}">
-        <p14:creationId xmlns:p14="http://schemas.microsoft.com/office/powerpoint/2010/main" val="989477233"/>
+        <p14:creationId xmlns:p14="http://schemas.microsoft.com/office/powerpoint/2010/main" val="887034641"/>
       </p:ext>
     </p:extLst>
   </p:cSld>
@@ -6910,44 +9111,19 @@
       </p:grpSpPr>
       <p:sp>
         <p:nvSpPr>
-          <p:cNvPr id="4" name="Espace réservé du numéro de diapositive 3"/>
-          <p:cNvSpPr>
-            <a:spLocks noGrp="1"/>
-          </p:cNvSpPr>
-          <p:nvPr>
-            <p:ph type="sldNum" sz="quarter" idx="12"/>
-          </p:nvPr>
-        </p:nvSpPr>
-        <p:spPr/>
-        <p:txBody>
-          <a:bodyPr/>
-          <a:lstStyle/>
-          <a:p>
-            <a:fld id="{35FF5DC1-B1C3-4575-9516-BF75EB359694}" type="slidenum">
-              <a:rPr lang="en-US" smtClean="0"/>
-              <a:t>3</a:t>
-            </a:fld>
-            <a:endParaRPr lang="en-US"/>
-          </a:p>
-        </p:txBody>
-      </p:sp>
-      <p:sp>
-        <p:nvSpPr>
-          <p:cNvPr id="7" name="Rectangle 6"/>
+          <p:cNvPr id="13" name="Rectangle 12"/>
           <p:cNvSpPr/>
           <p:nvPr/>
         </p:nvSpPr>
         <p:spPr>
           <a:xfrm>
-            <a:off x="-1" y="549274"/>
-            <a:ext cx="250826" cy="1047600"/>
+            <a:off x="611188" y="800100"/>
+            <a:ext cx="7921625" cy="5508625"/>
           </a:xfrm>
           <a:prstGeom prst="rect">
             <a:avLst/>
           </a:prstGeom>
-          <a:solidFill>
-            <a:srgbClr val="E0E0E0"/>
-          </a:solidFill>
+          <a:noFill/>
           <a:ln>
             <a:noFill/>
           </a:ln>
@@ -6969,56 +9145,588 @@
           </a:fontRef>
         </p:style>
         <p:txBody>
-          <a:bodyPr vert="vert270" rtlCol="0" anchor="ctr"/>
-          <a:lstStyle/>
-          <a:p>
-            <a:pPr algn="ctr"/>
-            <a:r>
-              <a:rPr lang="en-US" sz="1100" dirty="0" smtClean="0">
-                <a:solidFill>
-                  <a:srgbClr val="282A2E"/>
+          <a:bodyPr rtlCol="0" anchor="t"/>
+          <a:lstStyle/>
+          <a:p>
+            <a:pPr marL="342900" indent="-342900">
+              <a:spcAft>
+                <a:spcPts val="1800"/>
+              </a:spcAft>
+              <a:buFont typeface="+mj-lt"/>
+              <a:buAutoNum type="arabicPeriod"/>
+            </a:pPr>
+            <a:r>
+              <a:rPr lang="en-US" b="1" dirty="0" smtClean="0">
+                <a:solidFill>
+                  <a:srgbClr val="2C3E50"/>
                 </a:solidFill>
                 <a:latin typeface="Helvetica Neue" panose="02000503000000020004" pitchFamily="50"/>
-              </a:rPr>
-              <a:t>Introduction</a:t>
-            </a:r>
-            <a:endParaRPr lang="en-US" sz="1100" dirty="0">
+                <a:ea typeface="Open Sans" panose="020B0606030504020204" pitchFamily="34" charset="0"/>
+                <a:cs typeface="Open Sans" panose="020B0606030504020204" pitchFamily="34" charset="0"/>
+              </a:rPr>
+              <a:t>What is dreaming?</a:t>
+            </a:r>
+            <a:endParaRPr lang="en-US" b="1" dirty="0">
               <a:solidFill>
-                <a:srgbClr val="282A2E"/>
+                <a:srgbClr val="2C3E50"/>
               </a:solidFill>
               <a:latin typeface="Helvetica Neue" panose="02000503000000020004" pitchFamily="50"/>
+              <a:ea typeface="Open Sans" panose="020B0606030504020204" pitchFamily="34" charset="0"/>
+              <a:cs typeface="Open Sans" panose="020B0606030504020204" pitchFamily="34" charset="0"/>
             </a:endParaRPr>
           </a:p>
-        </p:txBody>
-      </p:sp>
-      <p:sp>
-        <p:nvSpPr>
-          <p:cNvPr id="6" name="Rectangle 5"/>
-          <p:cNvSpPr/>
+          <a:p>
+            <a:pPr marL="285750" indent="-285750">
+              <a:spcAft>
+                <a:spcPts val="1200"/>
+              </a:spcAft>
+              <a:buFont typeface="Lato" panose="020F0502020204030203" pitchFamily="34" charset="0"/>
+              <a:buChar char="–"/>
+            </a:pPr>
+            <a:r>
+              <a:rPr lang="en-US" sz="1600" dirty="0" smtClean="0">
+                <a:solidFill>
+                  <a:srgbClr val="2C3E50"/>
+                </a:solidFill>
+                <a:latin typeface="Helvetica Neue" panose="02000503000000020004" pitchFamily="50"/>
+                <a:ea typeface="Open Sans" panose="020B0606030504020204" pitchFamily="34" charset="0"/>
+                <a:cs typeface="Open Sans" panose="020B0606030504020204" pitchFamily="34" charset="0"/>
+              </a:rPr>
+              <a:t>Dreaming </a:t>
+            </a:r>
+            <a:r>
+              <a:rPr lang="en-US" sz="1600" dirty="0">
+                <a:solidFill>
+                  <a:srgbClr val="2C3E50"/>
+                </a:solidFill>
+                <a:latin typeface="Helvetica Neue" panose="02000503000000020004" pitchFamily="50"/>
+                <a:ea typeface="Open Sans" panose="020B0606030504020204" pitchFamily="34" charset="0"/>
+                <a:cs typeface="Open Sans" panose="020B0606030504020204" pitchFamily="34" charset="0"/>
+              </a:rPr>
+              <a:t>is a </a:t>
+            </a:r>
+            <a:r>
+              <a:rPr lang="en-US" sz="1600" dirty="0">
+                <a:solidFill>
+                  <a:srgbClr val="2980B9"/>
+                </a:solidFill>
+                <a:latin typeface="Helvetica Neue" panose="02000503000000020004" pitchFamily="50"/>
+                <a:ea typeface="Open Sans" panose="020B0606030504020204" pitchFamily="34" charset="0"/>
+                <a:cs typeface="Open Sans" panose="020B0606030504020204" pitchFamily="34" charset="0"/>
+              </a:rPr>
+              <a:t>mental experience during sleep </a:t>
+            </a:r>
+            <a:r>
+              <a:rPr lang="en-US" sz="1600" dirty="0">
+                <a:solidFill>
+                  <a:srgbClr val="2C3E50"/>
+                </a:solidFill>
+                <a:latin typeface="Helvetica Neue" panose="02000503000000020004" pitchFamily="50"/>
+                <a:ea typeface="Open Sans" panose="020B0606030504020204" pitchFamily="34" charset="0"/>
+                <a:cs typeface="Open Sans" panose="020B0606030504020204" pitchFamily="34" charset="0"/>
+              </a:rPr>
+              <a:t>which can be </a:t>
+            </a:r>
+            <a:r>
+              <a:rPr lang="en-US" sz="1600" dirty="0" smtClean="0">
+                <a:solidFill>
+                  <a:srgbClr val="2980B9"/>
+                </a:solidFill>
+                <a:latin typeface="Helvetica Neue" panose="02000503000000020004" pitchFamily="50"/>
+                <a:ea typeface="Open Sans" panose="020B0606030504020204" pitchFamily="34" charset="0"/>
+                <a:cs typeface="Open Sans" panose="020B0606030504020204" pitchFamily="34" charset="0"/>
+              </a:rPr>
+              <a:t>recalled</a:t>
+            </a:r>
+            <a:r>
+              <a:rPr lang="en-US" sz="1600" dirty="0" smtClean="0">
+                <a:solidFill>
+                  <a:srgbClr val="2C3E50"/>
+                </a:solidFill>
+                <a:latin typeface="Helvetica Neue" panose="02000503000000020004" pitchFamily="50"/>
+                <a:ea typeface="Open Sans" panose="020B0606030504020204" pitchFamily="34" charset="0"/>
+                <a:cs typeface="Open Sans" panose="020B0606030504020204" pitchFamily="34" charset="0"/>
+              </a:rPr>
+              <a:t> and </a:t>
+            </a:r>
+            <a:r>
+              <a:rPr lang="en-US" sz="1600" dirty="0">
+                <a:solidFill>
+                  <a:srgbClr val="2980B9"/>
+                </a:solidFill>
+                <a:latin typeface="Helvetica Neue" panose="02000503000000020004" pitchFamily="50"/>
+                <a:ea typeface="Open Sans" panose="020B0606030504020204" pitchFamily="34" charset="0"/>
+                <a:cs typeface="Open Sans" panose="020B0606030504020204" pitchFamily="34" charset="0"/>
+              </a:rPr>
+              <a:t>reported</a:t>
+            </a:r>
+            <a:r>
+              <a:rPr lang="en-US" sz="1600" dirty="0">
+                <a:solidFill>
+                  <a:srgbClr val="2C3E50"/>
+                </a:solidFill>
+                <a:latin typeface="Helvetica Neue" panose="02000503000000020004" pitchFamily="50"/>
+                <a:ea typeface="Open Sans" panose="020B0606030504020204" pitchFamily="34" charset="0"/>
+                <a:cs typeface="Open Sans" panose="020B0606030504020204" pitchFamily="34" charset="0"/>
+              </a:rPr>
+              <a:t> at wake</a:t>
+            </a:r>
+            <a:r>
+              <a:rPr lang="en-US" sz="1600" dirty="0" smtClean="0">
+                <a:solidFill>
+                  <a:srgbClr val="2C3E50"/>
+                </a:solidFill>
+                <a:latin typeface="Helvetica Neue" panose="02000503000000020004" pitchFamily="50"/>
+                <a:ea typeface="Open Sans" panose="020B0606030504020204" pitchFamily="34" charset="0"/>
+                <a:cs typeface="Open Sans" panose="020B0606030504020204" pitchFamily="34" charset="0"/>
+              </a:rPr>
+              <a:t>.</a:t>
+            </a:r>
+            <a:endParaRPr lang="en-US" sz="1600" dirty="0">
+              <a:solidFill>
+                <a:srgbClr val="2C3E50"/>
+              </a:solidFill>
+              <a:latin typeface="Helvetica Neue" panose="02000503000000020004" pitchFamily="50"/>
+              <a:ea typeface="Open Sans" panose="020B0606030504020204" pitchFamily="34" charset="0"/>
+              <a:cs typeface="Open Sans" panose="020B0606030504020204" pitchFamily="34" charset="0"/>
+            </a:endParaRPr>
+          </a:p>
+          <a:p>
+            <a:pPr>
+              <a:spcAft>
+                <a:spcPts val="1200"/>
+              </a:spcAft>
+            </a:pPr>
+            <a:endParaRPr lang="en-US" dirty="0">
+              <a:solidFill>
+                <a:schemeClr val="tx2">
+                  <a:lumMod val="50000"/>
+                </a:schemeClr>
+              </a:solidFill>
+              <a:latin typeface="Open Sans" panose="020B0606030504020204" pitchFamily="34" charset="0"/>
+              <a:ea typeface="Open Sans" panose="020B0606030504020204" pitchFamily="34" charset="0"/>
+              <a:cs typeface="Open Sans" panose="020B0606030504020204" pitchFamily="34" charset="0"/>
+            </a:endParaRPr>
+          </a:p>
+          <a:p>
+            <a:pPr>
+              <a:spcAft>
+                <a:spcPts val="1200"/>
+              </a:spcAft>
+            </a:pPr>
+            <a:endParaRPr lang="en-US" dirty="0">
+              <a:solidFill>
+                <a:schemeClr val="tx2">
+                  <a:lumMod val="50000"/>
+                </a:schemeClr>
+              </a:solidFill>
+              <a:latin typeface="Open Sans" panose="020B0606030504020204" pitchFamily="34" charset="0"/>
+              <a:ea typeface="Open Sans" panose="020B0606030504020204" pitchFamily="34" charset="0"/>
+              <a:cs typeface="Open Sans" panose="020B0606030504020204" pitchFamily="34" charset="0"/>
+            </a:endParaRPr>
+          </a:p>
+          <a:p>
+            <a:pPr>
+              <a:spcAft>
+                <a:spcPts val="1200"/>
+              </a:spcAft>
+            </a:pPr>
+            <a:endParaRPr lang="en-US" dirty="0">
+              <a:solidFill>
+                <a:schemeClr val="tx2">
+                  <a:lumMod val="50000"/>
+                </a:schemeClr>
+              </a:solidFill>
+              <a:latin typeface="Open Sans" panose="020B0606030504020204" pitchFamily="34" charset="0"/>
+              <a:ea typeface="Open Sans" panose="020B0606030504020204" pitchFamily="34" charset="0"/>
+              <a:cs typeface="Open Sans" panose="020B0606030504020204" pitchFamily="34" charset="0"/>
+            </a:endParaRPr>
+          </a:p>
+          <a:p>
+            <a:pPr>
+              <a:spcAft>
+                <a:spcPts val="1200"/>
+              </a:spcAft>
+            </a:pPr>
+            <a:endParaRPr lang="en-US" dirty="0">
+              <a:solidFill>
+                <a:schemeClr val="tx2">
+                  <a:lumMod val="50000"/>
+                </a:schemeClr>
+              </a:solidFill>
+              <a:latin typeface="Open Sans" panose="020B0606030504020204" pitchFamily="34" charset="0"/>
+              <a:ea typeface="Open Sans" panose="020B0606030504020204" pitchFamily="34" charset="0"/>
+              <a:cs typeface="Open Sans" panose="020B0606030504020204" pitchFamily="34" charset="0"/>
+            </a:endParaRPr>
+          </a:p>
+          <a:p>
+            <a:pPr>
+              <a:spcAft>
+                <a:spcPts val="1200"/>
+              </a:spcAft>
+            </a:pPr>
+            <a:endParaRPr lang="en-US" dirty="0">
+              <a:solidFill>
+                <a:schemeClr val="tx2">
+                  <a:lumMod val="50000"/>
+                </a:schemeClr>
+              </a:solidFill>
+              <a:latin typeface="Open Sans" panose="020B0606030504020204" pitchFamily="34" charset="0"/>
+              <a:ea typeface="Open Sans" panose="020B0606030504020204" pitchFamily="34" charset="0"/>
+              <a:cs typeface="Open Sans" panose="020B0606030504020204" pitchFamily="34" charset="0"/>
+            </a:endParaRPr>
+          </a:p>
+          <a:p>
+            <a:pPr>
+              <a:spcAft>
+                <a:spcPts val="1200"/>
+              </a:spcAft>
+            </a:pPr>
+            <a:endParaRPr lang="en-US" dirty="0">
+              <a:solidFill>
+                <a:schemeClr val="tx2">
+                  <a:lumMod val="50000"/>
+                </a:schemeClr>
+              </a:solidFill>
+              <a:latin typeface="Open Sans" panose="020B0606030504020204" pitchFamily="34" charset="0"/>
+              <a:ea typeface="Open Sans" panose="020B0606030504020204" pitchFamily="34" charset="0"/>
+              <a:cs typeface="Open Sans" panose="020B0606030504020204" pitchFamily="34" charset="0"/>
+            </a:endParaRPr>
+          </a:p>
+          <a:p>
+            <a:pPr>
+              <a:spcAft>
+                <a:spcPts val="1200"/>
+              </a:spcAft>
+            </a:pPr>
+            <a:endParaRPr lang="en-US" dirty="0" smtClean="0">
+              <a:solidFill>
+                <a:schemeClr val="tx2">
+                  <a:lumMod val="50000"/>
+                </a:schemeClr>
+              </a:solidFill>
+              <a:latin typeface="Open Sans" panose="020B0606030504020204" pitchFamily="34" charset="0"/>
+              <a:ea typeface="Open Sans" panose="020B0606030504020204" pitchFamily="34" charset="0"/>
+              <a:cs typeface="Open Sans" panose="020B0606030504020204" pitchFamily="34" charset="0"/>
+            </a:endParaRPr>
+          </a:p>
+          <a:p>
+            <a:pPr>
+              <a:spcAft>
+                <a:spcPts val="1200"/>
+              </a:spcAft>
+            </a:pPr>
+            <a:endParaRPr lang="en-US" dirty="0">
+              <a:solidFill>
+                <a:schemeClr val="tx2">
+                  <a:lumMod val="50000"/>
+                </a:schemeClr>
+              </a:solidFill>
+              <a:latin typeface="Open Sans" panose="020B0606030504020204" pitchFamily="34" charset="0"/>
+              <a:ea typeface="Open Sans" panose="020B0606030504020204" pitchFamily="34" charset="0"/>
+              <a:cs typeface="Open Sans" panose="020B0606030504020204" pitchFamily="34" charset="0"/>
+            </a:endParaRPr>
+          </a:p>
+          <a:p>
+            <a:pPr algn="r">
+              <a:spcAft>
+                <a:spcPts val="1200"/>
+              </a:spcAft>
+            </a:pPr>
+            <a:r>
+              <a:rPr lang="en-US" sz="1400" i="1" dirty="0" smtClean="0">
+                <a:solidFill>
+                  <a:srgbClr val="2C3E50"/>
+                </a:solidFill>
+                <a:latin typeface="HelveticaNeueLT Std Lt" panose="020B0403020202020204" pitchFamily="34" charset="0"/>
+                <a:ea typeface="Open Sans" panose="020B0606030504020204" pitchFamily="34" charset="0"/>
+                <a:cs typeface="Open Sans" panose="020B0606030504020204" pitchFamily="34" charset="0"/>
+              </a:rPr>
+              <a:t>Guénolé 2009; Schwartz et al. 2005</a:t>
+            </a:r>
+            <a:endParaRPr lang="en-US" sz="1400" i="1" dirty="0">
+              <a:solidFill>
+                <a:srgbClr val="2C3E50"/>
+              </a:solidFill>
+              <a:latin typeface="HelveticaNeueLT Std Lt" panose="020B0403020202020204" pitchFamily="34" charset="0"/>
+              <a:ea typeface="Open Sans" panose="020B0606030504020204" pitchFamily="34" charset="0"/>
+              <a:cs typeface="Open Sans" panose="020B0606030504020204" pitchFamily="34" charset="0"/>
+            </a:endParaRPr>
+          </a:p>
+        </p:txBody>
+      </p:sp>
+      <p:sp>
+        <p:nvSpPr>
+          <p:cNvPr id="8" name="ZoneTexte 7"/>
+          <p:cNvSpPr txBox="1"/>
           <p:nvPr/>
         </p:nvSpPr>
         <p:spPr>
           <a:xfrm>
-            <a:off x="250825" y="0"/>
-            <a:ext cx="8893174" cy="549275"/>
+            <a:off x="0" y="259200"/>
+            <a:ext cx="1828800" cy="261610"/>
           </a:xfrm>
           <a:prstGeom prst="rect">
             <a:avLst/>
           </a:prstGeom>
-          <a:gradFill flip="none" rotWithShape="1">
-            <a:gsLst>
-              <a:gs pos="6000">
-                <a:srgbClr val="1D1F21"/>
-              </a:gs>
-              <a:gs pos="100000">
-                <a:srgbClr val="373B41">
-                  <a:alpha val="95000"/>
-                </a:srgbClr>
-              </a:gs>
-            </a:gsLst>
-            <a:lin ang="0" scaled="1"/>
-            <a:tileRect/>
-          </a:gradFill>
+          <a:solidFill>
+            <a:srgbClr val="ECF0F1"/>
+          </a:solidFill>
+        </p:spPr>
+        <p:txBody>
+          <a:bodyPr wrap="square" rtlCol="0">
+            <a:spAutoFit/>
+          </a:bodyPr>
+          <a:lstStyle/>
+          <a:p>
+            <a:pPr algn="ctr"/>
+            <a:r>
+              <a:rPr lang="en-US" sz="1100" b="1" i="1" dirty="0" smtClean="0">
+                <a:solidFill>
+                  <a:srgbClr val="34495E"/>
+                </a:solidFill>
+                <a:latin typeface="Roboto Light" panose="02000000000000000000" pitchFamily="2" charset="0"/>
+                <a:ea typeface="Roboto Light" panose="02000000000000000000" pitchFamily="2" charset="0"/>
+              </a:rPr>
+              <a:t>Introduction</a:t>
+            </a:r>
+            <a:endParaRPr lang="en-US" sz="1100" b="1" i="1" dirty="0">
+              <a:solidFill>
+                <a:srgbClr val="34495E"/>
+              </a:solidFill>
+              <a:latin typeface="Roboto Light" panose="02000000000000000000" pitchFamily="2" charset="0"/>
+              <a:ea typeface="Roboto Light" panose="02000000000000000000" pitchFamily="2" charset="0"/>
+            </a:endParaRPr>
+          </a:p>
+        </p:txBody>
+      </p:sp>
+      <p:sp>
+        <p:nvSpPr>
+          <p:cNvPr id="9" name="ZoneTexte 8"/>
+          <p:cNvSpPr txBox="1"/>
+          <p:nvPr/>
+        </p:nvSpPr>
+        <p:spPr>
+          <a:xfrm>
+            <a:off x="1828800" y="258463"/>
+            <a:ext cx="1828800" cy="261610"/>
+          </a:xfrm>
+          <a:prstGeom prst="rect">
+            <a:avLst/>
+          </a:prstGeom>
+          <a:solidFill>
+            <a:srgbClr val="ECF0F1"/>
+          </a:solidFill>
+        </p:spPr>
+        <p:txBody>
+          <a:bodyPr wrap="square" rtlCol="0">
+            <a:spAutoFit/>
+          </a:bodyPr>
+          <a:lstStyle/>
+          <a:p>
+            <a:pPr algn="ctr"/>
+            <a:r>
+              <a:rPr lang="en-US" sz="1100" i="1" dirty="0" smtClean="0">
+                <a:solidFill>
+                  <a:srgbClr val="95A5A6"/>
+                </a:solidFill>
+                <a:latin typeface="Roboto Light" panose="02000000000000000000" pitchFamily="2" charset="0"/>
+                <a:ea typeface="Roboto Light" panose="02000000000000000000" pitchFamily="2" charset="0"/>
+              </a:rPr>
+              <a:t>Dream recall</a:t>
+            </a:r>
+            <a:endParaRPr lang="en-US" sz="1100" i="1" dirty="0">
+              <a:solidFill>
+                <a:srgbClr val="95A5A6"/>
+              </a:solidFill>
+              <a:latin typeface="Roboto Light" panose="02000000000000000000" pitchFamily="2" charset="0"/>
+              <a:ea typeface="Roboto Light" panose="02000000000000000000" pitchFamily="2" charset="0"/>
+            </a:endParaRPr>
+          </a:p>
+        </p:txBody>
+      </p:sp>
+      <p:sp>
+        <p:nvSpPr>
+          <p:cNvPr id="10" name="ZoneTexte 9"/>
+          <p:cNvSpPr txBox="1"/>
+          <p:nvPr/>
+        </p:nvSpPr>
+        <p:spPr>
+          <a:xfrm>
+            <a:off x="3657600" y="258463"/>
+            <a:ext cx="1828800" cy="261610"/>
+          </a:xfrm>
+          <a:prstGeom prst="rect">
+            <a:avLst/>
+          </a:prstGeom>
+          <a:solidFill>
+            <a:srgbClr val="ECF0F1"/>
+          </a:solidFill>
+        </p:spPr>
+        <p:txBody>
+          <a:bodyPr wrap="square" rtlCol="0">
+            <a:spAutoFit/>
+          </a:bodyPr>
+          <a:lstStyle/>
+          <a:p>
+            <a:pPr algn="ctr"/>
+            <a:r>
+              <a:rPr lang="en-US" sz="1100" i="1" dirty="0" smtClean="0">
+                <a:solidFill>
+                  <a:srgbClr val="95A5A6"/>
+                </a:solidFill>
+                <a:latin typeface="Roboto Light" panose="02000000000000000000" pitchFamily="2" charset="0"/>
+                <a:ea typeface="Roboto Light" panose="02000000000000000000" pitchFamily="2" charset="0"/>
+              </a:rPr>
+              <a:t>Dream content</a:t>
+            </a:r>
+            <a:endParaRPr lang="en-US" sz="1100" i="1" dirty="0">
+              <a:solidFill>
+                <a:srgbClr val="95A5A6"/>
+              </a:solidFill>
+              <a:latin typeface="Roboto Light" panose="02000000000000000000" pitchFamily="2" charset="0"/>
+              <a:ea typeface="Roboto Light" panose="02000000000000000000" pitchFamily="2" charset="0"/>
+            </a:endParaRPr>
+          </a:p>
+        </p:txBody>
+      </p:sp>
+      <p:sp>
+        <p:nvSpPr>
+          <p:cNvPr id="11" name="ZoneTexte 10"/>
+          <p:cNvSpPr txBox="1"/>
+          <p:nvPr/>
+        </p:nvSpPr>
+        <p:spPr>
+          <a:xfrm>
+            <a:off x="5486400" y="258463"/>
+            <a:ext cx="1828800" cy="261610"/>
+          </a:xfrm>
+          <a:prstGeom prst="rect">
+            <a:avLst/>
+          </a:prstGeom>
+          <a:solidFill>
+            <a:srgbClr val="ECF0F1"/>
+          </a:solidFill>
+        </p:spPr>
+        <p:txBody>
+          <a:bodyPr wrap="square" rtlCol="0">
+            <a:spAutoFit/>
+          </a:bodyPr>
+          <a:lstStyle/>
+          <a:p>
+            <a:pPr algn="ctr"/>
+            <a:r>
+              <a:rPr lang="en-US" sz="1100" i="1" dirty="0" smtClean="0">
+                <a:solidFill>
+                  <a:srgbClr val="95A5A6"/>
+                </a:solidFill>
+                <a:latin typeface="Roboto Light" panose="02000000000000000000" pitchFamily="2" charset="0"/>
+                <a:ea typeface="Roboto Light" panose="02000000000000000000" pitchFamily="2" charset="0"/>
+              </a:rPr>
+              <a:t>Software</a:t>
+            </a:r>
+            <a:endParaRPr lang="en-US" sz="1100" i="1" dirty="0">
+              <a:solidFill>
+                <a:srgbClr val="95A5A6"/>
+              </a:solidFill>
+              <a:latin typeface="Roboto Light" panose="02000000000000000000" pitchFamily="2" charset="0"/>
+              <a:ea typeface="Roboto Light" panose="02000000000000000000" pitchFamily="2" charset="0"/>
+            </a:endParaRPr>
+          </a:p>
+        </p:txBody>
+      </p:sp>
+      <p:sp>
+        <p:nvSpPr>
+          <p:cNvPr id="14" name="ZoneTexte 13"/>
+          <p:cNvSpPr txBox="1"/>
+          <p:nvPr/>
+        </p:nvSpPr>
+        <p:spPr>
+          <a:xfrm>
+            <a:off x="7315200" y="258463"/>
+            <a:ext cx="1828800" cy="261610"/>
+          </a:xfrm>
+          <a:prstGeom prst="rect">
+            <a:avLst/>
+          </a:prstGeom>
+          <a:solidFill>
+            <a:srgbClr val="ECF0F1"/>
+          </a:solidFill>
+        </p:spPr>
+        <p:txBody>
+          <a:bodyPr wrap="square" rtlCol="0">
+            <a:spAutoFit/>
+          </a:bodyPr>
+          <a:lstStyle/>
+          <a:p>
+            <a:pPr algn="ctr"/>
+            <a:r>
+              <a:rPr lang="en-US" sz="1100" i="1" dirty="0" smtClean="0">
+                <a:solidFill>
+                  <a:srgbClr val="95A5A6"/>
+                </a:solidFill>
+                <a:latin typeface="Roboto Light" panose="02000000000000000000" pitchFamily="2" charset="0"/>
+                <a:ea typeface="Roboto Light" panose="02000000000000000000" pitchFamily="2" charset="0"/>
+              </a:rPr>
+              <a:t>Conclusion</a:t>
+            </a:r>
+            <a:endParaRPr lang="en-US" sz="1100" i="1" dirty="0">
+              <a:solidFill>
+                <a:srgbClr val="95A5A6"/>
+              </a:solidFill>
+              <a:latin typeface="Roboto Light" panose="02000000000000000000" pitchFamily="2" charset="0"/>
+              <a:ea typeface="Roboto Light" panose="02000000000000000000" pitchFamily="2" charset="0"/>
+            </a:endParaRPr>
+          </a:p>
+        </p:txBody>
+      </p:sp>
+      <p:pic>
+        <p:nvPicPr>
+          <p:cNvPr id="2" name="Image 1"/>
+          <p:cNvPicPr>
+            <a:picLocks noChangeAspect="1"/>
+          </p:cNvPicPr>
+          <p:nvPr/>
+        </p:nvPicPr>
+        <p:blipFill>
+          <a:blip r:embed="rId2" cstate="print">
+            <a:extLst>
+              <a:ext uri="{28A0092B-C50C-407E-A947-70E740481C1C}">
+                <a14:useLocalDpi xmlns:a14="http://schemas.microsoft.com/office/drawing/2010/main" val="0"/>
+              </a:ext>
+            </a:extLst>
+          </a:blip>
+          <a:stretch>
+            <a:fillRect/>
+          </a:stretch>
+        </p:blipFill>
+        <p:spPr>
+          <a:xfrm>
+            <a:off x="914385" y="2563810"/>
+            <a:ext cx="7315215" cy="1981204"/>
+          </a:xfrm>
+          <a:prstGeom prst="rect">
+            <a:avLst/>
+          </a:prstGeom>
+        </p:spPr>
+      </p:pic>
+      <p:sp>
+        <p:nvSpPr>
+          <p:cNvPr id="16" name="Rectangle 15"/>
+          <p:cNvSpPr/>
+          <p:nvPr/>
+        </p:nvSpPr>
+        <p:spPr>
+          <a:xfrm>
+            <a:off x="0" y="0"/>
+            <a:ext cx="9144000" cy="259200"/>
+          </a:xfrm>
+          <a:prstGeom prst="rect">
+            <a:avLst/>
+          </a:prstGeom>
+          <a:solidFill>
+            <a:srgbClr val="45607B"/>
+          </a:solidFill>
           <a:ln>
             <a:noFill/>
           </a:ln>
@@ -7043,41 +9751,210 @@
           <a:bodyPr rtlCol="0" anchor="ctr"/>
           <a:lstStyle/>
           <a:p>
-            <a:pPr indent="226800"/>
-            <a:r>
-              <a:rPr lang="en-US" sz="2400" dirty="0" smtClean="0">
-                <a:solidFill>
-                  <a:schemeClr val="bg1"/>
-                </a:solidFill>
-                <a:latin typeface="Helvetica Neue" panose="02000503000000020004" pitchFamily="50"/>
-              </a:rPr>
-              <a:t>Dreaming</a:t>
-            </a:r>
-            <a:endParaRPr lang="en-US" sz="2400" dirty="0">
+            <a:pPr algn="ctr"/>
+            <a:endParaRPr lang="en-US" dirty="0">
               <a:solidFill>
                 <a:schemeClr val="bg1"/>
               </a:solidFill>
-              <a:latin typeface="Helvetica Neue" panose="02000503000000020004" pitchFamily="50"/>
+              <a:latin typeface="Roboto Light" panose="02000000000000000000" pitchFamily="2" charset="0"/>
+              <a:ea typeface="Roboto Light" panose="02000000000000000000" pitchFamily="2" charset="0"/>
             </a:endParaRPr>
           </a:p>
         </p:txBody>
       </p:sp>
       <p:sp>
         <p:nvSpPr>
-          <p:cNvPr id="16" name="Rectangle 15"/>
+          <p:cNvPr id="18" name="Espace réservé du numéro de diapositive 3"/>
+          <p:cNvSpPr>
+            <a:spLocks noGrp="1"/>
+          </p:cNvSpPr>
+          <p:nvPr>
+            <p:ph type="sldNum" sz="quarter" idx="12"/>
+          </p:nvPr>
+        </p:nvSpPr>
+        <p:spPr>
+          <a:xfrm>
+            <a:off x="8532813" y="6420123"/>
+            <a:ext cx="611187" cy="365125"/>
+          </a:xfrm>
+        </p:spPr>
+        <p:txBody>
+          <a:bodyPr/>
+          <a:lstStyle/>
+          <a:p>
+            <a:pPr algn="ctr"/>
+            <a:r>
+              <a:rPr lang="en-US" sz="1100" dirty="0" smtClean="0">
+                <a:solidFill>
+                  <a:srgbClr val="7F8C8D"/>
+                </a:solidFill>
+              </a:rPr>
+              <a:t>2</a:t>
+            </a:r>
+            <a:endParaRPr lang="en-US" sz="1100" dirty="0">
+              <a:solidFill>
+                <a:srgbClr val="7F8C8D"/>
+              </a:solidFill>
+            </a:endParaRPr>
+          </a:p>
+        </p:txBody>
+      </p:sp>
+      <p:cxnSp>
+        <p:nvCxnSpPr>
+          <p:cNvPr id="19" name="Connecteur droit 18"/>
+          <p:cNvCxnSpPr/>
+          <p:nvPr/>
+        </p:nvCxnSpPr>
+        <p:spPr>
+          <a:xfrm flipH="1" flipV="1">
+            <a:off x="8521927" y="6318000"/>
+            <a:ext cx="0" cy="540000"/>
+          </a:xfrm>
+          <a:prstGeom prst="line">
+            <a:avLst/>
+          </a:prstGeom>
+          <a:ln w="28575">
+            <a:solidFill>
+              <a:srgbClr val="7F8C8D"/>
+            </a:solidFill>
+          </a:ln>
+        </p:spPr>
+        <p:style>
+          <a:lnRef idx="1">
+            <a:schemeClr val="dk1"/>
+          </a:lnRef>
+          <a:fillRef idx="0">
+            <a:schemeClr val="dk1"/>
+          </a:fillRef>
+          <a:effectRef idx="0">
+            <a:schemeClr val="dk1"/>
+          </a:effectRef>
+          <a:fontRef idx="minor">
+            <a:schemeClr val="tx1"/>
+          </a:fontRef>
+        </p:style>
+      </p:cxnSp>
+      <p:sp>
+        <p:nvSpPr>
+          <p:cNvPr id="20" name="ZoneTexte 19"/>
+          <p:cNvSpPr txBox="1"/>
+          <p:nvPr/>
+        </p:nvSpPr>
+        <p:spPr>
+          <a:xfrm>
+            <a:off x="4572000" y="6471881"/>
+            <a:ext cx="3893227" cy="261610"/>
+          </a:xfrm>
+          <a:prstGeom prst="rect">
+            <a:avLst/>
+          </a:prstGeom>
+          <a:noFill/>
+        </p:spPr>
+        <p:txBody>
+          <a:bodyPr wrap="square" rtlCol="0">
+            <a:spAutoFit/>
+          </a:bodyPr>
+          <a:lstStyle/>
+          <a:p>
+            <a:pPr algn="r"/>
+            <a:r>
+              <a:rPr lang="en-US" sz="1100" dirty="0" smtClean="0">
+                <a:solidFill>
+                  <a:srgbClr val="7F8C8D"/>
+                </a:solidFill>
+                <a:latin typeface="Roboto Medium" panose="02000000000000000000" pitchFamily="2" charset="0"/>
+                <a:ea typeface="Roboto Medium" panose="02000000000000000000" pitchFamily="2" charset="0"/>
+              </a:rPr>
+              <a:t>Introduction</a:t>
+            </a:r>
+            <a:endParaRPr lang="en-US" sz="1100" dirty="0">
+              <a:solidFill>
+                <a:srgbClr val="7F8C8D"/>
+              </a:solidFill>
+              <a:latin typeface="Roboto" pitchFamily="2" charset="0"/>
+              <a:ea typeface="Roboto" pitchFamily="2" charset="0"/>
+            </a:endParaRPr>
+          </a:p>
+        </p:txBody>
+      </p:sp>
+      <p:sp>
+        <p:nvSpPr>
+          <p:cNvPr id="21" name="ZoneTexte 20"/>
+          <p:cNvSpPr txBox="1"/>
+          <p:nvPr/>
+        </p:nvSpPr>
+        <p:spPr>
+          <a:xfrm>
+            <a:off x="284615" y="6471880"/>
+            <a:ext cx="3893227" cy="261610"/>
+          </a:xfrm>
+          <a:prstGeom prst="rect">
+            <a:avLst/>
+          </a:prstGeom>
+          <a:noFill/>
+        </p:spPr>
+        <p:txBody>
+          <a:bodyPr wrap="square" rtlCol="0">
+            <a:spAutoFit/>
+          </a:bodyPr>
+          <a:lstStyle/>
+          <a:p>
+            <a:r>
+              <a:rPr lang="en-US" sz="1100" dirty="0" smtClean="0">
+                <a:solidFill>
+                  <a:srgbClr val="7F8C8D"/>
+                </a:solidFill>
+                <a:latin typeface="Roboto Light" panose="02000000000000000000" pitchFamily="2" charset="0"/>
+                <a:ea typeface="Roboto Light" panose="02000000000000000000" pitchFamily="2" charset="0"/>
+              </a:rPr>
+              <a:t>R. Vallat – Ph.D. Oral Defense – December 8</a:t>
+            </a:r>
+            <a:r>
+              <a:rPr lang="en-US" sz="1100" baseline="30000" dirty="0" smtClean="0">
+                <a:solidFill>
+                  <a:srgbClr val="7F8C8D"/>
+                </a:solidFill>
+                <a:latin typeface="Roboto Light" panose="02000000000000000000" pitchFamily="2" charset="0"/>
+                <a:ea typeface="Roboto Light" panose="02000000000000000000" pitchFamily="2" charset="0"/>
+              </a:rPr>
+              <a:t>th</a:t>
+            </a:r>
+            <a:r>
+              <a:rPr lang="en-US" sz="1100" dirty="0" smtClean="0">
+                <a:solidFill>
+                  <a:srgbClr val="7F8C8D"/>
+                </a:solidFill>
+                <a:latin typeface="Roboto Light" panose="02000000000000000000" pitchFamily="2" charset="0"/>
+                <a:ea typeface="Roboto Light" panose="02000000000000000000" pitchFamily="2" charset="0"/>
+              </a:rPr>
+              <a:t> 2017</a:t>
+            </a:r>
+            <a:endParaRPr lang="en-US" sz="1100" dirty="0">
+              <a:solidFill>
+                <a:srgbClr val="7F8C8D"/>
+              </a:solidFill>
+              <a:latin typeface="Roboto Light" panose="02000000000000000000" pitchFamily="2" charset="0"/>
+              <a:ea typeface="Roboto Light" panose="02000000000000000000" pitchFamily="2" charset="0"/>
+            </a:endParaRPr>
+          </a:p>
+        </p:txBody>
+      </p:sp>
+      <p:sp>
+        <p:nvSpPr>
+          <p:cNvPr id="3" name="Rectangle 2"/>
           <p:cNvSpPr/>
           <p:nvPr/>
         </p:nvSpPr>
         <p:spPr>
           <a:xfrm>
-            <a:off x="0" y="1596874"/>
-            <a:ext cx="250826" cy="1047600"/>
+            <a:off x="2638697" y="3827417"/>
+            <a:ext cx="1018903" cy="717597"/>
           </a:xfrm>
           <a:prstGeom prst="rect">
             <a:avLst/>
           </a:prstGeom>
           <a:solidFill>
-            <a:srgbClr val="E0E0E0"/>
+            <a:schemeClr val="bg1"/>
           </a:solidFill>
           <a:ln>
             <a:noFill/>
@@ -7100,44 +9977,30 @@
           </a:fontRef>
         </p:style>
         <p:txBody>
-          <a:bodyPr vert="vert270" rtlCol="0" anchor="ctr"/>
+          <a:bodyPr rtlCol="0" anchor="ctr"/>
           <a:lstStyle/>
           <a:p>
             <a:pPr algn="ctr"/>
-            <a:r>
-              <a:rPr lang="en-US" sz="1100" dirty="0" smtClean="0">
-                <a:solidFill>
-                  <a:srgbClr val="969896"/>
-                </a:solidFill>
-                <a:latin typeface="Helvetica Neue" panose="02000503000000020004" pitchFamily="50"/>
-              </a:rPr>
-              <a:t>Methods</a:t>
-            </a:r>
-            <a:endParaRPr lang="en-US" sz="1100" dirty="0">
-              <a:solidFill>
-                <a:srgbClr val="969896"/>
-              </a:solidFill>
-              <a:latin typeface="Helvetica Neue" panose="02000503000000020004" pitchFamily="50"/>
-            </a:endParaRPr>
-          </a:p>
-        </p:txBody>
-      </p:sp>
-      <p:sp>
-        <p:nvSpPr>
-          <p:cNvPr id="17" name="Rectangle 16"/>
+            <a:endParaRPr lang="en-US"/>
+          </a:p>
+        </p:txBody>
+      </p:sp>
+      <p:sp>
+        <p:nvSpPr>
+          <p:cNvPr id="22" name="Rectangle 21"/>
           <p:cNvSpPr/>
           <p:nvPr/>
         </p:nvSpPr>
         <p:spPr>
           <a:xfrm>
-            <a:off x="-1" y="2644473"/>
-            <a:ext cx="250826" cy="1047600"/>
+            <a:off x="5486400" y="3731623"/>
+            <a:ext cx="1018903" cy="717597"/>
           </a:xfrm>
           <a:prstGeom prst="rect">
             <a:avLst/>
           </a:prstGeom>
           <a:solidFill>
-            <a:srgbClr val="E0E0E0"/>
+            <a:schemeClr val="bg1"/>
           </a:solidFill>
           <a:ln>
             <a:noFill/>
@@ -7160,247 +10023,18 @@
           </a:fontRef>
         </p:style>
         <p:txBody>
-          <a:bodyPr vert="vert270" rtlCol="0" anchor="ctr"/>
+          <a:bodyPr rtlCol="0" anchor="ctr"/>
           <a:lstStyle/>
           <a:p>
             <a:pPr algn="ctr"/>
-            <a:r>
-              <a:rPr lang="en-US" sz="1100" dirty="0" smtClean="0">
-                <a:solidFill>
-                  <a:srgbClr val="969896"/>
-                </a:solidFill>
-                <a:latin typeface="Helvetica Neue" panose="02000503000000020004" pitchFamily="50"/>
-              </a:rPr>
-              <a:t>Study I</a:t>
-            </a:r>
-            <a:endParaRPr lang="en-US" sz="1100" dirty="0">
-              <a:solidFill>
-                <a:srgbClr val="969896"/>
-              </a:solidFill>
-              <a:latin typeface="Helvetica Neue" panose="02000503000000020004" pitchFamily="50"/>
-            </a:endParaRPr>
-          </a:p>
-        </p:txBody>
-      </p:sp>
-      <p:sp>
-        <p:nvSpPr>
-          <p:cNvPr id="18" name="Rectangle 17"/>
-          <p:cNvSpPr/>
-          <p:nvPr/>
-        </p:nvSpPr>
-        <p:spPr>
-          <a:xfrm>
-            <a:off x="-2" y="3692073"/>
-            <a:ext cx="250826" cy="1047600"/>
-          </a:xfrm>
-          <a:prstGeom prst="rect">
-            <a:avLst/>
-          </a:prstGeom>
-          <a:solidFill>
-            <a:srgbClr val="E0E0E0"/>
-          </a:solidFill>
-          <a:ln>
-            <a:noFill/>
-          </a:ln>
-        </p:spPr>
-        <p:style>
-          <a:lnRef idx="2">
-            <a:schemeClr val="accent1">
-              <a:shade val="50000"/>
-            </a:schemeClr>
-          </a:lnRef>
-          <a:fillRef idx="1">
-            <a:schemeClr val="accent1"/>
-          </a:fillRef>
-          <a:effectRef idx="0">
-            <a:schemeClr val="accent1"/>
-          </a:effectRef>
-          <a:fontRef idx="minor">
-            <a:schemeClr val="lt1"/>
-          </a:fontRef>
-        </p:style>
-        <p:txBody>
-          <a:bodyPr vert="vert270" rtlCol="0" anchor="ctr"/>
-          <a:lstStyle/>
-          <a:p>
-            <a:pPr algn="ctr"/>
-            <a:r>
-              <a:rPr lang="en-US" sz="1100" dirty="0" smtClean="0">
-                <a:solidFill>
-                  <a:srgbClr val="969896"/>
-                </a:solidFill>
-                <a:latin typeface="Helvetica Neue" panose="02000503000000020004" pitchFamily="50"/>
-              </a:rPr>
-              <a:t>Study II</a:t>
-            </a:r>
-            <a:endParaRPr lang="en-US" sz="1100" dirty="0">
-              <a:solidFill>
-                <a:srgbClr val="969896"/>
-              </a:solidFill>
-              <a:latin typeface="Helvetica Neue" panose="02000503000000020004" pitchFamily="50"/>
-            </a:endParaRPr>
-          </a:p>
-        </p:txBody>
-      </p:sp>
-      <p:sp>
-        <p:nvSpPr>
-          <p:cNvPr id="19" name="Rectangle 18"/>
-          <p:cNvSpPr/>
-          <p:nvPr/>
-        </p:nvSpPr>
-        <p:spPr>
-          <a:xfrm>
-            <a:off x="0" y="4739672"/>
-            <a:ext cx="250826" cy="1047600"/>
-          </a:xfrm>
-          <a:prstGeom prst="rect">
-            <a:avLst/>
-          </a:prstGeom>
-          <a:solidFill>
-            <a:srgbClr val="E0E0E0"/>
-          </a:solidFill>
-          <a:ln>
-            <a:noFill/>
-          </a:ln>
-        </p:spPr>
-        <p:style>
-          <a:lnRef idx="2">
-            <a:schemeClr val="accent1">
-              <a:shade val="50000"/>
-            </a:schemeClr>
-          </a:lnRef>
-          <a:fillRef idx="1">
-            <a:schemeClr val="accent1"/>
-          </a:fillRef>
-          <a:effectRef idx="0">
-            <a:schemeClr val="accent1"/>
-          </a:effectRef>
-          <a:fontRef idx="minor">
-            <a:schemeClr val="lt1"/>
-          </a:fontRef>
-        </p:style>
-        <p:txBody>
-          <a:bodyPr vert="vert270" rtlCol="0" anchor="ctr"/>
-          <a:lstStyle/>
-          <a:p>
-            <a:pPr algn="ctr"/>
-            <a:r>
-              <a:rPr lang="en-US" sz="1100" dirty="0" smtClean="0">
-                <a:solidFill>
-                  <a:srgbClr val="969896"/>
-                </a:solidFill>
-                <a:latin typeface="Helvetica Neue" panose="02000503000000020004" pitchFamily="50"/>
-              </a:rPr>
-              <a:t>Study III</a:t>
-            </a:r>
-            <a:endParaRPr lang="en-US" sz="1100" dirty="0">
-              <a:solidFill>
-                <a:srgbClr val="969896"/>
-              </a:solidFill>
-              <a:latin typeface="Helvetica Neue" panose="02000503000000020004" pitchFamily="50"/>
-            </a:endParaRPr>
-          </a:p>
-        </p:txBody>
-      </p:sp>
-      <p:sp>
-        <p:nvSpPr>
-          <p:cNvPr id="20" name="Rectangle 19"/>
-          <p:cNvSpPr/>
-          <p:nvPr/>
-        </p:nvSpPr>
-        <p:spPr>
-          <a:xfrm>
-            <a:off x="0" y="5787270"/>
-            <a:ext cx="250825" cy="1070730"/>
-          </a:xfrm>
-          <a:prstGeom prst="rect">
-            <a:avLst/>
-          </a:prstGeom>
-          <a:solidFill>
-            <a:srgbClr val="E0E0E0"/>
-          </a:solidFill>
-          <a:ln>
-            <a:noFill/>
-          </a:ln>
-        </p:spPr>
-        <p:style>
-          <a:lnRef idx="2">
-            <a:schemeClr val="accent1">
-              <a:shade val="50000"/>
-            </a:schemeClr>
-          </a:lnRef>
-          <a:fillRef idx="1">
-            <a:schemeClr val="accent1"/>
-          </a:fillRef>
-          <a:effectRef idx="0">
-            <a:schemeClr val="accent1"/>
-          </a:effectRef>
-          <a:fontRef idx="minor">
-            <a:schemeClr val="lt1"/>
-          </a:fontRef>
-        </p:style>
-        <p:txBody>
-          <a:bodyPr vert="vert270" rtlCol="0" anchor="ctr"/>
-          <a:lstStyle/>
-          <a:p>
-            <a:pPr algn="ctr"/>
-            <a:r>
-              <a:rPr lang="en-US" sz="1100" dirty="0" smtClean="0">
-                <a:solidFill>
-                  <a:srgbClr val="969896"/>
-                </a:solidFill>
-                <a:latin typeface="Helvetica Neue" panose="02000503000000020004" pitchFamily="50"/>
-              </a:rPr>
-              <a:t>Conclusion</a:t>
-            </a:r>
-            <a:endParaRPr lang="en-US" sz="1100" dirty="0">
-              <a:solidFill>
-                <a:srgbClr val="969896"/>
-              </a:solidFill>
-              <a:latin typeface="Helvetica Neue" panose="02000503000000020004" pitchFamily="50"/>
-            </a:endParaRPr>
-          </a:p>
-        </p:txBody>
-      </p:sp>
-      <p:cxnSp>
-        <p:nvCxnSpPr>
-          <p:cNvPr id="32" name="Connecteur droit 31"/>
-          <p:cNvCxnSpPr/>
-          <p:nvPr/>
-        </p:nvCxnSpPr>
-        <p:spPr>
-          <a:xfrm>
-            <a:off x="-2" y="549275"/>
-            <a:ext cx="9144001" cy="0"/>
-          </a:xfrm>
-          <a:prstGeom prst="line">
-            <a:avLst/>
-          </a:prstGeom>
-          <a:ln w="38100">
-            <a:solidFill>
-              <a:srgbClr val="1E2022"/>
-            </a:solidFill>
-          </a:ln>
-        </p:spPr>
-        <p:style>
-          <a:lnRef idx="1">
-            <a:schemeClr val="accent1"/>
-          </a:lnRef>
-          <a:fillRef idx="0">
-            <a:schemeClr val="accent1"/>
-          </a:fillRef>
-          <a:effectRef idx="0">
-            <a:schemeClr val="accent1"/>
-          </a:effectRef>
-          <a:fontRef idx="minor">
-            <a:schemeClr val="tx1"/>
-          </a:fontRef>
-        </p:style>
-      </p:cxnSp>
+            <a:endParaRPr lang="en-US"/>
+          </a:p>
+        </p:txBody>
+      </p:sp>
     </p:spTree>
     <p:extLst>
       <p:ext uri="{BB962C8B-B14F-4D97-AF65-F5344CB8AC3E}">
-        <p14:creationId xmlns:p14="http://schemas.microsoft.com/office/powerpoint/2010/main" val="378802959"/>
+        <p14:creationId xmlns:p14="http://schemas.microsoft.com/office/powerpoint/2010/main" val="2178567288"/>
       </p:ext>
     </p:extLst>
   </p:cSld>
@@ -7410,9 +10044,124 @@
   <p:timing>
     <p:tnLst>
       <p:par>
-        <p:cTn id="1" dur="indefinite" restart="never" nodeType="tmRoot"/>
+        <p:cTn id="1" dur="indefinite" restart="never" nodeType="tmRoot">
+          <p:childTnLst>
+            <p:seq concurrent="1" nextAc="seek">
+              <p:cTn id="2" dur="indefinite" nodeType="mainSeq">
+                <p:childTnLst>
+                  <p:par>
+                    <p:cTn id="3" fill="hold">
+                      <p:stCondLst>
+                        <p:cond delay="indefinite"/>
+                      </p:stCondLst>
+                      <p:childTnLst>
+                        <p:par>
+                          <p:cTn id="4" fill="hold">
+                            <p:stCondLst>
+                              <p:cond delay="0"/>
+                            </p:stCondLst>
+                            <p:childTnLst>
+                              <p:par>
+                                <p:cTn id="5" presetID="10" presetClass="exit" presetSubtype="0" fill="hold" grpId="0" nodeType="clickEffect">
+                                  <p:stCondLst>
+                                    <p:cond delay="0"/>
+                                  </p:stCondLst>
+                                  <p:childTnLst>
+                                    <p:animEffect transition="out" filter="fade">
+                                      <p:cBhvr>
+                                        <p:cTn id="6" dur="500"/>
+                                        <p:tgtEl>
+                                          <p:spTgt spid="22"/>
+                                        </p:tgtEl>
+                                      </p:cBhvr>
+                                    </p:animEffect>
+                                    <p:set>
+                                      <p:cBhvr>
+                                        <p:cTn id="7" dur="1" fill="hold">
+                                          <p:stCondLst>
+                                            <p:cond delay="499"/>
+                                          </p:stCondLst>
+                                        </p:cTn>
+                                        <p:tgtEl>
+                                          <p:spTgt spid="22"/>
+                                        </p:tgtEl>
+                                        <p:attrNameLst>
+                                          <p:attrName>style.visibility</p:attrName>
+                                        </p:attrNameLst>
+                                      </p:cBhvr>
+                                      <p:to>
+                                        <p:strVal val="hidden"/>
+                                      </p:to>
+                                    </p:set>
+                                  </p:childTnLst>
+                                </p:cTn>
+                              </p:par>
+                              <p:par>
+                                <p:cTn id="8" presetID="10" presetClass="exit" presetSubtype="0" fill="hold" grpId="0" nodeType="withEffect">
+                                  <p:stCondLst>
+                                    <p:cond delay="0"/>
+                                  </p:stCondLst>
+                                  <p:childTnLst>
+                                    <p:animEffect transition="out" filter="fade">
+                                      <p:cBhvr>
+                                        <p:cTn id="9" dur="500"/>
+                                        <p:tgtEl>
+                                          <p:spTgt spid="3"/>
+                                        </p:tgtEl>
+                                      </p:cBhvr>
+                                    </p:animEffect>
+                                    <p:set>
+                                      <p:cBhvr>
+                                        <p:cTn id="10" dur="1" fill="hold">
+                                          <p:stCondLst>
+                                            <p:cond delay="499"/>
+                                          </p:stCondLst>
+                                        </p:cTn>
+                                        <p:tgtEl>
+                                          <p:spTgt spid="3"/>
+                                        </p:tgtEl>
+                                        <p:attrNameLst>
+                                          <p:attrName>style.visibility</p:attrName>
+                                        </p:attrNameLst>
+                                      </p:cBhvr>
+                                      <p:to>
+                                        <p:strVal val="hidden"/>
+                                      </p:to>
+                                    </p:set>
+                                  </p:childTnLst>
+                                </p:cTn>
+                              </p:par>
+                            </p:childTnLst>
+                          </p:cTn>
+                        </p:par>
+                      </p:childTnLst>
+                    </p:cTn>
+                  </p:par>
+                </p:childTnLst>
+              </p:cTn>
+              <p:prevCondLst>
+                <p:cond evt="onPrev" delay="0">
+                  <p:tgtEl>
+                    <p:sldTgt/>
+                  </p:tgtEl>
+                </p:cond>
+              </p:prevCondLst>
+              <p:nextCondLst>
+                <p:cond evt="onNext" delay="0">
+                  <p:tgtEl>
+                    <p:sldTgt/>
+                  </p:tgtEl>
+                </p:cond>
+              </p:nextCondLst>
+            </p:seq>
+          </p:childTnLst>
+        </p:cTn>
       </p:par>
     </p:tnLst>
+    <p:bldLst>
+      <p:bldP spid="3" grpId="0" animBg="1"/>
+      <p:bldP spid="22" grpId="0" animBg="1"/>
+    </p:bldLst>
   </p:timing>
 </p:sld>
 </file>
@@ -7436,53 +10185,19 @@
       </p:grpSpPr>
       <p:sp>
         <p:nvSpPr>
-          <p:cNvPr id="4" name="Espace réservé du numéro de diapositive 3"/>
-          <p:cNvSpPr>
-            <a:spLocks noGrp="1"/>
-          </p:cNvSpPr>
-          <p:nvPr>
-            <p:ph type="sldNum" sz="quarter" idx="12"/>
-          </p:nvPr>
-        </p:nvSpPr>
-        <p:spPr/>
-        <p:txBody>
-          <a:bodyPr/>
-          <a:lstStyle/>
-          <a:p>
-            <a:fld id="{35FF5DC1-B1C3-4575-9516-BF75EB359694}" type="slidenum">
-              <a:rPr lang="en-US" smtClean="0"/>
-              <a:t>4</a:t>
-            </a:fld>
-            <a:endParaRPr lang="en-US"/>
-          </a:p>
-        </p:txBody>
-      </p:sp>
-      <p:sp>
-        <p:nvSpPr>
-          <p:cNvPr id="6" name="Rectangle 5"/>
+          <p:cNvPr id="13" name="Rectangle 12"/>
           <p:cNvSpPr/>
           <p:nvPr/>
         </p:nvSpPr>
         <p:spPr>
           <a:xfrm>
-            <a:off x="0" y="0"/>
-            <a:ext cx="9143999" cy="549275"/>
+            <a:off x="611188" y="800100"/>
+            <a:ext cx="7921625" cy="5508625"/>
           </a:xfrm>
           <a:prstGeom prst="rect">
             <a:avLst/>
           </a:prstGeom>
-          <a:gradFill flip="none" rotWithShape="1">
-            <a:gsLst>
-              <a:gs pos="0">
-                <a:srgbClr val="1D1F21"/>
-              </a:gs>
-              <a:gs pos="100000">
-                <a:srgbClr val="373B41"/>
-              </a:gs>
-            </a:gsLst>
-            <a:lin ang="0" scaled="1"/>
-            <a:tileRect/>
-          </a:gradFill>
+          <a:noFill/>
           <a:ln>
             <a:noFill/>
           </a:ln>
@@ -7504,45 +10219,649 @@
           </a:fontRef>
         </p:style>
         <p:txBody>
+          <a:bodyPr rtlCol="0" anchor="t"/>
+          <a:lstStyle/>
+          <a:p>
+            <a:pPr marL="342900" indent="-342900">
+              <a:spcAft>
+                <a:spcPts val="1800"/>
+              </a:spcAft>
+              <a:buFont typeface="+mj-lt"/>
+              <a:buAutoNum type="arabicPeriod" startAt="2"/>
+            </a:pPr>
+            <a:r>
+              <a:rPr lang="en-US" b="1" dirty="0" smtClean="0">
+                <a:solidFill>
+                  <a:srgbClr val="2C3E50"/>
+                </a:solidFill>
+                <a:latin typeface="Helvetica Neue" panose="02000503000000020004" pitchFamily="50"/>
+                <a:ea typeface="Open Sans" panose="020B0606030504020204" pitchFamily="34" charset="0"/>
+                <a:cs typeface="Open Sans" panose="020B0606030504020204" pitchFamily="34" charset="0"/>
+              </a:rPr>
+              <a:t>When does it occur during the night?</a:t>
+            </a:r>
+            <a:endParaRPr lang="en-US" b="1" dirty="0">
+              <a:solidFill>
+                <a:srgbClr val="2C3E50"/>
+              </a:solidFill>
+              <a:latin typeface="Helvetica Neue" panose="02000503000000020004" pitchFamily="50"/>
+              <a:ea typeface="Open Sans" panose="020B0606030504020204" pitchFamily="34" charset="0"/>
+              <a:cs typeface="Open Sans" panose="020B0606030504020204" pitchFamily="34" charset="0"/>
+            </a:endParaRPr>
+          </a:p>
+          <a:p>
+            <a:pPr marL="285750" indent="-285750" algn="just">
+              <a:spcAft>
+                <a:spcPts val="1200"/>
+              </a:spcAft>
+              <a:buFont typeface="Lato" panose="020F0502020204030203" pitchFamily="34" charset="0"/>
+              <a:buChar char="–"/>
+            </a:pPr>
+            <a:r>
+              <a:rPr lang="en-US" sz="1600" dirty="0" smtClean="0">
+                <a:solidFill>
+                  <a:srgbClr val="2C3E50"/>
+                </a:solidFill>
+                <a:latin typeface="Helvetica Neue" panose="02000503000000020004" pitchFamily="50"/>
+                <a:ea typeface="Open Sans" panose="020B0606030504020204" pitchFamily="34" charset="0"/>
+                <a:cs typeface="Open Sans" panose="020B0606030504020204" pitchFamily="34" charset="0"/>
+              </a:rPr>
+              <a:t>Dreaming can occur in </a:t>
+            </a:r>
+            <a:r>
+              <a:rPr lang="en-US" sz="1600" dirty="0" smtClean="0">
+                <a:solidFill>
+                  <a:srgbClr val="2980B9"/>
+                </a:solidFill>
+                <a:latin typeface="Helvetica Neue" panose="02000503000000020004" pitchFamily="50"/>
+                <a:ea typeface="Open Sans" panose="020B0606030504020204" pitchFamily="34" charset="0"/>
+                <a:cs typeface="Open Sans" panose="020B0606030504020204" pitchFamily="34" charset="0"/>
+              </a:rPr>
+              <a:t>all sleep stages</a:t>
+            </a:r>
+          </a:p>
+          <a:p>
+            <a:pPr>
+              <a:spcAft>
+                <a:spcPts val="1200"/>
+              </a:spcAft>
+            </a:pPr>
+            <a:endParaRPr lang="en-US" dirty="0">
+              <a:solidFill>
+                <a:schemeClr val="tx2">
+                  <a:lumMod val="50000"/>
+                </a:schemeClr>
+              </a:solidFill>
+              <a:latin typeface="Open Sans" panose="020B0606030504020204" pitchFamily="34" charset="0"/>
+              <a:ea typeface="Open Sans" panose="020B0606030504020204" pitchFamily="34" charset="0"/>
+              <a:cs typeface="Open Sans" panose="020B0606030504020204" pitchFamily="34" charset="0"/>
+            </a:endParaRPr>
+          </a:p>
+          <a:p>
+            <a:pPr>
+              <a:spcAft>
+                <a:spcPts val="1200"/>
+              </a:spcAft>
+            </a:pPr>
+            <a:endParaRPr lang="en-US" dirty="0">
+              <a:solidFill>
+                <a:schemeClr val="tx2">
+                  <a:lumMod val="50000"/>
+                </a:schemeClr>
+              </a:solidFill>
+              <a:latin typeface="Open Sans" panose="020B0606030504020204" pitchFamily="34" charset="0"/>
+              <a:ea typeface="Open Sans" panose="020B0606030504020204" pitchFamily="34" charset="0"/>
+              <a:cs typeface="Open Sans" panose="020B0606030504020204" pitchFamily="34" charset="0"/>
+            </a:endParaRPr>
+          </a:p>
+          <a:p>
+            <a:pPr>
+              <a:spcAft>
+                <a:spcPts val="1200"/>
+              </a:spcAft>
+            </a:pPr>
+            <a:endParaRPr lang="en-US" dirty="0">
+              <a:solidFill>
+                <a:schemeClr val="tx2">
+                  <a:lumMod val="50000"/>
+                </a:schemeClr>
+              </a:solidFill>
+              <a:latin typeface="Open Sans" panose="020B0606030504020204" pitchFamily="34" charset="0"/>
+              <a:ea typeface="Open Sans" panose="020B0606030504020204" pitchFamily="34" charset="0"/>
+              <a:cs typeface="Open Sans" panose="020B0606030504020204" pitchFamily="34" charset="0"/>
+            </a:endParaRPr>
+          </a:p>
+          <a:p>
+            <a:pPr>
+              <a:spcAft>
+                <a:spcPts val="1200"/>
+              </a:spcAft>
+            </a:pPr>
+            <a:endParaRPr lang="en-US" dirty="0">
+              <a:solidFill>
+                <a:schemeClr val="tx2">
+                  <a:lumMod val="50000"/>
+                </a:schemeClr>
+              </a:solidFill>
+              <a:latin typeface="Open Sans" panose="020B0606030504020204" pitchFamily="34" charset="0"/>
+              <a:ea typeface="Open Sans" panose="020B0606030504020204" pitchFamily="34" charset="0"/>
+              <a:cs typeface="Open Sans" panose="020B0606030504020204" pitchFamily="34" charset="0"/>
+            </a:endParaRPr>
+          </a:p>
+          <a:p>
+            <a:pPr>
+              <a:spcAft>
+                <a:spcPts val="1200"/>
+              </a:spcAft>
+            </a:pPr>
+            <a:endParaRPr lang="en-US" dirty="0">
+              <a:solidFill>
+                <a:schemeClr val="tx2">
+                  <a:lumMod val="50000"/>
+                </a:schemeClr>
+              </a:solidFill>
+              <a:latin typeface="Open Sans" panose="020B0606030504020204" pitchFamily="34" charset="0"/>
+              <a:ea typeface="Open Sans" panose="020B0606030504020204" pitchFamily="34" charset="0"/>
+              <a:cs typeface="Open Sans" panose="020B0606030504020204" pitchFamily="34" charset="0"/>
+            </a:endParaRPr>
+          </a:p>
+          <a:p>
+            <a:pPr>
+              <a:spcAft>
+                <a:spcPts val="1200"/>
+              </a:spcAft>
+            </a:pPr>
+            <a:endParaRPr lang="en-US" dirty="0">
+              <a:solidFill>
+                <a:schemeClr val="tx2">
+                  <a:lumMod val="50000"/>
+                </a:schemeClr>
+              </a:solidFill>
+              <a:latin typeface="Open Sans" panose="020B0606030504020204" pitchFamily="34" charset="0"/>
+              <a:ea typeface="Open Sans" panose="020B0606030504020204" pitchFamily="34" charset="0"/>
+              <a:cs typeface="Open Sans" panose="020B0606030504020204" pitchFamily="34" charset="0"/>
+            </a:endParaRPr>
+          </a:p>
+        </p:txBody>
+      </p:sp>
+      <p:sp>
+        <p:nvSpPr>
+          <p:cNvPr id="8" name="ZoneTexte 7"/>
+          <p:cNvSpPr txBox="1"/>
+          <p:nvPr/>
+        </p:nvSpPr>
+        <p:spPr>
+          <a:xfrm>
+            <a:off x="0" y="259200"/>
+            <a:ext cx="1828800" cy="261610"/>
+          </a:xfrm>
+          <a:prstGeom prst="rect">
+            <a:avLst/>
+          </a:prstGeom>
+          <a:solidFill>
+            <a:srgbClr val="ECF0F1"/>
+          </a:solidFill>
+        </p:spPr>
+        <p:txBody>
+          <a:bodyPr wrap="square" rtlCol="0">
+            <a:spAutoFit/>
+          </a:bodyPr>
+          <a:lstStyle/>
+          <a:p>
+            <a:pPr algn="ctr"/>
+            <a:r>
+              <a:rPr lang="en-US" sz="1100" b="1" i="1" dirty="0" smtClean="0">
+                <a:solidFill>
+                  <a:srgbClr val="34495E"/>
+                </a:solidFill>
+                <a:latin typeface="Roboto Light" panose="02000000000000000000" pitchFamily="2" charset="0"/>
+                <a:ea typeface="Roboto Light" panose="02000000000000000000" pitchFamily="2" charset="0"/>
+              </a:rPr>
+              <a:t>Introduction</a:t>
+            </a:r>
+            <a:endParaRPr lang="en-US" sz="1100" b="1" i="1" dirty="0">
+              <a:solidFill>
+                <a:srgbClr val="34495E"/>
+              </a:solidFill>
+              <a:latin typeface="Roboto Light" panose="02000000000000000000" pitchFamily="2" charset="0"/>
+              <a:ea typeface="Roboto Light" panose="02000000000000000000" pitchFamily="2" charset="0"/>
+            </a:endParaRPr>
+          </a:p>
+        </p:txBody>
+      </p:sp>
+      <p:sp>
+        <p:nvSpPr>
+          <p:cNvPr id="9" name="ZoneTexte 8"/>
+          <p:cNvSpPr txBox="1"/>
+          <p:nvPr/>
+        </p:nvSpPr>
+        <p:spPr>
+          <a:xfrm>
+            <a:off x="1828800" y="258463"/>
+            <a:ext cx="1828800" cy="261610"/>
+          </a:xfrm>
+          <a:prstGeom prst="rect">
+            <a:avLst/>
+          </a:prstGeom>
+          <a:solidFill>
+            <a:srgbClr val="ECF0F1"/>
+          </a:solidFill>
+        </p:spPr>
+        <p:txBody>
+          <a:bodyPr wrap="square" rtlCol="0">
+            <a:spAutoFit/>
+          </a:bodyPr>
+          <a:lstStyle/>
+          <a:p>
+            <a:pPr algn="ctr"/>
+            <a:r>
+              <a:rPr lang="en-US" sz="1100" i="1" dirty="0" smtClean="0">
+                <a:solidFill>
+                  <a:srgbClr val="95A5A6"/>
+                </a:solidFill>
+                <a:latin typeface="Roboto Light" panose="02000000000000000000" pitchFamily="2" charset="0"/>
+                <a:ea typeface="Roboto Light" panose="02000000000000000000" pitchFamily="2" charset="0"/>
+              </a:rPr>
+              <a:t>Dream recall</a:t>
+            </a:r>
+            <a:endParaRPr lang="en-US" sz="1100" i="1" dirty="0">
+              <a:solidFill>
+                <a:srgbClr val="95A5A6"/>
+              </a:solidFill>
+              <a:latin typeface="Roboto Light" panose="02000000000000000000" pitchFamily="2" charset="0"/>
+              <a:ea typeface="Roboto Light" panose="02000000000000000000" pitchFamily="2" charset="0"/>
+            </a:endParaRPr>
+          </a:p>
+        </p:txBody>
+      </p:sp>
+      <p:sp>
+        <p:nvSpPr>
+          <p:cNvPr id="10" name="ZoneTexte 9"/>
+          <p:cNvSpPr txBox="1"/>
+          <p:nvPr/>
+        </p:nvSpPr>
+        <p:spPr>
+          <a:xfrm>
+            <a:off x="3657600" y="258463"/>
+            <a:ext cx="1828800" cy="261610"/>
+          </a:xfrm>
+          <a:prstGeom prst="rect">
+            <a:avLst/>
+          </a:prstGeom>
+          <a:solidFill>
+            <a:srgbClr val="ECF0F1"/>
+          </a:solidFill>
+        </p:spPr>
+        <p:txBody>
+          <a:bodyPr wrap="square" rtlCol="0">
+            <a:spAutoFit/>
+          </a:bodyPr>
+          <a:lstStyle/>
+          <a:p>
+            <a:pPr algn="ctr"/>
+            <a:r>
+              <a:rPr lang="en-US" sz="1100" i="1" dirty="0" smtClean="0">
+                <a:solidFill>
+                  <a:srgbClr val="95A5A6"/>
+                </a:solidFill>
+                <a:latin typeface="Roboto Light" panose="02000000000000000000" pitchFamily="2" charset="0"/>
+                <a:ea typeface="Roboto Light" panose="02000000000000000000" pitchFamily="2" charset="0"/>
+              </a:rPr>
+              <a:t>Dream content</a:t>
+            </a:r>
+            <a:endParaRPr lang="en-US" sz="1100" i="1" dirty="0">
+              <a:solidFill>
+                <a:srgbClr val="95A5A6"/>
+              </a:solidFill>
+              <a:latin typeface="Roboto Light" panose="02000000000000000000" pitchFamily="2" charset="0"/>
+              <a:ea typeface="Roboto Light" panose="02000000000000000000" pitchFamily="2" charset="0"/>
+            </a:endParaRPr>
+          </a:p>
+        </p:txBody>
+      </p:sp>
+      <p:sp>
+        <p:nvSpPr>
+          <p:cNvPr id="11" name="ZoneTexte 10"/>
+          <p:cNvSpPr txBox="1"/>
+          <p:nvPr/>
+        </p:nvSpPr>
+        <p:spPr>
+          <a:xfrm>
+            <a:off x="5486400" y="258463"/>
+            <a:ext cx="1828800" cy="261610"/>
+          </a:xfrm>
+          <a:prstGeom prst="rect">
+            <a:avLst/>
+          </a:prstGeom>
+          <a:solidFill>
+            <a:srgbClr val="ECF0F1"/>
+          </a:solidFill>
+        </p:spPr>
+        <p:txBody>
+          <a:bodyPr wrap="square" rtlCol="0">
+            <a:spAutoFit/>
+          </a:bodyPr>
+          <a:lstStyle/>
+          <a:p>
+            <a:pPr algn="ctr"/>
+            <a:r>
+              <a:rPr lang="en-US" sz="1100" i="1" dirty="0" smtClean="0">
+                <a:solidFill>
+                  <a:srgbClr val="95A5A6"/>
+                </a:solidFill>
+                <a:latin typeface="Roboto Light" panose="02000000000000000000" pitchFamily="2" charset="0"/>
+                <a:ea typeface="Roboto Light" panose="02000000000000000000" pitchFamily="2" charset="0"/>
+              </a:rPr>
+              <a:t>Software</a:t>
+            </a:r>
+            <a:endParaRPr lang="en-US" sz="1100" i="1" dirty="0">
+              <a:solidFill>
+                <a:srgbClr val="95A5A6"/>
+              </a:solidFill>
+              <a:latin typeface="Roboto Light" panose="02000000000000000000" pitchFamily="2" charset="0"/>
+              <a:ea typeface="Roboto Light" panose="02000000000000000000" pitchFamily="2" charset="0"/>
+            </a:endParaRPr>
+          </a:p>
+        </p:txBody>
+      </p:sp>
+      <p:sp>
+        <p:nvSpPr>
+          <p:cNvPr id="14" name="ZoneTexte 13"/>
+          <p:cNvSpPr txBox="1"/>
+          <p:nvPr/>
+        </p:nvSpPr>
+        <p:spPr>
+          <a:xfrm>
+            <a:off x="7315200" y="258463"/>
+            <a:ext cx="1828800" cy="261610"/>
+          </a:xfrm>
+          <a:prstGeom prst="rect">
+            <a:avLst/>
+          </a:prstGeom>
+          <a:solidFill>
+            <a:srgbClr val="ECF0F1"/>
+          </a:solidFill>
+        </p:spPr>
+        <p:txBody>
+          <a:bodyPr wrap="square" rtlCol="0">
+            <a:spAutoFit/>
+          </a:bodyPr>
+          <a:lstStyle/>
+          <a:p>
+            <a:pPr algn="ctr"/>
+            <a:r>
+              <a:rPr lang="en-US" sz="1100" i="1" dirty="0" smtClean="0">
+                <a:solidFill>
+                  <a:srgbClr val="95A5A6"/>
+                </a:solidFill>
+                <a:latin typeface="Roboto Light" panose="02000000000000000000" pitchFamily="2" charset="0"/>
+                <a:ea typeface="Roboto Light" panose="02000000000000000000" pitchFamily="2" charset="0"/>
+              </a:rPr>
+              <a:t>Conclusion</a:t>
+            </a:r>
+            <a:endParaRPr lang="en-US" sz="1100" i="1" dirty="0">
+              <a:solidFill>
+                <a:srgbClr val="95A5A6"/>
+              </a:solidFill>
+              <a:latin typeface="Roboto Light" panose="02000000000000000000" pitchFamily="2" charset="0"/>
+              <a:ea typeface="Roboto Light" panose="02000000000000000000" pitchFamily="2" charset="0"/>
+            </a:endParaRPr>
+          </a:p>
+        </p:txBody>
+      </p:sp>
+      <p:sp>
+        <p:nvSpPr>
+          <p:cNvPr id="16" name="Rectangle 15"/>
+          <p:cNvSpPr/>
+          <p:nvPr/>
+        </p:nvSpPr>
+        <p:spPr>
+          <a:xfrm>
+            <a:off x="0" y="0"/>
+            <a:ext cx="9144000" cy="259200"/>
+          </a:xfrm>
+          <a:prstGeom prst="rect">
+            <a:avLst/>
+          </a:prstGeom>
+          <a:solidFill>
+            <a:srgbClr val="45607B"/>
+          </a:solidFill>
+          <a:ln>
+            <a:noFill/>
+          </a:ln>
+        </p:spPr>
+        <p:style>
+          <a:lnRef idx="2">
+            <a:schemeClr val="accent1">
+              <a:shade val="50000"/>
+            </a:schemeClr>
+          </a:lnRef>
+          <a:fillRef idx="1">
+            <a:schemeClr val="accent1"/>
+          </a:fillRef>
+          <a:effectRef idx="0">
+            <a:schemeClr val="accent1"/>
+          </a:effectRef>
+          <a:fontRef idx="minor">
+            <a:schemeClr val="lt1"/>
+          </a:fontRef>
+        </p:style>
+        <p:txBody>
           <a:bodyPr rtlCol="0" anchor="ctr"/>
           <a:lstStyle/>
           <a:p>
-            <a:pPr indent="457200"/>
-            <a:r>
-              <a:rPr lang="en-US" sz="2400" dirty="0" smtClean="0">
-                <a:solidFill>
-                  <a:schemeClr val="bg1"/>
-                </a:solidFill>
-                <a:latin typeface="Helvetica Neue" panose="02000503000000020004" pitchFamily="50"/>
-              </a:rPr>
-              <a:t>Dreaming</a:t>
-            </a:r>
-            <a:endParaRPr lang="en-US" sz="2400" dirty="0">
+            <a:pPr algn="ctr"/>
+            <a:endParaRPr lang="en-US" dirty="0">
               <a:solidFill>
                 <a:schemeClr val="bg1"/>
               </a:solidFill>
-              <a:latin typeface="Helvetica Neue" panose="02000503000000020004" pitchFamily="50"/>
+              <a:latin typeface="Roboto Light" panose="02000000000000000000" pitchFamily="2" charset="0"/>
+              <a:ea typeface="Roboto Light" panose="02000000000000000000" pitchFamily="2" charset="0"/>
+            </a:endParaRPr>
+          </a:p>
+        </p:txBody>
+      </p:sp>
+      <p:sp>
+        <p:nvSpPr>
+          <p:cNvPr id="18" name="Espace réservé du numéro de diapositive 3"/>
+          <p:cNvSpPr>
+            <a:spLocks noGrp="1"/>
+          </p:cNvSpPr>
+          <p:nvPr>
+            <p:ph type="sldNum" sz="quarter" idx="12"/>
+          </p:nvPr>
+        </p:nvSpPr>
+        <p:spPr>
+          <a:xfrm>
+            <a:off x="8532813" y="6420123"/>
+            <a:ext cx="611187" cy="365125"/>
+          </a:xfrm>
+        </p:spPr>
+        <p:txBody>
+          <a:bodyPr/>
+          <a:lstStyle/>
+          <a:p>
+            <a:pPr algn="ctr"/>
+            <a:r>
+              <a:rPr lang="en-US" sz="1100" dirty="0" smtClean="0">
+                <a:solidFill>
+                  <a:srgbClr val="7F8C8D"/>
+                </a:solidFill>
+              </a:rPr>
+              <a:t>3</a:t>
+            </a:r>
+            <a:endParaRPr lang="en-US" sz="1100" dirty="0">
+              <a:solidFill>
+                <a:srgbClr val="7F8C8D"/>
+              </a:solidFill>
+            </a:endParaRPr>
+          </a:p>
+        </p:txBody>
+      </p:sp>
+      <p:cxnSp>
+        <p:nvCxnSpPr>
+          <p:cNvPr id="19" name="Connecteur droit 18"/>
+          <p:cNvCxnSpPr/>
+          <p:nvPr/>
+        </p:nvCxnSpPr>
+        <p:spPr>
+          <a:xfrm flipH="1" flipV="1">
+            <a:off x="8521927" y="6318000"/>
+            <a:ext cx="0" cy="540000"/>
+          </a:xfrm>
+          <a:prstGeom prst="line">
+            <a:avLst/>
+          </a:prstGeom>
+          <a:ln w="28575">
+            <a:solidFill>
+              <a:srgbClr val="7F8C8D"/>
+            </a:solidFill>
+          </a:ln>
+        </p:spPr>
+        <p:style>
+          <a:lnRef idx="1">
+            <a:schemeClr val="dk1"/>
+          </a:lnRef>
+          <a:fillRef idx="0">
+            <a:schemeClr val="dk1"/>
+          </a:fillRef>
+          <a:effectRef idx="0">
+            <a:schemeClr val="dk1"/>
+          </a:effectRef>
+          <a:fontRef idx="minor">
+            <a:schemeClr val="tx1"/>
+          </a:fontRef>
+        </p:style>
+      </p:cxnSp>
+      <p:sp>
+        <p:nvSpPr>
+          <p:cNvPr id="20" name="ZoneTexte 19"/>
+          <p:cNvSpPr txBox="1"/>
+          <p:nvPr/>
+        </p:nvSpPr>
+        <p:spPr>
+          <a:xfrm>
+            <a:off x="4572000" y="6471881"/>
+            <a:ext cx="3893227" cy="261610"/>
+          </a:xfrm>
+          <a:prstGeom prst="rect">
+            <a:avLst/>
+          </a:prstGeom>
+          <a:noFill/>
+        </p:spPr>
+        <p:txBody>
+          <a:bodyPr wrap="square" rtlCol="0">
+            <a:spAutoFit/>
+          </a:bodyPr>
+          <a:lstStyle/>
+          <a:p>
+            <a:pPr algn="r"/>
+            <a:r>
+              <a:rPr lang="en-US" sz="1100" dirty="0" smtClean="0">
+                <a:solidFill>
+                  <a:srgbClr val="7F8C8D"/>
+                </a:solidFill>
+                <a:latin typeface="Roboto Medium" panose="02000000000000000000" pitchFamily="2" charset="0"/>
+                <a:ea typeface="Roboto Medium" panose="02000000000000000000" pitchFamily="2" charset="0"/>
+              </a:rPr>
+              <a:t>Introduction</a:t>
+            </a:r>
+            <a:endParaRPr lang="en-US" sz="1100" dirty="0">
+              <a:solidFill>
+                <a:srgbClr val="7F8C8D"/>
+              </a:solidFill>
+              <a:latin typeface="Roboto" pitchFamily="2" charset="0"/>
+              <a:ea typeface="Roboto" pitchFamily="2" charset="0"/>
+            </a:endParaRPr>
+          </a:p>
+        </p:txBody>
+      </p:sp>
+      <p:sp>
+        <p:nvSpPr>
+          <p:cNvPr id="21" name="ZoneTexte 20"/>
+          <p:cNvSpPr txBox="1"/>
+          <p:nvPr/>
+        </p:nvSpPr>
+        <p:spPr>
+          <a:xfrm>
+            <a:off x="284615" y="6471880"/>
+            <a:ext cx="3893227" cy="261610"/>
+          </a:xfrm>
+          <a:prstGeom prst="rect">
+            <a:avLst/>
+          </a:prstGeom>
+          <a:noFill/>
+        </p:spPr>
+        <p:txBody>
+          <a:bodyPr wrap="square" rtlCol="0">
+            <a:spAutoFit/>
+          </a:bodyPr>
+          <a:lstStyle/>
+          <a:p>
+            <a:r>
+              <a:rPr lang="en-US" sz="1100" dirty="0" smtClean="0">
+                <a:solidFill>
+                  <a:srgbClr val="7F8C8D"/>
+                </a:solidFill>
+                <a:latin typeface="Roboto Light" panose="02000000000000000000" pitchFamily="2" charset="0"/>
+                <a:ea typeface="Roboto Light" panose="02000000000000000000" pitchFamily="2" charset="0"/>
+              </a:rPr>
+              <a:t>R. Vallat – Ph.D. Oral Defense – December 8</a:t>
+            </a:r>
+            <a:r>
+              <a:rPr lang="en-US" sz="1100" baseline="30000" dirty="0" smtClean="0">
+                <a:solidFill>
+                  <a:srgbClr val="7F8C8D"/>
+                </a:solidFill>
+                <a:latin typeface="Roboto Light" panose="02000000000000000000" pitchFamily="2" charset="0"/>
+                <a:ea typeface="Roboto Light" panose="02000000000000000000" pitchFamily="2" charset="0"/>
+              </a:rPr>
+              <a:t>th</a:t>
+            </a:r>
+            <a:r>
+              <a:rPr lang="en-US" sz="1100" dirty="0" smtClean="0">
+                <a:solidFill>
+                  <a:srgbClr val="7F8C8D"/>
+                </a:solidFill>
+                <a:latin typeface="Roboto Light" panose="02000000000000000000" pitchFamily="2" charset="0"/>
+                <a:ea typeface="Roboto Light" panose="02000000000000000000" pitchFamily="2" charset="0"/>
+              </a:rPr>
+              <a:t> 2017</a:t>
+            </a:r>
+            <a:endParaRPr lang="en-US" sz="1100" dirty="0">
+              <a:solidFill>
+                <a:srgbClr val="7F8C8D"/>
+              </a:solidFill>
+              <a:latin typeface="Roboto Light" panose="02000000000000000000" pitchFamily="2" charset="0"/>
+              <a:ea typeface="Roboto Light" panose="02000000000000000000" pitchFamily="2" charset="0"/>
             </a:endParaRPr>
           </a:p>
         </p:txBody>
       </p:sp>
       <p:pic>
         <p:nvPicPr>
-          <p:cNvPr id="28" name="Image 27"/>
+          <p:cNvPr id="7" name="Image 6"/>
           <p:cNvPicPr>
             <a:picLocks noChangeAspect="1"/>
           </p:cNvPicPr>
           <p:nvPr/>
         </p:nvPicPr>
-        <p:blipFill rotWithShape="1">
-          <a:blip r:embed="rId2"/>
-          <a:srcRect l="19715" t="49111" r="48428" b="27270"/>
-          <a:stretch/>
+        <p:blipFill>
+          <a:blip r:embed="rId3">
+            <a:extLst>
+              <a:ext uri="{28A0092B-C50C-407E-A947-70E740481C1C}">
+                <a14:useLocalDpi xmlns:a14="http://schemas.microsoft.com/office/drawing/2010/main" val="0"/>
+              </a:ext>
+            </a:extLst>
+          </a:blip>
+          <a:stretch>
+            <a:fillRect/>
+          </a:stretch>
         </p:blipFill>
         <p:spPr>
           <a:xfrm>
-            <a:off x="1602920" y="3222171"/>
-            <a:ext cx="4855030" cy="2024743"/>
+            <a:off x="1265069" y="2327310"/>
+            <a:ext cx="6613861" cy="3060000"/>
           </a:xfrm>
           <a:prstGeom prst="rect">
             <a:avLst/>
@@ -7552,7 +10871,7 @@
     </p:spTree>
     <p:extLst>
       <p:ext uri="{BB962C8B-B14F-4D97-AF65-F5344CB8AC3E}">
-        <p14:creationId xmlns:p14="http://schemas.microsoft.com/office/powerpoint/2010/main" val="1275650566"/>
+        <p14:creationId xmlns:p14="http://schemas.microsoft.com/office/powerpoint/2010/main" val="549452902"/>
       </p:ext>
     </p:extLst>
   </p:cSld>
@@ -7588,7 +10907,547 @@
       </p:grpSpPr>
       <p:sp>
         <p:nvSpPr>
-          <p:cNvPr id="3" name="Espace réservé du numéro de diapositive 2"/>
+          <p:cNvPr id="13" name="Rectangle 12"/>
+          <p:cNvSpPr/>
+          <p:nvPr/>
+        </p:nvSpPr>
+        <p:spPr>
+          <a:xfrm>
+            <a:off x="611188" y="800100"/>
+            <a:ext cx="7921625" cy="5508625"/>
+          </a:xfrm>
+          <a:prstGeom prst="rect">
+            <a:avLst/>
+          </a:prstGeom>
+          <a:noFill/>
+          <a:ln>
+            <a:noFill/>
+          </a:ln>
+        </p:spPr>
+        <p:style>
+          <a:lnRef idx="2">
+            <a:schemeClr val="accent1">
+              <a:shade val="50000"/>
+            </a:schemeClr>
+          </a:lnRef>
+          <a:fillRef idx="1">
+            <a:schemeClr val="accent1"/>
+          </a:fillRef>
+          <a:effectRef idx="0">
+            <a:schemeClr val="accent1"/>
+          </a:effectRef>
+          <a:fontRef idx="minor">
+            <a:schemeClr val="lt1"/>
+          </a:fontRef>
+        </p:style>
+        <p:txBody>
+          <a:bodyPr rtlCol="0" anchor="t"/>
+          <a:lstStyle/>
+          <a:p>
+            <a:pPr marL="342900" indent="-342900">
+              <a:spcAft>
+                <a:spcPts val="1800"/>
+              </a:spcAft>
+              <a:buFont typeface="+mj-lt"/>
+              <a:buAutoNum type="arabicPeriod" startAt="2"/>
+            </a:pPr>
+            <a:r>
+              <a:rPr lang="en-US" b="1" dirty="0" smtClean="0">
+                <a:solidFill>
+                  <a:srgbClr val="2C3E50"/>
+                </a:solidFill>
+                <a:latin typeface="Helvetica Neue" panose="02000503000000020004" pitchFamily="50"/>
+                <a:ea typeface="Open Sans" panose="020B0606030504020204" pitchFamily="34" charset="0"/>
+                <a:cs typeface="Open Sans" panose="020B0606030504020204" pitchFamily="34" charset="0"/>
+              </a:rPr>
+              <a:t>When does it occur during the night?</a:t>
+            </a:r>
+            <a:endParaRPr lang="en-US" b="1" dirty="0">
+              <a:solidFill>
+                <a:srgbClr val="2C3E50"/>
+              </a:solidFill>
+              <a:latin typeface="Helvetica Neue" panose="02000503000000020004" pitchFamily="50"/>
+              <a:ea typeface="Open Sans" panose="020B0606030504020204" pitchFamily="34" charset="0"/>
+              <a:cs typeface="Open Sans" panose="020B0606030504020204" pitchFamily="34" charset="0"/>
+            </a:endParaRPr>
+          </a:p>
+          <a:p>
+            <a:pPr marL="285750" indent="-285750" algn="just">
+              <a:spcAft>
+                <a:spcPts val="2400"/>
+              </a:spcAft>
+              <a:buFont typeface="Lato" panose="020F0502020204030203" pitchFamily="34" charset="0"/>
+              <a:buChar char="–"/>
+            </a:pPr>
+            <a:r>
+              <a:rPr lang="en-US" sz="1600" dirty="0" smtClean="0">
+                <a:solidFill>
+                  <a:srgbClr val="2C3E50"/>
+                </a:solidFill>
+                <a:latin typeface="Helvetica Neue" panose="02000503000000020004" pitchFamily="50"/>
+                <a:ea typeface="Open Sans" panose="020B0606030504020204" pitchFamily="34" charset="0"/>
+                <a:cs typeface="Open Sans" panose="020B0606030504020204" pitchFamily="34" charset="0"/>
+              </a:rPr>
+              <a:t>Dreaming can occur in </a:t>
+            </a:r>
+            <a:r>
+              <a:rPr lang="en-US" sz="1600" dirty="0" smtClean="0">
+                <a:solidFill>
+                  <a:srgbClr val="2980B9"/>
+                </a:solidFill>
+                <a:latin typeface="Helvetica Neue" panose="02000503000000020004" pitchFamily="50"/>
+                <a:ea typeface="Open Sans" panose="020B0606030504020204" pitchFamily="34" charset="0"/>
+                <a:cs typeface="Open Sans" panose="020B0606030504020204" pitchFamily="34" charset="0"/>
+              </a:rPr>
+              <a:t>all sleep stages</a:t>
+            </a:r>
+          </a:p>
+          <a:p>
+            <a:pPr marL="285750" indent="-285750" algn="just">
+              <a:spcAft>
+                <a:spcPts val="2400"/>
+              </a:spcAft>
+              <a:buFont typeface="Lato" panose="020F0502020204030203" pitchFamily="34" charset="0"/>
+              <a:buChar char="–"/>
+            </a:pPr>
+            <a:r>
+              <a:rPr lang="en-US" sz="1600" dirty="0" smtClean="0">
+                <a:solidFill>
+                  <a:srgbClr val="2C3E50"/>
+                </a:solidFill>
+                <a:latin typeface="Helvetica Neue" panose="02000503000000020004" pitchFamily="50"/>
+                <a:ea typeface="Open Sans" panose="020B0606030504020204" pitchFamily="34" charset="0"/>
+                <a:cs typeface="Open Sans" panose="020B0606030504020204" pitchFamily="34" charset="0"/>
+              </a:rPr>
+              <a:t>It is impossible to know for sure whether someone asleep is dreaming or not </a:t>
+            </a:r>
+            <a:r>
+              <a:rPr lang="en-US" sz="1600" dirty="0" smtClean="0">
+                <a:solidFill>
+                  <a:srgbClr val="2980B9"/>
+                </a:solidFill>
+                <a:latin typeface="Helvetica Neue" panose="02000503000000020004" pitchFamily="50"/>
+                <a:ea typeface="Open Sans" panose="020B0606030504020204" pitchFamily="34" charset="0"/>
+                <a:cs typeface="Open Sans" panose="020B0606030504020204" pitchFamily="34" charset="0"/>
+              </a:rPr>
+              <a:t>unless awakening</a:t>
+            </a:r>
+            <a:r>
+              <a:rPr lang="en-US" sz="1600" dirty="0" smtClean="0">
+                <a:solidFill>
+                  <a:srgbClr val="2C3E50"/>
+                </a:solidFill>
+                <a:latin typeface="Helvetica Neue" panose="02000503000000020004" pitchFamily="50"/>
+                <a:ea typeface="Open Sans" panose="020B0606030504020204" pitchFamily="34" charset="0"/>
+                <a:cs typeface="Open Sans" panose="020B0606030504020204" pitchFamily="34" charset="0"/>
+              </a:rPr>
+              <a:t> him or her. </a:t>
+            </a:r>
+          </a:p>
+          <a:p>
+            <a:pPr marL="285750" indent="-285750" algn="just">
+              <a:spcAft>
+                <a:spcPts val="2400"/>
+              </a:spcAft>
+              <a:buFont typeface="Lato" panose="020F0502020204030203" pitchFamily="34" charset="0"/>
+              <a:buChar char="–"/>
+            </a:pPr>
+            <a:r>
+              <a:rPr lang="en-US" sz="1600" dirty="0" smtClean="0">
+                <a:solidFill>
+                  <a:srgbClr val="2C3E50"/>
+                </a:solidFill>
+                <a:latin typeface="Helvetica Neue" panose="02000503000000020004" pitchFamily="50"/>
+                <a:ea typeface="Open Sans" panose="020B0606030504020204" pitchFamily="34" charset="0"/>
+                <a:cs typeface="Open Sans" panose="020B0606030504020204" pitchFamily="34" charset="0"/>
+              </a:rPr>
+              <a:t>Even after awakening the sleeper, we cannot be sure that failure to recall a dream means that the sleeper was not dreaming before. </a:t>
+            </a:r>
+          </a:p>
+          <a:p>
+            <a:pPr>
+              <a:spcAft>
+                <a:spcPts val="1200"/>
+              </a:spcAft>
+            </a:pPr>
+            <a:endParaRPr lang="en-US" dirty="0">
+              <a:solidFill>
+                <a:schemeClr val="tx2">
+                  <a:lumMod val="50000"/>
+                </a:schemeClr>
+              </a:solidFill>
+              <a:latin typeface="Open Sans" panose="020B0606030504020204" pitchFamily="34" charset="0"/>
+              <a:ea typeface="Open Sans" panose="020B0606030504020204" pitchFamily="34" charset="0"/>
+              <a:cs typeface="Open Sans" panose="020B0606030504020204" pitchFamily="34" charset="0"/>
+            </a:endParaRPr>
+          </a:p>
+          <a:p>
+            <a:pPr>
+              <a:spcAft>
+                <a:spcPts val="1200"/>
+              </a:spcAft>
+            </a:pPr>
+            <a:endParaRPr lang="en-US" dirty="0">
+              <a:solidFill>
+                <a:schemeClr val="tx2">
+                  <a:lumMod val="50000"/>
+                </a:schemeClr>
+              </a:solidFill>
+              <a:latin typeface="Open Sans" panose="020B0606030504020204" pitchFamily="34" charset="0"/>
+              <a:ea typeface="Open Sans" panose="020B0606030504020204" pitchFamily="34" charset="0"/>
+              <a:cs typeface="Open Sans" panose="020B0606030504020204" pitchFamily="34" charset="0"/>
+            </a:endParaRPr>
+          </a:p>
+          <a:p>
+            <a:pPr>
+              <a:spcAft>
+                <a:spcPts val="1200"/>
+              </a:spcAft>
+            </a:pPr>
+            <a:endParaRPr lang="en-US" dirty="0">
+              <a:solidFill>
+                <a:schemeClr val="tx2">
+                  <a:lumMod val="50000"/>
+                </a:schemeClr>
+              </a:solidFill>
+              <a:latin typeface="Open Sans" panose="020B0606030504020204" pitchFamily="34" charset="0"/>
+              <a:ea typeface="Open Sans" panose="020B0606030504020204" pitchFamily="34" charset="0"/>
+              <a:cs typeface="Open Sans" panose="020B0606030504020204" pitchFamily="34" charset="0"/>
+            </a:endParaRPr>
+          </a:p>
+          <a:p>
+            <a:pPr>
+              <a:spcAft>
+                <a:spcPts val="1200"/>
+              </a:spcAft>
+            </a:pPr>
+            <a:endParaRPr lang="en-US" dirty="0">
+              <a:solidFill>
+                <a:schemeClr val="tx2">
+                  <a:lumMod val="50000"/>
+                </a:schemeClr>
+              </a:solidFill>
+              <a:latin typeface="Open Sans" panose="020B0606030504020204" pitchFamily="34" charset="0"/>
+              <a:ea typeface="Open Sans" panose="020B0606030504020204" pitchFamily="34" charset="0"/>
+              <a:cs typeface="Open Sans" panose="020B0606030504020204" pitchFamily="34" charset="0"/>
+            </a:endParaRPr>
+          </a:p>
+          <a:p>
+            <a:pPr>
+              <a:spcAft>
+                <a:spcPts val="1200"/>
+              </a:spcAft>
+            </a:pPr>
+            <a:endParaRPr lang="en-US" dirty="0">
+              <a:solidFill>
+                <a:schemeClr val="tx2">
+                  <a:lumMod val="50000"/>
+                </a:schemeClr>
+              </a:solidFill>
+              <a:latin typeface="Open Sans" panose="020B0606030504020204" pitchFamily="34" charset="0"/>
+              <a:ea typeface="Open Sans" panose="020B0606030504020204" pitchFamily="34" charset="0"/>
+              <a:cs typeface="Open Sans" panose="020B0606030504020204" pitchFamily="34" charset="0"/>
+            </a:endParaRPr>
+          </a:p>
+          <a:p>
+            <a:pPr>
+              <a:spcAft>
+                <a:spcPts val="1200"/>
+              </a:spcAft>
+            </a:pPr>
+            <a:endParaRPr lang="en-US" dirty="0">
+              <a:solidFill>
+                <a:schemeClr val="tx2">
+                  <a:lumMod val="50000"/>
+                </a:schemeClr>
+              </a:solidFill>
+              <a:latin typeface="Open Sans" panose="020B0606030504020204" pitchFamily="34" charset="0"/>
+              <a:ea typeface="Open Sans" panose="020B0606030504020204" pitchFamily="34" charset="0"/>
+              <a:cs typeface="Open Sans" panose="020B0606030504020204" pitchFamily="34" charset="0"/>
+            </a:endParaRPr>
+          </a:p>
+        </p:txBody>
+      </p:sp>
+      <p:sp>
+        <p:nvSpPr>
+          <p:cNvPr id="8" name="ZoneTexte 7"/>
+          <p:cNvSpPr txBox="1"/>
+          <p:nvPr/>
+        </p:nvSpPr>
+        <p:spPr>
+          <a:xfrm>
+            <a:off x="0" y="259200"/>
+            <a:ext cx="1828800" cy="261610"/>
+          </a:xfrm>
+          <a:prstGeom prst="rect">
+            <a:avLst/>
+          </a:prstGeom>
+          <a:solidFill>
+            <a:srgbClr val="ECF0F1"/>
+          </a:solidFill>
+        </p:spPr>
+        <p:txBody>
+          <a:bodyPr wrap="square" rtlCol="0">
+            <a:spAutoFit/>
+          </a:bodyPr>
+          <a:lstStyle/>
+          <a:p>
+            <a:pPr algn="ctr"/>
+            <a:r>
+              <a:rPr lang="en-US" sz="1100" b="1" i="1" dirty="0" smtClean="0">
+                <a:solidFill>
+                  <a:srgbClr val="34495E"/>
+                </a:solidFill>
+                <a:latin typeface="Roboto Light" panose="02000000000000000000" pitchFamily="2" charset="0"/>
+                <a:ea typeface="Roboto Light" panose="02000000000000000000" pitchFamily="2" charset="0"/>
+              </a:rPr>
+              <a:t>Introduction</a:t>
+            </a:r>
+            <a:endParaRPr lang="en-US" sz="1100" b="1" i="1" dirty="0">
+              <a:solidFill>
+                <a:srgbClr val="34495E"/>
+              </a:solidFill>
+              <a:latin typeface="Roboto Light" panose="02000000000000000000" pitchFamily="2" charset="0"/>
+              <a:ea typeface="Roboto Light" panose="02000000000000000000" pitchFamily="2" charset="0"/>
+            </a:endParaRPr>
+          </a:p>
+        </p:txBody>
+      </p:sp>
+      <p:sp>
+        <p:nvSpPr>
+          <p:cNvPr id="9" name="ZoneTexte 8"/>
+          <p:cNvSpPr txBox="1"/>
+          <p:nvPr/>
+        </p:nvSpPr>
+        <p:spPr>
+          <a:xfrm>
+            <a:off x="1828800" y="258463"/>
+            <a:ext cx="1828800" cy="261610"/>
+          </a:xfrm>
+          <a:prstGeom prst="rect">
+            <a:avLst/>
+          </a:prstGeom>
+          <a:solidFill>
+            <a:srgbClr val="ECF0F1"/>
+          </a:solidFill>
+        </p:spPr>
+        <p:txBody>
+          <a:bodyPr wrap="square" rtlCol="0">
+            <a:spAutoFit/>
+          </a:bodyPr>
+          <a:lstStyle/>
+          <a:p>
+            <a:pPr algn="ctr"/>
+            <a:r>
+              <a:rPr lang="en-US" sz="1100" i="1" dirty="0" smtClean="0">
+                <a:solidFill>
+                  <a:srgbClr val="95A5A6"/>
+                </a:solidFill>
+                <a:latin typeface="Roboto Light" panose="02000000000000000000" pitchFamily="2" charset="0"/>
+                <a:ea typeface="Roboto Light" panose="02000000000000000000" pitchFamily="2" charset="0"/>
+              </a:rPr>
+              <a:t>Dream recall</a:t>
+            </a:r>
+            <a:endParaRPr lang="en-US" sz="1100" i="1" dirty="0">
+              <a:solidFill>
+                <a:srgbClr val="95A5A6"/>
+              </a:solidFill>
+              <a:latin typeface="Roboto Light" panose="02000000000000000000" pitchFamily="2" charset="0"/>
+              <a:ea typeface="Roboto Light" panose="02000000000000000000" pitchFamily="2" charset="0"/>
+            </a:endParaRPr>
+          </a:p>
+        </p:txBody>
+      </p:sp>
+      <p:sp>
+        <p:nvSpPr>
+          <p:cNvPr id="10" name="ZoneTexte 9"/>
+          <p:cNvSpPr txBox="1"/>
+          <p:nvPr/>
+        </p:nvSpPr>
+        <p:spPr>
+          <a:xfrm>
+            <a:off x="3657600" y="258463"/>
+            <a:ext cx="1828800" cy="261610"/>
+          </a:xfrm>
+          <a:prstGeom prst="rect">
+            <a:avLst/>
+          </a:prstGeom>
+          <a:solidFill>
+            <a:srgbClr val="ECF0F1"/>
+          </a:solidFill>
+        </p:spPr>
+        <p:txBody>
+          <a:bodyPr wrap="square" rtlCol="0">
+            <a:spAutoFit/>
+          </a:bodyPr>
+          <a:lstStyle/>
+          <a:p>
+            <a:pPr algn="ctr"/>
+            <a:r>
+              <a:rPr lang="en-US" sz="1100" i="1" dirty="0" smtClean="0">
+                <a:solidFill>
+                  <a:srgbClr val="95A5A6"/>
+                </a:solidFill>
+                <a:latin typeface="Roboto Light" panose="02000000000000000000" pitchFamily="2" charset="0"/>
+                <a:ea typeface="Roboto Light" panose="02000000000000000000" pitchFamily="2" charset="0"/>
+              </a:rPr>
+              <a:t>Dream content</a:t>
+            </a:r>
+            <a:endParaRPr lang="en-US" sz="1100" i="1" dirty="0">
+              <a:solidFill>
+                <a:srgbClr val="95A5A6"/>
+              </a:solidFill>
+              <a:latin typeface="Roboto Light" panose="02000000000000000000" pitchFamily="2" charset="0"/>
+              <a:ea typeface="Roboto Light" panose="02000000000000000000" pitchFamily="2" charset="0"/>
+            </a:endParaRPr>
+          </a:p>
+        </p:txBody>
+      </p:sp>
+      <p:sp>
+        <p:nvSpPr>
+          <p:cNvPr id="11" name="ZoneTexte 10"/>
+          <p:cNvSpPr txBox="1"/>
+          <p:nvPr/>
+        </p:nvSpPr>
+        <p:spPr>
+          <a:xfrm>
+            <a:off x="5486400" y="258463"/>
+            <a:ext cx="1828800" cy="261610"/>
+          </a:xfrm>
+          <a:prstGeom prst="rect">
+            <a:avLst/>
+          </a:prstGeom>
+          <a:solidFill>
+            <a:srgbClr val="ECF0F1"/>
+          </a:solidFill>
+        </p:spPr>
+        <p:txBody>
+          <a:bodyPr wrap="square" rtlCol="0">
+            <a:spAutoFit/>
+          </a:bodyPr>
+          <a:lstStyle/>
+          <a:p>
+            <a:pPr algn="ctr"/>
+            <a:r>
+              <a:rPr lang="en-US" sz="1100" i="1" dirty="0" smtClean="0">
+                <a:solidFill>
+                  <a:srgbClr val="95A5A6"/>
+                </a:solidFill>
+                <a:latin typeface="Roboto Light" panose="02000000000000000000" pitchFamily="2" charset="0"/>
+                <a:ea typeface="Roboto Light" panose="02000000000000000000" pitchFamily="2" charset="0"/>
+              </a:rPr>
+              <a:t>Software</a:t>
+            </a:r>
+            <a:endParaRPr lang="en-US" sz="1100" i="1" dirty="0">
+              <a:solidFill>
+                <a:srgbClr val="95A5A6"/>
+              </a:solidFill>
+              <a:latin typeface="Roboto Light" panose="02000000000000000000" pitchFamily="2" charset="0"/>
+              <a:ea typeface="Roboto Light" panose="02000000000000000000" pitchFamily="2" charset="0"/>
+            </a:endParaRPr>
+          </a:p>
+        </p:txBody>
+      </p:sp>
+      <p:sp>
+        <p:nvSpPr>
+          <p:cNvPr id="14" name="ZoneTexte 13"/>
+          <p:cNvSpPr txBox="1"/>
+          <p:nvPr/>
+        </p:nvSpPr>
+        <p:spPr>
+          <a:xfrm>
+            <a:off x="7315200" y="258463"/>
+            <a:ext cx="1828800" cy="261610"/>
+          </a:xfrm>
+          <a:prstGeom prst="rect">
+            <a:avLst/>
+          </a:prstGeom>
+          <a:solidFill>
+            <a:srgbClr val="ECF0F1"/>
+          </a:solidFill>
+        </p:spPr>
+        <p:txBody>
+          <a:bodyPr wrap="square" rtlCol="0">
+            <a:spAutoFit/>
+          </a:bodyPr>
+          <a:lstStyle/>
+          <a:p>
+            <a:pPr algn="ctr"/>
+            <a:r>
+              <a:rPr lang="en-US" sz="1100" i="1" dirty="0" smtClean="0">
+                <a:solidFill>
+                  <a:srgbClr val="95A5A6"/>
+                </a:solidFill>
+                <a:latin typeface="Roboto Light" panose="02000000000000000000" pitchFamily="2" charset="0"/>
+                <a:ea typeface="Roboto Light" panose="02000000000000000000" pitchFamily="2" charset="0"/>
+              </a:rPr>
+              <a:t>Conclusion</a:t>
+            </a:r>
+            <a:endParaRPr lang="en-US" sz="1100" i="1" dirty="0">
+              <a:solidFill>
+                <a:srgbClr val="95A5A6"/>
+              </a:solidFill>
+              <a:latin typeface="Roboto Light" panose="02000000000000000000" pitchFamily="2" charset="0"/>
+              <a:ea typeface="Roboto Light" panose="02000000000000000000" pitchFamily="2" charset="0"/>
+            </a:endParaRPr>
+          </a:p>
+        </p:txBody>
+      </p:sp>
+      <p:sp>
+        <p:nvSpPr>
+          <p:cNvPr id="16" name="Rectangle 15"/>
+          <p:cNvSpPr/>
+          <p:nvPr/>
+        </p:nvSpPr>
+        <p:spPr>
+          <a:xfrm>
+            <a:off x="0" y="0"/>
+            <a:ext cx="9144000" cy="259200"/>
+          </a:xfrm>
+          <a:prstGeom prst="rect">
+            <a:avLst/>
+          </a:prstGeom>
+          <a:solidFill>
+            <a:srgbClr val="45607B"/>
+          </a:solidFill>
+          <a:ln>
+            <a:noFill/>
+          </a:ln>
+        </p:spPr>
+        <p:style>
+          <a:lnRef idx="2">
+            <a:schemeClr val="accent1">
+              <a:shade val="50000"/>
+            </a:schemeClr>
+          </a:lnRef>
+          <a:fillRef idx="1">
+            <a:schemeClr val="accent1"/>
+          </a:fillRef>
+          <a:effectRef idx="0">
+            <a:schemeClr val="accent1"/>
+          </a:effectRef>
+          <a:fontRef idx="minor">
+            <a:schemeClr val="lt1"/>
+          </a:fontRef>
+        </p:style>
+        <p:txBody>
+          <a:bodyPr rtlCol="0" anchor="ctr"/>
+          <a:lstStyle/>
+          <a:p>
+            <a:pPr algn="ctr"/>
+            <a:endParaRPr lang="en-US" dirty="0">
+              <a:solidFill>
+                <a:schemeClr val="bg1"/>
+              </a:solidFill>
+              <a:latin typeface="Roboto Light" panose="02000000000000000000" pitchFamily="2" charset="0"/>
+              <a:ea typeface="Roboto Light" panose="02000000000000000000" pitchFamily="2" charset="0"/>
+            </a:endParaRPr>
+          </a:p>
+        </p:txBody>
+      </p:sp>
+      <p:sp>
+        <p:nvSpPr>
+          <p:cNvPr id="18" name="Espace réservé du numéro de diapositive 3"/>
           <p:cNvSpPr>
             <a:spLocks noGrp="1"/>
           </p:cNvSpPr>
@@ -7596,36 +11455,385 @@
             <p:ph type="sldNum" sz="quarter" idx="12"/>
           </p:nvPr>
         </p:nvSpPr>
-        <p:spPr/>
+        <p:spPr>
+          <a:xfrm>
+            <a:off x="8532813" y="6420123"/>
+            <a:ext cx="611187" cy="365125"/>
+          </a:xfrm>
+        </p:spPr>
         <p:txBody>
           <a:bodyPr/>
           <a:lstStyle/>
           <a:p>
-            <a:fld id="{35FF5DC1-B1C3-4575-9516-BF75EB359694}" type="slidenum">
-              <a:rPr lang="en-US" smtClean="0"/>
-              <a:t>5</a:t>
-            </a:fld>
-            <a:endParaRPr lang="en-US"/>
+            <a:pPr algn="ctr"/>
+            <a:r>
+              <a:rPr lang="en-US" sz="1100" dirty="0" smtClean="0">
+                <a:solidFill>
+                  <a:srgbClr val="7F8C8D"/>
+                </a:solidFill>
+              </a:rPr>
+              <a:t>3</a:t>
+            </a:r>
+            <a:endParaRPr lang="en-US" sz="1100" dirty="0">
+              <a:solidFill>
+                <a:srgbClr val="7F8C8D"/>
+              </a:solidFill>
+            </a:endParaRPr>
+          </a:p>
+        </p:txBody>
+      </p:sp>
+      <p:cxnSp>
+        <p:nvCxnSpPr>
+          <p:cNvPr id="19" name="Connecteur droit 18"/>
+          <p:cNvCxnSpPr/>
+          <p:nvPr/>
+        </p:nvCxnSpPr>
+        <p:spPr>
+          <a:xfrm flipH="1" flipV="1">
+            <a:off x="8521927" y="6318000"/>
+            <a:ext cx="0" cy="540000"/>
+          </a:xfrm>
+          <a:prstGeom prst="line">
+            <a:avLst/>
+          </a:prstGeom>
+          <a:ln w="28575">
+            <a:solidFill>
+              <a:srgbClr val="7F8C8D"/>
+            </a:solidFill>
+          </a:ln>
+        </p:spPr>
+        <p:style>
+          <a:lnRef idx="1">
+            <a:schemeClr val="dk1"/>
+          </a:lnRef>
+          <a:fillRef idx="0">
+            <a:schemeClr val="dk1"/>
+          </a:fillRef>
+          <a:effectRef idx="0">
+            <a:schemeClr val="dk1"/>
+          </a:effectRef>
+          <a:fontRef idx="minor">
+            <a:schemeClr val="tx1"/>
+          </a:fontRef>
+        </p:style>
+      </p:cxnSp>
+      <p:sp>
+        <p:nvSpPr>
+          <p:cNvPr id="20" name="ZoneTexte 19"/>
+          <p:cNvSpPr txBox="1"/>
+          <p:nvPr/>
+        </p:nvSpPr>
+        <p:spPr>
+          <a:xfrm>
+            <a:off x="4572000" y="6471881"/>
+            <a:ext cx="3893227" cy="261610"/>
+          </a:xfrm>
+          <a:prstGeom prst="rect">
+            <a:avLst/>
+          </a:prstGeom>
+          <a:noFill/>
+        </p:spPr>
+        <p:txBody>
+          <a:bodyPr wrap="square" rtlCol="0">
+            <a:spAutoFit/>
+          </a:bodyPr>
+          <a:lstStyle/>
+          <a:p>
+            <a:pPr algn="r"/>
+            <a:r>
+              <a:rPr lang="en-US" sz="1100" dirty="0" smtClean="0">
+                <a:solidFill>
+                  <a:srgbClr val="7F8C8D"/>
+                </a:solidFill>
+                <a:latin typeface="Roboto Medium" panose="02000000000000000000" pitchFamily="2" charset="0"/>
+                <a:ea typeface="Roboto Medium" panose="02000000000000000000" pitchFamily="2" charset="0"/>
+              </a:rPr>
+              <a:t>Introduction</a:t>
+            </a:r>
+            <a:endParaRPr lang="en-US" sz="1100" dirty="0">
+              <a:solidFill>
+                <a:srgbClr val="7F8C8D"/>
+              </a:solidFill>
+              <a:latin typeface="Roboto" pitchFamily="2" charset="0"/>
+              <a:ea typeface="Roboto" pitchFamily="2" charset="0"/>
+            </a:endParaRPr>
+          </a:p>
+        </p:txBody>
+      </p:sp>
+      <p:sp>
+        <p:nvSpPr>
+          <p:cNvPr id="21" name="ZoneTexte 20"/>
+          <p:cNvSpPr txBox="1"/>
+          <p:nvPr/>
+        </p:nvSpPr>
+        <p:spPr>
+          <a:xfrm>
+            <a:off x="284615" y="6471880"/>
+            <a:ext cx="3893227" cy="261610"/>
+          </a:xfrm>
+          <a:prstGeom prst="rect">
+            <a:avLst/>
+          </a:prstGeom>
+          <a:noFill/>
+        </p:spPr>
+        <p:txBody>
+          <a:bodyPr wrap="square" rtlCol="0">
+            <a:spAutoFit/>
+          </a:bodyPr>
+          <a:lstStyle/>
+          <a:p>
+            <a:r>
+              <a:rPr lang="en-US" sz="1100" dirty="0" smtClean="0">
+                <a:solidFill>
+                  <a:srgbClr val="7F8C8D"/>
+                </a:solidFill>
+                <a:latin typeface="Roboto Light" panose="02000000000000000000" pitchFamily="2" charset="0"/>
+                <a:ea typeface="Roboto Light" panose="02000000000000000000" pitchFamily="2" charset="0"/>
+              </a:rPr>
+              <a:t>R. Vallat – Ph.D. Oral Defense – December 8</a:t>
+            </a:r>
+            <a:r>
+              <a:rPr lang="en-US" sz="1100" baseline="30000" dirty="0" smtClean="0">
+                <a:solidFill>
+                  <a:srgbClr val="7F8C8D"/>
+                </a:solidFill>
+                <a:latin typeface="Roboto Light" panose="02000000000000000000" pitchFamily="2" charset="0"/>
+                <a:ea typeface="Roboto Light" panose="02000000000000000000" pitchFamily="2" charset="0"/>
+              </a:rPr>
+              <a:t>th</a:t>
+            </a:r>
+            <a:r>
+              <a:rPr lang="en-US" sz="1100" dirty="0" smtClean="0">
+                <a:solidFill>
+                  <a:srgbClr val="7F8C8D"/>
+                </a:solidFill>
+                <a:latin typeface="Roboto Light" panose="02000000000000000000" pitchFamily="2" charset="0"/>
+                <a:ea typeface="Roboto Light" panose="02000000000000000000" pitchFamily="2" charset="0"/>
+              </a:rPr>
+              <a:t> 2017</a:t>
+            </a:r>
+            <a:endParaRPr lang="en-US" sz="1100" dirty="0">
+              <a:solidFill>
+                <a:srgbClr val="7F8C8D"/>
+              </a:solidFill>
+              <a:latin typeface="Roboto Light" panose="02000000000000000000" pitchFamily="2" charset="0"/>
+              <a:ea typeface="Roboto Light" panose="02000000000000000000" pitchFamily="2" charset="0"/>
+            </a:endParaRPr>
           </a:p>
         </p:txBody>
       </p:sp>
       <p:pic>
         <p:nvPicPr>
-          <p:cNvPr id="4" name="Image 3"/>
+          <p:cNvPr id="15" name="Image 14"/>
           <p:cNvPicPr>
             <a:picLocks noChangeAspect="1"/>
           </p:cNvPicPr>
           <p:nvPr/>
         </p:nvPicPr>
-        <p:blipFill rotWithShape="1">
-          <a:blip r:embed="rId2"/>
-          <a:srcRect l="19715" t="49111" r="48428" b="27270"/>
-          <a:stretch/>
+        <p:blipFill>
+          <a:blip r:embed="rId3">
+            <a:duotone>
+              <a:schemeClr val="accent3">
+                <a:shade val="45000"/>
+                <a:satMod val="135000"/>
+              </a:schemeClr>
+              <a:prstClr val="white"/>
+            </a:duotone>
+            <a:extLst>
+              <a:ext uri="{BEBA8EAE-BF5A-486C-A8C5-ECC9F3942E4B}">
+                <a14:imgProps xmlns:a14="http://schemas.microsoft.com/office/drawing/2010/main">
+                  <a14:imgLayer r:embed="rId4">
+                    <a14:imgEffect>
+                      <a14:saturation sat="400000"/>
+                    </a14:imgEffect>
+                  </a14:imgLayer>
+                </a14:imgProps>
+              </a:ext>
+            </a:extLst>
+          </a:blip>
+          <a:stretch>
+            <a:fillRect/>
+          </a:stretch>
         </p:blipFill>
         <p:spPr>
           <a:xfrm>
-            <a:off x="783771" y="783771"/>
-            <a:ext cx="4855030" cy="2024743"/>
+            <a:off x="748608" y="3647802"/>
+            <a:ext cx="540000" cy="540000"/>
+          </a:xfrm>
+          <a:prstGeom prst="rect">
+            <a:avLst/>
+          </a:prstGeom>
+        </p:spPr>
+      </p:pic>
+      <p:sp>
+        <p:nvSpPr>
+          <p:cNvPr id="17" name="ZoneTexte 16"/>
+          <p:cNvSpPr txBox="1"/>
+          <p:nvPr/>
+        </p:nvSpPr>
+        <p:spPr>
+          <a:xfrm>
+            <a:off x="1426028" y="3883289"/>
+            <a:ext cx="6291944" cy="1892826"/>
+          </a:xfrm>
+          <a:prstGeom prst="rect">
+            <a:avLst/>
+          </a:prstGeom>
+          <a:noFill/>
+        </p:spPr>
+        <p:txBody>
+          <a:bodyPr wrap="square" rtlCol="0">
+            <a:spAutoFit/>
+          </a:bodyPr>
+          <a:lstStyle/>
+          <a:p>
+            <a:pPr algn="just">
+              <a:lnSpc>
+                <a:spcPct val="110000"/>
+              </a:lnSpc>
+              <a:spcAft>
+                <a:spcPts val="1200"/>
+              </a:spcAft>
+            </a:pPr>
+            <a:r>
+              <a:rPr lang="fr-FR" sz="1600" i="1" dirty="0">
+                <a:solidFill>
+                  <a:srgbClr val="2C3E50"/>
+                </a:solidFill>
+              </a:rPr>
+              <a:t>Le rêve est le phénomène que nous </a:t>
+            </a:r>
+            <a:r>
+              <a:rPr lang="fr-FR" sz="1600" i="1" dirty="0">
+                <a:solidFill>
+                  <a:srgbClr val="2980B9"/>
+                </a:solidFill>
+              </a:rPr>
+              <a:t>n'observons que pendant son absence</a:t>
+            </a:r>
+            <a:r>
+              <a:rPr lang="fr-FR" sz="1600" i="1" dirty="0">
+                <a:solidFill>
+                  <a:srgbClr val="2C3E50"/>
+                </a:solidFill>
+              </a:rPr>
+              <a:t>. Le verbe rêver n'a presque pas de présent. Je rêve, tu rêves, ce sont figures de rhétoriques car </a:t>
+            </a:r>
+            <a:r>
+              <a:rPr lang="fr-FR" sz="1600" i="1" dirty="0">
+                <a:solidFill>
+                  <a:srgbClr val="2980B9"/>
+                </a:solidFill>
+              </a:rPr>
+              <a:t>c'est un éveillé qui parle </a:t>
+            </a:r>
+            <a:r>
+              <a:rPr lang="fr-FR" sz="1600" i="1" dirty="0">
+                <a:solidFill>
+                  <a:srgbClr val="2C3E50"/>
+                </a:solidFill>
+              </a:rPr>
+              <a:t>ou un candidat au réveil</a:t>
+            </a:r>
+            <a:r>
+              <a:rPr lang="fr-FR" sz="1600" i="1" dirty="0" smtClean="0">
+                <a:solidFill>
+                  <a:srgbClr val="2C3E50"/>
+                </a:solidFill>
+              </a:rPr>
+              <a:t>.</a:t>
+            </a:r>
+          </a:p>
+          <a:p>
+            <a:pPr algn="r">
+              <a:lnSpc>
+                <a:spcPct val="110000"/>
+              </a:lnSpc>
+              <a:spcAft>
+                <a:spcPts val="600"/>
+              </a:spcAft>
+            </a:pPr>
+            <a:r>
+              <a:rPr lang="en-US" sz="1600" dirty="0" smtClean="0">
+                <a:solidFill>
+                  <a:srgbClr val="233548"/>
+                </a:solidFill>
+              </a:rPr>
+              <a:t>—</a:t>
+            </a:r>
+            <a:r>
+              <a:rPr lang="en-US" sz="1600" b="1" dirty="0" smtClean="0">
+                <a:solidFill>
+                  <a:srgbClr val="233548"/>
+                </a:solidFill>
+              </a:rPr>
+              <a:t>Paul Valery</a:t>
+            </a:r>
+            <a:endParaRPr lang="en-US" sz="1600" b="1" dirty="0" smtClean="0">
+              <a:solidFill>
+                <a:srgbClr val="233548"/>
+              </a:solidFill>
+            </a:endParaRPr>
+          </a:p>
+          <a:p>
+            <a:pPr algn="r">
+              <a:spcAft>
+                <a:spcPts val="1200"/>
+              </a:spcAft>
+            </a:pPr>
+            <a:r>
+              <a:rPr lang="en-US" sz="1400" dirty="0" smtClean="0">
+                <a:solidFill>
+                  <a:srgbClr val="233548"/>
+                </a:solidFill>
+              </a:rPr>
+              <a:t>Analecta. 1926</a:t>
+            </a:r>
+            <a:endParaRPr lang="en-US" sz="1400" i="1" dirty="0">
+              <a:solidFill>
+                <a:srgbClr val="233548"/>
+              </a:solidFill>
+            </a:endParaRPr>
+          </a:p>
+        </p:txBody>
+      </p:sp>
+      <p:pic>
+        <p:nvPicPr>
+          <p:cNvPr id="22" name="Image 21"/>
+          <p:cNvPicPr>
+            <a:picLocks noChangeAspect="1"/>
+          </p:cNvPicPr>
+          <p:nvPr/>
+        </p:nvPicPr>
+        <p:blipFill>
+          <a:blip r:embed="rId3">
+            <a:duotone>
+              <a:schemeClr val="accent3">
+                <a:shade val="45000"/>
+                <a:satMod val="135000"/>
+              </a:schemeClr>
+              <a:prstClr val="white"/>
+            </a:duotone>
+            <a:extLst>
+              <a:ext uri="{BEBA8EAE-BF5A-486C-A8C5-ECC9F3942E4B}">
+                <a14:imgProps xmlns:a14="http://schemas.microsoft.com/office/drawing/2010/main">
+                  <a14:imgLayer r:embed="rId4">
+                    <a14:imgEffect>
+                      <a14:saturation sat="400000"/>
+                    </a14:imgEffect>
+                  </a14:imgLayer>
+                </a14:imgProps>
+              </a:ext>
+            </a:extLst>
+          </a:blip>
+          <a:stretch>
+            <a:fillRect/>
+          </a:stretch>
+        </p:blipFill>
+        <p:spPr>
+          <a:xfrm flipH="1">
+            <a:off x="7855392" y="4513535"/>
+            <a:ext cx="540000" cy="540000"/>
           </a:xfrm>
           <a:prstGeom prst="rect">
             <a:avLst/>
@@ -7635,7 +11843,3492 @@
     </p:spTree>
     <p:extLst>
       <p:ext uri="{BB962C8B-B14F-4D97-AF65-F5344CB8AC3E}">
-        <p14:creationId xmlns:p14="http://schemas.microsoft.com/office/powerpoint/2010/main" val="3927964203"/>
+        <p14:creationId xmlns:p14="http://schemas.microsoft.com/office/powerpoint/2010/main" val="34568782"/>
+      </p:ext>
+    </p:extLst>
+  </p:cSld>
+  <p:clrMapOvr>
+    <a:masterClrMapping/>
+  </p:clrMapOvr>
+  <p:timing>
+    <p:tnLst>
+      <p:par>
+        <p:cTn id="1" dur="indefinite" restart="never" nodeType="tmRoot"/>
+      </p:par>
+    </p:tnLst>
+  </p:timing>
+</p:sld>
+</file>
+
+<file path=ppt/slides/slide6.xml><?xml version="1.0" encoding="utf-8"?>
+<p:sld xmlns:a="http://schemas.openxmlformats.org/drawingml/2006/main" xmlns:r="http://schemas.openxmlformats.org/officeDocument/2006/relationships" xmlns:p="http://schemas.openxmlformats.org/presentationml/2006/main">
+  <p:cSld>
+    <p:spTree>
+      <p:nvGrpSpPr>
+        <p:cNvPr id="1" name=""/>
+        <p:cNvGrpSpPr/>
+        <p:nvPr/>
+      </p:nvGrpSpPr>
+      <p:grpSpPr>
+        <a:xfrm>
+          <a:off x="0" y="0"/>
+          <a:ext cx="0" cy="0"/>
+          <a:chOff x="0" y="0"/>
+          <a:chExt cx="0" cy="0"/>
+        </a:xfrm>
+      </p:grpSpPr>
+      <p:sp>
+        <p:nvSpPr>
+          <p:cNvPr id="13" name="Rectangle 12"/>
+          <p:cNvSpPr/>
+          <p:nvPr/>
+        </p:nvSpPr>
+        <p:spPr>
+          <a:xfrm>
+            <a:off x="611188" y="800100"/>
+            <a:ext cx="7921625" cy="5508625"/>
+          </a:xfrm>
+          <a:prstGeom prst="rect">
+            <a:avLst/>
+          </a:prstGeom>
+          <a:noFill/>
+          <a:ln>
+            <a:noFill/>
+          </a:ln>
+        </p:spPr>
+        <p:style>
+          <a:lnRef idx="2">
+            <a:schemeClr val="accent1">
+              <a:shade val="50000"/>
+            </a:schemeClr>
+          </a:lnRef>
+          <a:fillRef idx="1">
+            <a:schemeClr val="accent1"/>
+          </a:fillRef>
+          <a:effectRef idx="0">
+            <a:schemeClr val="accent1"/>
+          </a:effectRef>
+          <a:fontRef idx="minor">
+            <a:schemeClr val="lt1"/>
+          </a:fontRef>
+        </p:style>
+        <p:txBody>
+          <a:bodyPr rtlCol="0" anchor="t"/>
+          <a:lstStyle/>
+          <a:p>
+            <a:pPr marL="342900" indent="-342900">
+              <a:spcAft>
+                <a:spcPts val="1800"/>
+              </a:spcAft>
+              <a:buFont typeface="+mj-lt"/>
+              <a:buAutoNum type="arabicPeriod" startAt="2"/>
+            </a:pPr>
+            <a:r>
+              <a:rPr lang="en-US" b="1" dirty="0" smtClean="0">
+                <a:solidFill>
+                  <a:srgbClr val="2C3E50"/>
+                </a:solidFill>
+                <a:latin typeface="Helvetica Neue" panose="02000503000000020004" pitchFamily="50"/>
+                <a:ea typeface="Open Sans" panose="020B0606030504020204" pitchFamily="34" charset="0"/>
+                <a:cs typeface="Open Sans" panose="020B0606030504020204" pitchFamily="34" charset="0"/>
+              </a:rPr>
+              <a:t>Do dreams have a function?</a:t>
+            </a:r>
+            <a:endParaRPr lang="en-US" b="1" dirty="0">
+              <a:solidFill>
+                <a:srgbClr val="2C3E50"/>
+              </a:solidFill>
+              <a:latin typeface="Helvetica Neue" panose="02000503000000020004" pitchFamily="50"/>
+              <a:ea typeface="Open Sans" panose="020B0606030504020204" pitchFamily="34" charset="0"/>
+              <a:cs typeface="Open Sans" panose="020B0606030504020204" pitchFamily="34" charset="0"/>
+            </a:endParaRPr>
+          </a:p>
+          <a:p>
+            <a:pPr marL="742950" lvl="1" indent="-285750" algn="just">
+              <a:spcAft>
+                <a:spcPts val="2400"/>
+              </a:spcAft>
+              <a:buFont typeface="Arial" panose="020B0604020202020204" pitchFamily="34" charset="0"/>
+              <a:buChar char="•"/>
+            </a:pPr>
+            <a:r>
+              <a:rPr lang="en-US" sz="1600" dirty="0">
+                <a:solidFill>
+                  <a:srgbClr val="2C3E50"/>
+                </a:solidFill>
+                <a:latin typeface="Helvetica Neue" panose="02000503000000020004" pitchFamily="50"/>
+                <a:ea typeface="Open Sans" panose="020B0606030504020204" pitchFamily="34" charset="0"/>
+                <a:cs typeface="Open Sans" panose="020B0606030504020204" pitchFamily="34" charset="0"/>
+              </a:rPr>
+              <a:t>The guardians of sleep </a:t>
+            </a:r>
+            <a:r>
+              <a:rPr lang="en-US" sz="1600" dirty="0">
+                <a:solidFill>
+                  <a:srgbClr val="2C3E50"/>
+                </a:solidFill>
+                <a:latin typeface="HelveticaNeueLT Std Lt" panose="020B0403020202020204" pitchFamily="34" charset="0"/>
+                <a:ea typeface="Open Sans" panose="020B0606030504020204" pitchFamily="34" charset="0"/>
+                <a:cs typeface="Open Sans" panose="020B0606030504020204" pitchFamily="34" charset="0"/>
+              </a:rPr>
+              <a:t>(Freud 1900</a:t>
+            </a:r>
+            <a:r>
+              <a:rPr lang="en-US" sz="1600" dirty="0" smtClean="0">
+                <a:solidFill>
+                  <a:srgbClr val="2C3E50"/>
+                </a:solidFill>
+                <a:latin typeface="HelveticaNeueLT Std Lt" panose="020B0403020202020204" pitchFamily="34" charset="0"/>
+                <a:ea typeface="Open Sans" panose="020B0606030504020204" pitchFamily="34" charset="0"/>
+                <a:cs typeface="Open Sans" panose="020B0606030504020204" pitchFamily="34" charset="0"/>
+              </a:rPr>
+              <a:t>)</a:t>
+            </a:r>
+            <a:endParaRPr lang="en-US" sz="1600" dirty="0" smtClean="0">
+              <a:solidFill>
+                <a:srgbClr val="2C3E50"/>
+              </a:solidFill>
+              <a:latin typeface="Helvetica Neue" panose="02000503000000020004" pitchFamily="50"/>
+              <a:ea typeface="Open Sans" panose="020B0606030504020204" pitchFamily="34" charset="0"/>
+              <a:cs typeface="Open Sans" panose="020B0606030504020204" pitchFamily="34" charset="0"/>
+            </a:endParaRPr>
+          </a:p>
+          <a:p>
+            <a:pPr marL="742950" lvl="1" indent="-285750" algn="just">
+              <a:spcAft>
+                <a:spcPts val="2400"/>
+              </a:spcAft>
+              <a:buFont typeface="Arial" panose="020B0604020202020204" pitchFamily="34" charset="0"/>
+              <a:buChar char="•"/>
+            </a:pPr>
+            <a:r>
+              <a:rPr lang="en-US" sz="1600" dirty="0" smtClean="0">
+                <a:solidFill>
+                  <a:srgbClr val="2C3E50"/>
+                </a:solidFill>
+                <a:latin typeface="Helvetica Neue" panose="02000503000000020004" pitchFamily="50"/>
+                <a:ea typeface="Open Sans" panose="020B0606030504020204" pitchFamily="34" charset="0"/>
+                <a:cs typeface="Open Sans" panose="020B0606030504020204" pitchFamily="34" charset="0"/>
+              </a:rPr>
+              <a:t>Psychological </a:t>
+            </a:r>
+            <a:r>
+              <a:rPr lang="en-US" sz="1600" dirty="0">
+                <a:solidFill>
+                  <a:srgbClr val="2C3E50"/>
+                </a:solidFill>
+                <a:latin typeface="Helvetica Neue" panose="02000503000000020004" pitchFamily="50"/>
+                <a:ea typeface="Open Sans" panose="020B0606030504020204" pitchFamily="34" charset="0"/>
+                <a:cs typeface="Open Sans" panose="020B0606030504020204" pitchFamily="34" charset="0"/>
+              </a:rPr>
+              <a:t>individualism </a:t>
+            </a:r>
+            <a:r>
+              <a:rPr lang="en-US" sz="1600" dirty="0">
+                <a:solidFill>
+                  <a:srgbClr val="2C3E50"/>
+                </a:solidFill>
+                <a:latin typeface="HelveticaNeueLT Std Lt" panose="020B0403020202020204" pitchFamily="34" charset="0"/>
+                <a:ea typeface="Open Sans" panose="020B0606030504020204" pitchFamily="34" charset="0"/>
+                <a:cs typeface="Open Sans" panose="020B0606030504020204" pitchFamily="34" charset="0"/>
+              </a:rPr>
+              <a:t>(Jouvet 1991</a:t>
+            </a:r>
+            <a:r>
+              <a:rPr lang="en-US" sz="1600" dirty="0" smtClean="0">
+                <a:solidFill>
+                  <a:srgbClr val="2C3E50"/>
+                </a:solidFill>
+                <a:latin typeface="HelveticaNeueLT Std Lt" panose="020B0403020202020204" pitchFamily="34" charset="0"/>
+                <a:ea typeface="Open Sans" panose="020B0606030504020204" pitchFamily="34" charset="0"/>
+                <a:cs typeface="Open Sans" panose="020B0606030504020204" pitchFamily="34" charset="0"/>
+              </a:rPr>
+              <a:t>)</a:t>
+            </a:r>
+          </a:p>
+          <a:p>
+            <a:pPr marL="742950" lvl="1" indent="-285750" algn="just">
+              <a:spcAft>
+                <a:spcPts val="2400"/>
+              </a:spcAft>
+              <a:buFont typeface="Arial" panose="020B0604020202020204" pitchFamily="34" charset="0"/>
+              <a:buChar char="•"/>
+            </a:pPr>
+            <a:r>
+              <a:rPr lang="en-US" sz="1600" dirty="0">
+                <a:solidFill>
+                  <a:srgbClr val="2C3E50"/>
+                </a:solidFill>
+                <a:latin typeface="Helvetica Neue" panose="02000503000000020004" pitchFamily="50"/>
+                <a:ea typeface="Open Sans" panose="020B0606030504020204" pitchFamily="34" charset="0"/>
+                <a:cs typeface="Open Sans" panose="020B0606030504020204" pitchFamily="34" charset="0"/>
+              </a:rPr>
+              <a:t>No function </a:t>
+            </a:r>
+            <a:r>
+              <a:rPr lang="en-US" sz="1600" dirty="0">
+                <a:solidFill>
+                  <a:srgbClr val="2C3E50"/>
+                </a:solidFill>
+                <a:latin typeface="HelveticaNeueLT Std Lt" panose="020B0403020202020204" pitchFamily="34" charset="0"/>
+                <a:ea typeface="Open Sans" panose="020B0606030504020204" pitchFamily="34" charset="0"/>
+                <a:cs typeface="Open Sans" panose="020B0606030504020204" pitchFamily="34" charset="0"/>
+              </a:rPr>
+              <a:t>(Hobson et al. 1998</a:t>
+            </a:r>
+            <a:r>
+              <a:rPr lang="en-US" sz="1600" dirty="0" smtClean="0">
+                <a:solidFill>
+                  <a:srgbClr val="2C3E50"/>
+                </a:solidFill>
+                <a:latin typeface="HelveticaNeueLT Std Lt" panose="020B0403020202020204" pitchFamily="34" charset="0"/>
+                <a:ea typeface="Open Sans" panose="020B0606030504020204" pitchFamily="34" charset="0"/>
+                <a:cs typeface="Open Sans" panose="020B0606030504020204" pitchFamily="34" charset="0"/>
+              </a:rPr>
+              <a:t>)</a:t>
+            </a:r>
+            <a:endParaRPr lang="en-US" sz="1600" dirty="0">
+              <a:solidFill>
+                <a:srgbClr val="2C3E50"/>
+              </a:solidFill>
+              <a:latin typeface="HelveticaNeueLT Std Lt" panose="020B0403020202020204" pitchFamily="34" charset="0"/>
+              <a:ea typeface="Open Sans" panose="020B0606030504020204" pitchFamily="34" charset="0"/>
+              <a:cs typeface="Open Sans" panose="020B0606030504020204" pitchFamily="34" charset="0"/>
+            </a:endParaRPr>
+          </a:p>
+          <a:p>
+            <a:pPr marL="742950" lvl="1" indent="-285750" algn="just">
+              <a:spcAft>
+                <a:spcPts val="2400"/>
+              </a:spcAft>
+              <a:buFont typeface="Arial" panose="020B0604020202020204" pitchFamily="34" charset="0"/>
+              <a:buChar char="•"/>
+            </a:pPr>
+            <a:r>
+              <a:rPr lang="en-US" sz="1600" dirty="0" smtClean="0">
+                <a:solidFill>
+                  <a:srgbClr val="2C3E50"/>
+                </a:solidFill>
+                <a:latin typeface="Helvetica Neue" panose="02000503000000020004" pitchFamily="50"/>
+                <a:ea typeface="Open Sans" panose="020B0606030504020204" pitchFamily="34" charset="0"/>
+                <a:cs typeface="Open Sans" panose="020B0606030504020204" pitchFamily="34" charset="0"/>
+              </a:rPr>
+              <a:t>Emotional regulation </a:t>
+            </a:r>
+            <a:r>
+              <a:rPr lang="en-US" sz="1600" dirty="0" smtClean="0">
+                <a:solidFill>
+                  <a:srgbClr val="2C3E50"/>
+                </a:solidFill>
+                <a:latin typeface="HelveticaNeueLT Std Lt" panose="020B0403020202020204" pitchFamily="34" charset="0"/>
+                <a:ea typeface="Open Sans" panose="020B0606030504020204" pitchFamily="34" charset="0"/>
+                <a:cs typeface="Open Sans" panose="020B0606030504020204" pitchFamily="34" charset="0"/>
+              </a:rPr>
+              <a:t>(Cartwright et al. 1998)</a:t>
+            </a:r>
+          </a:p>
+          <a:p>
+            <a:pPr marL="742950" lvl="1" indent="-285750" algn="just">
+              <a:spcAft>
+                <a:spcPts val="2400"/>
+              </a:spcAft>
+              <a:buFont typeface="Arial" panose="020B0604020202020204" pitchFamily="34" charset="0"/>
+              <a:buChar char="•"/>
+            </a:pPr>
+            <a:r>
+              <a:rPr lang="en-US" sz="1600" dirty="0" smtClean="0">
+                <a:solidFill>
+                  <a:srgbClr val="2C3E50"/>
+                </a:solidFill>
+                <a:latin typeface="Helvetica Neue" panose="02000503000000020004" pitchFamily="50"/>
+                <a:ea typeface="Open Sans" panose="020B0606030504020204" pitchFamily="34" charset="0"/>
+                <a:cs typeface="Open Sans" panose="020B0606030504020204" pitchFamily="34" charset="0"/>
+              </a:rPr>
+              <a:t>Memory consolidation </a:t>
+            </a:r>
+            <a:r>
+              <a:rPr lang="en-US" sz="1600" dirty="0" smtClean="0">
+                <a:solidFill>
+                  <a:srgbClr val="2C3E50"/>
+                </a:solidFill>
+                <a:latin typeface="HelveticaNeueLT Std Lt" panose="020B0403020202020204" pitchFamily="34" charset="0"/>
+                <a:ea typeface="Open Sans" panose="020B0606030504020204" pitchFamily="34" charset="0"/>
+                <a:cs typeface="Open Sans" panose="020B0606030504020204" pitchFamily="34" charset="0"/>
+              </a:rPr>
+              <a:t>(Wamsley et Stickgold 2010)</a:t>
+            </a:r>
+          </a:p>
+          <a:p>
+            <a:pPr marL="742950" lvl="1" indent="-285750" algn="just">
+              <a:spcAft>
+                <a:spcPts val="2400"/>
+              </a:spcAft>
+              <a:buFont typeface="Arial" panose="020B0604020202020204" pitchFamily="34" charset="0"/>
+              <a:buChar char="•"/>
+            </a:pPr>
+            <a:r>
+              <a:rPr lang="en-US" sz="1600" dirty="0" smtClean="0">
+                <a:solidFill>
+                  <a:srgbClr val="2C3E50"/>
+                </a:solidFill>
+                <a:latin typeface="Helvetica Neue" panose="02000503000000020004" pitchFamily="50"/>
+                <a:ea typeface="Open Sans" panose="020B0606030504020204" pitchFamily="34" charset="0"/>
+                <a:cs typeface="Open Sans" panose="020B0606030504020204" pitchFamily="34" charset="0"/>
+              </a:rPr>
+              <a:t>Threat simulation </a:t>
+            </a:r>
+            <a:r>
+              <a:rPr lang="en-US" sz="1600" dirty="0" smtClean="0">
+                <a:solidFill>
+                  <a:srgbClr val="2C3E50"/>
+                </a:solidFill>
+                <a:latin typeface="HelveticaNeueLT Std Lt" panose="020B0403020202020204" pitchFamily="34" charset="0"/>
+                <a:ea typeface="Open Sans" panose="020B0606030504020204" pitchFamily="34" charset="0"/>
+                <a:cs typeface="Open Sans" panose="020B0606030504020204" pitchFamily="34" charset="0"/>
+              </a:rPr>
+              <a:t>(Revonsuo 2000)</a:t>
+            </a:r>
+          </a:p>
+          <a:p>
+            <a:pPr marL="742950" lvl="1" indent="-285750" algn="just">
+              <a:spcAft>
+                <a:spcPts val="1200"/>
+              </a:spcAft>
+              <a:buFont typeface="Arial" panose="020B0604020202020204" pitchFamily="34" charset="0"/>
+              <a:buChar char="•"/>
+            </a:pPr>
+            <a:endParaRPr lang="en-US" dirty="0">
+              <a:solidFill>
+                <a:schemeClr val="tx2">
+                  <a:lumMod val="50000"/>
+                </a:schemeClr>
+              </a:solidFill>
+              <a:latin typeface="Open Sans" panose="020B0606030504020204" pitchFamily="34" charset="0"/>
+              <a:ea typeface="Open Sans" panose="020B0606030504020204" pitchFamily="34" charset="0"/>
+              <a:cs typeface="Open Sans" panose="020B0606030504020204" pitchFamily="34" charset="0"/>
+            </a:endParaRPr>
+          </a:p>
+          <a:p>
+            <a:pPr>
+              <a:spcAft>
+                <a:spcPts val="1200"/>
+              </a:spcAft>
+            </a:pPr>
+            <a:endParaRPr lang="en-US" dirty="0">
+              <a:solidFill>
+                <a:schemeClr val="tx2">
+                  <a:lumMod val="50000"/>
+                </a:schemeClr>
+              </a:solidFill>
+              <a:latin typeface="Open Sans" panose="020B0606030504020204" pitchFamily="34" charset="0"/>
+              <a:ea typeface="Open Sans" panose="020B0606030504020204" pitchFamily="34" charset="0"/>
+              <a:cs typeface="Open Sans" panose="020B0606030504020204" pitchFamily="34" charset="0"/>
+            </a:endParaRPr>
+          </a:p>
+          <a:p>
+            <a:pPr>
+              <a:spcAft>
+                <a:spcPts val="1200"/>
+              </a:spcAft>
+            </a:pPr>
+            <a:endParaRPr lang="en-US" dirty="0">
+              <a:solidFill>
+                <a:schemeClr val="tx2">
+                  <a:lumMod val="50000"/>
+                </a:schemeClr>
+              </a:solidFill>
+              <a:latin typeface="Open Sans" panose="020B0606030504020204" pitchFamily="34" charset="0"/>
+              <a:ea typeface="Open Sans" panose="020B0606030504020204" pitchFamily="34" charset="0"/>
+              <a:cs typeface="Open Sans" panose="020B0606030504020204" pitchFamily="34" charset="0"/>
+            </a:endParaRPr>
+          </a:p>
+          <a:p>
+            <a:pPr>
+              <a:spcAft>
+                <a:spcPts val="1200"/>
+              </a:spcAft>
+            </a:pPr>
+            <a:endParaRPr lang="en-US" dirty="0">
+              <a:solidFill>
+                <a:schemeClr val="tx2">
+                  <a:lumMod val="50000"/>
+                </a:schemeClr>
+              </a:solidFill>
+              <a:latin typeface="Open Sans" panose="020B0606030504020204" pitchFamily="34" charset="0"/>
+              <a:ea typeface="Open Sans" panose="020B0606030504020204" pitchFamily="34" charset="0"/>
+              <a:cs typeface="Open Sans" panose="020B0606030504020204" pitchFamily="34" charset="0"/>
+            </a:endParaRPr>
+          </a:p>
+          <a:p>
+            <a:pPr>
+              <a:spcAft>
+                <a:spcPts val="1200"/>
+              </a:spcAft>
+            </a:pPr>
+            <a:endParaRPr lang="en-US" dirty="0">
+              <a:solidFill>
+                <a:schemeClr val="tx2">
+                  <a:lumMod val="50000"/>
+                </a:schemeClr>
+              </a:solidFill>
+              <a:latin typeface="Open Sans" panose="020B0606030504020204" pitchFamily="34" charset="0"/>
+              <a:ea typeface="Open Sans" panose="020B0606030504020204" pitchFamily="34" charset="0"/>
+              <a:cs typeface="Open Sans" panose="020B0606030504020204" pitchFamily="34" charset="0"/>
+            </a:endParaRPr>
+          </a:p>
+          <a:p>
+            <a:pPr>
+              <a:spcAft>
+                <a:spcPts val="1200"/>
+              </a:spcAft>
+            </a:pPr>
+            <a:endParaRPr lang="en-US" dirty="0">
+              <a:solidFill>
+                <a:schemeClr val="tx2">
+                  <a:lumMod val="50000"/>
+                </a:schemeClr>
+              </a:solidFill>
+              <a:latin typeface="Open Sans" panose="020B0606030504020204" pitchFamily="34" charset="0"/>
+              <a:ea typeface="Open Sans" panose="020B0606030504020204" pitchFamily="34" charset="0"/>
+              <a:cs typeface="Open Sans" panose="020B0606030504020204" pitchFamily="34" charset="0"/>
+            </a:endParaRPr>
+          </a:p>
+        </p:txBody>
+      </p:sp>
+      <p:sp>
+        <p:nvSpPr>
+          <p:cNvPr id="8" name="ZoneTexte 7"/>
+          <p:cNvSpPr txBox="1"/>
+          <p:nvPr/>
+        </p:nvSpPr>
+        <p:spPr>
+          <a:xfrm>
+            <a:off x="0" y="259200"/>
+            <a:ext cx="1828800" cy="261610"/>
+          </a:xfrm>
+          <a:prstGeom prst="rect">
+            <a:avLst/>
+          </a:prstGeom>
+          <a:solidFill>
+            <a:srgbClr val="ECF0F1"/>
+          </a:solidFill>
+        </p:spPr>
+        <p:txBody>
+          <a:bodyPr wrap="square" rtlCol="0">
+            <a:spAutoFit/>
+          </a:bodyPr>
+          <a:lstStyle/>
+          <a:p>
+            <a:pPr algn="ctr"/>
+            <a:r>
+              <a:rPr lang="en-US" sz="1100" b="1" i="1" dirty="0" smtClean="0">
+                <a:solidFill>
+                  <a:srgbClr val="34495E"/>
+                </a:solidFill>
+                <a:latin typeface="Roboto Light" panose="02000000000000000000" pitchFamily="2" charset="0"/>
+                <a:ea typeface="Roboto Light" panose="02000000000000000000" pitchFamily="2" charset="0"/>
+              </a:rPr>
+              <a:t>Introduction</a:t>
+            </a:r>
+            <a:endParaRPr lang="en-US" sz="1100" b="1" i="1" dirty="0">
+              <a:solidFill>
+                <a:srgbClr val="34495E"/>
+              </a:solidFill>
+              <a:latin typeface="Roboto Light" panose="02000000000000000000" pitchFamily="2" charset="0"/>
+              <a:ea typeface="Roboto Light" panose="02000000000000000000" pitchFamily="2" charset="0"/>
+            </a:endParaRPr>
+          </a:p>
+        </p:txBody>
+      </p:sp>
+      <p:sp>
+        <p:nvSpPr>
+          <p:cNvPr id="9" name="ZoneTexte 8"/>
+          <p:cNvSpPr txBox="1"/>
+          <p:nvPr/>
+        </p:nvSpPr>
+        <p:spPr>
+          <a:xfrm>
+            <a:off x="1828800" y="258463"/>
+            <a:ext cx="1828800" cy="261610"/>
+          </a:xfrm>
+          <a:prstGeom prst="rect">
+            <a:avLst/>
+          </a:prstGeom>
+          <a:solidFill>
+            <a:srgbClr val="ECF0F1"/>
+          </a:solidFill>
+        </p:spPr>
+        <p:txBody>
+          <a:bodyPr wrap="square" rtlCol="0">
+            <a:spAutoFit/>
+          </a:bodyPr>
+          <a:lstStyle/>
+          <a:p>
+            <a:pPr algn="ctr"/>
+            <a:r>
+              <a:rPr lang="en-US" sz="1100" i="1" dirty="0" smtClean="0">
+                <a:solidFill>
+                  <a:srgbClr val="95A5A6"/>
+                </a:solidFill>
+                <a:latin typeface="Roboto Light" panose="02000000000000000000" pitchFamily="2" charset="0"/>
+                <a:ea typeface="Roboto Light" panose="02000000000000000000" pitchFamily="2" charset="0"/>
+              </a:rPr>
+              <a:t>Dream recall</a:t>
+            </a:r>
+            <a:endParaRPr lang="en-US" sz="1100" i="1" dirty="0">
+              <a:solidFill>
+                <a:srgbClr val="95A5A6"/>
+              </a:solidFill>
+              <a:latin typeface="Roboto Light" panose="02000000000000000000" pitchFamily="2" charset="0"/>
+              <a:ea typeface="Roboto Light" panose="02000000000000000000" pitchFamily="2" charset="0"/>
+            </a:endParaRPr>
+          </a:p>
+        </p:txBody>
+      </p:sp>
+      <p:sp>
+        <p:nvSpPr>
+          <p:cNvPr id="10" name="ZoneTexte 9"/>
+          <p:cNvSpPr txBox="1"/>
+          <p:nvPr/>
+        </p:nvSpPr>
+        <p:spPr>
+          <a:xfrm>
+            <a:off x="3657600" y="258463"/>
+            <a:ext cx="1828800" cy="261610"/>
+          </a:xfrm>
+          <a:prstGeom prst="rect">
+            <a:avLst/>
+          </a:prstGeom>
+          <a:solidFill>
+            <a:srgbClr val="ECF0F1"/>
+          </a:solidFill>
+        </p:spPr>
+        <p:txBody>
+          <a:bodyPr wrap="square" rtlCol="0">
+            <a:spAutoFit/>
+          </a:bodyPr>
+          <a:lstStyle/>
+          <a:p>
+            <a:pPr algn="ctr"/>
+            <a:r>
+              <a:rPr lang="en-US" sz="1100" i="1" dirty="0" smtClean="0">
+                <a:solidFill>
+                  <a:srgbClr val="95A5A6"/>
+                </a:solidFill>
+                <a:latin typeface="Roboto Light" panose="02000000000000000000" pitchFamily="2" charset="0"/>
+                <a:ea typeface="Roboto Light" panose="02000000000000000000" pitchFamily="2" charset="0"/>
+              </a:rPr>
+              <a:t>Dream content</a:t>
+            </a:r>
+            <a:endParaRPr lang="en-US" sz="1100" i="1" dirty="0">
+              <a:solidFill>
+                <a:srgbClr val="95A5A6"/>
+              </a:solidFill>
+              <a:latin typeface="Roboto Light" panose="02000000000000000000" pitchFamily="2" charset="0"/>
+              <a:ea typeface="Roboto Light" panose="02000000000000000000" pitchFamily="2" charset="0"/>
+            </a:endParaRPr>
+          </a:p>
+        </p:txBody>
+      </p:sp>
+      <p:sp>
+        <p:nvSpPr>
+          <p:cNvPr id="11" name="ZoneTexte 10"/>
+          <p:cNvSpPr txBox="1"/>
+          <p:nvPr/>
+        </p:nvSpPr>
+        <p:spPr>
+          <a:xfrm>
+            <a:off x="5486400" y="258463"/>
+            <a:ext cx="1828800" cy="261610"/>
+          </a:xfrm>
+          <a:prstGeom prst="rect">
+            <a:avLst/>
+          </a:prstGeom>
+          <a:solidFill>
+            <a:srgbClr val="ECF0F1"/>
+          </a:solidFill>
+        </p:spPr>
+        <p:txBody>
+          <a:bodyPr wrap="square" rtlCol="0">
+            <a:spAutoFit/>
+          </a:bodyPr>
+          <a:lstStyle/>
+          <a:p>
+            <a:pPr algn="ctr"/>
+            <a:r>
+              <a:rPr lang="en-US" sz="1100" i="1" dirty="0" smtClean="0">
+                <a:solidFill>
+                  <a:srgbClr val="95A5A6"/>
+                </a:solidFill>
+                <a:latin typeface="Roboto Light" panose="02000000000000000000" pitchFamily="2" charset="0"/>
+                <a:ea typeface="Roboto Light" panose="02000000000000000000" pitchFamily="2" charset="0"/>
+              </a:rPr>
+              <a:t>Software</a:t>
+            </a:r>
+            <a:endParaRPr lang="en-US" sz="1100" i="1" dirty="0">
+              <a:solidFill>
+                <a:srgbClr val="95A5A6"/>
+              </a:solidFill>
+              <a:latin typeface="Roboto Light" panose="02000000000000000000" pitchFamily="2" charset="0"/>
+              <a:ea typeface="Roboto Light" panose="02000000000000000000" pitchFamily="2" charset="0"/>
+            </a:endParaRPr>
+          </a:p>
+        </p:txBody>
+      </p:sp>
+      <p:sp>
+        <p:nvSpPr>
+          <p:cNvPr id="14" name="ZoneTexte 13"/>
+          <p:cNvSpPr txBox="1"/>
+          <p:nvPr/>
+        </p:nvSpPr>
+        <p:spPr>
+          <a:xfrm>
+            <a:off x="7315200" y="258463"/>
+            <a:ext cx="1828800" cy="261610"/>
+          </a:xfrm>
+          <a:prstGeom prst="rect">
+            <a:avLst/>
+          </a:prstGeom>
+          <a:solidFill>
+            <a:srgbClr val="ECF0F1"/>
+          </a:solidFill>
+        </p:spPr>
+        <p:txBody>
+          <a:bodyPr wrap="square" rtlCol="0">
+            <a:spAutoFit/>
+          </a:bodyPr>
+          <a:lstStyle/>
+          <a:p>
+            <a:pPr algn="ctr"/>
+            <a:r>
+              <a:rPr lang="en-US" sz="1100" i="1" dirty="0" smtClean="0">
+                <a:solidFill>
+                  <a:srgbClr val="95A5A6"/>
+                </a:solidFill>
+                <a:latin typeface="Roboto Light" panose="02000000000000000000" pitchFamily="2" charset="0"/>
+                <a:ea typeface="Roboto Light" panose="02000000000000000000" pitchFamily="2" charset="0"/>
+              </a:rPr>
+              <a:t>Conclusion</a:t>
+            </a:r>
+            <a:endParaRPr lang="en-US" sz="1100" i="1" dirty="0">
+              <a:solidFill>
+                <a:srgbClr val="95A5A6"/>
+              </a:solidFill>
+              <a:latin typeface="Roboto Light" panose="02000000000000000000" pitchFamily="2" charset="0"/>
+              <a:ea typeface="Roboto Light" panose="02000000000000000000" pitchFamily="2" charset="0"/>
+            </a:endParaRPr>
+          </a:p>
+        </p:txBody>
+      </p:sp>
+      <p:sp>
+        <p:nvSpPr>
+          <p:cNvPr id="16" name="Rectangle 15"/>
+          <p:cNvSpPr/>
+          <p:nvPr/>
+        </p:nvSpPr>
+        <p:spPr>
+          <a:xfrm>
+            <a:off x="0" y="0"/>
+            <a:ext cx="9144000" cy="259200"/>
+          </a:xfrm>
+          <a:prstGeom prst="rect">
+            <a:avLst/>
+          </a:prstGeom>
+          <a:solidFill>
+            <a:srgbClr val="45607B"/>
+          </a:solidFill>
+          <a:ln>
+            <a:noFill/>
+          </a:ln>
+        </p:spPr>
+        <p:style>
+          <a:lnRef idx="2">
+            <a:schemeClr val="accent1">
+              <a:shade val="50000"/>
+            </a:schemeClr>
+          </a:lnRef>
+          <a:fillRef idx="1">
+            <a:schemeClr val="accent1"/>
+          </a:fillRef>
+          <a:effectRef idx="0">
+            <a:schemeClr val="accent1"/>
+          </a:effectRef>
+          <a:fontRef idx="minor">
+            <a:schemeClr val="lt1"/>
+          </a:fontRef>
+        </p:style>
+        <p:txBody>
+          <a:bodyPr rtlCol="0" anchor="ctr"/>
+          <a:lstStyle/>
+          <a:p>
+            <a:pPr algn="ctr"/>
+            <a:endParaRPr lang="en-US" dirty="0">
+              <a:solidFill>
+                <a:schemeClr val="bg1"/>
+              </a:solidFill>
+              <a:latin typeface="Roboto Light" panose="02000000000000000000" pitchFamily="2" charset="0"/>
+              <a:ea typeface="Roboto Light" panose="02000000000000000000" pitchFamily="2" charset="0"/>
+            </a:endParaRPr>
+          </a:p>
+        </p:txBody>
+      </p:sp>
+      <p:sp>
+        <p:nvSpPr>
+          <p:cNvPr id="18" name="Espace réservé du numéro de diapositive 3"/>
+          <p:cNvSpPr>
+            <a:spLocks noGrp="1"/>
+          </p:cNvSpPr>
+          <p:nvPr>
+            <p:ph type="sldNum" sz="quarter" idx="12"/>
+          </p:nvPr>
+        </p:nvSpPr>
+        <p:spPr>
+          <a:xfrm>
+            <a:off x="8532813" y="6420123"/>
+            <a:ext cx="611187" cy="365125"/>
+          </a:xfrm>
+        </p:spPr>
+        <p:txBody>
+          <a:bodyPr/>
+          <a:lstStyle/>
+          <a:p>
+            <a:pPr algn="ctr"/>
+            <a:r>
+              <a:rPr lang="en-US" sz="1100" dirty="0" smtClean="0">
+                <a:solidFill>
+                  <a:srgbClr val="7F8C8D"/>
+                </a:solidFill>
+              </a:rPr>
+              <a:t>3</a:t>
+            </a:r>
+            <a:endParaRPr lang="en-US" sz="1100" dirty="0">
+              <a:solidFill>
+                <a:srgbClr val="7F8C8D"/>
+              </a:solidFill>
+            </a:endParaRPr>
+          </a:p>
+        </p:txBody>
+      </p:sp>
+      <p:cxnSp>
+        <p:nvCxnSpPr>
+          <p:cNvPr id="19" name="Connecteur droit 18"/>
+          <p:cNvCxnSpPr/>
+          <p:nvPr/>
+        </p:nvCxnSpPr>
+        <p:spPr>
+          <a:xfrm flipH="1" flipV="1">
+            <a:off x="8521927" y="6318000"/>
+            <a:ext cx="0" cy="540000"/>
+          </a:xfrm>
+          <a:prstGeom prst="line">
+            <a:avLst/>
+          </a:prstGeom>
+          <a:ln w="28575">
+            <a:solidFill>
+              <a:srgbClr val="7F8C8D"/>
+            </a:solidFill>
+          </a:ln>
+        </p:spPr>
+        <p:style>
+          <a:lnRef idx="1">
+            <a:schemeClr val="dk1"/>
+          </a:lnRef>
+          <a:fillRef idx="0">
+            <a:schemeClr val="dk1"/>
+          </a:fillRef>
+          <a:effectRef idx="0">
+            <a:schemeClr val="dk1"/>
+          </a:effectRef>
+          <a:fontRef idx="minor">
+            <a:schemeClr val="tx1"/>
+          </a:fontRef>
+        </p:style>
+      </p:cxnSp>
+      <p:sp>
+        <p:nvSpPr>
+          <p:cNvPr id="20" name="ZoneTexte 19"/>
+          <p:cNvSpPr txBox="1"/>
+          <p:nvPr/>
+        </p:nvSpPr>
+        <p:spPr>
+          <a:xfrm>
+            <a:off x="4572000" y="6471881"/>
+            <a:ext cx="3893227" cy="261610"/>
+          </a:xfrm>
+          <a:prstGeom prst="rect">
+            <a:avLst/>
+          </a:prstGeom>
+          <a:noFill/>
+        </p:spPr>
+        <p:txBody>
+          <a:bodyPr wrap="square" rtlCol="0">
+            <a:spAutoFit/>
+          </a:bodyPr>
+          <a:lstStyle/>
+          <a:p>
+            <a:pPr algn="r"/>
+            <a:r>
+              <a:rPr lang="en-US" sz="1100" dirty="0" smtClean="0">
+                <a:solidFill>
+                  <a:srgbClr val="7F8C8D"/>
+                </a:solidFill>
+                <a:latin typeface="Roboto Medium" panose="02000000000000000000" pitchFamily="2" charset="0"/>
+                <a:ea typeface="Roboto Medium" panose="02000000000000000000" pitchFamily="2" charset="0"/>
+              </a:rPr>
+              <a:t>Introduction</a:t>
+            </a:r>
+            <a:endParaRPr lang="en-US" sz="1100" dirty="0">
+              <a:solidFill>
+                <a:srgbClr val="7F8C8D"/>
+              </a:solidFill>
+              <a:latin typeface="Roboto" pitchFamily="2" charset="0"/>
+              <a:ea typeface="Roboto" pitchFamily="2" charset="0"/>
+            </a:endParaRPr>
+          </a:p>
+        </p:txBody>
+      </p:sp>
+      <p:sp>
+        <p:nvSpPr>
+          <p:cNvPr id="21" name="ZoneTexte 20"/>
+          <p:cNvSpPr txBox="1"/>
+          <p:nvPr/>
+        </p:nvSpPr>
+        <p:spPr>
+          <a:xfrm>
+            <a:off x="284615" y="6471880"/>
+            <a:ext cx="3893227" cy="261610"/>
+          </a:xfrm>
+          <a:prstGeom prst="rect">
+            <a:avLst/>
+          </a:prstGeom>
+          <a:noFill/>
+        </p:spPr>
+        <p:txBody>
+          <a:bodyPr wrap="square" rtlCol="0">
+            <a:spAutoFit/>
+          </a:bodyPr>
+          <a:lstStyle/>
+          <a:p>
+            <a:r>
+              <a:rPr lang="en-US" sz="1100" dirty="0" smtClean="0">
+                <a:solidFill>
+                  <a:srgbClr val="7F8C8D"/>
+                </a:solidFill>
+                <a:latin typeface="Roboto Light" panose="02000000000000000000" pitchFamily="2" charset="0"/>
+                <a:ea typeface="Roboto Light" panose="02000000000000000000" pitchFamily="2" charset="0"/>
+              </a:rPr>
+              <a:t>R. Vallat – Ph.D. Oral Defense – December 8</a:t>
+            </a:r>
+            <a:r>
+              <a:rPr lang="en-US" sz="1100" baseline="30000" dirty="0" smtClean="0">
+                <a:solidFill>
+                  <a:srgbClr val="7F8C8D"/>
+                </a:solidFill>
+                <a:latin typeface="Roboto Light" panose="02000000000000000000" pitchFamily="2" charset="0"/>
+                <a:ea typeface="Roboto Light" panose="02000000000000000000" pitchFamily="2" charset="0"/>
+              </a:rPr>
+              <a:t>th</a:t>
+            </a:r>
+            <a:r>
+              <a:rPr lang="en-US" sz="1100" dirty="0" smtClean="0">
+                <a:solidFill>
+                  <a:srgbClr val="7F8C8D"/>
+                </a:solidFill>
+                <a:latin typeface="Roboto Light" panose="02000000000000000000" pitchFamily="2" charset="0"/>
+                <a:ea typeface="Roboto Light" panose="02000000000000000000" pitchFamily="2" charset="0"/>
+              </a:rPr>
+              <a:t> 2017</a:t>
+            </a:r>
+            <a:endParaRPr lang="en-US" sz="1100" dirty="0">
+              <a:solidFill>
+                <a:srgbClr val="7F8C8D"/>
+              </a:solidFill>
+              <a:latin typeface="Roboto Light" panose="02000000000000000000" pitchFamily="2" charset="0"/>
+              <a:ea typeface="Roboto Light" panose="02000000000000000000" pitchFamily="2" charset="0"/>
+            </a:endParaRPr>
+          </a:p>
+        </p:txBody>
+      </p:sp>
+    </p:spTree>
+    <p:extLst>
+      <p:ext uri="{BB962C8B-B14F-4D97-AF65-F5344CB8AC3E}">
+        <p14:creationId xmlns:p14="http://schemas.microsoft.com/office/powerpoint/2010/main" val="2597447392"/>
+      </p:ext>
+    </p:extLst>
+  </p:cSld>
+  <p:clrMapOvr>
+    <a:masterClrMapping/>
+  </p:clrMapOvr>
+  <p:timing>
+    <p:tnLst>
+      <p:par>
+        <p:cTn id="1" dur="indefinite" restart="never" nodeType="tmRoot"/>
+      </p:par>
+    </p:tnLst>
+  </p:timing>
+</p:sld>
+</file>
+
+<file path=ppt/slides/slide7.xml><?xml version="1.0" encoding="utf-8"?>
+<p:sld xmlns:a="http://schemas.openxmlformats.org/drawingml/2006/main" xmlns:r="http://schemas.openxmlformats.org/officeDocument/2006/relationships" xmlns:p="http://schemas.openxmlformats.org/presentationml/2006/main">
+  <p:cSld>
+    <p:spTree>
+      <p:nvGrpSpPr>
+        <p:cNvPr id="1" name=""/>
+        <p:cNvGrpSpPr/>
+        <p:nvPr/>
+      </p:nvGrpSpPr>
+      <p:grpSpPr>
+        <a:xfrm>
+          <a:off x="0" y="0"/>
+          <a:ext cx="0" cy="0"/>
+          <a:chOff x="0" y="0"/>
+          <a:chExt cx="0" cy="0"/>
+        </a:xfrm>
+      </p:grpSpPr>
+      <p:sp>
+        <p:nvSpPr>
+          <p:cNvPr id="13" name="Rectangle 12"/>
+          <p:cNvSpPr/>
+          <p:nvPr/>
+        </p:nvSpPr>
+        <p:spPr>
+          <a:xfrm>
+            <a:off x="611188" y="800100"/>
+            <a:ext cx="7921625" cy="5508625"/>
+          </a:xfrm>
+          <a:prstGeom prst="rect">
+            <a:avLst/>
+          </a:prstGeom>
+          <a:noFill/>
+          <a:ln>
+            <a:noFill/>
+          </a:ln>
+        </p:spPr>
+        <p:style>
+          <a:lnRef idx="2">
+            <a:schemeClr val="accent1">
+              <a:shade val="50000"/>
+            </a:schemeClr>
+          </a:lnRef>
+          <a:fillRef idx="1">
+            <a:schemeClr val="accent1"/>
+          </a:fillRef>
+          <a:effectRef idx="0">
+            <a:schemeClr val="accent1"/>
+          </a:effectRef>
+          <a:fontRef idx="minor">
+            <a:schemeClr val="lt1"/>
+          </a:fontRef>
+        </p:style>
+        <p:txBody>
+          <a:bodyPr rtlCol="0" anchor="t"/>
+          <a:lstStyle/>
+          <a:p>
+            <a:pPr>
+              <a:spcAft>
+                <a:spcPts val="1800"/>
+              </a:spcAft>
+            </a:pPr>
+            <a:r>
+              <a:rPr lang="en-US" b="1" dirty="0" smtClean="0">
+                <a:solidFill>
+                  <a:srgbClr val="34495E"/>
+                </a:solidFill>
+                <a:latin typeface="+mj-lt"/>
+                <a:ea typeface="Open Sans" panose="020B0606030504020204" pitchFamily="34" charset="0"/>
+                <a:cs typeface="Open Sans" panose="020B0606030504020204" pitchFamily="34" charset="0"/>
+              </a:rPr>
+              <a:t>Outline</a:t>
+            </a:r>
+            <a:endParaRPr lang="en-US" b="1" dirty="0">
+              <a:solidFill>
+                <a:srgbClr val="34495E"/>
+              </a:solidFill>
+              <a:latin typeface="+mj-lt"/>
+              <a:ea typeface="Open Sans" panose="020B0606030504020204" pitchFamily="34" charset="0"/>
+              <a:cs typeface="Open Sans" panose="020B0606030504020204" pitchFamily="34" charset="0"/>
+            </a:endParaRPr>
+          </a:p>
+          <a:p>
+            <a:pPr marL="857250" lvl="1" indent="-400050">
+              <a:spcAft>
+                <a:spcPts val="1800"/>
+              </a:spcAft>
+              <a:buFont typeface="+mj-lt"/>
+              <a:buAutoNum type="romanUcPeriod"/>
+            </a:pPr>
+            <a:r>
+              <a:rPr lang="en-US" sz="1600" dirty="0" smtClean="0">
+                <a:solidFill>
+                  <a:srgbClr val="34495E"/>
+                </a:solidFill>
+                <a:ea typeface="Open Sans" panose="020B0606030504020204" pitchFamily="34" charset="0"/>
+                <a:cs typeface="Open Sans" panose="020B0606030504020204" pitchFamily="34" charset="0"/>
+              </a:rPr>
+              <a:t>General introduction</a:t>
+            </a:r>
+          </a:p>
+          <a:p>
+            <a:pPr marL="857250" lvl="1" indent="-400050">
+              <a:spcAft>
+                <a:spcPts val="600"/>
+              </a:spcAft>
+              <a:buFont typeface="+mj-lt"/>
+              <a:buAutoNum type="romanUcPeriod"/>
+            </a:pPr>
+            <a:r>
+              <a:rPr lang="en-US" sz="1600" dirty="0" smtClean="0">
+                <a:solidFill>
+                  <a:srgbClr val="34495E"/>
+                </a:solidFill>
+                <a:ea typeface="Open Sans" panose="020B0606030504020204" pitchFamily="34" charset="0"/>
+                <a:cs typeface="Open Sans" panose="020B0606030504020204" pitchFamily="34" charset="0"/>
+              </a:rPr>
+              <a:t>Mechanisms of dream recall </a:t>
+            </a:r>
+            <a:endParaRPr lang="en-US" sz="1600" dirty="0" smtClean="0">
+              <a:solidFill>
+                <a:srgbClr val="34495E"/>
+              </a:solidFill>
+              <a:ea typeface="Open Sans" panose="020B0606030504020204" pitchFamily="34" charset="0"/>
+              <a:cs typeface="Open Sans" panose="020B0606030504020204" pitchFamily="34" charset="0"/>
+            </a:endParaRPr>
+          </a:p>
+          <a:p>
+            <a:pPr marL="1200150" lvl="2" indent="-285750">
+              <a:spcAft>
+                <a:spcPts val="600"/>
+              </a:spcAft>
+              <a:buFont typeface="Arial" panose="020B0604020202020204" pitchFamily="34" charset="0"/>
+              <a:buChar char="•"/>
+            </a:pPr>
+            <a:r>
+              <a:rPr lang="en-US" sz="1600" dirty="0" smtClean="0">
+                <a:solidFill>
+                  <a:srgbClr val="34495E"/>
+                </a:solidFill>
+                <a:ea typeface="Open Sans" panose="020B0606030504020204" pitchFamily="34" charset="0"/>
+                <a:cs typeface="Open Sans" panose="020B0606030504020204" pitchFamily="34" charset="0"/>
+              </a:rPr>
+              <a:t>Study </a:t>
+            </a:r>
+            <a:r>
+              <a:rPr lang="en-US" sz="1600" dirty="0" smtClean="0">
+                <a:solidFill>
+                  <a:srgbClr val="34495E"/>
+                </a:solidFill>
+                <a:ea typeface="Open Sans" panose="020B0606030504020204" pitchFamily="34" charset="0"/>
+                <a:cs typeface="Open Sans" panose="020B0606030504020204" pitchFamily="34" charset="0"/>
+              </a:rPr>
+              <a:t>1: DRF and arousals	</a:t>
+            </a:r>
+          </a:p>
+          <a:p>
+            <a:pPr marL="1200150" lvl="2" indent="-285750">
+              <a:spcAft>
+                <a:spcPts val="600"/>
+              </a:spcAft>
+              <a:buFont typeface="Arial" panose="020B0604020202020204" pitchFamily="34" charset="0"/>
+              <a:buChar char="•"/>
+            </a:pPr>
+            <a:r>
+              <a:rPr lang="en-US" sz="1600" dirty="0" smtClean="0">
+                <a:solidFill>
+                  <a:srgbClr val="34495E"/>
+                </a:solidFill>
+                <a:ea typeface="Open Sans" panose="020B0606030504020204" pitchFamily="34" charset="0"/>
+                <a:cs typeface="Open Sans" panose="020B0606030504020204" pitchFamily="34" charset="0"/>
+              </a:rPr>
+              <a:t>Study 2: DRF and sleep inertia		</a:t>
+            </a:r>
+            <a:r>
+              <a:rPr lang="en-US" sz="1600" i="1" dirty="0" smtClean="0">
+                <a:solidFill>
+                  <a:srgbClr val="34495E"/>
+                </a:solidFill>
+                <a:latin typeface="HelveticaNeueLT Std Lt" panose="020B0403020202020204" pitchFamily="34" charset="0"/>
+                <a:ea typeface="Open Sans" panose="020B0606030504020204" pitchFamily="34" charset="0"/>
+                <a:cs typeface="Open Sans" panose="020B0606030504020204" pitchFamily="34" charset="0"/>
+              </a:rPr>
+              <a:t>        </a:t>
+            </a:r>
+          </a:p>
+          <a:p>
+            <a:pPr marL="1200150" lvl="2" indent="-285750">
+              <a:spcAft>
+                <a:spcPts val="600"/>
+              </a:spcAft>
+              <a:buFont typeface="Arial" panose="020B0604020202020204" pitchFamily="34" charset="0"/>
+              <a:buChar char="•"/>
+            </a:pPr>
+            <a:r>
+              <a:rPr lang="en-US" sz="1600" dirty="0" smtClean="0">
+                <a:solidFill>
+                  <a:srgbClr val="34495E"/>
+                </a:solidFill>
+                <a:ea typeface="Open Sans" panose="020B0606030504020204" pitchFamily="34" charset="0"/>
+                <a:cs typeface="Open Sans" panose="020B0606030504020204" pitchFamily="34" charset="0"/>
+              </a:rPr>
+              <a:t>Study 3: DRF and the default mode network			</a:t>
+            </a:r>
+          </a:p>
+          <a:p>
+            <a:pPr marL="1200150" lvl="2" indent="-285750">
+              <a:spcAft>
+                <a:spcPts val="600"/>
+              </a:spcAft>
+              <a:buFont typeface="Arial" panose="020B0604020202020204" pitchFamily="34" charset="0"/>
+              <a:buChar char="•"/>
+            </a:pPr>
+            <a:r>
+              <a:rPr lang="en-US" sz="1600" dirty="0" smtClean="0">
+                <a:solidFill>
+                  <a:srgbClr val="34495E"/>
+                </a:solidFill>
+                <a:ea typeface="Open Sans" panose="020B0606030504020204" pitchFamily="34" charset="0"/>
+                <a:cs typeface="Open Sans" panose="020B0606030504020204" pitchFamily="34" charset="0"/>
+              </a:rPr>
+              <a:t>Study 4: DRF in the student population </a:t>
+            </a:r>
+          </a:p>
+          <a:p>
+            <a:pPr marL="1200150" lvl="2" indent="-285750">
+              <a:spcAft>
+                <a:spcPts val="1800"/>
+              </a:spcAft>
+              <a:buFont typeface="Arial" panose="020B0604020202020204" pitchFamily="34" charset="0"/>
+              <a:buChar char="•"/>
+            </a:pPr>
+            <a:r>
+              <a:rPr lang="en-US" sz="1600" dirty="0" smtClean="0">
+                <a:solidFill>
+                  <a:srgbClr val="34495E"/>
+                </a:solidFill>
+                <a:ea typeface="Open Sans" panose="020B0606030504020204" pitchFamily="34" charset="0"/>
+                <a:cs typeface="Open Sans" panose="020B0606030504020204" pitchFamily="34" charset="0"/>
+              </a:rPr>
+              <a:t>Conclusion		</a:t>
+            </a:r>
+          </a:p>
+          <a:p>
+            <a:pPr marL="857250" lvl="1" indent="-400050">
+              <a:spcAft>
+                <a:spcPts val="600"/>
+              </a:spcAft>
+              <a:buFont typeface="+mj-lt"/>
+              <a:buAutoNum type="romanUcPeriod"/>
+            </a:pPr>
+            <a:r>
+              <a:rPr lang="en-US" sz="1600" dirty="0" smtClean="0">
+                <a:solidFill>
+                  <a:srgbClr val="34495E"/>
+                </a:solidFill>
+                <a:ea typeface="Open Sans" panose="020B0606030504020204" pitchFamily="34" charset="0"/>
+                <a:cs typeface="Open Sans" panose="020B0606030504020204" pitchFamily="34" charset="0"/>
+              </a:rPr>
+              <a:t>Dream content and dream function</a:t>
+            </a:r>
+          </a:p>
+          <a:p>
+            <a:pPr marL="1200150" lvl="2" indent="-285750">
+              <a:spcAft>
+                <a:spcPts val="1800"/>
+              </a:spcAft>
+              <a:buFont typeface="Arial" panose="020B0604020202020204" pitchFamily="34" charset="0"/>
+              <a:buChar char="•"/>
+            </a:pPr>
+            <a:r>
+              <a:rPr lang="en-US" sz="1600" dirty="0" smtClean="0">
+                <a:solidFill>
+                  <a:srgbClr val="34495E"/>
+                </a:solidFill>
+                <a:ea typeface="Open Sans" panose="020B0606030504020204" pitchFamily="34" charset="0"/>
+                <a:cs typeface="Open Sans" panose="020B0606030504020204" pitchFamily="34" charset="0"/>
+              </a:rPr>
+              <a:t>Study 5: The link between waking-life and dream content </a:t>
+            </a:r>
+          </a:p>
+          <a:p>
+            <a:pPr marL="857250" lvl="1" indent="-400050">
+              <a:spcAft>
+                <a:spcPts val="600"/>
+              </a:spcAft>
+              <a:buFont typeface="+mj-lt"/>
+              <a:buAutoNum type="romanUcPeriod"/>
+            </a:pPr>
+            <a:r>
+              <a:rPr lang="en-US" sz="1600" dirty="0" smtClean="0">
+                <a:solidFill>
+                  <a:srgbClr val="34495E"/>
+                </a:solidFill>
+                <a:ea typeface="Open Sans" panose="020B0606030504020204" pitchFamily="34" charset="0"/>
+                <a:cs typeface="Open Sans" panose="020B0606030504020204" pitchFamily="34" charset="0"/>
+              </a:rPr>
+              <a:t>Methodological development</a:t>
+            </a:r>
+          </a:p>
+          <a:p>
+            <a:pPr marL="1200150" lvl="2" indent="-285750">
+              <a:spcAft>
+                <a:spcPts val="1800"/>
+              </a:spcAft>
+              <a:buFont typeface="Arial" panose="020B0604020202020204" pitchFamily="34" charset="0"/>
+              <a:buChar char="•"/>
+            </a:pPr>
+            <a:r>
+              <a:rPr lang="en-US" sz="1600" dirty="0" smtClean="0">
+                <a:solidFill>
+                  <a:srgbClr val="34495E"/>
+                </a:solidFill>
+                <a:ea typeface="Open Sans" panose="020B0606030504020204" pitchFamily="34" charset="0"/>
+                <a:cs typeface="Open Sans" panose="020B0606030504020204" pitchFamily="34" charset="0"/>
+              </a:rPr>
+              <a:t>Study 6: An open source software for sleep scoring and analysis</a:t>
+            </a:r>
+          </a:p>
+          <a:p>
+            <a:pPr marL="857250" lvl="1" indent="-400050">
+              <a:spcAft>
+                <a:spcPts val="1800"/>
+              </a:spcAft>
+              <a:buFont typeface="+mj-lt"/>
+              <a:buAutoNum type="romanUcPeriod"/>
+            </a:pPr>
+            <a:r>
+              <a:rPr lang="en-US" sz="1600" dirty="0" smtClean="0">
+                <a:solidFill>
+                  <a:srgbClr val="34495E"/>
+                </a:solidFill>
+                <a:ea typeface="Open Sans" panose="020B0606030504020204" pitchFamily="34" charset="0"/>
+                <a:cs typeface="Open Sans" panose="020B0606030504020204" pitchFamily="34" charset="0"/>
+              </a:rPr>
+              <a:t>General conclusion</a:t>
+            </a:r>
+          </a:p>
+          <a:p>
+            <a:pPr>
+              <a:spcAft>
+                <a:spcPts val="1200"/>
+              </a:spcAft>
+            </a:pPr>
+            <a:endParaRPr lang="en-US" dirty="0">
+              <a:solidFill>
+                <a:schemeClr val="tx2">
+                  <a:lumMod val="50000"/>
+                </a:schemeClr>
+              </a:solidFill>
+              <a:latin typeface="Open Sans" panose="020B0606030504020204" pitchFamily="34" charset="0"/>
+              <a:ea typeface="Open Sans" panose="020B0606030504020204" pitchFamily="34" charset="0"/>
+              <a:cs typeface="Open Sans" panose="020B0606030504020204" pitchFamily="34" charset="0"/>
+            </a:endParaRPr>
+          </a:p>
+        </p:txBody>
+      </p:sp>
+      <p:sp>
+        <p:nvSpPr>
+          <p:cNvPr id="16" name="Rectangle 15"/>
+          <p:cNvSpPr/>
+          <p:nvPr/>
+        </p:nvSpPr>
+        <p:spPr>
+          <a:xfrm>
+            <a:off x="0" y="0"/>
+            <a:ext cx="9144000" cy="259200"/>
+          </a:xfrm>
+          <a:prstGeom prst="rect">
+            <a:avLst/>
+          </a:prstGeom>
+          <a:solidFill>
+            <a:srgbClr val="45607B"/>
+          </a:solidFill>
+          <a:ln>
+            <a:noFill/>
+          </a:ln>
+        </p:spPr>
+        <p:style>
+          <a:lnRef idx="2">
+            <a:schemeClr val="accent1">
+              <a:shade val="50000"/>
+            </a:schemeClr>
+          </a:lnRef>
+          <a:fillRef idx="1">
+            <a:schemeClr val="accent1"/>
+          </a:fillRef>
+          <a:effectRef idx="0">
+            <a:schemeClr val="accent1"/>
+          </a:effectRef>
+          <a:fontRef idx="minor">
+            <a:schemeClr val="lt1"/>
+          </a:fontRef>
+        </p:style>
+        <p:txBody>
+          <a:bodyPr rtlCol="0" anchor="ctr"/>
+          <a:lstStyle/>
+          <a:p>
+            <a:pPr algn="ctr"/>
+            <a:endParaRPr lang="en-US" dirty="0">
+              <a:solidFill>
+                <a:schemeClr val="bg1"/>
+              </a:solidFill>
+              <a:latin typeface="Roboto Light" panose="02000000000000000000" pitchFamily="2" charset="0"/>
+              <a:ea typeface="Roboto Light" panose="02000000000000000000" pitchFamily="2" charset="0"/>
+            </a:endParaRPr>
+          </a:p>
+        </p:txBody>
+      </p:sp>
+      <p:sp>
+        <p:nvSpPr>
+          <p:cNvPr id="17" name="ZoneTexte 16"/>
+          <p:cNvSpPr txBox="1"/>
+          <p:nvPr/>
+        </p:nvSpPr>
+        <p:spPr>
+          <a:xfrm>
+            <a:off x="0" y="259200"/>
+            <a:ext cx="1828800" cy="261610"/>
+          </a:xfrm>
+          <a:prstGeom prst="rect">
+            <a:avLst/>
+          </a:prstGeom>
+          <a:solidFill>
+            <a:srgbClr val="ECF0F1"/>
+          </a:solidFill>
+        </p:spPr>
+        <p:txBody>
+          <a:bodyPr wrap="square" rtlCol="0">
+            <a:spAutoFit/>
+          </a:bodyPr>
+          <a:lstStyle/>
+          <a:p>
+            <a:pPr algn="ctr"/>
+            <a:r>
+              <a:rPr lang="en-US" sz="1100" b="1" i="1" dirty="0" smtClean="0">
+                <a:solidFill>
+                  <a:srgbClr val="34495E"/>
+                </a:solidFill>
+                <a:latin typeface="Roboto Light" panose="02000000000000000000" pitchFamily="2" charset="0"/>
+                <a:ea typeface="Roboto Light" panose="02000000000000000000" pitchFamily="2" charset="0"/>
+              </a:rPr>
+              <a:t>Introduction</a:t>
+            </a:r>
+            <a:endParaRPr lang="en-US" sz="1100" b="1" i="1" dirty="0">
+              <a:solidFill>
+                <a:srgbClr val="34495E"/>
+              </a:solidFill>
+              <a:latin typeface="Roboto Light" panose="02000000000000000000" pitchFamily="2" charset="0"/>
+              <a:ea typeface="Roboto Light" panose="02000000000000000000" pitchFamily="2" charset="0"/>
+            </a:endParaRPr>
+          </a:p>
+        </p:txBody>
+      </p:sp>
+      <p:sp>
+        <p:nvSpPr>
+          <p:cNvPr id="18" name="ZoneTexte 17"/>
+          <p:cNvSpPr txBox="1"/>
+          <p:nvPr/>
+        </p:nvSpPr>
+        <p:spPr>
+          <a:xfrm>
+            <a:off x="1828800" y="258463"/>
+            <a:ext cx="1828800" cy="261610"/>
+          </a:xfrm>
+          <a:prstGeom prst="rect">
+            <a:avLst/>
+          </a:prstGeom>
+          <a:solidFill>
+            <a:srgbClr val="ECF0F1"/>
+          </a:solidFill>
+        </p:spPr>
+        <p:txBody>
+          <a:bodyPr wrap="square" rtlCol="0">
+            <a:spAutoFit/>
+          </a:bodyPr>
+          <a:lstStyle/>
+          <a:p>
+            <a:pPr algn="ctr"/>
+            <a:r>
+              <a:rPr lang="en-US" sz="1100" i="1" dirty="0" smtClean="0">
+                <a:solidFill>
+                  <a:srgbClr val="95A5A6"/>
+                </a:solidFill>
+                <a:latin typeface="Roboto Light" panose="02000000000000000000" pitchFamily="2" charset="0"/>
+                <a:ea typeface="Roboto Light" panose="02000000000000000000" pitchFamily="2" charset="0"/>
+              </a:rPr>
+              <a:t>Dream recall</a:t>
+            </a:r>
+            <a:endParaRPr lang="en-US" sz="1100" i="1" dirty="0">
+              <a:solidFill>
+                <a:srgbClr val="95A5A6"/>
+              </a:solidFill>
+              <a:latin typeface="Roboto Light" panose="02000000000000000000" pitchFamily="2" charset="0"/>
+              <a:ea typeface="Roboto Light" panose="02000000000000000000" pitchFamily="2" charset="0"/>
+            </a:endParaRPr>
+          </a:p>
+        </p:txBody>
+      </p:sp>
+      <p:sp>
+        <p:nvSpPr>
+          <p:cNvPr id="19" name="ZoneTexte 18"/>
+          <p:cNvSpPr txBox="1"/>
+          <p:nvPr/>
+        </p:nvSpPr>
+        <p:spPr>
+          <a:xfrm>
+            <a:off x="3657600" y="258463"/>
+            <a:ext cx="1828800" cy="261610"/>
+          </a:xfrm>
+          <a:prstGeom prst="rect">
+            <a:avLst/>
+          </a:prstGeom>
+          <a:solidFill>
+            <a:srgbClr val="ECF0F1"/>
+          </a:solidFill>
+        </p:spPr>
+        <p:txBody>
+          <a:bodyPr wrap="square" rtlCol="0">
+            <a:spAutoFit/>
+          </a:bodyPr>
+          <a:lstStyle/>
+          <a:p>
+            <a:pPr algn="ctr"/>
+            <a:r>
+              <a:rPr lang="en-US" sz="1100" i="1" dirty="0" smtClean="0">
+                <a:solidFill>
+                  <a:srgbClr val="95A5A6"/>
+                </a:solidFill>
+                <a:latin typeface="Roboto Light" panose="02000000000000000000" pitchFamily="2" charset="0"/>
+                <a:ea typeface="Roboto Light" panose="02000000000000000000" pitchFamily="2" charset="0"/>
+              </a:rPr>
+              <a:t>Dream content</a:t>
+            </a:r>
+            <a:endParaRPr lang="en-US" sz="1100" i="1" dirty="0">
+              <a:solidFill>
+                <a:srgbClr val="95A5A6"/>
+              </a:solidFill>
+              <a:latin typeface="Roboto Light" panose="02000000000000000000" pitchFamily="2" charset="0"/>
+              <a:ea typeface="Roboto Light" panose="02000000000000000000" pitchFamily="2" charset="0"/>
+            </a:endParaRPr>
+          </a:p>
+        </p:txBody>
+      </p:sp>
+      <p:sp>
+        <p:nvSpPr>
+          <p:cNvPr id="20" name="ZoneTexte 19"/>
+          <p:cNvSpPr txBox="1"/>
+          <p:nvPr/>
+        </p:nvSpPr>
+        <p:spPr>
+          <a:xfrm>
+            <a:off x="5486400" y="258463"/>
+            <a:ext cx="1828800" cy="261610"/>
+          </a:xfrm>
+          <a:prstGeom prst="rect">
+            <a:avLst/>
+          </a:prstGeom>
+          <a:solidFill>
+            <a:srgbClr val="ECF0F1"/>
+          </a:solidFill>
+        </p:spPr>
+        <p:txBody>
+          <a:bodyPr wrap="square" rtlCol="0">
+            <a:spAutoFit/>
+          </a:bodyPr>
+          <a:lstStyle/>
+          <a:p>
+            <a:pPr algn="ctr"/>
+            <a:r>
+              <a:rPr lang="en-US" sz="1100" i="1" dirty="0" smtClean="0">
+                <a:solidFill>
+                  <a:srgbClr val="95A5A6"/>
+                </a:solidFill>
+                <a:latin typeface="Roboto Light" panose="02000000000000000000" pitchFamily="2" charset="0"/>
+                <a:ea typeface="Roboto Light" panose="02000000000000000000" pitchFamily="2" charset="0"/>
+              </a:rPr>
+              <a:t>Software</a:t>
+            </a:r>
+            <a:endParaRPr lang="en-US" sz="1100" i="1" dirty="0">
+              <a:solidFill>
+                <a:srgbClr val="95A5A6"/>
+              </a:solidFill>
+              <a:latin typeface="Roboto Light" panose="02000000000000000000" pitchFamily="2" charset="0"/>
+              <a:ea typeface="Roboto Light" panose="02000000000000000000" pitchFamily="2" charset="0"/>
+            </a:endParaRPr>
+          </a:p>
+        </p:txBody>
+      </p:sp>
+      <p:sp>
+        <p:nvSpPr>
+          <p:cNvPr id="21" name="ZoneTexte 20"/>
+          <p:cNvSpPr txBox="1"/>
+          <p:nvPr/>
+        </p:nvSpPr>
+        <p:spPr>
+          <a:xfrm>
+            <a:off x="7315200" y="258463"/>
+            <a:ext cx="1828800" cy="261610"/>
+          </a:xfrm>
+          <a:prstGeom prst="rect">
+            <a:avLst/>
+          </a:prstGeom>
+          <a:solidFill>
+            <a:srgbClr val="ECF0F1"/>
+          </a:solidFill>
+        </p:spPr>
+        <p:txBody>
+          <a:bodyPr wrap="square" rtlCol="0">
+            <a:spAutoFit/>
+          </a:bodyPr>
+          <a:lstStyle/>
+          <a:p>
+            <a:pPr algn="ctr"/>
+            <a:r>
+              <a:rPr lang="en-US" sz="1100" i="1" dirty="0" smtClean="0">
+                <a:solidFill>
+                  <a:srgbClr val="95A5A6"/>
+                </a:solidFill>
+                <a:latin typeface="Roboto Light" panose="02000000000000000000" pitchFamily="2" charset="0"/>
+                <a:ea typeface="Roboto Light" panose="02000000000000000000" pitchFamily="2" charset="0"/>
+              </a:rPr>
+              <a:t>Conclusion</a:t>
+            </a:r>
+            <a:endParaRPr lang="en-US" sz="1100" i="1" dirty="0">
+              <a:solidFill>
+                <a:srgbClr val="95A5A6"/>
+              </a:solidFill>
+              <a:latin typeface="Roboto Light" panose="02000000000000000000" pitchFamily="2" charset="0"/>
+              <a:ea typeface="Roboto Light" panose="02000000000000000000" pitchFamily="2" charset="0"/>
+            </a:endParaRPr>
+          </a:p>
+        </p:txBody>
+      </p:sp>
+      <p:sp>
+        <p:nvSpPr>
+          <p:cNvPr id="22" name="Espace réservé du numéro de diapositive 3"/>
+          <p:cNvSpPr>
+            <a:spLocks noGrp="1"/>
+          </p:cNvSpPr>
+          <p:nvPr>
+            <p:ph type="sldNum" sz="quarter" idx="12"/>
+          </p:nvPr>
+        </p:nvSpPr>
+        <p:spPr>
+          <a:xfrm>
+            <a:off x="8532813" y="6420123"/>
+            <a:ext cx="611187" cy="365125"/>
+          </a:xfrm>
+        </p:spPr>
+        <p:txBody>
+          <a:bodyPr/>
+          <a:lstStyle/>
+          <a:p>
+            <a:pPr algn="ctr"/>
+            <a:r>
+              <a:rPr lang="en-US" sz="1100" dirty="0" smtClean="0">
+                <a:solidFill>
+                  <a:srgbClr val="7F8C8D"/>
+                </a:solidFill>
+              </a:rPr>
+              <a:t>3</a:t>
+            </a:r>
+            <a:endParaRPr lang="en-US" sz="1100" dirty="0">
+              <a:solidFill>
+                <a:srgbClr val="7F8C8D"/>
+              </a:solidFill>
+            </a:endParaRPr>
+          </a:p>
+        </p:txBody>
+      </p:sp>
+      <p:cxnSp>
+        <p:nvCxnSpPr>
+          <p:cNvPr id="23" name="Connecteur droit 22"/>
+          <p:cNvCxnSpPr/>
+          <p:nvPr/>
+        </p:nvCxnSpPr>
+        <p:spPr>
+          <a:xfrm flipH="1" flipV="1">
+            <a:off x="8521927" y="6318000"/>
+            <a:ext cx="0" cy="540000"/>
+          </a:xfrm>
+          <a:prstGeom prst="line">
+            <a:avLst/>
+          </a:prstGeom>
+          <a:ln w="28575">
+            <a:solidFill>
+              <a:srgbClr val="7F8C8D"/>
+            </a:solidFill>
+          </a:ln>
+        </p:spPr>
+        <p:style>
+          <a:lnRef idx="1">
+            <a:schemeClr val="dk1"/>
+          </a:lnRef>
+          <a:fillRef idx="0">
+            <a:schemeClr val="dk1"/>
+          </a:fillRef>
+          <a:effectRef idx="0">
+            <a:schemeClr val="dk1"/>
+          </a:effectRef>
+          <a:fontRef idx="minor">
+            <a:schemeClr val="tx1"/>
+          </a:fontRef>
+        </p:style>
+      </p:cxnSp>
+      <p:sp>
+        <p:nvSpPr>
+          <p:cNvPr id="24" name="ZoneTexte 23"/>
+          <p:cNvSpPr txBox="1"/>
+          <p:nvPr/>
+        </p:nvSpPr>
+        <p:spPr>
+          <a:xfrm>
+            <a:off x="4572000" y="6471881"/>
+            <a:ext cx="3893227" cy="261610"/>
+          </a:xfrm>
+          <a:prstGeom prst="rect">
+            <a:avLst/>
+          </a:prstGeom>
+          <a:noFill/>
+        </p:spPr>
+        <p:txBody>
+          <a:bodyPr wrap="square" rtlCol="0">
+            <a:spAutoFit/>
+          </a:bodyPr>
+          <a:lstStyle/>
+          <a:p>
+            <a:pPr algn="r"/>
+            <a:r>
+              <a:rPr lang="en-US" sz="1100" dirty="0" smtClean="0">
+                <a:solidFill>
+                  <a:srgbClr val="7F8C8D"/>
+                </a:solidFill>
+                <a:latin typeface="Roboto Medium" panose="02000000000000000000" pitchFamily="2" charset="0"/>
+                <a:ea typeface="Roboto Medium" panose="02000000000000000000" pitchFamily="2" charset="0"/>
+              </a:rPr>
+              <a:t>Outline</a:t>
+            </a:r>
+            <a:endParaRPr lang="en-US" sz="1100" dirty="0">
+              <a:solidFill>
+                <a:srgbClr val="7F8C8D"/>
+              </a:solidFill>
+              <a:latin typeface="Roboto" pitchFamily="2" charset="0"/>
+              <a:ea typeface="Roboto" pitchFamily="2" charset="0"/>
+            </a:endParaRPr>
+          </a:p>
+        </p:txBody>
+      </p:sp>
+      <p:sp>
+        <p:nvSpPr>
+          <p:cNvPr id="25" name="ZoneTexte 24"/>
+          <p:cNvSpPr txBox="1"/>
+          <p:nvPr/>
+        </p:nvSpPr>
+        <p:spPr>
+          <a:xfrm>
+            <a:off x="284615" y="6471880"/>
+            <a:ext cx="3893227" cy="261610"/>
+          </a:xfrm>
+          <a:prstGeom prst="rect">
+            <a:avLst/>
+          </a:prstGeom>
+          <a:noFill/>
+        </p:spPr>
+        <p:txBody>
+          <a:bodyPr wrap="square" rtlCol="0">
+            <a:spAutoFit/>
+          </a:bodyPr>
+          <a:lstStyle/>
+          <a:p>
+            <a:r>
+              <a:rPr lang="en-US" sz="1100" dirty="0" smtClean="0">
+                <a:solidFill>
+                  <a:srgbClr val="7F8C8D"/>
+                </a:solidFill>
+                <a:latin typeface="Roboto Light" panose="02000000000000000000" pitchFamily="2" charset="0"/>
+                <a:ea typeface="Roboto Light" panose="02000000000000000000" pitchFamily="2" charset="0"/>
+              </a:rPr>
+              <a:t>R. Vallat – Ph.D. Oral Defense – December 8</a:t>
+            </a:r>
+            <a:r>
+              <a:rPr lang="en-US" sz="1100" baseline="30000" dirty="0" smtClean="0">
+                <a:solidFill>
+                  <a:srgbClr val="7F8C8D"/>
+                </a:solidFill>
+                <a:latin typeface="Roboto Light" panose="02000000000000000000" pitchFamily="2" charset="0"/>
+                <a:ea typeface="Roboto Light" panose="02000000000000000000" pitchFamily="2" charset="0"/>
+              </a:rPr>
+              <a:t>th</a:t>
+            </a:r>
+            <a:r>
+              <a:rPr lang="en-US" sz="1100" dirty="0" smtClean="0">
+                <a:solidFill>
+                  <a:srgbClr val="7F8C8D"/>
+                </a:solidFill>
+                <a:latin typeface="Roboto Light" panose="02000000000000000000" pitchFamily="2" charset="0"/>
+                <a:ea typeface="Roboto Light" panose="02000000000000000000" pitchFamily="2" charset="0"/>
+              </a:rPr>
+              <a:t> 2017</a:t>
+            </a:r>
+            <a:endParaRPr lang="en-US" sz="1100" dirty="0">
+              <a:solidFill>
+                <a:srgbClr val="7F8C8D"/>
+              </a:solidFill>
+              <a:latin typeface="Roboto Light" panose="02000000000000000000" pitchFamily="2" charset="0"/>
+              <a:ea typeface="Roboto Light" panose="02000000000000000000" pitchFamily="2" charset="0"/>
+            </a:endParaRPr>
+          </a:p>
+        </p:txBody>
+      </p:sp>
+    </p:spTree>
+    <p:extLst>
+      <p:ext uri="{BB962C8B-B14F-4D97-AF65-F5344CB8AC3E}">
+        <p14:creationId xmlns:p14="http://schemas.microsoft.com/office/powerpoint/2010/main" val="944712357"/>
+      </p:ext>
+    </p:extLst>
+  </p:cSld>
+  <p:clrMapOvr>
+    <a:masterClrMapping/>
+  </p:clrMapOvr>
+  <p:timing>
+    <p:tnLst>
+      <p:par>
+        <p:cTn id="1" dur="indefinite" restart="never" nodeType="tmRoot"/>
+      </p:par>
+    </p:tnLst>
+  </p:timing>
+</p:sld>
+</file>
+
+<file path=ppt/slides/slide8.xml><?xml version="1.0" encoding="utf-8"?>
+<p:sld xmlns:a="http://schemas.openxmlformats.org/drawingml/2006/main" xmlns:r="http://schemas.openxmlformats.org/officeDocument/2006/relationships" xmlns:p="http://schemas.openxmlformats.org/presentationml/2006/main">
+  <p:cSld>
+    <p:spTree>
+      <p:nvGrpSpPr>
+        <p:cNvPr id="1" name=""/>
+        <p:cNvGrpSpPr/>
+        <p:nvPr/>
+      </p:nvGrpSpPr>
+      <p:grpSpPr>
+        <a:xfrm>
+          <a:off x="0" y="0"/>
+          <a:ext cx="0" cy="0"/>
+          <a:chOff x="0" y="0"/>
+          <a:chExt cx="0" cy="0"/>
+        </a:xfrm>
+      </p:grpSpPr>
+      <p:sp>
+        <p:nvSpPr>
+          <p:cNvPr id="13" name="Rectangle 12"/>
+          <p:cNvSpPr/>
+          <p:nvPr/>
+        </p:nvSpPr>
+        <p:spPr>
+          <a:xfrm>
+            <a:off x="611188" y="800100"/>
+            <a:ext cx="7921625" cy="5508625"/>
+          </a:xfrm>
+          <a:prstGeom prst="rect">
+            <a:avLst/>
+          </a:prstGeom>
+          <a:noFill/>
+          <a:ln>
+            <a:noFill/>
+          </a:ln>
+        </p:spPr>
+        <p:style>
+          <a:lnRef idx="2">
+            <a:schemeClr val="accent1">
+              <a:shade val="50000"/>
+            </a:schemeClr>
+          </a:lnRef>
+          <a:fillRef idx="1">
+            <a:schemeClr val="accent1"/>
+          </a:fillRef>
+          <a:effectRef idx="0">
+            <a:schemeClr val="accent1"/>
+          </a:effectRef>
+          <a:fontRef idx="minor">
+            <a:schemeClr val="lt1"/>
+          </a:fontRef>
+        </p:style>
+        <p:txBody>
+          <a:bodyPr rtlCol="0" anchor="t"/>
+          <a:lstStyle/>
+          <a:p>
+            <a:pPr algn="just">
+              <a:spcAft>
+                <a:spcPts val="1200"/>
+              </a:spcAft>
+            </a:pPr>
+            <a:r>
+              <a:rPr lang="en-US" sz="1600" i="1" dirty="0" smtClean="0">
+                <a:solidFill>
+                  <a:srgbClr val="10171E"/>
+                </a:solidFill>
+              </a:rPr>
+              <a:t>	</a:t>
+            </a:r>
+          </a:p>
+          <a:p>
+            <a:pPr algn="just">
+              <a:spcAft>
+                <a:spcPts val="1200"/>
+              </a:spcAft>
+            </a:pPr>
+            <a:endParaRPr lang="en-US" sz="1600" i="1" dirty="0" smtClean="0">
+              <a:solidFill>
+                <a:srgbClr val="10171E"/>
+              </a:solidFill>
+            </a:endParaRPr>
+          </a:p>
+          <a:p>
+            <a:pPr algn="just">
+              <a:spcAft>
+                <a:spcPts val="1200"/>
+              </a:spcAft>
+            </a:pPr>
+            <a:endParaRPr lang="en-US" sz="1600" i="1" dirty="0">
+              <a:solidFill>
+                <a:srgbClr val="10171E"/>
+              </a:solidFill>
+            </a:endParaRPr>
+          </a:p>
+          <a:p>
+            <a:pPr algn="just">
+              <a:spcAft>
+                <a:spcPts val="1200"/>
+              </a:spcAft>
+            </a:pPr>
+            <a:endParaRPr lang="en-US" sz="1600" i="1" dirty="0" smtClean="0">
+              <a:solidFill>
+                <a:srgbClr val="10171E"/>
+              </a:solidFill>
+            </a:endParaRPr>
+          </a:p>
+          <a:p>
+            <a:pPr algn="just">
+              <a:spcAft>
+                <a:spcPts val="1200"/>
+              </a:spcAft>
+            </a:pPr>
+            <a:endParaRPr lang="en-US" sz="1600" i="1" dirty="0">
+              <a:solidFill>
+                <a:srgbClr val="10171E"/>
+              </a:solidFill>
+            </a:endParaRPr>
+          </a:p>
+          <a:p>
+            <a:pPr algn="just">
+              <a:spcAft>
+                <a:spcPts val="1200"/>
+              </a:spcAft>
+            </a:pPr>
+            <a:endParaRPr lang="en-US" sz="1600" i="1" dirty="0" smtClean="0">
+              <a:solidFill>
+                <a:srgbClr val="10171E"/>
+              </a:solidFill>
+            </a:endParaRPr>
+          </a:p>
+          <a:p>
+            <a:pPr algn="just">
+              <a:spcAft>
+                <a:spcPts val="1200"/>
+              </a:spcAft>
+            </a:pPr>
+            <a:endParaRPr lang="en-US" sz="1600" dirty="0" smtClean="0">
+              <a:solidFill>
+                <a:srgbClr val="10171E"/>
+              </a:solidFill>
+            </a:endParaRPr>
+          </a:p>
+        </p:txBody>
+      </p:sp>
+      <p:pic>
+        <p:nvPicPr>
+          <p:cNvPr id="16" name="Image 15"/>
+          <p:cNvPicPr>
+            <a:picLocks noChangeAspect="1"/>
+          </p:cNvPicPr>
+          <p:nvPr/>
+        </p:nvPicPr>
+        <p:blipFill>
+          <a:blip r:embed="rId2">
+            <a:duotone>
+              <a:schemeClr val="accent3">
+                <a:shade val="45000"/>
+                <a:satMod val="135000"/>
+              </a:schemeClr>
+              <a:prstClr val="white"/>
+            </a:duotone>
+            <a:extLst>
+              <a:ext uri="{BEBA8EAE-BF5A-486C-A8C5-ECC9F3942E4B}">
+                <a14:imgProps xmlns:a14="http://schemas.microsoft.com/office/drawing/2010/main">
+                  <a14:imgLayer r:embed="rId3">
+                    <a14:imgEffect>
+                      <a14:saturation sat="400000"/>
+                    </a14:imgEffect>
+                  </a14:imgLayer>
+                </a14:imgProps>
+              </a:ext>
+            </a:extLst>
+          </a:blip>
+          <a:stretch>
+            <a:fillRect/>
+          </a:stretch>
+        </p:blipFill>
+        <p:spPr>
+          <a:xfrm>
+            <a:off x="748608" y="800100"/>
+            <a:ext cx="540000" cy="540000"/>
+          </a:xfrm>
+          <a:prstGeom prst="rect">
+            <a:avLst/>
+          </a:prstGeom>
+        </p:spPr>
+      </p:pic>
+      <p:sp>
+        <p:nvSpPr>
+          <p:cNvPr id="4" name="Espace réservé du numéro de diapositive 3"/>
+          <p:cNvSpPr>
+            <a:spLocks noGrp="1"/>
+          </p:cNvSpPr>
+          <p:nvPr>
+            <p:ph type="sldNum" sz="quarter" idx="12"/>
+          </p:nvPr>
+        </p:nvSpPr>
+        <p:spPr>
+          <a:xfrm>
+            <a:off x="8532813" y="6420123"/>
+            <a:ext cx="611187" cy="365125"/>
+          </a:xfrm>
+        </p:spPr>
+        <p:txBody>
+          <a:bodyPr/>
+          <a:lstStyle/>
+          <a:p>
+            <a:pPr algn="ctr"/>
+            <a:fld id="{35FF5DC1-B1C3-4575-9516-BF75EB359694}" type="slidenum">
+              <a:rPr lang="en-US" sz="1100" smtClean="0">
+                <a:solidFill>
+                  <a:srgbClr val="7F8C8D"/>
+                </a:solidFill>
+              </a:rPr>
+              <a:pPr algn="ctr"/>
+              <a:t>8</a:t>
+            </a:fld>
+            <a:endParaRPr lang="en-US" sz="1100" dirty="0">
+              <a:solidFill>
+                <a:srgbClr val="7F8C8D"/>
+              </a:solidFill>
+            </a:endParaRPr>
+          </a:p>
+        </p:txBody>
+      </p:sp>
+      <p:cxnSp>
+        <p:nvCxnSpPr>
+          <p:cNvPr id="6" name="Connecteur droit 5"/>
+          <p:cNvCxnSpPr/>
+          <p:nvPr/>
+        </p:nvCxnSpPr>
+        <p:spPr>
+          <a:xfrm flipH="1" flipV="1">
+            <a:off x="8521927" y="6318000"/>
+            <a:ext cx="0" cy="540000"/>
+          </a:xfrm>
+          <a:prstGeom prst="line">
+            <a:avLst/>
+          </a:prstGeom>
+          <a:ln w="28575">
+            <a:solidFill>
+              <a:srgbClr val="7F8C8D"/>
+            </a:solidFill>
+          </a:ln>
+        </p:spPr>
+        <p:style>
+          <a:lnRef idx="1">
+            <a:schemeClr val="dk1"/>
+          </a:lnRef>
+          <a:fillRef idx="0">
+            <a:schemeClr val="dk1"/>
+          </a:fillRef>
+          <a:effectRef idx="0">
+            <a:schemeClr val="dk1"/>
+          </a:effectRef>
+          <a:fontRef idx="minor">
+            <a:schemeClr val="tx1"/>
+          </a:fontRef>
+        </p:style>
+      </p:cxnSp>
+      <p:sp>
+        <p:nvSpPr>
+          <p:cNvPr id="7" name="ZoneTexte 6"/>
+          <p:cNvSpPr txBox="1"/>
+          <p:nvPr/>
+        </p:nvSpPr>
+        <p:spPr>
+          <a:xfrm>
+            <a:off x="4572000" y="6471881"/>
+            <a:ext cx="3893227" cy="261610"/>
+          </a:xfrm>
+          <a:prstGeom prst="rect">
+            <a:avLst/>
+          </a:prstGeom>
+          <a:noFill/>
+        </p:spPr>
+        <p:txBody>
+          <a:bodyPr wrap="square" rtlCol="0">
+            <a:spAutoFit/>
+          </a:bodyPr>
+          <a:lstStyle/>
+          <a:p>
+            <a:pPr algn="r"/>
+            <a:r>
+              <a:rPr lang="en-US" sz="1100" dirty="0" smtClean="0">
+                <a:solidFill>
+                  <a:srgbClr val="7F8C8D"/>
+                </a:solidFill>
+                <a:latin typeface="Roboto Medium" panose="02000000000000000000" pitchFamily="2" charset="0"/>
+                <a:ea typeface="Roboto Medium" panose="02000000000000000000" pitchFamily="2" charset="0"/>
+              </a:rPr>
+              <a:t>II. Mechanisms of dream recall frequency - </a:t>
+            </a:r>
+            <a:r>
+              <a:rPr lang="en-US" sz="1100" dirty="0" smtClean="0">
+                <a:solidFill>
+                  <a:srgbClr val="7F8C8D"/>
+                </a:solidFill>
+                <a:latin typeface="Roboto" pitchFamily="2" charset="0"/>
+                <a:ea typeface="Roboto" pitchFamily="2" charset="0"/>
+              </a:rPr>
+              <a:t>Introduction</a:t>
+            </a:r>
+            <a:endParaRPr lang="en-US" sz="1100" dirty="0">
+              <a:solidFill>
+                <a:srgbClr val="7F8C8D"/>
+              </a:solidFill>
+              <a:latin typeface="Roboto" pitchFamily="2" charset="0"/>
+              <a:ea typeface="Roboto" pitchFamily="2" charset="0"/>
+            </a:endParaRPr>
+          </a:p>
+        </p:txBody>
+      </p:sp>
+      <p:sp>
+        <p:nvSpPr>
+          <p:cNvPr id="12" name="Rectangle 11"/>
+          <p:cNvSpPr/>
+          <p:nvPr/>
+        </p:nvSpPr>
+        <p:spPr>
+          <a:xfrm>
+            <a:off x="0" y="0"/>
+            <a:ext cx="9144000" cy="259200"/>
+          </a:xfrm>
+          <a:prstGeom prst="rect">
+            <a:avLst/>
+          </a:prstGeom>
+          <a:solidFill>
+            <a:srgbClr val="45607B"/>
+          </a:solidFill>
+          <a:ln>
+            <a:noFill/>
+          </a:ln>
+        </p:spPr>
+        <p:style>
+          <a:lnRef idx="2">
+            <a:schemeClr val="accent1">
+              <a:shade val="50000"/>
+            </a:schemeClr>
+          </a:lnRef>
+          <a:fillRef idx="1">
+            <a:schemeClr val="accent1"/>
+          </a:fillRef>
+          <a:effectRef idx="0">
+            <a:schemeClr val="accent1"/>
+          </a:effectRef>
+          <a:fontRef idx="minor">
+            <a:schemeClr val="lt1"/>
+          </a:fontRef>
+        </p:style>
+        <p:txBody>
+          <a:bodyPr rtlCol="0" anchor="ctr"/>
+          <a:lstStyle/>
+          <a:p>
+            <a:pPr algn="ctr"/>
+            <a:endParaRPr lang="en-US" dirty="0">
+              <a:solidFill>
+                <a:schemeClr val="bg1"/>
+              </a:solidFill>
+              <a:latin typeface="Roboto Light" panose="02000000000000000000" pitchFamily="2" charset="0"/>
+              <a:ea typeface="Roboto Light" panose="02000000000000000000" pitchFamily="2" charset="0"/>
+            </a:endParaRPr>
+          </a:p>
+        </p:txBody>
+      </p:sp>
+      <p:sp>
+        <p:nvSpPr>
+          <p:cNvPr id="15" name="ZoneTexte 14"/>
+          <p:cNvSpPr txBox="1"/>
+          <p:nvPr/>
+        </p:nvSpPr>
+        <p:spPr>
+          <a:xfrm>
+            <a:off x="284615" y="6471880"/>
+            <a:ext cx="3893227" cy="261610"/>
+          </a:xfrm>
+          <a:prstGeom prst="rect">
+            <a:avLst/>
+          </a:prstGeom>
+          <a:noFill/>
+        </p:spPr>
+        <p:txBody>
+          <a:bodyPr wrap="square" rtlCol="0">
+            <a:spAutoFit/>
+          </a:bodyPr>
+          <a:lstStyle/>
+          <a:p>
+            <a:r>
+              <a:rPr lang="en-US" sz="1100" dirty="0" smtClean="0">
+                <a:solidFill>
+                  <a:srgbClr val="7F8C8D"/>
+                </a:solidFill>
+                <a:latin typeface="Roboto Light" panose="02000000000000000000" pitchFamily="2" charset="0"/>
+                <a:ea typeface="Roboto Light" panose="02000000000000000000" pitchFamily="2" charset="0"/>
+              </a:rPr>
+              <a:t>R. Vallat – Ph.D. Oral Defense – December 8</a:t>
+            </a:r>
+            <a:r>
+              <a:rPr lang="en-US" sz="1100" baseline="30000" dirty="0" smtClean="0">
+                <a:solidFill>
+                  <a:srgbClr val="7F8C8D"/>
+                </a:solidFill>
+                <a:latin typeface="Roboto Light" panose="02000000000000000000" pitchFamily="2" charset="0"/>
+                <a:ea typeface="Roboto Light" panose="02000000000000000000" pitchFamily="2" charset="0"/>
+              </a:rPr>
+              <a:t>th</a:t>
+            </a:r>
+            <a:r>
+              <a:rPr lang="en-US" sz="1100" dirty="0" smtClean="0">
+                <a:solidFill>
+                  <a:srgbClr val="7F8C8D"/>
+                </a:solidFill>
+                <a:latin typeface="Roboto Light" panose="02000000000000000000" pitchFamily="2" charset="0"/>
+                <a:ea typeface="Roboto Light" panose="02000000000000000000" pitchFamily="2" charset="0"/>
+              </a:rPr>
+              <a:t> 2017</a:t>
+            </a:r>
+            <a:endParaRPr lang="en-US" sz="1100" dirty="0">
+              <a:solidFill>
+                <a:srgbClr val="7F8C8D"/>
+              </a:solidFill>
+              <a:latin typeface="Roboto Light" panose="02000000000000000000" pitchFamily="2" charset="0"/>
+              <a:ea typeface="Roboto Light" panose="02000000000000000000" pitchFamily="2" charset="0"/>
+            </a:endParaRPr>
+          </a:p>
+        </p:txBody>
+      </p:sp>
+      <p:sp>
+        <p:nvSpPr>
+          <p:cNvPr id="2" name="ZoneTexte 1"/>
+          <p:cNvSpPr txBox="1"/>
+          <p:nvPr/>
+        </p:nvSpPr>
+        <p:spPr>
+          <a:xfrm>
+            <a:off x="1426028" y="1035587"/>
+            <a:ext cx="6291944" cy="1868204"/>
+          </a:xfrm>
+          <a:prstGeom prst="rect">
+            <a:avLst/>
+          </a:prstGeom>
+          <a:noFill/>
+        </p:spPr>
+        <p:txBody>
+          <a:bodyPr wrap="square" rtlCol="0">
+            <a:spAutoFit/>
+          </a:bodyPr>
+          <a:lstStyle/>
+          <a:p>
+            <a:pPr algn="just">
+              <a:lnSpc>
+                <a:spcPct val="110000"/>
+              </a:lnSpc>
+              <a:spcAft>
+                <a:spcPts val="1200"/>
+              </a:spcAft>
+            </a:pPr>
+            <a:r>
+              <a:rPr lang="en-US" sz="1600" i="1" dirty="0">
+                <a:solidFill>
+                  <a:srgbClr val="2C3E50"/>
+                </a:solidFill>
+              </a:rPr>
+              <a:t>We must also inquire what the dream is, and from what cause </a:t>
+            </a:r>
+            <a:r>
+              <a:rPr lang="en-US" sz="1600" i="1" dirty="0" smtClean="0">
+                <a:solidFill>
+                  <a:srgbClr val="2C3E50"/>
+                </a:solidFill>
+              </a:rPr>
+              <a:t>sleepers sometimes </a:t>
+            </a:r>
+            <a:r>
+              <a:rPr lang="en-US" sz="1600" i="1" dirty="0">
+                <a:solidFill>
+                  <a:srgbClr val="2C3E50"/>
+                </a:solidFill>
+              </a:rPr>
+              <a:t>dream, and sometimes do not; or whether the truth is </a:t>
+            </a:r>
+            <a:r>
+              <a:rPr lang="en-US" sz="1600" i="1" dirty="0" smtClean="0">
+                <a:solidFill>
+                  <a:srgbClr val="2C3E50"/>
+                </a:solidFill>
+              </a:rPr>
+              <a:t>that</a:t>
+            </a:r>
+            <a:r>
+              <a:rPr lang="en-US" sz="1600" i="1" dirty="0" smtClean="0">
+                <a:solidFill>
+                  <a:srgbClr val="10171E"/>
+                </a:solidFill>
+              </a:rPr>
+              <a:t> </a:t>
+            </a:r>
+            <a:r>
+              <a:rPr lang="en-US" sz="1600" i="1" dirty="0">
+                <a:solidFill>
+                  <a:srgbClr val="2980B9"/>
+                </a:solidFill>
+              </a:rPr>
+              <a:t>sleepers always dream but do not always remember </a:t>
+            </a:r>
+            <a:r>
+              <a:rPr lang="en-US" sz="1600" i="1" dirty="0">
+                <a:solidFill>
+                  <a:srgbClr val="233548"/>
+                </a:solidFill>
+              </a:rPr>
+              <a:t>(their </a:t>
+            </a:r>
+            <a:r>
+              <a:rPr lang="en-US" sz="1600" i="1" dirty="0" smtClean="0">
+                <a:solidFill>
+                  <a:srgbClr val="233548"/>
+                </a:solidFill>
+              </a:rPr>
+              <a:t>dream</a:t>
+            </a:r>
+            <a:r>
+              <a:rPr lang="en-US" sz="1600" i="1" dirty="0">
+                <a:solidFill>
+                  <a:srgbClr val="233548"/>
+                </a:solidFill>
+              </a:rPr>
+              <a:t>)</a:t>
+            </a:r>
+            <a:r>
+              <a:rPr lang="en-US" sz="1600" b="1" i="1" dirty="0">
+                <a:solidFill>
+                  <a:srgbClr val="233548"/>
+                </a:solidFill>
+              </a:rPr>
+              <a:t>;</a:t>
+            </a:r>
+            <a:r>
+              <a:rPr lang="en-US" sz="1600" i="1" dirty="0">
+                <a:solidFill>
+                  <a:srgbClr val="233548"/>
+                </a:solidFill>
+              </a:rPr>
+              <a:t> and if this occurs</a:t>
+            </a:r>
+            <a:r>
+              <a:rPr lang="en-US" sz="1600" i="1" dirty="0">
+                <a:solidFill>
+                  <a:schemeClr val="accent5">
+                    <a:lumMod val="75000"/>
+                  </a:schemeClr>
+                </a:solidFill>
+              </a:rPr>
+              <a:t>, </a:t>
+            </a:r>
+            <a:r>
+              <a:rPr lang="en-US" sz="1600" i="1" dirty="0">
+                <a:solidFill>
+                  <a:srgbClr val="2980B9"/>
+                </a:solidFill>
+              </a:rPr>
+              <a:t>what its explanation is</a:t>
+            </a:r>
+            <a:r>
+              <a:rPr lang="en-US" sz="1600" i="1" dirty="0" smtClean="0">
+                <a:solidFill>
+                  <a:schemeClr val="accent5">
+                    <a:lumMod val="75000"/>
+                  </a:schemeClr>
+                </a:solidFill>
+              </a:rPr>
+              <a:t>.</a:t>
+            </a:r>
+          </a:p>
+          <a:p>
+            <a:pPr algn="r">
+              <a:spcAft>
+                <a:spcPts val="600"/>
+              </a:spcAft>
+            </a:pPr>
+            <a:r>
+              <a:rPr lang="en-US" sz="1600" dirty="0">
+                <a:solidFill>
+                  <a:srgbClr val="233548"/>
+                </a:solidFill>
+              </a:rPr>
+              <a:t>—</a:t>
+            </a:r>
+            <a:r>
+              <a:rPr lang="en-US" sz="1600" b="1" dirty="0" smtClean="0">
+                <a:solidFill>
+                  <a:srgbClr val="233548"/>
+                </a:solidFill>
+              </a:rPr>
+              <a:t>Aristotle</a:t>
+            </a:r>
+          </a:p>
+          <a:p>
+            <a:pPr algn="r">
+              <a:spcAft>
+                <a:spcPts val="1200"/>
+              </a:spcAft>
+            </a:pPr>
+            <a:r>
+              <a:rPr lang="en-US" sz="1400" dirty="0" smtClean="0">
+                <a:solidFill>
+                  <a:srgbClr val="233548"/>
+                </a:solidFill>
+              </a:rPr>
+              <a:t>On Sleep and Sleeplessness. </a:t>
+            </a:r>
+            <a:r>
+              <a:rPr lang="en-US" sz="1400" dirty="0">
+                <a:solidFill>
+                  <a:srgbClr val="233548"/>
+                </a:solidFill>
+              </a:rPr>
+              <a:t>350 B.C</a:t>
+            </a:r>
+            <a:r>
+              <a:rPr lang="en-US" sz="1400" dirty="0" smtClean="0">
+                <a:solidFill>
+                  <a:srgbClr val="233548"/>
+                </a:solidFill>
+              </a:rPr>
+              <a:t>.</a:t>
+            </a:r>
+            <a:endParaRPr lang="en-US" sz="1400" i="1" dirty="0">
+              <a:solidFill>
+                <a:srgbClr val="233548"/>
+              </a:solidFill>
+            </a:endParaRPr>
+          </a:p>
+        </p:txBody>
+      </p:sp>
+      <p:pic>
+        <p:nvPicPr>
+          <p:cNvPr id="18" name="Image 17"/>
+          <p:cNvPicPr>
+            <a:picLocks noChangeAspect="1"/>
+          </p:cNvPicPr>
+          <p:nvPr/>
+        </p:nvPicPr>
+        <p:blipFill>
+          <a:blip r:embed="rId2">
+            <a:duotone>
+              <a:schemeClr val="accent3">
+                <a:shade val="45000"/>
+                <a:satMod val="135000"/>
+              </a:schemeClr>
+              <a:prstClr val="white"/>
+            </a:duotone>
+            <a:extLst>
+              <a:ext uri="{BEBA8EAE-BF5A-486C-A8C5-ECC9F3942E4B}">
+                <a14:imgProps xmlns:a14="http://schemas.microsoft.com/office/drawing/2010/main">
+                  <a14:imgLayer r:embed="rId3">
+                    <a14:imgEffect>
+                      <a14:saturation sat="400000"/>
+                    </a14:imgEffect>
+                  </a14:imgLayer>
+                </a14:imgProps>
+              </a:ext>
+            </a:extLst>
+          </a:blip>
+          <a:stretch>
+            <a:fillRect/>
+          </a:stretch>
+        </p:blipFill>
+        <p:spPr>
+          <a:xfrm flipH="1">
+            <a:off x="7855392" y="1665833"/>
+            <a:ext cx="540000" cy="540000"/>
+          </a:xfrm>
+          <a:prstGeom prst="rect">
+            <a:avLst/>
+          </a:prstGeom>
+        </p:spPr>
+      </p:pic>
+      <p:sp>
+        <p:nvSpPr>
+          <p:cNvPr id="17" name="ZoneTexte 16"/>
+          <p:cNvSpPr txBox="1"/>
+          <p:nvPr/>
+        </p:nvSpPr>
+        <p:spPr>
+          <a:xfrm>
+            <a:off x="0" y="259200"/>
+            <a:ext cx="1828800" cy="261610"/>
+          </a:xfrm>
+          <a:prstGeom prst="rect">
+            <a:avLst/>
+          </a:prstGeom>
+          <a:solidFill>
+            <a:srgbClr val="ECF0F1"/>
+          </a:solidFill>
+        </p:spPr>
+        <p:txBody>
+          <a:bodyPr wrap="square" rtlCol="0">
+            <a:spAutoFit/>
+          </a:bodyPr>
+          <a:lstStyle/>
+          <a:p>
+            <a:pPr algn="ctr"/>
+            <a:r>
+              <a:rPr lang="en-US" sz="1100" i="1" dirty="0" smtClean="0">
+                <a:solidFill>
+                  <a:srgbClr val="95A5A6"/>
+                </a:solidFill>
+                <a:latin typeface="Roboto Light" panose="02000000000000000000" pitchFamily="2" charset="0"/>
+                <a:ea typeface="Roboto Light" panose="02000000000000000000" pitchFamily="2" charset="0"/>
+              </a:rPr>
+              <a:t>Introduction</a:t>
+            </a:r>
+            <a:endParaRPr lang="en-US" sz="1100" i="1" dirty="0">
+              <a:solidFill>
+                <a:srgbClr val="95A5A6"/>
+              </a:solidFill>
+              <a:latin typeface="Roboto Light" panose="02000000000000000000" pitchFamily="2" charset="0"/>
+              <a:ea typeface="Roboto Light" panose="02000000000000000000" pitchFamily="2" charset="0"/>
+            </a:endParaRPr>
+          </a:p>
+        </p:txBody>
+      </p:sp>
+      <p:sp>
+        <p:nvSpPr>
+          <p:cNvPr id="19" name="ZoneTexte 18"/>
+          <p:cNvSpPr txBox="1"/>
+          <p:nvPr/>
+        </p:nvSpPr>
+        <p:spPr>
+          <a:xfrm>
+            <a:off x="1828800" y="258463"/>
+            <a:ext cx="1828800" cy="261610"/>
+          </a:xfrm>
+          <a:prstGeom prst="rect">
+            <a:avLst/>
+          </a:prstGeom>
+          <a:solidFill>
+            <a:srgbClr val="ECF0F1"/>
+          </a:solidFill>
+        </p:spPr>
+        <p:txBody>
+          <a:bodyPr wrap="square" rtlCol="0">
+            <a:spAutoFit/>
+          </a:bodyPr>
+          <a:lstStyle/>
+          <a:p>
+            <a:pPr algn="ctr"/>
+            <a:r>
+              <a:rPr lang="en-US" sz="1100" b="1" i="1" dirty="0" smtClean="0">
+                <a:solidFill>
+                  <a:srgbClr val="34495E"/>
+                </a:solidFill>
+                <a:latin typeface="Roboto Light" panose="02000000000000000000" pitchFamily="2" charset="0"/>
+                <a:ea typeface="Roboto Light" panose="02000000000000000000" pitchFamily="2" charset="0"/>
+              </a:rPr>
+              <a:t>Dream recall</a:t>
+            </a:r>
+            <a:endParaRPr lang="en-US" sz="1100" b="1" i="1" dirty="0">
+              <a:solidFill>
+                <a:srgbClr val="34495E"/>
+              </a:solidFill>
+              <a:latin typeface="Roboto Light" panose="02000000000000000000" pitchFamily="2" charset="0"/>
+              <a:ea typeface="Roboto Light" panose="02000000000000000000" pitchFamily="2" charset="0"/>
+            </a:endParaRPr>
+          </a:p>
+        </p:txBody>
+      </p:sp>
+      <p:sp>
+        <p:nvSpPr>
+          <p:cNvPr id="20" name="ZoneTexte 19"/>
+          <p:cNvSpPr txBox="1"/>
+          <p:nvPr/>
+        </p:nvSpPr>
+        <p:spPr>
+          <a:xfrm>
+            <a:off x="3657600" y="258463"/>
+            <a:ext cx="1828800" cy="261610"/>
+          </a:xfrm>
+          <a:prstGeom prst="rect">
+            <a:avLst/>
+          </a:prstGeom>
+          <a:solidFill>
+            <a:srgbClr val="ECF0F1"/>
+          </a:solidFill>
+        </p:spPr>
+        <p:txBody>
+          <a:bodyPr wrap="square" rtlCol="0">
+            <a:spAutoFit/>
+          </a:bodyPr>
+          <a:lstStyle/>
+          <a:p>
+            <a:pPr algn="ctr"/>
+            <a:r>
+              <a:rPr lang="en-US" sz="1100" i="1" dirty="0" smtClean="0">
+                <a:solidFill>
+                  <a:srgbClr val="95A5A6"/>
+                </a:solidFill>
+                <a:latin typeface="Roboto Light" panose="02000000000000000000" pitchFamily="2" charset="0"/>
+                <a:ea typeface="Roboto Light" panose="02000000000000000000" pitchFamily="2" charset="0"/>
+              </a:rPr>
+              <a:t>Dream content</a:t>
+            </a:r>
+            <a:endParaRPr lang="en-US" sz="1100" i="1" dirty="0">
+              <a:solidFill>
+                <a:srgbClr val="95A5A6"/>
+              </a:solidFill>
+              <a:latin typeface="Roboto Light" panose="02000000000000000000" pitchFamily="2" charset="0"/>
+              <a:ea typeface="Roboto Light" panose="02000000000000000000" pitchFamily="2" charset="0"/>
+            </a:endParaRPr>
+          </a:p>
+        </p:txBody>
+      </p:sp>
+      <p:sp>
+        <p:nvSpPr>
+          <p:cNvPr id="21" name="ZoneTexte 20"/>
+          <p:cNvSpPr txBox="1"/>
+          <p:nvPr/>
+        </p:nvSpPr>
+        <p:spPr>
+          <a:xfrm>
+            <a:off x="5486400" y="258463"/>
+            <a:ext cx="1828800" cy="261610"/>
+          </a:xfrm>
+          <a:prstGeom prst="rect">
+            <a:avLst/>
+          </a:prstGeom>
+          <a:solidFill>
+            <a:srgbClr val="ECF0F1"/>
+          </a:solidFill>
+        </p:spPr>
+        <p:txBody>
+          <a:bodyPr wrap="square" rtlCol="0">
+            <a:spAutoFit/>
+          </a:bodyPr>
+          <a:lstStyle/>
+          <a:p>
+            <a:pPr algn="ctr"/>
+            <a:r>
+              <a:rPr lang="en-US" sz="1100" i="1" dirty="0" smtClean="0">
+                <a:solidFill>
+                  <a:srgbClr val="95A5A6"/>
+                </a:solidFill>
+                <a:latin typeface="Roboto Light" panose="02000000000000000000" pitchFamily="2" charset="0"/>
+                <a:ea typeface="Roboto Light" panose="02000000000000000000" pitchFamily="2" charset="0"/>
+              </a:rPr>
+              <a:t>Software</a:t>
+            </a:r>
+            <a:endParaRPr lang="en-US" sz="1100" i="1" dirty="0">
+              <a:solidFill>
+                <a:srgbClr val="95A5A6"/>
+              </a:solidFill>
+              <a:latin typeface="Roboto Light" panose="02000000000000000000" pitchFamily="2" charset="0"/>
+              <a:ea typeface="Roboto Light" panose="02000000000000000000" pitchFamily="2" charset="0"/>
+            </a:endParaRPr>
+          </a:p>
+        </p:txBody>
+      </p:sp>
+      <p:sp>
+        <p:nvSpPr>
+          <p:cNvPr id="22" name="ZoneTexte 21"/>
+          <p:cNvSpPr txBox="1"/>
+          <p:nvPr/>
+        </p:nvSpPr>
+        <p:spPr>
+          <a:xfrm>
+            <a:off x="7315200" y="258463"/>
+            <a:ext cx="1828800" cy="261610"/>
+          </a:xfrm>
+          <a:prstGeom prst="rect">
+            <a:avLst/>
+          </a:prstGeom>
+          <a:solidFill>
+            <a:srgbClr val="ECF0F1"/>
+          </a:solidFill>
+        </p:spPr>
+        <p:txBody>
+          <a:bodyPr wrap="square" rtlCol="0">
+            <a:spAutoFit/>
+          </a:bodyPr>
+          <a:lstStyle/>
+          <a:p>
+            <a:pPr algn="ctr"/>
+            <a:r>
+              <a:rPr lang="en-US" sz="1100" i="1" dirty="0" smtClean="0">
+                <a:solidFill>
+                  <a:srgbClr val="95A5A6"/>
+                </a:solidFill>
+                <a:latin typeface="Roboto Light" panose="02000000000000000000" pitchFamily="2" charset="0"/>
+                <a:ea typeface="Roboto Light" panose="02000000000000000000" pitchFamily="2" charset="0"/>
+              </a:rPr>
+              <a:t>Conclusion</a:t>
+            </a:r>
+            <a:endParaRPr lang="en-US" sz="1100" i="1" dirty="0">
+              <a:solidFill>
+                <a:srgbClr val="95A5A6"/>
+              </a:solidFill>
+              <a:latin typeface="Roboto Light" panose="02000000000000000000" pitchFamily="2" charset="0"/>
+              <a:ea typeface="Roboto Light" panose="02000000000000000000" pitchFamily="2" charset="0"/>
+            </a:endParaRPr>
+          </a:p>
+        </p:txBody>
+      </p:sp>
+    </p:spTree>
+    <p:extLst>
+      <p:ext uri="{BB962C8B-B14F-4D97-AF65-F5344CB8AC3E}">
+        <p14:creationId xmlns:p14="http://schemas.microsoft.com/office/powerpoint/2010/main" val="3325135344"/>
+      </p:ext>
+    </p:extLst>
+  </p:cSld>
+  <p:clrMapOvr>
+    <a:masterClrMapping/>
+  </p:clrMapOvr>
+  <p:timing>
+    <p:tnLst>
+      <p:par>
+        <p:cTn id="1" dur="indefinite" restart="never" nodeType="tmRoot"/>
+      </p:par>
+    </p:tnLst>
+  </p:timing>
+</p:sld>
+</file>
+
+<file path=ppt/slides/slide9.xml><?xml version="1.0" encoding="utf-8"?>
+<p:sld xmlns:a="http://schemas.openxmlformats.org/drawingml/2006/main" xmlns:r="http://schemas.openxmlformats.org/officeDocument/2006/relationships" xmlns:p="http://schemas.openxmlformats.org/presentationml/2006/main">
+  <p:cSld>
+    <p:spTree>
+      <p:nvGrpSpPr>
+        <p:cNvPr id="1" name=""/>
+        <p:cNvGrpSpPr/>
+        <p:nvPr/>
+      </p:nvGrpSpPr>
+      <p:grpSpPr>
+        <a:xfrm>
+          <a:off x="0" y="0"/>
+          <a:ext cx="0" cy="0"/>
+          <a:chOff x="0" y="0"/>
+          <a:chExt cx="0" cy="0"/>
+        </a:xfrm>
+      </p:grpSpPr>
+      <p:sp>
+        <p:nvSpPr>
+          <p:cNvPr id="13" name="Rectangle 12"/>
+          <p:cNvSpPr/>
+          <p:nvPr/>
+        </p:nvSpPr>
+        <p:spPr>
+          <a:xfrm>
+            <a:off x="611188" y="800100"/>
+            <a:ext cx="7921625" cy="5508625"/>
+          </a:xfrm>
+          <a:prstGeom prst="rect">
+            <a:avLst/>
+          </a:prstGeom>
+          <a:noFill/>
+          <a:ln>
+            <a:noFill/>
+          </a:ln>
+        </p:spPr>
+        <p:style>
+          <a:lnRef idx="2">
+            <a:schemeClr val="accent1">
+              <a:shade val="50000"/>
+            </a:schemeClr>
+          </a:lnRef>
+          <a:fillRef idx="1">
+            <a:schemeClr val="accent1"/>
+          </a:fillRef>
+          <a:effectRef idx="0">
+            <a:schemeClr val="accent1"/>
+          </a:effectRef>
+          <a:fontRef idx="minor">
+            <a:schemeClr val="lt1"/>
+          </a:fontRef>
+        </p:style>
+        <p:txBody>
+          <a:bodyPr rtlCol="0" anchor="t"/>
+          <a:lstStyle/>
+          <a:p>
+            <a:pPr>
+              <a:spcAft>
+                <a:spcPts val="1800"/>
+              </a:spcAft>
+            </a:pPr>
+            <a:r>
+              <a:rPr lang="en-US" b="1" dirty="0" smtClean="0">
+                <a:solidFill>
+                  <a:srgbClr val="34495E"/>
+                </a:solidFill>
+                <a:latin typeface="+mj-lt"/>
+                <a:ea typeface="Open Sans" panose="020B0606030504020204" pitchFamily="34" charset="0"/>
+                <a:cs typeface="Open Sans" panose="020B0606030504020204" pitchFamily="34" charset="0"/>
+              </a:rPr>
+              <a:t>Outline</a:t>
+            </a:r>
+            <a:endParaRPr lang="en-US" b="1" dirty="0">
+              <a:solidFill>
+                <a:srgbClr val="34495E"/>
+              </a:solidFill>
+              <a:latin typeface="+mj-lt"/>
+              <a:ea typeface="Open Sans" panose="020B0606030504020204" pitchFamily="34" charset="0"/>
+              <a:cs typeface="Open Sans" panose="020B0606030504020204" pitchFamily="34" charset="0"/>
+            </a:endParaRPr>
+          </a:p>
+          <a:p>
+            <a:pPr marL="857250" lvl="1" indent="-400050">
+              <a:spcAft>
+                <a:spcPts val="1800"/>
+              </a:spcAft>
+              <a:buFont typeface="+mj-lt"/>
+              <a:buAutoNum type="romanUcPeriod"/>
+            </a:pPr>
+            <a:r>
+              <a:rPr lang="en-US" sz="1600" dirty="0" smtClean="0">
+                <a:solidFill>
+                  <a:srgbClr val="95A5A6"/>
+                </a:solidFill>
+                <a:ea typeface="Open Sans" panose="020B0606030504020204" pitchFamily="34" charset="0"/>
+                <a:cs typeface="Open Sans" panose="020B0606030504020204" pitchFamily="34" charset="0"/>
+              </a:rPr>
+              <a:t>General introduction</a:t>
+            </a:r>
+          </a:p>
+          <a:p>
+            <a:pPr marL="857250" lvl="1" indent="-400050">
+              <a:spcAft>
+                <a:spcPts val="600"/>
+              </a:spcAft>
+              <a:buFont typeface="+mj-lt"/>
+              <a:buAutoNum type="romanUcPeriod"/>
+            </a:pPr>
+            <a:r>
+              <a:rPr lang="en-US" sz="1600" b="1" dirty="0" smtClean="0">
+                <a:solidFill>
+                  <a:srgbClr val="34495E"/>
+                </a:solidFill>
+                <a:ea typeface="Open Sans" panose="020B0606030504020204" pitchFamily="34" charset="0"/>
+                <a:cs typeface="Open Sans" panose="020B0606030504020204" pitchFamily="34" charset="0"/>
+              </a:rPr>
+              <a:t>Mechanisms of dream recall frequency (DRF)</a:t>
+            </a:r>
+          </a:p>
+          <a:p>
+            <a:pPr marL="1200150" lvl="2" indent="-285750">
+              <a:spcAft>
+                <a:spcPts val="600"/>
+              </a:spcAft>
+              <a:buFont typeface="Arial" panose="020B0604020202020204" pitchFamily="34" charset="0"/>
+              <a:buChar char="•"/>
+            </a:pPr>
+            <a:r>
+              <a:rPr lang="en-US" sz="1600" dirty="0" smtClean="0">
+                <a:solidFill>
+                  <a:srgbClr val="95A5A6"/>
+                </a:solidFill>
+                <a:ea typeface="Open Sans" panose="020B0606030504020204" pitchFamily="34" charset="0"/>
+                <a:cs typeface="Open Sans" panose="020B0606030504020204" pitchFamily="34" charset="0"/>
+              </a:rPr>
+              <a:t>Study 1: DRF and arousals	</a:t>
+            </a:r>
+          </a:p>
+          <a:p>
+            <a:pPr marL="1200150" lvl="2" indent="-285750">
+              <a:spcAft>
+                <a:spcPts val="600"/>
+              </a:spcAft>
+              <a:buFont typeface="Arial" panose="020B0604020202020204" pitchFamily="34" charset="0"/>
+              <a:buChar char="•"/>
+            </a:pPr>
+            <a:r>
+              <a:rPr lang="en-US" sz="1600" b="1" dirty="0" smtClean="0">
+                <a:solidFill>
+                  <a:srgbClr val="34495E"/>
+                </a:solidFill>
+                <a:ea typeface="Open Sans" panose="020B0606030504020204" pitchFamily="34" charset="0"/>
+                <a:cs typeface="Open Sans" panose="020B0606030504020204" pitchFamily="34" charset="0"/>
+              </a:rPr>
+              <a:t>Study 2: DRF and sleep inertia</a:t>
+            </a:r>
+            <a:r>
+              <a:rPr lang="en-US" sz="1600" dirty="0" smtClean="0">
+                <a:solidFill>
+                  <a:srgbClr val="34495E"/>
+                </a:solidFill>
+                <a:ea typeface="Open Sans" panose="020B0606030504020204" pitchFamily="34" charset="0"/>
+                <a:cs typeface="Open Sans" panose="020B0606030504020204" pitchFamily="34" charset="0"/>
+              </a:rPr>
+              <a:t>		</a:t>
+            </a:r>
+            <a:r>
+              <a:rPr lang="en-US" sz="1600" i="1" dirty="0" smtClean="0">
+                <a:solidFill>
+                  <a:srgbClr val="34495E"/>
+                </a:solidFill>
+                <a:latin typeface="HelveticaNeueLT Std Lt" panose="020B0403020202020204" pitchFamily="34" charset="0"/>
+                <a:ea typeface="Open Sans" panose="020B0606030504020204" pitchFamily="34" charset="0"/>
+                <a:cs typeface="Open Sans" panose="020B0606030504020204" pitchFamily="34" charset="0"/>
+              </a:rPr>
+              <a:t>        </a:t>
+            </a:r>
+          </a:p>
+          <a:p>
+            <a:pPr marL="1200150" lvl="2" indent="-285750">
+              <a:spcAft>
+                <a:spcPts val="600"/>
+              </a:spcAft>
+              <a:buFont typeface="Arial" panose="020B0604020202020204" pitchFamily="34" charset="0"/>
+              <a:buChar char="•"/>
+            </a:pPr>
+            <a:r>
+              <a:rPr lang="en-US" sz="1600" dirty="0" smtClean="0">
+                <a:solidFill>
+                  <a:srgbClr val="95A5A6"/>
+                </a:solidFill>
+                <a:ea typeface="Open Sans" panose="020B0606030504020204" pitchFamily="34" charset="0"/>
+                <a:cs typeface="Open Sans" panose="020B0606030504020204" pitchFamily="34" charset="0"/>
+              </a:rPr>
+              <a:t>Study 3: DRF and the default mode network			</a:t>
+            </a:r>
+          </a:p>
+          <a:p>
+            <a:pPr marL="1200150" lvl="2" indent="-285750">
+              <a:spcAft>
+                <a:spcPts val="600"/>
+              </a:spcAft>
+              <a:buFont typeface="Arial" panose="020B0604020202020204" pitchFamily="34" charset="0"/>
+              <a:buChar char="•"/>
+            </a:pPr>
+            <a:r>
+              <a:rPr lang="en-US" sz="1600" dirty="0" smtClean="0">
+                <a:solidFill>
+                  <a:srgbClr val="95A5A6"/>
+                </a:solidFill>
+                <a:ea typeface="Open Sans" panose="020B0606030504020204" pitchFamily="34" charset="0"/>
+                <a:cs typeface="Open Sans" panose="020B0606030504020204" pitchFamily="34" charset="0"/>
+              </a:rPr>
+              <a:t>Study 4: DRF in the student population </a:t>
+            </a:r>
+          </a:p>
+          <a:p>
+            <a:pPr marL="1200150" lvl="2" indent="-285750">
+              <a:spcAft>
+                <a:spcPts val="1800"/>
+              </a:spcAft>
+              <a:buFont typeface="Arial" panose="020B0604020202020204" pitchFamily="34" charset="0"/>
+              <a:buChar char="•"/>
+            </a:pPr>
+            <a:r>
+              <a:rPr lang="en-US" sz="1600" dirty="0" smtClean="0">
+                <a:solidFill>
+                  <a:srgbClr val="95A5A6"/>
+                </a:solidFill>
+                <a:ea typeface="Open Sans" panose="020B0606030504020204" pitchFamily="34" charset="0"/>
+                <a:cs typeface="Open Sans" panose="020B0606030504020204" pitchFamily="34" charset="0"/>
+              </a:rPr>
+              <a:t>Conclusion		</a:t>
+            </a:r>
+          </a:p>
+          <a:p>
+            <a:pPr marL="857250" lvl="1" indent="-400050">
+              <a:spcAft>
+                <a:spcPts val="600"/>
+              </a:spcAft>
+              <a:buFont typeface="+mj-lt"/>
+              <a:buAutoNum type="romanUcPeriod"/>
+            </a:pPr>
+            <a:r>
+              <a:rPr lang="en-US" sz="1600" dirty="0" smtClean="0">
+                <a:solidFill>
+                  <a:srgbClr val="95A5A6"/>
+                </a:solidFill>
+                <a:ea typeface="Open Sans" panose="020B0606030504020204" pitchFamily="34" charset="0"/>
+                <a:cs typeface="Open Sans" panose="020B0606030504020204" pitchFamily="34" charset="0"/>
+              </a:rPr>
+              <a:t>Dream content and dream function</a:t>
+            </a:r>
+          </a:p>
+          <a:p>
+            <a:pPr marL="1200150" lvl="2" indent="-285750">
+              <a:spcAft>
+                <a:spcPts val="1800"/>
+              </a:spcAft>
+              <a:buFont typeface="Arial" panose="020B0604020202020204" pitchFamily="34" charset="0"/>
+              <a:buChar char="•"/>
+            </a:pPr>
+            <a:r>
+              <a:rPr lang="en-US" sz="1600" dirty="0" smtClean="0">
+                <a:solidFill>
+                  <a:srgbClr val="95A5A6"/>
+                </a:solidFill>
+                <a:ea typeface="Open Sans" panose="020B0606030504020204" pitchFamily="34" charset="0"/>
+                <a:cs typeface="Open Sans" panose="020B0606030504020204" pitchFamily="34" charset="0"/>
+              </a:rPr>
+              <a:t>Study 5: The link between waking-life and dream content </a:t>
+            </a:r>
+          </a:p>
+          <a:p>
+            <a:pPr marL="857250" lvl="1" indent="-400050">
+              <a:spcAft>
+                <a:spcPts val="600"/>
+              </a:spcAft>
+              <a:buFont typeface="+mj-lt"/>
+              <a:buAutoNum type="romanUcPeriod"/>
+            </a:pPr>
+            <a:r>
+              <a:rPr lang="en-US" sz="1600" dirty="0" smtClean="0">
+                <a:solidFill>
+                  <a:srgbClr val="95A5A6"/>
+                </a:solidFill>
+                <a:ea typeface="Open Sans" panose="020B0606030504020204" pitchFamily="34" charset="0"/>
+                <a:cs typeface="Open Sans" panose="020B0606030504020204" pitchFamily="34" charset="0"/>
+              </a:rPr>
+              <a:t>Methodological development</a:t>
+            </a:r>
+          </a:p>
+          <a:p>
+            <a:pPr marL="1200150" lvl="2" indent="-285750">
+              <a:spcAft>
+                <a:spcPts val="1800"/>
+              </a:spcAft>
+              <a:buFont typeface="Arial" panose="020B0604020202020204" pitchFamily="34" charset="0"/>
+              <a:buChar char="•"/>
+            </a:pPr>
+            <a:r>
+              <a:rPr lang="en-US" sz="1600" dirty="0" smtClean="0">
+                <a:solidFill>
+                  <a:srgbClr val="95A5A6"/>
+                </a:solidFill>
+                <a:ea typeface="Open Sans" panose="020B0606030504020204" pitchFamily="34" charset="0"/>
+                <a:cs typeface="Open Sans" panose="020B0606030504020204" pitchFamily="34" charset="0"/>
+              </a:rPr>
+              <a:t>Study 6: An open source software for sleep scoring and analysis</a:t>
+            </a:r>
+          </a:p>
+          <a:p>
+            <a:pPr marL="857250" lvl="1" indent="-400050">
+              <a:spcAft>
+                <a:spcPts val="1800"/>
+              </a:spcAft>
+              <a:buFont typeface="+mj-lt"/>
+              <a:buAutoNum type="romanUcPeriod"/>
+            </a:pPr>
+            <a:r>
+              <a:rPr lang="en-US" sz="1600" dirty="0" smtClean="0">
+                <a:solidFill>
+                  <a:srgbClr val="95A5A6"/>
+                </a:solidFill>
+                <a:ea typeface="Open Sans" panose="020B0606030504020204" pitchFamily="34" charset="0"/>
+                <a:cs typeface="Open Sans" panose="020B0606030504020204" pitchFamily="34" charset="0"/>
+              </a:rPr>
+              <a:t>General conclusion</a:t>
+            </a:r>
+          </a:p>
+          <a:p>
+            <a:pPr>
+              <a:spcAft>
+                <a:spcPts val="1200"/>
+              </a:spcAft>
+            </a:pPr>
+            <a:endParaRPr lang="en-US" dirty="0">
+              <a:solidFill>
+                <a:schemeClr val="tx2">
+                  <a:lumMod val="50000"/>
+                </a:schemeClr>
+              </a:solidFill>
+              <a:latin typeface="Open Sans" panose="020B0606030504020204" pitchFamily="34" charset="0"/>
+              <a:ea typeface="Open Sans" panose="020B0606030504020204" pitchFamily="34" charset="0"/>
+              <a:cs typeface="Open Sans" panose="020B0606030504020204" pitchFamily="34" charset="0"/>
+            </a:endParaRPr>
+          </a:p>
+        </p:txBody>
+      </p:sp>
+      <p:sp>
+        <p:nvSpPr>
+          <p:cNvPr id="16" name="Rectangle 15"/>
+          <p:cNvSpPr/>
+          <p:nvPr/>
+        </p:nvSpPr>
+        <p:spPr>
+          <a:xfrm>
+            <a:off x="0" y="0"/>
+            <a:ext cx="9144000" cy="259200"/>
+          </a:xfrm>
+          <a:prstGeom prst="rect">
+            <a:avLst/>
+          </a:prstGeom>
+          <a:solidFill>
+            <a:srgbClr val="45607B"/>
+          </a:solidFill>
+          <a:ln>
+            <a:noFill/>
+          </a:ln>
+        </p:spPr>
+        <p:style>
+          <a:lnRef idx="2">
+            <a:schemeClr val="accent1">
+              <a:shade val="50000"/>
+            </a:schemeClr>
+          </a:lnRef>
+          <a:fillRef idx="1">
+            <a:schemeClr val="accent1"/>
+          </a:fillRef>
+          <a:effectRef idx="0">
+            <a:schemeClr val="accent1"/>
+          </a:effectRef>
+          <a:fontRef idx="minor">
+            <a:schemeClr val="lt1"/>
+          </a:fontRef>
+        </p:style>
+        <p:txBody>
+          <a:bodyPr rtlCol="0" anchor="ctr"/>
+          <a:lstStyle/>
+          <a:p>
+            <a:pPr algn="ctr"/>
+            <a:endParaRPr lang="en-US" dirty="0">
+              <a:solidFill>
+                <a:schemeClr val="bg1"/>
+              </a:solidFill>
+              <a:latin typeface="Roboto Light" panose="02000000000000000000" pitchFamily="2" charset="0"/>
+              <a:ea typeface="Roboto Light" panose="02000000000000000000" pitchFamily="2" charset="0"/>
+            </a:endParaRPr>
+          </a:p>
+        </p:txBody>
+      </p:sp>
+      <p:sp>
+        <p:nvSpPr>
+          <p:cNvPr id="17" name="ZoneTexte 16"/>
+          <p:cNvSpPr txBox="1"/>
+          <p:nvPr/>
+        </p:nvSpPr>
+        <p:spPr>
+          <a:xfrm>
+            <a:off x="0" y="259200"/>
+            <a:ext cx="1828800" cy="261610"/>
+          </a:xfrm>
+          <a:prstGeom prst="rect">
+            <a:avLst/>
+          </a:prstGeom>
+          <a:solidFill>
+            <a:srgbClr val="ECF0F1"/>
+          </a:solidFill>
+        </p:spPr>
+        <p:txBody>
+          <a:bodyPr wrap="square" rtlCol="0">
+            <a:spAutoFit/>
+          </a:bodyPr>
+          <a:lstStyle/>
+          <a:p>
+            <a:pPr algn="ctr"/>
+            <a:r>
+              <a:rPr lang="en-US" sz="1100" b="1" i="1" dirty="0" smtClean="0">
+                <a:solidFill>
+                  <a:srgbClr val="34495E"/>
+                </a:solidFill>
+                <a:latin typeface="Roboto Light" panose="02000000000000000000" pitchFamily="2" charset="0"/>
+                <a:ea typeface="Roboto Light" panose="02000000000000000000" pitchFamily="2" charset="0"/>
+              </a:rPr>
+              <a:t>Introduction</a:t>
+            </a:r>
+            <a:endParaRPr lang="en-US" sz="1100" b="1" i="1" dirty="0">
+              <a:solidFill>
+                <a:srgbClr val="34495E"/>
+              </a:solidFill>
+              <a:latin typeface="Roboto Light" panose="02000000000000000000" pitchFamily="2" charset="0"/>
+              <a:ea typeface="Roboto Light" panose="02000000000000000000" pitchFamily="2" charset="0"/>
+            </a:endParaRPr>
+          </a:p>
+        </p:txBody>
+      </p:sp>
+      <p:sp>
+        <p:nvSpPr>
+          <p:cNvPr id="18" name="ZoneTexte 17"/>
+          <p:cNvSpPr txBox="1"/>
+          <p:nvPr/>
+        </p:nvSpPr>
+        <p:spPr>
+          <a:xfrm>
+            <a:off x="1828800" y="258463"/>
+            <a:ext cx="1828800" cy="261610"/>
+          </a:xfrm>
+          <a:prstGeom prst="rect">
+            <a:avLst/>
+          </a:prstGeom>
+          <a:solidFill>
+            <a:srgbClr val="ECF0F1"/>
+          </a:solidFill>
+        </p:spPr>
+        <p:txBody>
+          <a:bodyPr wrap="square" rtlCol="0">
+            <a:spAutoFit/>
+          </a:bodyPr>
+          <a:lstStyle/>
+          <a:p>
+            <a:pPr algn="ctr"/>
+            <a:r>
+              <a:rPr lang="en-US" sz="1100" i="1" dirty="0" smtClean="0">
+                <a:solidFill>
+                  <a:srgbClr val="95A5A6"/>
+                </a:solidFill>
+                <a:latin typeface="Roboto Light" panose="02000000000000000000" pitchFamily="2" charset="0"/>
+                <a:ea typeface="Roboto Light" panose="02000000000000000000" pitchFamily="2" charset="0"/>
+              </a:rPr>
+              <a:t>Dream recall</a:t>
+            </a:r>
+            <a:endParaRPr lang="en-US" sz="1100" i="1" dirty="0">
+              <a:solidFill>
+                <a:srgbClr val="95A5A6"/>
+              </a:solidFill>
+              <a:latin typeface="Roboto Light" panose="02000000000000000000" pitchFamily="2" charset="0"/>
+              <a:ea typeface="Roboto Light" panose="02000000000000000000" pitchFamily="2" charset="0"/>
+            </a:endParaRPr>
+          </a:p>
+        </p:txBody>
+      </p:sp>
+      <p:sp>
+        <p:nvSpPr>
+          <p:cNvPr id="19" name="ZoneTexte 18"/>
+          <p:cNvSpPr txBox="1"/>
+          <p:nvPr/>
+        </p:nvSpPr>
+        <p:spPr>
+          <a:xfrm>
+            <a:off x="3657600" y="258463"/>
+            <a:ext cx="1828800" cy="261610"/>
+          </a:xfrm>
+          <a:prstGeom prst="rect">
+            <a:avLst/>
+          </a:prstGeom>
+          <a:solidFill>
+            <a:srgbClr val="ECF0F1"/>
+          </a:solidFill>
+        </p:spPr>
+        <p:txBody>
+          <a:bodyPr wrap="square" rtlCol="0">
+            <a:spAutoFit/>
+          </a:bodyPr>
+          <a:lstStyle/>
+          <a:p>
+            <a:pPr algn="ctr"/>
+            <a:r>
+              <a:rPr lang="en-US" sz="1100" i="1" dirty="0" smtClean="0">
+                <a:solidFill>
+                  <a:srgbClr val="95A5A6"/>
+                </a:solidFill>
+                <a:latin typeface="Roboto Light" panose="02000000000000000000" pitchFamily="2" charset="0"/>
+                <a:ea typeface="Roboto Light" panose="02000000000000000000" pitchFamily="2" charset="0"/>
+              </a:rPr>
+              <a:t>Dream content</a:t>
+            </a:r>
+            <a:endParaRPr lang="en-US" sz="1100" i="1" dirty="0">
+              <a:solidFill>
+                <a:srgbClr val="95A5A6"/>
+              </a:solidFill>
+              <a:latin typeface="Roboto Light" panose="02000000000000000000" pitchFamily="2" charset="0"/>
+              <a:ea typeface="Roboto Light" panose="02000000000000000000" pitchFamily="2" charset="0"/>
+            </a:endParaRPr>
+          </a:p>
+        </p:txBody>
+      </p:sp>
+      <p:sp>
+        <p:nvSpPr>
+          <p:cNvPr id="20" name="ZoneTexte 19"/>
+          <p:cNvSpPr txBox="1"/>
+          <p:nvPr/>
+        </p:nvSpPr>
+        <p:spPr>
+          <a:xfrm>
+            <a:off x="5486400" y="258463"/>
+            <a:ext cx="1828800" cy="261610"/>
+          </a:xfrm>
+          <a:prstGeom prst="rect">
+            <a:avLst/>
+          </a:prstGeom>
+          <a:solidFill>
+            <a:srgbClr val="ECF0F1"/>
+          </a:solidFill>
+        </p:spPr>
+        <p:txBody>
+          <a:bodyPr wrap="square" rtlCol="0">
+            <a:spAutoFit/>
+          </a:bodyPr>
+          <a:lstStyle/>
+          <a:p>
+            <a:pPr algn="ctr"/>
+            <a:r>
+              <a:rPr lang="en-US" sz="1100" i="1" dirty="0" smtClean="0">
+                <a:solidFill>
+                  <a:srgbClr val="95A5A6"/>
+                </a:solidFill>
+                <a:latin typeface="Roboto Light" panose="02000000000000000000" pitchFamily="2" charset="0"/>
+                <a:ea typeface="Roboto Light" panose="02000000000000000000" pitchFamily="2" charset="0"/>
+              </a:rPr>
+              <a:t>Software</a:t>
+            </a:r>
+            <a:endParaRPr lang="en-US" sz="1100" i="1" dirty="0">
+              <a:solidFill>
+                <a:srgbClr val="95A5A6"/>
+              </a:solidFill>
+              <a:latin typeface="Roboto Light" panose="02000000000000000000" pitchFamily="2" charset="0"/>
+              <a:ea typeface="Roboto Light" panose="02000000000000000000" pitchFamily="2" charset="0"/>
+            </a:endParaRPr>
+          </a:p>
+        </p:txBody>
+      </p:sp>
+      <p:sp>
+        <p:nvSpPr>
+          <p:cNvPr id="21" name="ZoneTexte 20"/>
+          <p:cNvSpPr txBox="1"/>
+          <p:nvPr/>
+        </p:nvSpPr>
+        <p:spPr>
+          <a:xfrm>
+            <a:off x="7315200" y="258463"/>
+            <a:ext cx="1828800" cy="261610"/>
+          </a:xfrm>
+          <a:prstGeom prst="rect">
+            <a:avLst/>
+          </a:prstGeom>
+          <a:solidFill>
+            <a:srgbClr val="ECF0F1"/>
+          </a:solidFill>
+        </p:spPr>
+        <p:txBody>
+          <a:bodyPr wrap="square" rtlCol="0">
+            <a:spAutoFit/>
+          </a:bodyPr>
+          <a:lstStyle/>
+          <a:p>
+            <a:pPr algn="ctr"/>
+            <a:r>
+              <a:rPr lang="en-US" sz="1100" i="1" dirty="0" smtClean="0">
+                <a:solidFill>
+                  <a:srgbClr val="95A5A6"/>
+                </a:solidFill>
+                <a:latin typeface="Roboto Light" panose="02000000000000000000" pitchFamily="2" charset="0"/>
+                <a:ea typeface="Roboto Light" panose="02000000000000000000" pitchFamily="2" charset="0"/>
+              </a:rPr>
+              <a:t>Conclusion</a:t>
+            </a:r>
+            <a:endParaRPr lang="en-US" sz="1100" i="1" dirty="0">
+              <a:solidFill>
+                <a:srgbClr val="95A5A6"/>
+              </a:solidFill>
+              <a:latin typeface="Roboto Light" panose="02000000000000000000" pitchFamily="2" charset="0"/>
+              <a:ea typeface="Roboto Light" panose="02000000000000000000" pitchFamily="2" charset="0"/>
+            </a:endParaRPr>
+          </a:p>
+        </p:txBody>
+      </p:sp>
+      <p:sp>
+        <p:nvSpPr>
+          <p:cNvPr id="22" name="Espace réservé du numéro de diapositive 3"/>
+          <p:cNvSpPr>
+            <a:spLocks noGrp="1"/>
+          </p:cNvSpPr>
+          <p:nvPr>
+            <p:ph type="sldNum" sz="quarter" idx="12"/>
+          </p:nvPr>
+        </p:nvSpPr>
+        <p:spPr>
+          <a:xfrm>
+            <a:off x="8532813" y="6420123"/>
+            <a:ext cx="611187" cy="365125"/>
+          </a:xfrm>
+        </p:spPr>
+        <p:txBody>
+          <a:bodyPr/>
+          <a:lstStyle/>
+          <a:p>
+            <a:pPr algn="ctr"/>
+            <a:r>
+              <a:rPr lang="en-US" sz="1100" dirty="0" smtClean="0">
+                <a:solidFill>
+                  <a:srgbClr val="7F8C8D"/>
+                </a:solidFill>
+              </a:rPr>
+              <a:t>5</a:t>
+            </a:r>
+            <a:endParaRPr lang="en-US" sz="1100" dirty="0">
+              <a:solidFill>
+                <a:srgbClr val="7F8C8D"/>
+              </a:solidFill>
+            </a:endParaRPr>
+          </a:p>
+        </p:txBody>
+      </p:sp>
+      <p:cxnSp>
+        <p:nvCxnSpPr>
+          <p:cNvPr id="23" name="Connecteur droit 22"/>
+          <p:cNvCxnSpPr/>
+          <p:nvPr/>
+        </p:nvCxnSpPr>
+        <p:spPr>
+          <a:xfrm flipH="1" flipV="1">
+            <a:off x="8521927" y="6318000"/>
+            <a:ext cx="0" cy="540000"/>
+          </a:xfrm>
+          <a:prstGeom prst="line">
+            <a:avLst/>
+          </a:prstGeom>
+          <a:ln w="28575">
+            <a:solidFill>
+              <a:srgbClr val="7F8C8D"/>
+            </a:solidFill>
+          </a:ln>
+        </p:spPr>
+        <p:style>
+          <a:lnRef idx="1">
+            <a:schemeClr val="dk1"/>
+          </a:lnRef>
+          <a:fillRef idx="0">
+            <a:schemeClr val="dk1"/>
+          </a:fillRef>
+          <a:effectRef idx="0">
+            <a:schemeClr val="dk1"/>
+          </a:effectRef>
+          <a:fontRef idx="minor">
+            <a:schemeClr val="tx1"/>
+          </a:fontRef>
+        </p:style>
+      </p:cxnSp>
+      <p:sp>
+        <p:nvSpPr>
+          <p:cNvPr id="24" name="ZoneTexte 23"/>
+          <p:cNvSpPr txBox="1"/>
+          <p:nvPr/>
+        </p:nvSpPr>
+        <p:spPr>
+          <a:xfrm>
+            <a:off x="4572000" y="6471881"/>
+            <a:ext cx="3893227" cy="261610"/>
+          </a:xfrm>
+          <a:prstGeom prst="rect">
+            <a:avLst/>
+          </a:prstGeom>
+          <a:noFill/>
+        </p:spPr>
+        <p:txBody>
+          <a:bodyPr wrap="square" rtlCol="0">
+            <a:spAutoFit/>
+          </a:bodyPr>
+          <a:lstStyle/>
+          <a:p>
+            <a:pPr algn="r"/>
+            <a:r>
+              <a:rPr lang="en-US" sz="1100" dirty="0" smtClean="0">
+                <a:solidFill>
+                  <a:srgbClr val="7F8C8D"/>
+                </a:solidFill>
+                <a:latin typeface="Roboto Medium" panose="02000000000000000000" pitchFamily="2" charset="0"/>
+                <a:ea typeface="Roboto Medium" panose="02000000000000000000" pitchFamily="2" charset="0"/>
+              </a:rPr>
+              <a:t>Outline</a:t>
+            </a:r>
+            <a:endParaRPr lang="en-US" sz="1100" dirty="0">
+              <a:solidFill>
+                <a:srgbClr val="7F8C8D"/>
+              </a:solidFill>
+              <a:latin typeface="Roboto" pitchFamily="2" charset="0"/>
+              <a:ea typeface="Roboto" pitchFamily="2" charset="0"/>
+            </a:endParaRPr>
+          </a:p>
+        </p:txBody>
+      </p:sp>
+      <p:sp>
+        <p:nvSpPr>
+          <p:cNvPr id="25" name="ZoneTexte 24"/>
+          <p:cNvSpPr txBox="1"/>
+          <p:nvPr/>
+        </p:nvSpPr>
+        <p:spPr>
+          <a:xfrm>
+            <a:off x="284615" y="6471880"/>
+            <a:ext cx="3893227" cy="261610"/>
+          </a:xfrm>
+          <a:prstGeom prst="rect">
+            <a:avLst/>
+          </a:prstGeom>
+          <a:noFill/>
+        </p:spPr>
+        <p:txBody>
+          <a:bodyPr wrap="square" rtlCol="0">
+            <a:spAutoFit/>
+          </a:bodyPr>
+          <a:lstStyle/>
+          <a:p>
+            <a:r>
+              <a:rPr lang="en-US" sz="1100" dirty="0" smtClean="0">
+                <a:solidFill>
+                  <a:srgbClr val="7F8C8D"/>
+                </a:solidFill>
+                <a:latin typeface="Roboto Light" panose="02000000000000000000" pitchFamily="2" charset="0"/>
+                <a:ea typeface="Roboto Light" panose="02000000000000000000" pitchFamily="2" charset="0"/>
+              </a:rPr>
+              <a:t>R. Vallat – Ph.D. Oral Defense – December 8</a:t>
+            </a:r>
+            <a:r>
+              <a:rPr lang="en-US" sz="1100" baseline="30000" dirty="0" smtClean="0">
+                <a:solidFill>
+                  <a:srgbClr val="7F8C8D"/>
+                </a:solidFill>
+                <a:latin typeface="Roboto Light" panose="02000000000000000000" pitchFamily="2" charset="0"/>
+                <a:ea typeface="Roboto Light" panose="02000000000000000000" pitchFamily="2" charset="0"/>
+              </a:rPr>
+              <a:t>th</a:t>
+            </a:r>
+            <a:r>
+              <a:rPr lang="en-US" sz="1100" dirty="0" smtClean="0">
+                <a:solidFill>
+                  <a:srgbClr val="7F8C8D"/>
+                </a:solidFill>
+                <a:latin typeface="Roboto Light" panose="02000000000000000000" pitchFamily="2" charset="0"/>
+                <a:ea typeface="Roboto Light" panose="02000000000000000000" pitchFamily="2" charset="0"/>
+              </a:rPr>
+              <a:t> 2017</a:t>
+            </a:r>
+            <a:endParaRPr lang="en-US" sz="1100" dirty="0">
+              <a:solidFill>
+                <a:srgbClr val="7F8C8D"/>
+              </a:solidFill>
+              <a:latin typeface="Roboto Light" panose="02000000000000000000" pitchFamily="2" charset="0"/>
+              <a:ea typeface="Roboto Light" panose="02000000000000000000" pitchFamily="2" charset="0"/>
+            </a:endParaRPr>
+          </a:p>
+        </p:txBody>
+      </p:sp>
+    </p:spTree>
+    <p:extLst>
+      <p:ext uri="{BB962C8B-B14F-4D97-AF65-F5344CB8AC3E}">
+        <p14:creationId xmlns:p14="http://schemas.microsoft.com/office/powerpoint/2010/main" val="1937816580"/>
       </p:ext>
     </p:extLst>
   </p:cSld>
@@ -7946,14 +15639,14 @@
         <a:srgbClr val="954F72"/>
       </a:folHlink>
     </a:clrScheme>
-    <a:fontScheme name="Helvetica">
+    <a:fontScheme name="Personnalisé 5">
       <a:majorFont>
-        <a:latin typeface="Helvetica"/>
+        <a:latin typeface="Helvetica Neue"/>
         <a:ea typeface=""/>
         <a:cs typeface=""/>
       </a:majorFont>
       <a:minorFont>
-        <a:latin typeface="Helvetica"/>
+        <a:latin typeface="Helvetica Neue"/>
         <a:ea typeface=""/>
         <a:cs typeface=""/>
       </a:minorFont>

--- a/Oral/RV_PhD_defense.pptx
+++ b/Oral/RV_PhD_defense.pptx
@@ -6,20 +6,21 @@
     <p:sldMasterId id="2147483684" r:id="rId2"/>
   </p:sldMasterIdLst>
   <p:notesMasterIdLst>
-    <p:notesMasterId r:id="rId14"/>
+    <p:notesMasterId r:id="rId15"/>
   </p:notesMasterIdLst>
   <p:sldIdLst>
     <p:sldId id="256" r:id="rId3"/>
-    <p:sldId id="269" r:id="rId4"/>
-    <p:sldId id="262" r:id="rId5"/>
-    <p:sldId id="268" r:id="rId6"/>
-    <p:sldId id="271" r:id="rId7"/>
-    <p:sldId id="270" r:id="rId8"/>
-    <p:sldId id="263" r:id="rId9"/>
-    <p:sldId id="264" r:id="rId10"/>
-    <p:sldId id="267" r:id="rId11"/>
-    <p:sldId id="266" r:id="rId12"/>
-    <p:sldId id="265" r:id="rId13"/>
+    <p:sldId id="272" r:id="rId4"/>
+    <p:sldId id="269" r:id="rId5"/>
+    <p:sldId id="262" r:id="rId6"/>
+    <p:sldId id="268" r:id="rId7"/>
+    <p:sldId id="271" r:id="rId8"/>
+    <p:sldId id="270" r:id="rId9"/>
+    <p:sldId id="263" r:id="rId10"/>
+    <p:sldId id="264" r:id="rId11"/>
+    <p:sldId id="267" r:id="rId12"/>
+    <p:sldId id="266" r:id="rId13"/>
+    <p:sldId id="265" r:id="rId14"/>
   </p:sldIdLst>
   <p:sldSz cx="9144000" cy="6858000" type="screen4x3"/>
   <p:notesSz cx="6858000" cy="9144000"/>
@@ -141,6 +142,16 @@
             <a:srgbClr val="A4A3A4"/>
           </p15:clr>
         </p15:guide>
+        <p15:guide id="15" orient="horz" pos="2160" userDrawn="1">
+          <p15:clr>
+            <a:srgbClr val="A4A3A4"/>
+          </p15:clr>
+        </p15:guide>
+        <p15:guide id="16" orient="horz" pos="3974" userDrawn="1">
+          <p15:clr>
+            <a:srgbClr val="A4A3A4"/>
+          </p15:clr>
+        </p15:guide>
       </p15:sldGuideLst>
     </p:ext>
   </p:extLst>
@@ -229,7 +240,7 @@
           <a:p>
             <a:fld id="{E5E32354-32FA-4E6A-B814-26266AE6F353}" type="datetimeFigureOut">
               <a:rPr lang="en-US" smtClean="0"/>
-              <a:t>11/2/2017</a:t>
+              <a:t>11/13/2017</a:t>
             </a:fld>
             <a:endParaRPr lang="en-US"/>
           </a:p>
@@ -646,7 +657,7 @@
           <a:p>
             <a:fld id="{4F99528B-31E4-4315-AFFE-E46C62513355}" type="slidenum">
               <a:rPr lang="en-US" smtClean="0"/>
-              <a:t>4</a:t>
+              <a:t>5</a:t>
             </a:fld>
             <a:endParaRPr lang="en-US"/>
           </a:p>
@@ -730,7 +741,7 @@
           <a:p>
             <a:fld id="{4F99528B-31E4-4315-AFFE-E46C62513355}" type="slidenum">
               <a:rPr lang="en-US" smtClean="0"/>
-              <a:t>5</a:t>
+              <a:t>6</a:t>
             </a:fld>
             <a:endParaRPr lang="en-US"/>
           </a:p>
@@ -814,7 +825,7 @@
           <a:p>
             <a:fld id="{4F99528B-31E4-4315-AFFE-E46C62513355}" type="slidenum">
               <a:rPr lang="en-US" smtClean="0"/>
-              <a:t>6</a:t>
+              <a:t>7</a:t>
             </a:fld>
             <a:endParaRPr lang="en-US"/>
           </a:p>
@@ -975,7 +986,7 @@
           <a:p>
             <a:fld id="{8036C585-A983-4D29-A701-9EF3CFE70FBF}" type="datetime1">
               <a:rPr lang="en-US" smtClean="0"/>
-              <a:t>11/2/2017</a:t>
+              <a:t>11/13/2017</a:t>
             </a:fld>
             <a:endParaRPr lang="en-US"/>
           </a:p>
@@ -1149,7 +1160,7 @@
           <a:p>
             <a:fld id="{AD1D5203-BC7C-42C2-89E4-02366F891280}" type="datetime1">
               <a:rPr lang="en-US" smtClean="0"/>
-              <a:t>11/2/2017</a:t>
+              <a:t>11/13/2017</a:t>
             </a:fld>
             <a:endParaRPr lang="en-US"/>
           </a:p>
@@ -1333,7 +1344,7 @@
           <a:p>
             <a:fld id="{FE6A3051-F935-4999-BFBE-212236356A8A}" type="datetime1">
               <a:rPr lang="en-US" smtClean="0"/>
-              <a:t>11/2/2017</a:t>
+              <a:t>11/13/2017</a:t>
             </a:fld>
             <a:endParaRPr lang="en-US"/>
           </a:p>
@@ -1529,7 +1540,7 @@
           <a:p>
             <a:fld id="{1E985461-1E70-4229-80DB-853BCB51875B}" type="datetime1">
               <a:rPr lang="en-US" smtClean="0"/>
-              <a:t>11/2/2017</a:t>
+              <a:t>11/13/2017</a:t>
             </a:fld>
             <a:endParaRPr lang="en-US"/>
           </a:p>
@@ -1703,7 +1714,7 @@
           <a:p>
             <a:fld id="{1479ADC5-FB6A-4DCC-AB51-D77886120822}" type="datetime1">
               <a:rPr lang="en-US" smtClean="0"/>
-              <a:t>11/2/2017</a:t>
+              <a:t>11/13/2017</a:t>
             </a:fld>
             <a:endParaRPr lang="en-US"/>
           </a:p>
@@ -1953,7 +1964,7 @@
           <a:p>
             <a:fld id="{796F4621-15DA-4B45-88C5-BECF2E40AC9B}" type="datetime1">
               <a:rPr lang="en-US" smtClean="0"/>
-              <a:t>11/2/2017</a:t>
+              <a:t>11/13/2017</a:t>
             </a:fld>
             <a:endParaRPr lang="en-US"/>
           </a:p>
@@ -2189,7 +2200,7 @@
           <a:p>
             <a:fld id="{B46B4746-6956-4EA4-991F-9D1531476F93}" type="datetime1">
               <a:rPr lang="en-US" smtClean="0"/>
-              <a:t>11/2/2017</a:t>
+              <a:t>11/13/2017</a:t>
             </a:fld>
             <a:endParaRPr lang="en-US"/>
           </a:p>
@@ -2560,7 +2571,7 @@
           <a:p>
             <a:fld id="{31180A16-EB34-4043-B83D-499281663695}" type="datetime1">
               <a:rPr lang="en-US" smtClean="0"/>
-              <a:t>11/2/2017</a:t>
+              <a:t>11/13/2017</a:t>
             </a:fld>
             <a:endParaRPr lang="en-US"/>
           </a:p>
@@ -2682,7 +2693,7 @@
           <a:p>
             <a:fld id="{5CBB39BD-9303-492F-A561-94B0326944D4}" type="datetime1">
               <a:rPr lang="en-US" smtClean="0"/>
-              <a:t>11/2/2017</a:t>
+              <a:t>11/13/2017</a:t>
             </a:fld>
             <a:endParaRPr lang="en-US"/>
           </a:p>
@@ -2781,7 +2792,7 @@
           <a:p>
             <a:fld id="{965B9AAD-3125-47FF-B1D7-D42B954F5039}" type="datetime1">
               <a:rPr lang="en-US" smtClean="0"/>
-              <a:t>11/2/2017</a:t>
+              <a:t>11/13/2017</a:t>
             </a:fld>
             <a:endParaRPr lang="en-US"/>
           </a:p>
@@ -3062,7 +3073,7 @@
           <a:p>
             <a:fld id="{73E65BEB-1141-4F9F-908C-BD8E737F9C5F}" type="datetime1">
               <a:rPr lang="en-US" smtClean="0"/>
-              <a:t>11/2/2017</a:t>
+              <a:t>11/13/2017</a:t>
             </a:fld>
             <a:endParaRPr lang="en-US"/>
           </a:p>
@@ -3236,7 +3247,7 @@
           <a:p>
             <a:fld id="{B51E5FD6-B3F0-4913-AF4E-91B2558E2D08}" type="datetime1">
               <a:rPr lang="en-US" smtClean="0"/>
-              <a:t>11/2/2017</a:t>
+              <a:t>11/13/2017</a:t>
             </a:fld>
             <a:endParaRPr lang="en-US"/>
           </a:p>
@@ -3493,7 +3504,7 @@
           <a:p>
             <a:fld id="{7B41DB24-2C19-44F1-A737-961FAAE5907A}" type="datetime1">
               <a:rPr lang="en-US" smtClean="0"/>
-              <a:t>11/2/2017</a:t>
+              <a:t>11/13/2017</a:t>
             </a:fld>
             <a:endParaRPr lang="en-US"/>
           </a:p>
@@ -3667,7 +3678,7 @@
           <a:p>
             <a:fld id="{F9ED351E-CFBA-488B-ADA5-28317BCE17F6}" type="datetime1">
               <a:rPr lang="en-US" smtClean="0"/>
-              <a:t>11/2/2017</a:t>
+              <a:t>11/13/2017</a:t>
             </a:fld>
             <a:endParaRPr lang="en-US"/>
           </a:p>
@@ -3851,7 +3862,7 @@
           <a:p>
             <a:fld id="{D1DFA93E-67A5-4629-9ACE-4E7AE6772B60}" type="datetime1">
               <a:rPr lang="en-US" smtClean="0"/>
-              <a:t>11/2/2017</a:t>
+              <a:t>11/13/2017</a:t>
             </a:fld>
             <a:endParaRPr lang="en-US"/>
           </a:p>
@@ -4106,7 +4117,7 @@
           <a:p>
             <a:fld id="{7E94A088-F3ED-45FD-9B60-6A8E24D4BDA9}" type="datetime1">
               <a:rPr lang="en-US" smtClean="0"/>
-              <a:t>11/2/2017</a:t>
+              <a:t>11/13/2017</a:t>
             </a:fld>
             <a:endParaRPr lang="en-US"/>
           </a:p>
@@ -4342,7 +4353,7 @@
           <a:p>
             <a:fld id="{5485EAEB-10C1-49D0-A5DC-442D745E8FED}" type="datetime1">
               <a:rPr lang="en-US" smtClean="0"/>
-              <a:t>11/2/2017</a:t>
+              <a:t>11/13/2017</a:t>
             </a:fld>
             <a:endParaRPr lang="en-US"/>
           </a:p>
@@ -4693,7 +4704,7 @@
           <a:p>
             <a:fld id="{C1ED6B4D-0C06-4066-BE55-C5DC19397E83}" type="datetime1">
               <a:rPr lang="en-US" smtClean="0"/>
-              <a:t>11/2/2017</a:t>
+              <a:t>11/13/2017</a:t>
             </a:fld>
             <a:endParaRPr lang="en-US"/>
           </a:p>
@@ -4815,7 +4826,7 @@
           <a:p>
             <a:fld id="{DA7F24C4-47F4-4F0B-B861-24178AF4F882}" type="datetime1">
               <a:rPr lang="en-US" smtClean="0"/>
-              <a:t>11/2/2017</a:t>
+              <a:t>11/13/2017</a:t>
             </a:fld>
             <a:endParaRPr lang="en-US"/>
           </a:p>
@@ -4937,7 +4948,7 @@
           <a:p>
             <a:fld id="{166C1A3D-B811-45A7-AE31-D8748560452F}" type="datetime1">
               <a:rPr lang="en-US" smtClean="0"/>
-              <a:t>11/2/2017</a:t>
+              <a:t>11/13/2017</a:t>
             </a:fld>
             <a:endParaRPr lang="en-US"/>
           </a:p>
@@ -5225,7 +5236,7 @@
           <a:p>
             <a:fld id="{816142D6-16DD-4A95-80C3-F6FBF97DD9B4}" type="datetime1">
               <a:rPr lang="en-US" smtClean="0"/>
-              <a:t>11/2/2017</a:t>
+              <a:t>11/13/2017</a:t>
             </a:fld>
             <a:endParaRPr lang="en-US"/>
           </a:p>
@@ -5493,7 +5504,7 @@
           <a:p>
             <a:fld id="{3BF0FADF-0E41-41CE-BA51-5C4EDEC3FC01}" type="datetime1">
               <a:rPr lang="en-US" smtClean="0"/>
-              <a:t>11/2/2017</a:t>
+              <a:t>11/13/2017</a:t>
             </a:fld>
             <a:endParaRPr lang="en-US"/>
           </a:p>
@@ -5711,7 +5722,7 @@
           <a:p>
             <a:fld id="{A148A423-D151-4948-9C16-2DC5199FF080}" type="datetime1">
               <a:rPr lang="en-US" smtClean="0"/>
-              <a:t>11/2/2017</a:t>
+              <a:t>11/13/2017</a:t>
             </a:fld>
             <a:endParaRPr lang="en-US"/>
           </a:p>
@@ -6245,7 +6256,7 @@
           <a:p>
             <a:fld id="{CD387425-1F8A-4A62-90D5-DC2B7946C9CD}" type="datetime1">
               <a:rPr lang="en-US" smtClean="0"/>
-              <a:t>11/2/2017</a:t>
+              <a:t>11/13/2017</a:t>
             </a:fld>
             <a:endParaRPr lang="en-US"/>
           </a:p>
@@ -6963,109 +6974,577 @@
           <a:p>
             <a:pPr>
               <a:spcAft>
-                <a:spcPts val="1200"/>
+                <a:spcPts val="1800"/>
               </a:spcAft>
             </a:pPr>
             <a:r>
               <a:rPr lang="en-US" b="1" dirty="0" smtClean="0">
                 <a:solidFill>
-                  <a:srgbClr val="2C3E50"/>
+                  <a:srgbClr val="34495E"/>
                 </a:solidFill>
                 <a:latin typeface="+mj-lt"/>
-              </a:rPr>
-              <a:t>EEG-fMRI Paradigm</a:t>
-            </a:r>
-          </a:p>
-          <a:p>
-            <a:pPr algn="just">
+                <a:ea typeface="Open Sans" panose="020B0606030504020204" pitchFamily="34" charset="0"/>
+                <a:cs typeface="Open Sans" panose="020B0606030504020204" pitchFamily="34" charset="0"/>
+              </a:rPr>
+              <a:t>Outline</a:t>
+            </a:r>
+            <a:endParaRPr lang="en-US" b="1" dirty="0">
+              <a:solidFill>
+                <a:srgbClr val="34495E"/>
+              </a:solidFill>
+              <a:latin typeface="+mj-lt"/>
+              <a:ea typeface="Open Sans" panose="020B0606030504020204" pitchFamily="34" charset="0"/>
+              <a:cs typeface="Open Sans" panose="020B0606030504020204" pitchFamily="34" charset="0"/>
+            </a:endParaRPr>
+          </a:p>
+          <a:p>
+            <a:pPr marL="857250" lvl="1" indent="-400050">
+              <a:spcAft>
+                <a:spcPts val="1800"/>
+              </a:spcAft>
+              <a:buFont typeface="+mj-lt"/>
+              <a:buAutoNum type="romanUcPeriod"/>
+            </a:pPr>
+            <a:r>
+              <a:rPr lang="en-US" sz="1600" dirty="0" smtClean="0">
+                <a:solidFill>
+                  <a:srgbClr val="95A5A6"/>
+                </a:solidFill>
+                <a:ea typeface="Open Sans" panose="020B0606030504020204" pitchFamily="34" charset="0"/>
+                <a:cs typeface="Open Sans" panose="020B0606030504020204" pitchFamily="34" charset="0"/>
+              </a:rPr>
+              <a:t>General introduction</a:t>
+            </a:r>
+          </a:p>
+          <a:p>
+            <a:pPr marL="857250" lvl="1" indent="-400050">
+              <a:spcAft>
+                <a:spcPts val="600"/>
+              </a:spcAft>
+              <a:buFont typeface="+mj-lt"/>
+              <a:buAutoNum type="romanUcPeriod"/>
+            </a:pPr>
+            <a:r>
+              <a:rPr lang="en-US" sz="1600" b="1" dirty="0" smtClean="0">
+                <a:solidFill>
+                  <a:srgbClr val="34495E"/>
+                </a:solidFill>
+                <a:ea typeface="Open Sans" panose="020B0606030504020204" pitchFamily="34" charset="0"/>
+                <a:cs typeface="Open Sans" panose="020B0606030504020204" pitchFamily="34" charset="0"/>
+              </a:rPr>
+              <a:t>Mechanisms of dream recall frequency (DRF)</a:t>
+            </a:r>
+          </a:p>
+          <a:p>
+            <a:pPr marL="1200150" lvl="2" indent="-285750">
+              <a:spcAft>
+                <a:spcPts val="600"/>
+              </a:spcAft>
+              <a:buFont typeface="Arial" panose="020B0604020202020204" pitchFamily="34" charset="0"/>
+              <a:buChar char="•"/>
+            </a:pPr>
+            <a:r>
+              <a:rPr lang="en-US" sz="1600" dirty="0" smtClean="0">
+                <a:solidFill>
+                  <a:srgbClr val="95A5A6"/>
+                </a:solidFill>
+                <a:ea typeface="Open Sans" panose="020B0606030504020204" pitchFamily="34" charset="0"/>
+                <a:cs typeface="Open Sans" panose="020B0606030504020204" pitchFamily="34" charset="0"/>
+              </a:rPr>
+              <a:t>Study 1: DRF and arousals	</a:t>
+            </a:r>
+          </a:p>
+          <a:p>
+            <a:pPr marL="1200150" lvl="2" indent="-285750">
+              <a:spcAft>
+                <a:spcPts val="600"/>
+              </a:spcAft>
+              <a:buFont typeface="Arial" panose="020B0604020202020204" pitchFamily="34" charset="0"/>
+              <a:buChar char="•"/>
+            </a:pPr>
+            <a:r>
+              <a:rPr lang="en-US" sz="1600" b="1" dirty="0" smtClean="0">
+                <a:solidFill>
+                  <a:srgbClr val="34495E"/>
+                </a:solidFill>
+                <a:ea typeface="Open Sans" panose="020B0606030504020204" pitchFamily="34" charset="0"/>
+                <a:cs typeface="Open Sans" panose="020B0606030504020204" pitchFamily="34" charset="0"/>
+              </a:rPr>
+              <a:t>Study 2: DRF and sleep inertia</a:t>
+            </a:r>
+            <a:r>
+              <a:rPr lang="en-US" sz="1600" dirty="0" smtClean="0">
+                <a:solidFill>
+                  <a:srgbClr val="34495E"/>
+                </a:solidFill>
+                <a:ea typeface="Open Sans" panose="020B0606030504020204" pitchFamily="34" charset="0"/>
+                <a:cs typeface="Open Sans" panose="020B0606030504020204" pitchFamily="34" charset="0"/>
+              </a:rPr>
+              <a:t>		</a:t>
+            </a:r>
+            <a:r>
+              <a:rPr lang="en-US" sz="1600" i="1" dirty="0" smtClean="0">
+                <a:solidFill>
+                  <a:srgbClr val="34495E"/>
+                </a:solidFill>
+                <a:latin typeface="HelveticaNeueLT Std Lt" panose="020B0403020202020204" pitchFamily="34" charset="0"/>
+                <a:ea typeface="Open Sans" panose="020B0606030504020204" pitchFamily="34" charset="0"/>
+                <a:cs typeface="Open Sans" panose="020B0606030504020204" pitchFamily="34" charset="0"/>
+              </a:rPr>
+              <a:t>        </a:t>
+            </a:r>
+          </a:p>
+          <a:p>
+            <a:pPr marL="1200150" lvl="2" indent="-285750">
+              <a:spcAft>
+                <a:spcPts val="600"/>
+              </a:spcAft>
+              <a:buFont typeface="Arial" panose="020B0604020202020204" pitchFamily="34" charset="0"/>
+              <a:buChar char="•"/>
+            </a:pPr>
+            <a:r>
+              <a:rPr lang="en-US" sz="1600" dirty="0" smtClean="0">
+                <a:solidFill>
+                  <a:srgbClr val="95A5A6"/>
+                </a:solidFill>
+                <a:ea typeface="Open Sans" panose="020B0606030504020204" pitchFamily="34" charset="0"/>
+                <a:cs typeface="Open Sans" panose="020B0606030504020204" pitchFamily="34" charset="0"/>
+              </a:rPr>
+              <a:t>Study 3: DRF and the default mode network			</a:t>
+            </a:r>
+          </a:p>
+          <a:p>
+            <a:pPr marL="1200150" lvl="2" indent="-285750">
+              <a:spcAft>
+                <a:spcPts val="600"/>
+              </a:spcAft>
+              <a:buFont typeface="Arial" panose="020B0604020202020204" pitchFamily="34" charset="0"/>
+              <a:buChar char="•"/>
+            </a:pPr>
+            <a:r>
+              <a:rPr lang="en-US" sz="1600" dirty="0" smtClean="0">
+                <a:solidFill>
+                  <a:srgbClr val="95A5A6"/>
+                </a:solidFill>
+                <a:ea typeface="Open Sans" panose="020B0606030504020204" pitchFamily="34" charset="0"/>
+                <a:cs typeface="Open Sans" panose="020B0606030504020204" pitchFamily="34" charset="0"/>
+              </a:rPr>
+              <a:t>Study 4: DRF in the student population </a:t>
+            </a:r>
+          </a:p>
+          <a:p>
+            <a:pPr marL="1200150" lvl="2" indent="-285750">
+              <a:spcAft>
+                <a:spcPts val="1800"/>
+              </a:spcAft>
+              <a:buFont typeface="Arial" panose="020B0604020202020204" pitchFamily="34" charset="0"/>
+              <a:buChar char="•"/>
+            </a:pPr>
+            <a:r>
+              <a:rPr lang="en-US" sz="1600" dirty="0" smtClean="0">
+                <a:solidFill>
+                  <a:srgbClr val="95A5A6"/>
+                </a:solidFill>
+                <a:ea typeface="Open Sans" panose="020B0606030504020204" pitchFamily="34" charset="0"/>
+                <a:cs typeface="Open Sans" panose="020B0606030504020204" pitchFamily="34" charset="0"/>
+              </a:rPr>
+              <a:t>Conclusion		</a:t>
+            </a:r>
+          </a:p>
+          <a:p>
+            <a:pPr marL="857250" lvl="1" indent="-400050">
+              <a:spcAft>
+                <a:spcPts val="600"/>
+              </a:spcAft>
+              <a:buFont typeface="+mj-lt"/>
+              <a:buAutoNum type="romanUcPeriod"/>
+            </a:pPr>
+            <a:r>
+              <a:rPr lang="en-US" sz="1600" dirty="0" smtClean="0">
+                <a:solidFill>
+                  <a:srgbClr val="95A5A6"/>
+                </a:solidFill>
+                <a:ea typeface="Open Sans" panose="020B0606030504020204" pitchFamily="34" charset="0"/>
+                <a:cs typeface="Open Sans" panose="020B0606030504020204" pitchFamily="34" charset="0"/>
+              </a:rPr>
+              <a:t>Dream content and dream function</a:t>
+            </a:r>
+          </a:p>
+          <a:p>
+            <a:pPr marL="1200150" lvl="2" indent="-285750">
+              <a:spcAft>
+                <a:spcPts val="1800"/>
+              </a:spcAft>
+              <a:buFont typeface="Arial" panose="020B0604020202020204" pitchFamily="34" charset="0"/>
+              <a:buChar char="•"/>
+            </a:pPr>
+            <a:r>
+              <a:rPr lang="en-US" sz="1600" dirty="0" smtClean="0">
+                <a:solidFill>
+                  <a:srgbClr val="95A5A6"/>
+                </a:solidFill>
+                <a:ea typeface="Open Sans" panose="020B0606030504020204" pitchFamily="34" charset="0"/>
+                <a:cs typeface="Open Sans" panose="020B0606030504020204" pitchFamily="34" charset="0"/>
+              </a:rPr>
+              <a:t>Study 5: The link between waking-life and dream content </a:t>
+            </a:r>
+          </a:p>
+          <a:p>
+            <a:pPr marL="857250" lvl="1" indent="-400050">
+              <a:spcAft>
+                <a:spcPts val="600"/>
+              </a:spcAft>
+              <a:buFont typeface="+mj-lt"/>
+              <a:buAutoNum type="romanUcPeriod"/>
+            </a:pPr>
+            <a:r>
+              <a:rPr lang="en-US" sz="1600" dirty="0" smtClean="0">
+                <a:solidFill>
+                  <a:srgbClr val="95A5A6"/>
+                </a:solidFill>
+                <a:ea typeface="Open Sans" panose="020B0606030504020204" pitchFamily="34" charset="0"/>
+                <a:cs typeface="Open Sans" panose="020B0606030504020204" pitchFamily="34" charset="0"/>
+              </a:rPr>
+              <a:t>Methodological development</a:t>
+            </a:r>
+          </a:p>
+          <a:p>
+            <a:pPr marL="1200150" lvl="2" indent="-285750">
+              <a:spcAft>
+                <a:spcPts val="1800"/>
+              </a:spcAft>
+              <a:buFont typeface="Arial" panose="020B0604020202020204" pitchFamily="34" charset="0"/>
+              <a:buChar char="•"/>
+            </a:pPr>
+            <a:r>
+              <a:rPr lang="en-US" sz="1600" dirty="0" smtClean="0">
+                <a:solidFill>
+                  <a:srgbClr val="95A5A6"/>
+                </a:solidFill>
+                <a:ea typeface="Open Sans" panose="020B0606030504020204" pitchFamily="34" charset="0"/>
+                <a:cs typeface="Open Sans" panose="020B0606030504020204" pitchFamily="34" charset="0"/>
+              </a:rPr>
+              <a:t>Study 6: An open source software for sleep scoring and analysis</a:t>
+            </a:r>
+          </a:p>
+          <a:p>
+            <a:pPr marL="857250" lvl="1" indent="-400050">
+              <a:spcAft>
+                <a:spcPts val="1800"/>
+              </a:spcAft>
+              <a:buFont typeface="+mj-lt"/>
+              <a:buAutoNum type="romanUcPeriod"/>
+            </a:pPr>
+            <a:r>
+              <a:rPr lang="en-US" sz="1600" dirty="0" smtClean="0">
+                <a:solidFill>
+                  <a:srgbClr val="95A5A6"/>
+                </a:solidFill>
+                <a:ea typeface="Open Sans" panose="020B0606030504020204" pitchFamily="34" charset="0"/>
+                <a:cs typeface="Open Sans" panose="020B0606030504020204" pitchFamily="34" charset="0"/>
+              </a:rPr>
+              <a:t>General conclusion</a:t>
+            </a:r>
+          </a:p>
+          <a:p>
+            <a:pPr>
               <a:spcAft>
                 <a:spcPts val="1200"/>
               </a:spcAft>
             </a:pPr>
-            <a:endParaRPr lang="en-US" b="1" dirty="0" smtClean="0">
+            <a:endParaRPr lang="en-US" dirty="0">
               <a:solidFill>
-                <a:srgbClr val="2C3E50"/>
+                <a:schemeClr val="tx2">
+                  <a:lumMod val="50000"/>
+                </a:schemeClr>
               </a:solidFill>
-              <a:latin typeface="+mj-lt"/>
+              <a:latin typeface="Open Sans" panose="020B0606030504020204" pitchFamily="34" charset="0"/>
+              <a:ea typeface="Open Sans" panose="020B0606030504020204" pitchFamily="34" charset="0"/>
+              <a:cs typeface="Open Sans" panose="020B0606030504020204" pitchFamily="34" charset="0"/>
             </a:endParaRPr>
           </a:p>
-          <a:p>
-            <a:pPr algn="just">
-              <a:spcAft>
-                <a:spcPts val="1200"/>
-              </a:spcAft>
-            </a:pPr>
-            <a:endParaRPr lang="en-US" sz="1600" i="1" dirty="0" smtClean="0">
+        </p:txBody>
+      </p:sp>
+      <p:sp>
+        <p:nvSpPr>
+          <p:cNvPr id="16" name="Rectangle 15"/>
+          <p:cNvSpPr/>
+          <p:nvPr/>
+        </p:nvSpPr>
+        <p:spPr>
+          <a:xfrm>
+            <a:off x="0" y="0"/>
+            <a:ext cx="9144000" cy="259200"/>
+          </a:xfrm>
+          <a:prstGeom prst="rect">
+            <a:avLst/>
+          </a:prstGeom>
+          <a:solidFill>
+            <a:srgbClr val="45607B"/>
+          </a:solidFill>
+          <a:ln>
+            <a:noFill/>
+          </a:ln>
+        </p:spPr>
+        <p:style>
+          <a:lnRef idx="2">
+            <a:schemeClr val="accent1">
+              <a:shade val="50000"/>
+            </a:schemeClr>
+          </a:lnRef>
+          <a:fillRef idx="1">
+            <a:schemeClr val="accent1"/>
+          </a:fillRef>
+          <a:effectRef idx="0">
+            <a:schemeClr val="accent1"/>
+          </a:effectRef>
+          <a:fontRef idx="minor">
+            <a:schemeClr val="lt1"/>
+          </a:fontRef>
+        </p:style>
+        <p:txBody>
+          <a:bodyPr rtlCol="0" anchor="ctr"/>
+          <a:lstStyle/>
+          <a:p>
+            <a:pPr algn="ctr"/>
+            <a:endParaRPr lang="en-US" dirty="0">
               <a:solidFill>
-                <a:srgbClr val="10171E"/>
+                <a:schemeClr val="bg1"/>
               </a:solidFill>
+              <a:latin typeface="Roboto Light" panose="02000000000000000000" pitchFamily="2" charset="0"/>
+              <a:ea typeface="Roboto Light" panose="02000000000000000000" pitchFamily="2" charset="0"/>
             </a:endParaRPr>
           </a:p>
-          <a:p>
-            <a:pPr algn="just">
-              <a:spcAft>
-                <a:spcPts val="1200"/>
-              </a:spcAft>
-            </a:pPr>
-            <a:endParaRPr lang="en-US" sz="1600" i="1" dirty="0">
+        </p:txBody>
+      </p:sp>
+      <p:sp>
+        <p:nvSpPr>
+          <p:cNvPr id="17" name="ZoneTexte 16"/>
+          <p:cNvSpPr txBox="1"/>
+          <p:nvPr/>
+        </p:nvSpPr>
+        <p:spPr>
+          <a:xfrm>
+            <a:off x="0" y="259200"/>
+            <a:ext cx="1828800" cy="261610"/>
+          </a:xfrm>
+          <a:prstGeom prst="rect">
+            <a:avLst/>
+          </a:prstGeom>
+          <a:solidFill>
+            <a:srgbClr val="ECF0F1"/>
+          </a:solidFill>
+        </p:spPr>
+        <p:txBody>
+          <a:bodyPr wrap="square" rtlCol="0">
+            <a:spAutoFit/>
+          </a:bodyPr>
+          <a:lstStyle/>
+          <a:p>
+            <a:pPr algn="ctr"/>
+            <a:r>
+              <a:rPr lang="en-US" sz="1100" b="1" i="1" dirty="0" smtClean="0">
+                <a:solidFill>
+                  <a:srgbClr val="34495E"/>
+                </a:solidFill>
+                <a:latin typeface="Roboto Light" panose="02000000000000000000" pitchFamily="2" charset="0"/>
+                <a:ea typeface="Roboto Light" panose="02000000000000000000" pitchFamily="2" charset="0"/>
+              </a:rPr>
+              <a:t>Introduction</a:t>
+            </a:r>
+            <a:endParaRPr lang="en-US" sz="1100" b="1" i="1" dirty="0">
               <a:solidFill>
-                <a:srgbClr val="10171E"/>
+                <a:srgbClr val="34495E"/>
               </a:solidFill>
+              <a:latin typeface="Roboto Light" panose="02000000000000000000" pitchFamily="2" charset="0"/>
+              <a:ea typeface="Roboto Light" panose="02000000000000000000" pitchFamily="2" charset="0"/>
             </a:endParaRPr>
           </a:p>
-          <a:p>
-            <a:pPr algn="just">
-              <a:spcAft>
-                <a:spcPts val="1200"/>
-              </a:spcAft>
-            </a:pPr>
-            <a:endParaRPr lang="en-US" sz="1600" i="1" dirty="0" smtClean="0">
+        </p:txBody>
+      </p:sp>
+      <p:sp>
+        <p:nvSpPr>
+          <p:cNvPr id="18" name="ZoneTexte 17"/>
+          <p:cNvSpPr txBox="1"/>
+          <p:nvPr/>
+        </p:nvSpPr>
+        <p:spPr>
+          <a:xfrm>
+            <a:off x="1828800" y="258463"/>
+            <a:ext cx="1828800" cy="261610"/>
+          </a:xfrm>
+          <a:prstGeom prst="rect">
+            <a:avLst/>
+          </a:prstGeom>
+          <a:solidFill>
+            <a:srgbClr val="ECF0F1"/>
+          </a:solidFill>
+        </p:spPr>
+        <p:txBody>
+          <a:bodyPr wrap="square" rtlCol="0">
+            <a:spAutoFit/>
+          </a:bodyPr>
+          <a:lstStyle/>
+          <a:p>
+            <a:pPr algn="ctr"/>
+            <a:r>
+              <a:rPr lang="en-US" sz="1100" i="1" dirty="0" smtClean="0">
+                <a:solidFill>
+                  <a:srgbClr val="95A5A6"/>
+                </a:solidFill>
+                <a:latin typeface="Roboto Light" panose="02000000000000000000" pitchFamily="2" charset="0"/>
+                <a:ea typeface="Roboto Light" panose="02000000000000000000" pitchFamily="2" charset="0"/>
+              </a:rPr>
+              <a:t>Dream recall</a:t>
+            </a:r>
+            <a:endParaRPr lang="en-US" sz="1100" i="1" dirty="0">
               <a:solidFill>
-                <a:srgbClr val="10171E"/>
+                <a:srgbClr val="95A5A6"/>
               </a:solidFill>
+              <a:latin typeface="Roboto Light" panose="02000000000000000000" pitchFamily="2" charset="0"/>
+              <a:ea typeface="Roboto Light" panose="02000000000000000000" pitchFamily="2" charset="0"/>
             </a:endParaRPr>
           </a:p>
-          <a:p>
-            <a:pPr algn="just">
-              <a:spcAft>
-                <a:spcPts val="1200"/>
-              </a:spcAft>
-            </a:pPr>
-            <a:endParaRPr lang="en-US" sz="1600" i="1" dirty="0">
+        </p:txBody>
+      </p:sp>
+      <p:sp>
+        <p:nvSpPr>
+          <p:cNvPr id="19" name="ZoneTexte 18"/>
+          <p:cNvSpPr txBox="1"/>
+          <p:nvPr/>
+        </p:nvSpPr>
+        <p:spPr>
+          <a:xfrm>
+            <a:off x="3657600" y="258463"/>
+            <a:ext cx="1828800" cy="261610"/>
+          </a:xfrm>
+          <a:prstGeom prst="rect">
+            <a:avLst/>
+          </a:prstGeom>
+          <a:solidFill>
+            <a:srgbClr val="ECF0F1"/>
+          </a:solidFill>
+        </p:spPr>
+        <p:txBody>
+          <a:bodyPr wrap="square" rtlCol="0">
+            <a:spAutoFit/>
+          </a:bodyPr>
+          <a:lstStyle/>
+          <a:p>
+            <a:pPr algn="ctr"/>
+            <a:r>
+              <a:rPr lang="en-US" sz="1100" i="1" dirty="0" smtClean="0">
+                <a:solidFill>
+                  <a:srgbClr val="95A5A6"/>
+                </a:solidFill>
+                <a:latin typeface="Roboto Light" panose="02000000000000000000" pitchFamily="2" charset="0"/>
+                <a:ea typeface="Roboto Light" panose="02000000000000000000" pitchFamily="2" charset="0"/>
+              </a:rPr>
+              <a:t>Dream content</a:t>
+            </a:r>
+            <a:endParaRPr lang="en-US" sz="1100" i="1" dirty="0">
               <a:solidFill>
-                <a:srgbClr val="10171E"/>
+                <a:srgbClr val="95A5A6"/>
               </a:solidFill>
+              <a:latin typeface="Roboto Light" panose="02000000000000000000" pitchFamily="2" charset="0"/>
+              <a:ea typeface="Roboto Light" panose="02000000000000000000" pitchFamily="2" charset="0"/>
             </a:endParaRPr>
           </a:p>
-          <a:p>
-            <a:pPr algn="just">
-              <a:spcAft>
-                <a:spcPts val="1200"/>
-              </a:spcAft>
-            </a:pPr>
-            <a:endParaRPr lang="en-US" sz="1600" i="1" dirty="0" smtClean="0">
+        </p:txBody>
+      </p:sp>
+      <p:sp>
+        <p:nvSpPr>
+          <p:cNvPr id="20" name="ZoneTexte 19"/>
+          <p:cNvSpPr txBox="1"/>
+          <p:nvPr/>
+        </p:nvSpPr>
+        <p:spPr>
+          <a:xfrm>
+            <a:off x="5486400" y="258463"/>
+            <a:ext cx="1828800" cy="261610"/>
+          </a:xfrm>
+          <a:prstGeom prst="rect">
+            <a:avLst/>
+          </a:prstGeom>
+          <a:solidFill>
+            <a:srgbClr val="ECF0F1"/>
+          </a:solidFill>
+        </p:spPr>
+        <p:txBody>
+          <a:bodyPr wrap="square" rtlCol="0">
+            <a:spAutoFit/>
+          </a:bodyPr>
+          <a:lstStyle/>
+          <a:p>
+            <a:pPr algn="ctr"/>
+            <a:r>
+              <a:rPr lang="en-US" sz="1100" i="1" dirty="0" smtClean="0">
+                <a:solidFill>
+                  <a:srgbClr val="95A5A6"/>
+                </a:solidFill>
+                <a:latin typeface="Roboto Light" panose="02000000000000000000" pitchFamily="2" charset="0"/>
+                <a:ea typeface="Roboto Light" panose="02000000000000000000" pitchFamily="2" charset="0"/>
+              </a:rPr>
+              <a:t>Software</a:t>
+            </a:r>
+            <a:endParaRPr lang="en-US" sz="1100" i="1" dirty="0">
               <a:solidFill>
-                <a:srgbClr val="10171E"/>
+                <a:srgbClr val="95A5A6"/>
               </a:solidFill>
+              <a:latin typeface="Roboto Light" panose="02000000000000000000" pitchFamily="2" charset="0"/>
+              <a:ea typeface="Roboto Light" panose="02000000000000000000" pitchFamily="2" charset="0"/>
             </a:endParaRPr>
           </a:p>
-          <a:p>
-            <a:pPr algn="just">
-              <a:spcAft>
-                <a:spcPts val="1200"/>
-              </a:spcAft>
-            </a:pPr>
-            <a:endParaRPr lang="en-US" sz="1600" dirty="0" smtClean="0">
+        </p:txBody>
+      </p:sp>
+      <p:sp>
+        <p:nvSpPr>
+          <p:cNvPr id="21" name="ZoneTexte 20"/>
+          <p:cNvSpPr txBox="1"/>
+          <p:nvPr/>
+        </p:nvSpPr>
+        <p:spPr>
+          <a:xfrm>
+            <a:off x="7315200" y="258463"/>
+            <a:ext cx="1828800" cy="261610"/>
+          </a:xfrm>
+          <a:prstGeom prst="rect">
+            <a:avLst/>
+          </a:prstGeom>
+          <a:solidFill>
+            <a:srgbClr val="ECF0F1"/>
+          </a:solidFill>
+        </p:spPr>
+        <p:txBody>
+          <a:bodyPr wrap="square" rtlCol="0">
+            <a:spAutoFit/>
+          </a:bodyPr>
+          <a:lstStyle/>
+          <a:p>
+            <a:pPr algn="ctr"/>
+            <a:r>
+              <a:rPr lang="en-US" sz="1100" i="1" dirty="0" smtClean="0">
+                <a:solidFill>
+                  <a:srgbClr val="95A5A6"/>
+                </a:solidFill>
+                <a:latin typeface="Roboto Light" panose="02000000000000000000" pitchFamily="2" charset="0"/>
+                <a:ea typeface="Roboto Light" panose="02000000000000000000" pitchFamily="2" charset="0"/>
+              </a:rPr>
+              <a:t>Conclusion</a:t>
+            </a:r>
+            <a:endParaRPr lang="en-US" sz="1100" i="1" dirty="0">
               <a:solidFill>
-                <a:srgbClr val="10171E"/>
+                <a:srgbClr val="95A5A6"/>
               </a:solidFill>
+              <a:latin typeface="Roboto Light" panose="02000000000000000000" pitchFamily="2" charset="0"/>
+              <a:ea typeface="Roboto Light" panose="02000000000000000000" pitchFamily="2" charset="0"/>
             </a:endParaRPr>
           </a:p>
         </p:txBody>
       </p:sp>
       <p:sp>
         <p:nvSpPr>
-          <p:cNvPr id="4" name="Espace réservé du numéro de diapositive 3"/>
+          <p:cNvPr id="22" name="Espace réservé du numéro de diapositive 3"/>
           <p:cNvSpPr>
             <a:spLocks noGrp="1"/>
           </p:cNvSpPr>
@@ -7084,15 +7563,14 @@
           <a:lstStyle/>
           <a:p>
             <a:pPr algn="ctr"/>
-            <a:fld id="{35FF5DC1-B1C3-4575-9516-BF75EB359694}" type="slidenum">
-              <a:rPr lang="en-US" sz="1100" smtClean="0">
+            <a:r>
+              <a:rPr lang="en-US" sz="1100" dirty="0" smtClean="0">
                 <a:solidFill>
                   <a:srgbClr val="7F8C8D"/>
                 </a:solidFill>
               </a:rPr>
-              <a:pPr algn="ctr"/>
-              <a:t>10</a:t>
-            </a:fld>
+              <a:t>5</a:t>
+            </a:r>
             <a:endParaRPr lang="en-US" sz="1100" dirty="0">
               <a:solidFill>
                 <a:srgbClr val="7F8C8D"/>
@@ -7103,7 +7581,7 @@
       </p:sp>
       <p:cxnSp>
         <p:nvCxnSpPr>
-          <p:cNvPr id="6" name="Connecteur droit 5"/>
+          <p:cNvPr id="23" name="Connecteur droit 22"/>
           <p:cNvCxnSpPr/>
           <p:nvPr/>
         </p:nvCxnSpPr>
@@ -7138,7 +7616,7 @@
       </p:cxnSp>
       <p:sp>
         <p:nvSpPr>
-          <p:cNvPr id="7" name="ZoneTexte 6"/>
+          <p:cNvPr id="24" name="ZoneTexte 23"/>
           <p:cNvSpPr txBox="1"/>
           <p:nvPr/>
         </p:nvSpPr>
@@ -7167,8 +7645,354 @@
                 <a:latin typeface="Roboto Medium" panose="02000000000000000000" pitchFamily="2" charset="0"/>
                 <a:ea typeface="Roboto Medium" panose="02000000000000000000" pitchFamily="2" charset="0"/>
               </a:rPr>
-              <a:t>II. Mechanisms of dream recall frequency </a:t>
-            </a:r>
+              <a:t>Outline</a:t>
+            </a:r>
+            <a:endParaRPr lang="en-US" sz="1100" dirty="0">
+              <a:solidFill>
+                <a:srgbClr val="7F8C8D"/>
+              </a:solidFill>
+              <a:latin typeface="Roboto" pitchFamily="2" charset="0"/>
+              <a:ea typeface="Roboto" pitchFamily="2" charset="0"/>
+            </a:endParaRPr>
+          </a:p>
+        </p:txBody>
+      </p:sp>
+      <p:sp>
+        <p:nvSpPr>
+          <p:cNvPr id="25" name="ZoneTexte 24"/>
+          <p:cNvSpPr txBox="1"/>
+          <p:nvPr/>
+        </p:nvSpPr>
+        <p:spPr>
+          <a:xfrm>
+            <a:off x="284615" y="6471880"/>
+            <a:ext cx="3893227" cy="261610"/>
+          </a:xfrm>
+          <a:prstGeom prst="rect">
+            <a:avLst/>
+          </a:prstGeom>
+          <a:noFill/>
+        </p:spPr>
+        <p:txBody>
+          <a:bodyPr wrap="square" rtlCol="0">
+            <a:spAutoFit/>
+          </a:bodyPr>
+          <a:lstStyle/>
+          <a:p>
+            <a:r>
+              <a:rPr lang="en-US" sz="1100" dirty="0" smtClean="0">
+                <a:solidFill>
+                  <a:srgbClr val="7F8C8D"/>
+                </a:solidFill>
+                <a:latin typeface="Roboto Light" panose="02000000000000000000" pitchFamily="2" charset="0"/>
+                <a:ea typeface="Roboto Light" panose="02000000000000000000" pitchFamily="2" charset="0"/>
+              </a:rPr>
+              <a:t>R. Vallat – Ph.D. Oral Defense – December 8</a:t>
+            </a:r>
+            <a:r>
+              <a:rPr lang="en-US" sz="1100" baseline="30000" dirty="0" smtClean="0">
+                <a:solidFill>
+                  <a:srgbClr val="7F8C8D"/>
+                </a:solidFill>
+                <a:latin typeface="Roboto Light" panose="02000000000000000000" pitchFamily="2" charset="0"/>
+                <a:ea typeface="Roboto Light" panose="02000000000000000000" pitchFamily="2" charset="0"/>
+              </a:rPr>
+              <a:t>th</a:t>
+            </a:r>
+            <a:r>
+              <a:rPr lang="en-US" sz="1100" dirty="0" smtClean="0">
+                <a:solidFill>
+                  <a:srgbClr val="7F8C8D"/>
+                </a:solidFill>
+                <a:latin typeface="Roboto Light" panose="02000000000000000000" pitchFamily="2" charset="0"/>
+                <a:ea typeface="Roboto Light" panose="02000000000000000000" pitchFamily="2" charset="0"/>
+              </a:rPr>
+              <a:t> 2017</a:t>
+            </a:r>
+            <a:endParaRPr lang="en-US" sz="1100" dirty="0">
+              <a:solidFill>
+                <a:srgbClr val="7F8C8D"/>
+              </a:solidFill>
+              <a:latin typeface="Roboto Light" panose="02000000000000000000" pitchFamily="2" charset="0"/>
+              <a:ea typeface="Roboto Light" panose="02000000000000000000" pitchFamily="2" charset="0"/>
+            </a:endParaRPr>
+          </a:p>
+        </p:txBody>
+      </p:sp>
+    </p:spTree>
+    <p:extLst>
+      <p:ext uri="{BB962C8B-B14F-4D97-AF65-F5344CB8AC3E}">
+        <p14:creationId xmlns:p14="http://schemas.microsoft.com/office/powerpoint/2010/main" val="1937816580"/>
+      </p:ext>
+    </p:extLst>
+  </p:cSld>
+  <p:clrMapOvr>
+    <a:masterClrMapping/>
+  </p:clrMapOvr>
+  <p:timing>
+    <p:tnLst>
+      <p:par>
+        <p:cTn id="1" dur="indefinite" restart="never" nodeType="tmRoot"/>
+      </p:par>
+    </p:tnLst>
+  </p:timing>
+</p:sld>
+</file>
+
+<file path=ppt/slides/slide11.xml><?xml version="1.0" encoding="utf-8"?>
+<p:sld xmlns:a="http://schemas.openxmlformats.org/drawingml/2006/main" xmlns:r="http://schemas.openxmlformats.org/officeDocument/2006/relationships" xmlns:p="http://schemas.openxmlformats.org/presentationml/2006/main">
+  <p:cSld>
+    <p:spTree>
+      <p:nvGrpSpPr>
+        <p:cNvPr id="1" name=""/>
+        <p:cNvGrpSpPr/>
+        <p:nvPr/>
+      </p:nvGrpSpPr>
+      <p:grpSpPr>
+        <a:xfrm>
+          <a:off x="0" y="0"/>
+          <a:ext cx="0" cy="0"/>
+          <a:chOff x="0" y="0"/>
+          <a:chExt cx="0" cy="0"/>
+        </a:xfrm>
+      </p:grpSpPr>
+      <p:sp>
+        <p:nvSpPr>
+          <p:cNvPr id="13" name="Rectangle 12"/>
+          <p:cNvSpPr/>
+          <p:nvPr/>
+        </p:nvSpPr>
+        <p:spPr>
+          <a:xfrm>
+            <a:off x="611188" y="800100"/>
+            <a:ext cx="7921625" cy="5508625"/>
+          </a:xfrm>
+          <a:prstGeom prst="rect">
+            <a:avLst/>
+          </a:prstGeom>
+          <a:noFill/>
+          <a:ln>
+            <a:noFill/>
+          </a:ln>
+        </p:spPr>
+        <p:style>
+          <a:lnRef idx="2">
+            <a:schemeClr val="accent1">
+              <a:shade val="50000"/>
+            </a:schemeClr>
+          </a:lnRef>
+          <a:fillRef idx="1">
+            <a:schemeClr val="accent1"/>
+          </a:fillRef>
+          <a:effectRef idx="0">
+            <a:schemeClr val="accent1"/>
+          </a:effectRef>
+          <a:fontRef idx="minor">
+            <a:schemeClr val="lt1"/>
+          </a:fontRef>
+        </p:style>
+        <p:txBody>
+          <a:bodyPr rtlCol="0" anchor="t"/>
+          <a:lstStyle/>
+          <a:p>
+            <a:pPr>
+              <a:spcAft>
+                <a:spcPts val="1200"/>
+              </a:spcAft>
+            </a:pPr>
+            <a:r>
+              <a:rPr lang="en-US" b="1" dirty="0" smtClean="0">
+                <a:solidFill>
+                  <a:srgbClr val="2C3E50"/>
+                </a:solidFill>
+                <a:latin typeface="+mj-lt"/>
+              </a:rPr>
+              <a:t>EEG-fMRI Paradigm</a:t>
+            </a:r>
+          </a:p>
+          <a:p>
+            <a:pPr algn="just">
+              <a:spcAft>
+                <a:spcPts val="1200"/>
+              </a:spcAft>
+            </a:pPr>
+            <a:endParaRPr lang="en-US" b="1" dirty="0" smtClean="0">
+              <a:solidFill>
+                <a:srgbClr val="2C3E50"/>
+              </a:solidFill>
+              <a:latin typeface="+mj-lt"/>
+            </a:endParaRPr>
+          </a:p>
+          <a:p>
+            <a:pPr algn="just">
+              <a:spcAft>
+                <a:spcPts val="1200"/>
+              </a:spcAft>
+            </a:pPr>
+            <a:endParaRPr lang="en-US" sz="1600" i="1" dirty="0" smtClean="0">
+              <a:solidFill>
+                <a:srgbClr val="10171E"/>
+              </a:solidFill>
+            </a:endParaRPr>
+          </a:p>
+          <a:p>
+            <a:pPr algn="just">
+              <a:spcAft>
+                <a:spcPts val="1200"/>
+              </a:spcAft>
+            </a:pPr>
+            <a:endParaRPr lang="en-US" sz="1600" i="1" dirty="0">
+              <a:solidFill>
+                <a:srgbClr val="10171E"/>
+              </a:solidFill>
+            </a:endParaRPr>
+          </a:p>
+          <a:p>
+            <a:pPr algn="just">
+              <a:spcAft>
+                <a:spcPts val="1200"/>
+              </a:spcAft>
+            </a:pPr>
+            <a:endParaRPr lang="en-US" sz="1600" i="1" dirty="0" smtClean="0">
+              <a:solidFill>
+                <a:srgbClr val="10171E"/>
+              </a:solidFill>
+            </a:endParaRPr>
+          </a:p>
+          <a:p>
+            <a:pPr algn="just">
+              <a:spcAft>
+                <a:spcPts val="1200"/>
+              </a:spcAft>
+            </a:pPr>
+            <a:endParaRPr lang="en-US" sz="1600" i="1" dirty="0">
+              <a:solidFill>
+                <a:srgbClr val="10171E"/>
+              </a:solidFill>
+            </a:endParaRPr>
+          </a:p>
+          <a:p>
+            <a:pPr algn="just">
+              <a:spcAft>
+                <a:spcPts val="1200"/>
+              </a:spcAft>
+            </a:pPr>
+            <a:endParaRPr lang="en-US" sz="1600" i="1" dirty="0" smtClean="0">
+              <a:solidFill>
+                <a:srgbClr val="10171E"/>
+              </a:solidFill>
+            </a:endParaRPr>
+          </a:p>
+          <a:p>
+            <a:pPr algn="just">
+              <a:spcAft>
+                <a:spcPts val="1200"/>
+              </a:spcAft>
+            </a:pPr>
+            <a:endParaRPr lang="en-US" sz="1600" dirty="0" smtClean="0">
+              <a:solidFill>
+                <a:srgbClr val="10171E"/>
+              </a:solidFill>
+            </a:endParaRPr>
+          </a:p>
+        </p:txBody>
+      </p:sp>
+      <p:sp>
+        <p:nvSpPr>
+          <p:cNvPr id="4" name="Espace réservé du numéro de diapositive 3"/>
+          <p:cNvSpPr>
+            <a:spLocks noGrp="1"/>
+          </p:cNvSpPr>
+          <p:nvPr>
+            <p:ph type="sldNum" sz="quarter" idx="12"/>
+          </p:nvPr>
+        </p:nvSpPr>
+        <p:spPr>
+          <a:xfrm>
+            <a:off x="8532813" y="6420123"/>
+            <a:ext cx="611187" cy="365125"/>
+          </a:xfrm>
+        </p:spPr>
+        <p:txBody>
+          <a:bodyPr/>
+          <a:lstStyle/>
+          <a:p>
+            <a:pPr algn="ctr"/>
+            <a:fld id="{35FF5DC1-B1C3-4575-9516-BF75EB359694}" type="slidenum">
+              <a:rPr lang="en-US" sz="1100" smtClean="0">
+                <a:solidFill>
+                  <a:srgbClr val="7F8C8D"/>
+                </a:solidFill>
+              </a:rPr>
+              <a:pPr algn="ctr"/>
+              <a:t>11</a:t>
+            </a:fld>
+            <a:endParaRPr lang="en-US" sz="1100" dirty="0">
+              <a:solidFill>
+                <a:srgbClr val="7F8C8D"/>
+              </a:solidFill>
+            </a:endParaRPr>
+          </a:p>
+        </p:txBody>
+      </p:sp>
+      <p:cxnSp>
+        <p:nvCxnSpPr>
+          <p:cNvPr id="6" name="Connecteur droit 5"/>
+          <p:cNvCxnSpPr/>
+          <p:nvPr/>
+        </p:nvCxnSpPr>
+        <p:spPr>
+          <a:xfrm flipH="1" flipV="1">
+            <a:off x="8521927" y="6318000"/>
+            <a:ext cx="0" cy="540000"/>
+          </a:xfrm>
+          <a:prstGeom prst="line">
+            <a:avLst/>
+          </a:prstGeom>
+          <a:ln w="28575">
+            <a:solidFill>
+              <a:srgbClr val="7F8C8D"/>
+            </a:solidFill>
+          </a:ln>
+        </p:spPr>
+        <p:style>
+          <a:lnRef idx="1">
+            <a:schemeClr val="dk1"/>
+          </a:lnRef>
+          <a:fillRef idx="0">
+            <a:schemeClr val="dk1"/>
+          </a:fillRef>
+          <a:effectRef idx="0">
+            <a:schemeClr val="dk1"/>
+          </a:effectRef>
+          <a:fontRef idx="minor">
+            <a:schemeClr val="tx1"/>
+          </a:fontRef>
+        </p:style>
+      </p:cxnSp>
+      <p:sp>
+        <p:nvSpPr>
+          <p:cNvPr id="7" name="ZoneTexte 6"/>
+          <p:cNvSpPr txBox="1"/>
+          <p:nvPr/>
+        </p:nvSpPr>
+        <p:spPr>
+          <a:xfrm>
+            <a:off x="4572000" y="6471881"/>
+            <a:ext cx="3893227" cy="261610"/>
+          </a:xfrm>
+          <a:prstGeom prst="rect">
+            <a:avLst/>
+          </a:prstGeom>
+          <a:noFill/>
+        </p:spPr>
+        <p:txBody>
+          <a:bodyPr wrap="square" rtlCol="0">
+            <a:spAutoFit/>
+          </a:bodyPr>
+          <a:lstStyle/>
+          <a:p>
+            <a:pPr algn="r"/>
             <a:r>
               <a:rPr lang="en-US" sz="1100" dirty="0" smtClean="0">
                 <a:solidFill>
@@ -7177,7 +8001,7 @@
                 <a:latin typeface="Roboto Medium" panose="02000000000000000000" pitchFamily="2" charset="0"/>
                 <a:ea typeface="Roboto Medium" panose="02000000000000000000" pitchFamily="2" charset="0"/>
               </a:rPr>
-              <a:t>– </a:t>
+              <a:t>II. Mechanisms of dream recall frequency – </a:t>
             </a:r>
             <a:r>
               <a:rPr lang="en-US" sz="1100" dirty="0" smtClean="0">
@@ -7856,16 +8680,7 @@
                 </a:solidFill>
                 <a:ea typeface="Roboto" pitchFamily="2" charset="0"/>
               </a:rPr>
-              <a:t>(SR Research, EyeLink</a:t>
-            </a:r>
-            <a:r>
-              <a:rPr lang="en-US" sz="1200" dirty="0" smtClean="0">
-                <a:solidFill>
-                  <a:srgbClr val="2C3E50"/>
-                </a:solidFill>
-                <a:ea typeface="Roboto" pitchFamily="2" charset="0"/>
-              </a:rPr>
-              <a:t>)</a:t>
+              <a:t>(SR Research, EyeLink)</a:t>
             </a:r>
           </a:p>
           <a:p>
@@ -7908,7 +8723,7 @@
 </p:sld>
 </file>
 
-<file path=ppt/slides/slide11.xml><?xml version="1.0" encoding="utf-8"?>
+<file path=ppt/slides/slide12.xml><?xml version="1.0" encoding="utf-8"?>
 <p:sld xmlns:a="http://schemas.openxmlformats.org/drawingml/2006/main" xmlns:r="http://schemas.openxmlformats.org/officeDocument/2006/relationships" xmlns:p="http://schemas.openxmlformats.org/presentationml/2006/main">
   <p:cSld>
     <p:spTree>
@@ -8513,7 +9328,7 @@
                 <a:ea typeface="Open Sans" panose="020B0606030504020204" pitchFamily="34" charset="0"/>
                 <a:cs typeface="Open Sans" panose="020B0606030504020204" pitchFamily="34" charset="0"/>
               </a:rPr>
-              <a:t>Questions</a:t>
+              <a:t>Outline</a:t>
             </a:r>
             <a:endParaRPr lang="en-US" b="1" dirty="0">
               <a:solidFill>
@@ -8525,12 +9340,12 @@
             </a:endParaRPr>
           </a:p>
           <a:p>
-            <a:pPr marL="800100" lvl="1" indent="-342900">
+            <a:pPr marL="857250" lvl="1" indent="-400050">
               <a:spcAft>
-                <a:spcPts val="2400"/>
+                <a:spcPts val="3000"/>
               </a:spcAft>
               <a:buFont typeface="+mj-lt"/>
-              <a:buAutoNum type="arabicPeriod"/>
+              <a:buAutoNum type="romanUcPeriod"/>
             </a:pPr>
             <a:r>
               <a:rPr lang="en-US" sz="1600" dirty="0" smtClean="0">
@@ -8540,16 +9355,23 @@
                 <a:ea typeface="Open Sans" panose="020B0606030504020204" pitchFamily="34" charset="0"/>
                 <a:cs typeface="Open Sans" panose="020B0606030504020204" pitchFamily="34" charset="0"/>
               </a:rPr>
-              <a:t>What is dreaming?</a:t>
-            </a:r>
-          </a:p>
-          <a:p>
-            <a:pPr marL="800100" lvl="1" indent="-342900">
+              <a:t>General introduction on dreaming</a:t>
+            </a:r>
+            <a:endParaRPr lang="en-US" sz="1600" dirty="0" smtClean="0">
+              <a:solidFill>
+                <a:srgbClr val="34495E"/>
+              </a:solidFill>
+              <a:ea typeface="Open Sans" panose="020B0606030504020204" pitchFamily="34" charset="0"/>
+              <a:cs typeface="Open Sans" panose="020B0606030504020204" pitchFamily="34" charset="0"/>
+            </a:endParaRPr>
+          </a:p>
+          <a:p>
+            <a:pPr marL="857250" lvl="1" indent="-400050">
               <a:spcAft>
-                <a:spcPts val="2400"/>
+                <a:spcPts val="600"/>
               </a:spcAft>
               <a:buFont typeface="+mj-lt"/>
-              <a:buAutoNum type="arabicPeriod"/>
+              <a:buAutoNum type="romanUcPeriod"/>
             </a:pPr>
             <a:r>
               <a:rPr lang="en-US" sz="1600" dirty="0" smtClean="0">
@@ -8559,16 +9381,65 @@
                 <a:ea typeface="Open Sans" panose="020B0606030504020204" pitchFamily="34" charset="0"/>
                 <a:cs typeface="Open Sans" panose="020B0606030504020204" pitchFamily="34" charset="0"/>
               </a:rPr>
-              <a:t>When does it occur during the night?</a:t>
-            </a:r>
-          </a:p>
-          <a:p>
-            <a:pPr marL="800100" lvl="1" indent="-342900">
+              <a:t>Mechanisms of dream recall </a:t>
+            </a:r>
+            <a:r>
+              <a:rPr lang="en-US" sz="1600" dirty="0" smtClean="0">
+                <a:solidFill>
+                  <a:srgbClr val="34495E"/>
+                </a:solidFill>
+                <a:ea typeface="Open Sans" panose="020B0606030504020204" pitchFamily="34" charset="0"/>
+                <a:cs typeface="Open Sans" panose="020B0606030504020204" pitchFamily="34" charset="0"/>
+              </a:rPr>
+              <a:t>frequency (DRF)</a:t>
+            </a:r>
+          </a:p>
+          <a:p>
+            <a:pPr marL="1200150" lvl="2" indent="-285750">
               <a:spcAft>
-                <a:spcPts val="2400"/>
+                <a:spcPts val="3000"/>
+              </a:spcAft>
+              <a:buFont typeface="Arial" panose="020B0604020202020204" pitchFamily="34" charset="0"/>
+              <a:buChar char="•"/>
+            </a:pPr>
+            <a:r>
+              <a:rPr lang="en-US" sz="1600" dirty="0" smtClean="0">
+                <a:solidFill>
+                  <a:srgbClr val="34495E"/>
+                </a:solidFill>
+                <a:ea typeface="Open Sans" panose="020B0606030504020204" pitchFamily="34" charset="0"/>
+                <a:cs typeface="Open Sans" panose="020B0606030504020204" pitchFamily="34" charset="0"/>
+              </a:rPr>
+              <a:t>Studies </a:t>
+            </a:r>
+            <a:r>
+              <a:rPr lang="en-US" sz="1600" dirty="0">
+                <a:solidFill>
+                  <a:srgbClr val="34495E"/>
+                </a:solidFill>
+                <a:ea typeface="Open Sans" panose="020B0606030504020204" pitchFamily="34" charset="0"/>
+                <a:cs typeface="Open Sans" panose="020B0606030504020204" pitchFamily="34" charset="0"/>
+              </a:rPr>
+              <a:t>1–4 </a:t>
+            </a:r>
+            <a:r>
+              <a:rPr lang="en-US" sz="1600" dirty="0" smtClean="0">
+                <a:solidFill>
+                  <a:srgbClr val="34495E"/>
+                </a:solidFill>
+                <a:ea typeface="Open Sans" panose="020B0606030504020204" pitchFamily="34" charset="0"/>
+                <a:cs typeface="Open Sans" panose="020B0606030504020204" pitchFamily="34" charset="0"/>
+              </a:rPr>
+              <a:t>		</a:t>
+            </a:r>
+          </a:p>
+          <a:p>
+            <a:pPr marL="857250" lvl="1" indent="-400050">
+              <a:spcAft>
+                <a:spcPts val="600"/>
               </a:spcAft>
               <a:buFont typeface="+mj-lt"/>
-              <a:buAutoNum type="arabicPeriod"/>
+              <a:buAutoNum type="romanUcPeriod"/>
             </a:pPr>
             <a:r>
               <a:rPr lang="en-US" sz="1600" dirty="0" smtClean="0">
@@ -8578,16 +9449,45 @@
                 <a:ea typeface="Open Sans" panose="020B0606030504020204" pitchFamily="34" charset="0"/>
                 <a:cs typeface="Open Sans" panose="020B0606030504020204" pitchFamily="34" charset="0"/>
               </a:rPr>
-              <a:t>Do dreams have a function?</a:t>
-            </a:r>
-          </a:p>
-          <a:p>
-            <a:pPr marL="800100" lvl="1" indent="-342900">
+              <a:t>Dream </a:t>
+            </a:r>
+            <a:r>
+              <a:rPr lang="en-US" sz="1600" dirty="0" smtClean="0">
+                <a:solidFill>
+                  <a:srgbClr val="34495E"/>
+                </a:solidFill>
+                <a:ea typeface="Open Sans" panose="020B0606030504020204" pitchFamily="34" charset="0"/>
+                <a:cs typeface="Open Sans" panose="020B0606030504020204" pitchFamily="34" charset="0"/>
+              </a:rPr>
+              <a:t>content and dream function</a:t>
+            </a:r>
+          </a:p>
+          <a:p>
+            <a:pPr marL="1200150" lvl="2" indent="-285750">
               <a:spcAft>
-                <a:spcPts val="2400"/>
+                <a:spcPts val="3000"/>
+              </a:spcAft>
+              <a:buFont typeface="Arial" panose="020B0604020202020204" pitchFamily="34" charset="0"/>
+              <a:buChar char="•"/>
+            </a:pPr>
+            <a:r>
+              <a:rPr lang="en-US" sz="1600" dirty="0" smtClean="0">
+                <a:solidFill>
+                  <a:srgbClr val="34495E"/>
+                </a:solidFill>
+                <a:ea typeface="Open Sans" panose="020B0606030504020204" pitchFamily="34" charset="0"/>
+                <a:cs typeface="Open Sans" panose="020B0606030504020204" pitchFamily="34" charset="0"/>
+              </a:rPr>
+              <a:t>Study 5</a:t>
+            </a:r>
+          </a:p>
+          <a:p>
+            <a:pPr marL="857250" lvl="1" indent="-400050">
+              <a:spcAft>
+                <a:spcPts val="600"/>
               </a:spcAft>
               <a:buFont typeface="+mj-lt"/>
-              <a:buAutoNum type="arabicPeriod"/>
+              <a:buAutoNum type="romanUcPeriod"/>
             </a:pPr>
             <a:r>
               <a:rPr lang="en-US" sz="1600" dirty="0" smtClean="0">
@@ -8597,21 +9497,90 @@
                 <a:ea typeface="Open Sans" panose="020B0606030504020204" pitchFamily="34" charset="0"/>
                 <a:cs typeface="Open Sans" panose="020B0606030504020204" pitchFamily="34" charset="0"/>
               </a:rPr>
-              <a:t>Why is there such variability in dream recall?</a:t>
-            </a:r>
-          </a:p>
-          <a:p>
-            <a:pPr marL="1257300" lvl="2" indent="-342900">
+              <a:t>Methodological </a:t>
+            </a:r>
+            <a:r>
+              <a:rPr lang="en-US" sz="1600" dirty="0" smtClean="0">
+                <a:solidFill>
+                  <a:srgbClr val="34495E"/>
+                </a:solidFill>
+                <a:ea typeface="Open Sans" panose="020B0606030504020204" pitchFamily="34" charset="0"/>
+                <a:cs typeface="Open Sans" panose="020B0606030504020204" pitchFamily="34" charset="0"/>
+              </a:rPr>
+              <a:t>development</a:t>
+            </a:r>
+          </a:p>
+          <a:p>
+            <a:pPr marL="1200150" lvl="2" indent="-285750">
+              <a:spcAft>
+                <a:spcPts val="3000"/>
+              </a:spcAft>
+              <a:buFont typeface="Arial" panose="020B0604020202020204" pitchFamily="34" charset="0"/>
+              <a:buChar char="•"/>
+            </a:pPr>
+            <a:r>
+              <a:rPr lang="en-US" sz="1600" dirty="0" smtClean="0">
+                <a:solidFill>
+                  <a:srgbClr val="34495E"/>
+                </a:solidFill>
+                <a:ea typeface="Open Sans" panose="020B0606030504020204" pitchFamily="34" charset="0"/>
+                <a:cs typeface="Open Sans" panose="020B0606030504020204" pitchFamily="34" charset="0"/>
+              </a:rPr>
+              <a:t>Study </a:t>
+            </a:r>
+            <a:r>
+              <a:rPr lang="en-US" sz="1600" dirty="0" smtClean="0">
+                <a:solidFill>
+                  <a:srgbClr val="34495E"/>
+                </a:solidFill>
+                <a:ea typeface="Open Sans" panose="020B0606030504020204" pitchFamily="34" charset="0"/>
+                <a:cs typeface="Open Sans" panose="020B0606030504020204" pitchFamily="34" charset="0"/>
+              </a:rPr>
+              <a:t>6</a:t>
+            </a:r>
+          </a:p>
+          <a:p>
+            <a:pPr marL="857250" lvl="1" indent="-400050">
               <a:spcAft>
                 <a:spcPts val="1800"/>
               </a:spcAft>
               <a:buFont typeface="+mj-lt"/>
-              <a:buAutoNum type="arabicPeriod"/>
+              <a:buAutoNum type="romanUcPeriod"/>
             </a:pPr>
-            <a:endParaRPr lang="en-US" sz="1600" dirty="0" smtClean="0">
+            <a:r>
+              <a:rPr lang="en-US" sz="1600" dirty="0" smtClean="0">
+                <a:solidFill>
+                  <a:srgbClr val="34495E"/>
+                </a:solidFill>
+                <a:ea typeface="Open Sans" panose="020B0606030504020204" pitchFamily="34" charset="0"/>
+                <a:cs typeface="Open Sans" panose="020B0606030504020204" pitchFamily="34" charset="0"/>
+              </a:rPr>
+              <a:t>General </a:t>
+            </a:r>
+            <a:r>
+              <a:rPr lang="en-US" sz="1600" dirty="0" smtClean="0">
+                <a:solidFill>
+                  <a:srgbClr val="34495E"/>
+                </a:solidFill>
+                <a:ea typeface="Open Sans" panose="020B0606030504020204" pitchFamily="34" charset="0"/>
+                <a:cs typeface="Open Sans" panose="020B0606030504020204" pitchFamily="34" charset="0"/>
+              </a:rPr>
+              <a:t>conclusion</a:t>
+            </a:r>
+          </a:p>
+          <a:p>
+            <a:pPr>
+              <a:spcAft>
+                <a:spcPts val="1200"/>
+              </a:spcAft>
+            </a:pPr>
+            <a:endParaRPr lang="en-US" dirty="0">
               <a:solidFill>
-                <a:srgbClr val="34495E"/>
+                <a:schemeClr val="tx2">
+                  <a:lumMod val="50000"/>
+                </a:schemeClr>
               </a:solidFill>
+              <a:latin typeface="Open Sans" panose="020B0606030504020204" pitchFamily="34" charset="0"/>
               <a:ea typeface="Open Sans" panose="020B0606030504020204" pitchFamily="34" charset="0"/>
               <a:cs typeface="Open Sans" panose="020B0606030504020204" pitchFamily="34" charset="0"/>
             </a:endParaRPr>
@@ -8696,59 +9665,14 @@
           <a:p>
             <a:pPr algn="ctr"/>
             <a:r>
-              <a:rPr lang="en-US" sz="1100" b="1" i="1" dirty="0" smtClean="0">
-                <a:solidFill>
-                  <a:srgbClr val="34495E"/>
+              <a:rPr lang="en-US" sz="1100" i="1" dirty="0" smtClean="0">
+                <a:solidFill>
+                  <a:srgbClr val="95A5A6"/>
                 </a:solidFill>
                 <a:latin typeface="Roboto Light" panose="02000000000000000000" pitchFamily="2" charset="0"/>
                 <a:ea typeface="Roboto Light" panose="02000000000000000000" pitchFamily="2" charset="0"/>
               </a:rPr>
               <a:t>Introduction</a:t>
-            </a:r>
-            <a:endParaRPr lang="en-US" sz="1100" b="1" i="1" dirty="0">
-              <a:solidFill>
-                <a:srgbClr val="34495E"/>
-              </a:solidFill>
-              <a:latin typeface="Roboto Light" panose="02000000000000000000" pitchFamily="2" charset="0"/>
-              <a:ea typeface="Roboto Light" panose="02000000000000000000" pitchFamily="2" charset="0"/>
-            </a:endParaRPr>
-          </a:p>
-        </p:txBody>
-      </p:sp>
-      <p:sp>
-        <p:nvSpPr>
-          <p:cNvPr id="18" name="ZoneTexte 17"/>
-          <p:cNvSpPr txBox="1"/>
-          <p:nvPr/>
-        </p:nvSpPr>
-        <p:spPr>
-          <a:xfrm>
-            <a:off x="1828800" y="258463"/>
-            <a:ext cx="1828800" cy="261610"/>
-          </a:xfrm>
-          <a:prstGeom prst="rect">
-            <a:avLst/>
-          </a:prstGeom>
-          <a:solidFill>
-            <a:srgbClr val="ECF0F1"/>
-          </a:solidFill>
-        </p:spPr>
-        <p:txBody>
-          <a:bodyPr wrap="square" rtlCol="0">
-            <a:spAutoFit/>
-          </a:bodyPr>
-          <a:lstStyle/>
-          <a:p>
-            <a:pPr algn="ctr"/>
-            <a:r>
-              <a:rPr lang="en-US" sz="1100" i="1" dirty="0" smtClean="0">
-                <a:solidFill>
-                  <a:srgbClr val="95A5A6"/>
-                </a:solidFill>
-                <a:latin typeface="Roboto Light" panose="02000000000000000000" pitchFamily="2" charset="0"/>
-                <a:ea typeface="Roboto Light" panose="02000000000000000000" pitchFamily="2" charset="0"/>
-              </a:rPr>
-              <a:t>Dream recall</a:t>
             </a:r>
             <a:endParaRPr lang="en-US" sz="1100" i="1" dirty="0">
               <a:solidFill>
@@ -8762,13 +9686,13 @@
       </p:sp>
       <p:sp>
         <p:nvSpPr>
-          <p:cNvPr id="19" name="ZoneTexte 18"/>
+          <p:cNvPr id="18" name="ZoneTexte 17"/>
           <p:cNvSpPr txBox="1"/>
           <p:nvPr/>
         </p:nvSpPr>
         <p:spPr>
           <a:xfrm>
-            <a:off x="3657600" y="258463"/>
+            <a:off x="1828800" y="258463"/>
             <a:ext cx="1828800" cy="261610"/>
           </a:xfrm>
           <a:prstGeom prst="rect">
@@ -8793,7 +9717,7 @@
                 <a:latin typeface="Roboto Light" panose="02000000000000000000" pitchFamily="2" charset="0"/>
                 <a:ea typeface="Roboto Light" panose="02000000000000000000" pitchFamily="2" charset="0"/>
               </a:rPr>
-              <a:t>Dream content</a:t>
+              <a:t>Dream recall</a:t>
             </a:r>
             <a:endParaRPr lang="en-US" sz="1100" i="1" dirty="0">
               <a:solidFill>
@@ -8807,13 +9731,13 @@
       </p:sp>
       <p:sp>
         <p:nvSpPr>
-          <p:cNvPr id="20" name="ZoneTexte 19"/>
+          <p:cNvPr id="19" name="ZoneTexte 18"/>
           <p:cNvSpPr txBox="1"/>
           <p:nvPr/>
         </p:nvSpPr>
         <p:spPr>
           <a:xfrm>
-            <a:off x="5486400" y="258463"/>
+            <a:off x="3657600" y="258463"/>
             <a:ext cx="1828800" cy="261610"/>
           </a:xfrm>
           <a:prstGeom prst="rect">
@@ -8838,7 +9762,7 @@
                 <a:latin typeface="Roboto Light" panose="02000000000000000000" pitchFamily="2" charset="0"/>
                 <a:ea typeface="Roboto Light" panose="02000000000000000000" pitchFamily="2" charset="0"/>
               </a:rPr>
-              <a:t>Software</a:t>
+              <a:t>Dream content</a:t>
             </a:r>
             <a:endParaRPr lang="en-US" sz="1100" i="1" dirty="0">
               <a:solidFill>
@@ -8852,13 +9776,13 @@
       </p:sp>
       <p:sp>
         <p:nvSpPr>
-          <p:cNvPr id="21" name="ZoneTexte 20"/>
+          <p:cNvPr id="20" name="ZoneTexte 19"/>
           <p:cNvSpPr txBox="1"/>
           <p:nvPr/>
         </p:nvSpPr>
         <p:spPr>
           <a:xfrm>
-            <a:off x="7315200" y="258463"/>
+            <a:off x="5486400" y="258463"/>
             <a:ext cx="1828800" cy="261610"/>
           </a:xfrm>
           <a:prstGeom prst="rect">
@@ -8883,7 +9807,7 @@
                 <a:latin typeface="Roboto Light" panose="02000000000000000000" pitchFamily="2" charset="0"/>
                 <a:ea typeface="Roboto Light" panose="02000000000000000000" pitchFamily="2" charset="0"/>
               </a:rPr>
-              <a:t>Conclusion</a:t>
+              <a:t>Software</a:t>
             </a:r>
             <a:endParaRPr lang="en-US" sz="1100" i="1" dirty="0">
               <a:solidFill>
@@ -8897,6 +9821,51 @@
       </p:sp>
       <p:sp>
         <p:nvSpPr>
+          <p:cNvPr id="21" name="ZoneTexte 20"/>
+          <p:cNvSpPr txBox="1"/>
+          <p:nvPr/>
+        </p:nvSpPr>
+        <p:spPr>
+          <a:xfrm>
+            <a:off x="7315200" y="258463"/>
+            <a:ext cx="1828800" cy="261610"/>
+          </a:xfrm>
+          <a:prstGeom prst="rect">
+            <a:avLst/>
+          </a:prstGeom>
+          <a:solidFill>
+            <a:srgbClr val="ECF0F1"/>
+          </a:solidFill>
+        </p:spPr>
+        <p:txBody>
+          <a:bodyPr wrap="square" rtlCol="0">
+            <a:spAutoFit/>
+          </a:bodyPr>
+          <a:lstStyle/>
+          <a:p>
+            <a:pPr algn="ctr"/>
+            <a:r>
+              <a:rPr lang="en-US" sz="1100" i="1" dirty="0" smtClean="0">
+                <a:solidFill>
+                  <a:srgbClr val="95A5A6"/>
+                </a:solidFill>
+                <a:latin typeface="Roboto Light" panose="02000000000000000000" pitchFamily="2" charset="0"/>
+                <a:ea typeface="Roboto Light" panose="02000000000000000000" pitchFamily="2" charset="0"/>
+              </a:rPr>
+              <a:t>Conclusion</a:t>
+            </a:r>
+            <a:endParaRPr lang="en-US" sz="1100" i="1" dirty="0">
+              <a:solidFill>
+                <a:srgbClr val="95A5A6"/>
+              </a:solidFill>
+              <a:latin typeface="Roboto Light" panose="02000000000000000000" pitchFamily="2" charset="0"/>
+              <a:ea typeface="Roboto Light" panose="02000000000000000000" pitchFamily="2" charset="0"/>
+            </a:endParaRPr>
+          </a:p>
+        </p:txBody>
+      </p:sp>
+      <p:sp>
+        <p:nvSpPr>
           <p:cNvPr id="22" name="Espace réservé du numéro de diapositive 3"/>
           <p:cNvSpPr>
             <a:spLocks noGrp="1"/>
@@ -8922,7 +9891,7 @@
                   <a:srgbClr val="7F8C8D"/>
                 </a:solidFill>
               </a:rPr>
-              <a:t>3</a:t>
+              <a:t>2</a:t>
             </a:r>
             <a:endParaRPr lang="en-US" sz="1100" dirty="0">
               <a:solidFill>
@@ -9068,6 +10037,356 @@
               </a:solidFill>
               <a:latin typeface="Roboto Light" panose="02000000000000000000" pitchFamily="2" charset="0"/>
               <a:ea typeface="Roboto Light" panose="02000000000000000000" pitchFamily="2" charset="0"/>
+            </a:endParaRPr>
+          </a:p>
+        </p:txBody>
+      </p:sp>
+    </p:spTree>
+    <p:extLst>
+      <p:ext uri="{BB962C8B-B14F-4D97-AF65-F5344CB8AC3E}">
+        <p14:creationId xmlns:p14="http://schemas.microsoft.com/office/powerpoint/2010/main" val="3572973569"/>
+      </p:ext>
+    </p:extLst>
+  </p:cSld>
+  <p:clrMapOvr>
+    <a:masterClrMapping/>
+  </p:clrMapOvr>
+  <p:timing>
+    <p:tnLst>
+      <p:par>
+        <p:cTn id="1" dur="indefinite" restart="never" nodeType="tmRoot"/>
+      </p:par>
+    </p:tnLst>
+  </p:timing>
+</p:sld>
+</file>
+
+<file path=ppt/slides/slide3.xml><?xml version="1.0" encoding="utf-8"?>
+<p:sld xmlns:a="http://schemas.openxmlformats.org/drawingml/2006/main" xmlns:r="http://schemas.openxmlformats.org/officeDocument/2006/relationships" xmlns:p="http://schemas.openxmlformats.org/presentationml/2006/main">
+  <p:cSld>
+    <p:spTree>
+      <p:nvGrpSpPr>
+        <p:cNvPr id="1" name=""/>
+        <p:cNvGrpSpPr/>
+        <p:nvPr/>
+      </p:nvGrpSpPr>
+      <p:grpSpPr>
+        <a:xfrm>
+          <a:off x="0" y="0"/>
+          <a:ext cx="0" cy="0"/>
+          <a:chOff x="0" y="0"/>
+          <a:chExt cx="0" cy="0"/>
+        </a:xfrm>
+      </p:grpSpPr>
+      <p:sp>
+        <p:nvSpPr>
+          <p:cNvPr id="13" name="Rectangle 12"/>
+          <p:cNvSpPr/>
+          <p:nvPr/>
+        </p:nvSpPr>
+        <p:spPr>
+          <a:xfrm>
+            <a:off x="4572000" y="2022021"/>
+            <a:ext cx="3960813" cy="2813957"/>
+          </a:xfrm>
+          <a:prstGeom prst="rect">
+            <a:avLst/>
+          </a:prstGeom>
+          <a:noFill/>
+          <a:ln>
+            <a:noFill/>
+          </a:ln>
+        </p:spPr>
+        <p:style>
+          <a:lnRef idx="2">
+            <a:schemeClr val="accent1">
+              <a:shade val="50000"/>
+            </a:schemeClr>
+          </a:lnRef>
+          <a:fillRef idx="1">
+            <a:schemeClr val="accent1"/>
+          </a:fillRef>
+          <a:effectRef idx="0">
+            <a:schemeClr val="accent1"/>
+          </a:effectRef>
+          <a:fontRef idx="minor">
+            <a:schemeClr val="lt1"/>
+          </a:fontRef>
+        </p:style>
+        <p:txBody>
+          <a:bodyPr rtlCol="0" anchor="t"/>
+          <a:lstStyle/>
+          <a:p>
+            <a:pPr algn="ctr">
+              <a:spcAft>
+                <a:spcPts val="2400"/>
+              </a:spcAft>
+            </a:pPr>
+            <a:r>
+              <a:rPr lang="en-US" b="1" dirty="0" smtClean="0">
+                <a:solidFill>
+                  <a:srgbClr val="34495E"/>
+                </a:solidFill>
+                <a:latin typeface="+mj-lt"/>
+                <a:ea typeface="Open Sans" panose="020B0606030504020204" pitchFamily="34" charset="0"/>
+                <a:cs typeface="Open Sans" panose="020B0606030504020204" pitchFamily="34" charset="0"/>
+              </a:rPr>
+              <a:t>INTRODUCTION</a:t>
+            </a:r>
+            <a:endParaRPr lang="en-US" b="1" dirty="0">
+              <a:solidFill>
+                <a:srgbClr val="34495E"/>
+              </a:solidFill>
+              <a:latin typeface="+mj-lt"/>
+              <a:ea typeface="Open Sans" panose="020B0606030504020204" pitchFamily="34" charset="0"/>
+              <a:cs typeface="Open Sans" panose="020B0606030504020204" pitchFamily="34" charset="0"/>
+            </a:endParaRPr>
+          </a:p>
+          <a:p>
+            <a:pPr marL="342900" indent="-342900">
+              <a:spcAft>
+                <a:spcPts val="1800"/>
+              </a:spcAft>
+              <a:buFont typeface="+mj-lt"/>
+              <a:buAutoNum type="arabicPeriod"/>
+            </a:pPr>
+            <a:r>
+              <a:rPr lang="en-US" sz="1600" dirty="0" smtClean="0">
+                <a:solidFill>
+                  <a:srgbClr val="34495E"/>
+                </a:solidFill>
+                <a:ea typeface="Open Sans" panose="020B0606030504020204" pitchFamily="34" charset="0"/>
+                <a:cs typeface="Open Sans" panose="020B0606030504020204" pitchFamily="34" charset="0"/>
+              </a:rPr>
+              <a:t>What is dreaming?</a:t>
+            </a:r>
+          </a:p>
+          <a:p>
+            <a:pPr marL="342900" indent="-342900">
+              <a:spcAft>
+                <a:spcPts val="1800"/>
+              </a:spcAft>
+              <a:buFont typeface="+mj-lt"/>
+              <a:buAutoNum type="arabicPeriod"/>
+            </a:pPr>
+            <a:r>
+              <a:rPr lang="en-US" sz="1600" dirty="0" smtClean="0">
+                <a:solidFill>
+                  <a:srgbClr val="34495E"/>
+                </a:solidFill>
+                <a:ea typeface="Open Sans" panose="020B0606030504020204" pitchFamily="34" charset="0"/>
+                <a:cs typeface="Open Sans" panose="020B0606030504020204" pitchFamily="34" charset="0"/>
+              </a:rPr>
+              <a:t>When does it occur during </a:t>
+            </a:r>
+            <a:r>
+              <a:rPr lang="en-US" sz="1600" dirty="0" smtClean="0">
+                <a:solidFill>
+                  <a:srgbClr val="34495E"/>
+                </a:solidFill>
+                <a:ea typeface="Open Sans" panose="020B0606030504020204" pitchFamily="34" charset="0"/>
+                <a:cs typeface="Open Sans" panose="020B0606030504020204" pitchFamily="34" charset="0"/>
+              </a:rPr>
+              <a:t>sleep?</a:t>
+            </a:r>
+            <a:endParaRPr lang="en-US" sz="1600" dirty="0" smtClean="0">
+              <a:solidFill>
+                <a:srgbClr val="34495E"/>
+              </a:solidFill>
+              <a:ea typeface="Open Sans" panose="020B0606030504020204" pitchFamily="34" charset="0"/>
+              <a:cs typeface="Open Sans" panose="020B0606030504020204" pitchFamily="34" charset="0"/>
+            </a:endParaRPr>
+          </a:p>
+          <a:p>
+            <a:pPr marL="342900" indent="-342900">
+              <a:spcAft>
+                <a:spcPts val="1800"/>
+              </a:spcAft>
+              <a:buFont typeface="+mj-lt"/>
+              <a:buAutoNum type="arabicPeriod"/>
+            </a:pPr>
+            <a:r>
+              <a:rPr lang="en-US" sz="1600" dirty="0" smtClean="0">
+                <a:solidFill>
+                  <a:srgbClr val="34495E"/>
+                </a:solidFill>
+                <a:ea typeface="Open Sans" panose="020B0606030504020204" pitchFamily="34" charset="0"/>
+                <a:cs typeface="Open Sans" panose="020B0606030504020204" pitchFamily="34" charset="0"/>
+              </a:rPr>
+              <a:t>Does it have a function?</a:t>
+            </a:r>
+            <a:endParaRPr lang="en-US" sz="1600" dirty="0" smtClean="0">
+              <a:solidFill>
+                <a:srgbClr val="34495E"/>
+              </a:solidFill>
+              <a:ea typeface="Open Sans" panose="020B0606030504020204" pitchFamily="34" charset="0"/>
+              <a:cs typeface="Open Sans" panose="020B0606030504020204" pitchFamily="34" charset="0"/>
+            </a:endParaRPr>
+          </a:p>
+          <a:p>
+            <a:pPr marL="342900" indent="-342900">
+              <a:spcAft>
+                <a:spcPts val="1800"/>
+              </a:spcAft>
+              <a:buFont typeface="+mj-lt"/>
+              <a:buAutoNum type="arabicPeriod"/>
+            </a:pPr>
+            <a:r>
+              <a:rPr lang="en-US" sz="1600" dirty="0" smtClean="0">
+                <a:solidFill>
+                  <a:srgbClr val="34495E"/>
+                </a:solidFill>
+                <a:ea typeface="Open Sans" panose="020B0606030504020204" pitchFamily="34" charset="0"/>
+                <a:cs typeface="Open Sans" panose="020B0606030504020204" pitchFamily="34" charset="0"/>
+              </a:rPr>
+              <a:t>Why </a:t>
+            </a:r>
+            <a:r>
+              <a:rPr lang="en-US" sz="1600" dirty="0" smtClean="0">
+                <a:solidFill>
+                  <a:srgbClr val="34495E"/>
+                </a:solidFill>
+                <a:ea typeface="Open Sans" panose="020B0606030504020204" pitchFamily="34" charset="0"/>
+                <a:cs typeface="Open Sans" panose="020B0606030504020204" pitchFamily="34" charset="0"/>
+              </a:rPr>
+              <a:t>such variability in dream recall?</a:t>
+            </a:r>
+            <a:endParaRPr lang="en-US" sz="1600" dirty="0" smtClean="0">
+              <a:solidFill>
+                <a:srgbClr val="34495E"/>
+              </a:solidFill>
+              <a:ea typeface="Open Sans" panose="020B0606030504020204" pitchFamily="34" charset="0"/>
+              <a:cs typeface="Open Sans" panose="020B0606030504020204" pitchFamily="34" charset="0"/>
+            </a:endParaRPr>
+          </a:p>
+          <a:p>
+            <a:pPr marL="1257300" lvl="2" indent="-342900">
+              <a:spcAft>
+                <a:spcPts val="1800"/>
+              </a:spcAft>
+              <a:buFont typeface="+mj-lt"/>
+              <a:buAutoNum type="arabicPeriod"/>
+            </a:pPr>
+            <a:endParaRPr lang="en-US" sz="1600" dirty="0" smtClean="0">
+              <a:solidFill>
+                <a:srgbClr val="34495E"/>
+              </a:solidFill>
+              <a:ea typeface="Open Sans" panose="020B0606030504020204" pitchFamily="34" charset="0"/>
+              <a:cs typeface="Open Sans" panose="020B0606030504020204" pitchFamily="34" charset="0"/>
+            </a:endParaRPr>
+          </a:p>
+        </p:txBody>
+      </p:sp>
+      <p:pic>
+        <p:nvPicPr>
+          <p:cNvPr id="2" name="Image 1"/>
+          <p:cNvPicPr>
+            <a:picLocks noChangeAspect="1"/>
+          </p:cNvPicPr>
+          <p:nvPr/>
+        </p:nvPicPr>
+        <p:blipFill>
+          <a:blip r:embed="rId2">
+            <a:extLst>
+              <a:ext uri="{28A0092B-C50C-407E-A947-70E740481C1C}">
+                <a14:useLocalDpi xmlns:a14="http://schemas.microsoft.com/office/drawing/2010/main" val="0"/>
+              </a:ext>
+            </a:extLst>
+          </a:blip>
+          <a:stretch>
+            <a:fillRect/>
+          </a:stretch>
+        </p:blipFill>
+        <p:spPr>
+          <a:xfrm>
+            <a:off x="611188" y="417942"/>
+            <a:ext cx="3809812" cy="5652000"/>
+          </a:xfrm>
+          <a:prstGeom prst="rect">
+            <a:avLst/>
+          </a:prstGeom>
+        </p:spPr>
+      </p:pic>
+      <p:sp>
+        <p:nvSpPr>
+          <p:cNvPr id="14" name="ZoneTexte 13"/>
+          <p:cNvSpPr txBox="1"/>
+          <p:nvPr/>
+        </p:nvSpPr>
+        <p:spPr>
+          <a:xfrm>
+            <a:off x="749320" y="6146142"/>
+            <a:ext cx="3533548" cy="430887"/>
+          </a:xfrm>
+          <a:prstGeom prst="rect">
+            <a:avLst/>
+          </a:prstGeom>
+          <a:noFill/>
+        </p:spPr>
+        <p:txBody>
+          <a:bodyPr wrap="square" rtlCol="0">
+            <a:spAutoFit/>
+          </a:bodyPr>
+          <a:lstStyle/>
+          <a:p>
+            <a:r>
+              <a:rPr lang="fr-FR" sz="1100" dirty="0" smtClean="0">
+                <a:solidFill>
+                  <a:srgbClr val="2C3E50"/>
+                </a:solidFill>
+                <a:latin typeface="Roboto Medium" panose="02000000000000000000" pitchFamily="2" charset="0"/>
+                <a:ea typeface="Roboto Medium" panose="02000000000000000000" pitchFamily="2" charset="0"/>
+              </a:rPr>
+              <a:t>— Jean-Jacques </a:t>
+            </a:r>
+            <a:r>
+              <a:rPr lang="fr-FR" sz="1100" dirty="0" smtClean="0">
+                <a:solidFill>
+                  <a:srgbClr val="2C3E50"/>
+                </a:solidFill>
+                <a:latin typeface="Roboto Medium" panose="02000000000000000000" pitchFamily="2" charset="0"/>
+                <a:ea typeface="Roboto Medium" panose="02000000000000000000" pitchFamily="2" charset="0"/>
+              </a:rPr>
+              <a:t>Grandville </a:t>
+            </a:r>
+          </a:p>
+          <a:p>
+            <a:r>
+              <a:rPr lang="fr-FR" sz="1100" dirty="0" smtClean="0">
+                <a:solidFill>
+                  <a:srgbClr val="2C3E50"/>
+                </a:solidFill>
+                <a:latin typeface="Roboto" pitchFamily="2" charset="0"/>
+                <a:ea typeface="Roboto" pitchFamily="2" charset="0"/>
+              </a:rPr>
+              <a:t>Second rêve: </a:t>
+            </a:r>
+            <a:r>
+              <a:rPr lang="fr-FR" sz="1100" i="1" dirty="0" smtClean="0">
+                <a:solidFill>
+                  <a:srgbClr val="2C3E50"/>
+                </a:solidFill>
+                <a:latin typeface="Roboto" pitchFamily="2" charset="0"/>
+                <a:ea typeface="Roboto" pitchFamily="2" charset="0"/>
+              </a:rPr>
+              <a:t>une promenade dans le ciel</a:t>
+            </a:r>
+            <a:r>
+              <a:rPr lang="fr-FR" sz="1100" dirty="0" smtClean="0">
+                <a:solidFill>
+                  <a:srgbClr val="2C3E50"/>
+                </a:solidFill>
+                <a:latin typeface="Roboto" pitchFamily="2" charset="0"/>
+                <a:ea typeface="Roboto" pitchFamily="2" charset="0"/>
+              </a:rPr>
+              <a:t>. 1847</a:t>
+            </a:r>
+            <a:endParaRPr lang="fr-FR" sz="1100" dirty="0">
+              <a:solidFill>
+                <a:srgbClr val="2C3E50"/>
+              </a:solidFill>
+              <a:latin typeface="Roboto" pitchFamily="2" charset="0"/>
+              <a:ea typeface="Roboto" pitchFamily="2" charset="0"/>
             </a:endParaRPr>
           </a:p>
         </p:txBody>
@@ -9092,7 +10411,7 @@
 </p:sld>
 </file>
 
-<file path=ppt/slides/slide3.xml><?xml version="1.0" encoding="utf-8"?>
+<file path=ppt/slides/slide4.xml><?xml version="1.0" encoding="utf-8"?>
 <p:sld xmlns:a="http://schemas.openxmlformats.org/drawingml/2006/main" xmlns:r="http://schemas.openxmlformats.org/officeDocument/2006/relationships" xmlns:p="http://schemas.openxmlformats.org/presentationml/2006/main">
   <p:cSld>
     <p:spTree>
@@ -10166,7 +11485,7 @@
 </p:sld>
 </file>
 
-<file path=ppt/slides/slide4.xml><?xml version="1.0" encoding="utf-8"?>
+<file path=ppt/slides/slide5.xml><?xml version="1.0" encoding="utf-8"?>
 <p:sld xmlns:a="http://schemas.openxmlformats.org/drawingml/2006/main" xmlns:r="http://schemas.openxmlformats.org/officeDocument/2006/relationships" xmlns:p="http://schemas.openxmlformats.org/presentationml/2006/main">
   <p:cSld>
     <p:spTree>
@@ -10888,7 +12207,7 @@
 </p:sld>
 </file>
 
-<file path=ppt/slides/slide5.xml><?xml version="1.0" encoding="utf-8"?>
+<file path=ppt/slides/slide6.xml><?xml version="1.0" encoding="utf-8"?>
 <p:sld xmlns:a="http://schemas.openxmlformats.org/drawingml/2006/main" xmlns:r="http://schemas.openxmlformats.org/officeDocument/2006/relationships" xmlns:p="http://schemas.openxmlformats.org/presentationml/2006/main">
   <p:cSld>
     <p:spTree>
@@ -11769,11 +13088,6 @@
               </a:rPr>
               <a:t>Paul Valery</a:t>
             </a:r>
-            <a:endParaRPr lang="en-US" sz="1600" b="1" dirty="0" smtClean="0">
-              <a:solidFill>
-                <a:srgbClr val="233548"/>
-              </a:solidFill>
-            </a:endParaRPr>
           </a:p>
           <a:p>
             <a:pPr algn="r">
@@ -11860,7 +13174,7 @@
 </p:sld>
 </file>
 
-<file path=ppt/slides/slide6.xml><?xml version="1.0" encoding="utf-8"?>
+<file path=ppt/slides/slide7.xml><?xml version="1.0" encoding="utf-8"?>
 <p:sld xmlns:a="http://schemas.openxmlformats.org/drawingml/2006/main" xmlns:r="http://schemas.openxmlformats.org/officeDocument/2006/relationships" xmlns:p="http://schemas.openxmlformats.org/presentationml/2006/main">
   <p:cSld>
     <p:spTree>
@@ -12753,836 +14067,6 @@
     <p:extLst>
       <p:ext uri="{BB962C8B-B14F-4D97-AF65-F5344CB8AC3E}">
         <p14:creationId xmlns:p14="http://schemas.microsoft.com/office/powerpoint/2010/main" val="2597447392"/>
-      </p:ext>
-    </p:extLst>
-  </p:cSld>
-  <p:clrMapOvr>
-    <a:masterClrMapping/>
-  </p:clrMapOvr>
-  <p:timing>
-    <p:tnLst>
-      <p:par>
-        <p:cTn id="1" dur="indefinite" restart="never" nodeType="tmRoot"/>
-      </p:par>
-    </p:tnLst>
-  </p:timing>
-</p:sld>
-</file>
-
-<file path=ppt/slides/slide7.xml><?xml version="1.0" encoding="utf-8"?>
-<p:sld xmlns:a="http://schemas.openxmlformats.org/drawingml/2006/main" xmlns:r="http://schemas.openxmlformats.org/officeDocument/2006/relationships" xmlns:p="http://schemas.openxmlformats.org/presentationml/2006/main">
-  <p:cSld>
-    <p:spTree>
-      <p:nvGrpSpPr>
-        <p:cNvPr id="1" name=""/>
-        <p:cNvGrpSpPr/>
-        <p:nvPr/>
-      </p:nvGrpSpPr>
-      <p:grpSpPr>
-        <a:xfrm>
-          <a:off x="0" y="0"/>
-          <a:ext cx="0" cy="0"/>
-          <a:chOff x="0" y="0"/>
-          <a:chExt cx="0" cy="0"/>
-        </a:xfrm>
-      </p:grpSpPr>
-      <p:sp>
-        <p:nvSpPr>
-          <p:cNvPr id="13" name="Rectangle 12"/>
-          <p:cNvSpPr/>
-          <p:nvPr/>
-        </p:nvSpPr>
-        <p:spPr>
-          <a:xfrm>
-            <a:off x="611188" y="800100"/>
-            <a:ext cx="7921625" cy="5508625"/>
-          </a:xfrm>
-          <a:prstGeom prst="rect">
-            <a:avLst/>
-          </a:prstGeom>
-          <a:noFill/>
-          <a:ln>
-            <a:noFill/>
-          </a:ln>
-        </p:spPr>
-        <p:style>
-          <a:lnRef idx="2">
-            <a:schemeClr val="accent1">
-              <a:shade val="50000"/>
-            </a:schemeClr>
-          </a:lnRef>
-          <a:fillRef idx="1">
-            <a:schemeClr val="accent1"/>
-          </a:fillRef>
-          <a:effectRef idx="0">
-            <a:schemeClr val="accent1"/>
-          </a:effectRef>
-          <a:fontRef idx="minor">
-            <a:schemeClr val="lt1"/>
-          </a:fontRef>
-        </p:style>
-        <p:txBody>
-          <a:bodyPr rtlCol="0" anchor="t"/>
-          <a:lstStyle/>
-          <a:p>
-            <a:pPr>
-              <a:spcAft>
-                <a:spcPts val="1800"/>
-              </a:spcAft>
-            </a:pPr>
-            <a:r>
-              <a:rPr lang="en-US" b="1" dirty="0" smtClean="0">
-                <a:solidFill>
-                  <a:srgbClr val="34495E"/>
-                </a:solidFill>
-                <a:latin typeface="+mj-lt"/>
-                <a:ea typeface="Open Sans" panose="020B0606030504020204" pitchFamily="34" charset="0"/>
-                <a:cs typeface="Open Sans" panose="020B0606030504020204" pitchFamily="34" charset="0"/>
-              </a:rPr>
-              <a:t>Outline</a:t>
-            </a:r>
-            <a:endParaRPr lang="en-US" b="1" dirty="0">
-              <a:solidFill>
-                <a:srgbClr val="34495E"/>
-              </a:solidFill>
-              <a:latin typeface="+mj-lt"/>
-              <a:ea typeface="Open Sans" panose="020B0606030504020204" pitchFamily="34" charset="0"/>
-              <a:cs typeface="Open Sans" panose="020B0606030504020204" pitchFamily="34" charset="0"/>
-            </a:endParaRPr>
-          </a:p>
-          <a:p>
-            <a:pPr marL="857250" lvl="1" indent="-400050">
-              <a:spcAft>
-                <a:spcPts val="1800"/>
-              </a:spcAft>
-              <a:buFont typeface="+mj-lt"/>
-              <a:buAutoNum type="romanUcPeriod"/>
-            </a:pPr>
-            <a:r>
-              <a:rPr lang="en-US" sz="1600" dirty="0" smtClean="0">
-                <a:solidFill>
-                  <a:srgbClr val="34495E"/>
-                </a:solidFill>
-                <a:ea typeface="Open Sans" panose="020B0606030504020204" pitchFamily="34" charset="0"/>
-                <a:cs typeface="Open Sans" panose="020B0606030504020204" pitchFamily="34" charset="0"/>
-              </a:rPr>
-              <a:t>General introduction</a:t>
-            </a:r>
-          </a:p>
-          <a:p>
-            <a:pPr marL="857250" lvl="1" indent="-400050">
-              <a:spcAft>
-                <a:spcPts val="600"/>
-              </a:spcAft>
-              <a:buFont typeface="+mj-lt"/>
-              <a:buAutoNum type="romanUcPeriod"/>
-            </a:pPr>
-            <a:r>
-              <a:rPr lang="en-US" sz="1600" dirty="0" smtClean="0">
-                <a:solidFill>
-                  <a:srgbClr val="34495E"/>
-                </a:solidFill>
-                <a:ea typeface="Open Sans" panose="020B0606030504020204" pitchFamily="34" charset="0"/>
-                <a:cs typeface="Open Sans" panose="020B0606030504020204" pitchFamily="34" charset="0"/>
-              </a:rPr>
-              <a:t>Mechanisms of dream recall </a:t>
-            </a:r>
-            <a:endParaRPr lang="en-US" sz="1600" dirty="0" smtClean="0">
-              <a:solidFill>
-                <a:srgbClr val="34495E"/>
-              </a:solidFill>
-              <a:ea typeface="Open Sans" panose="020B0606030504020204" pitchFamily="34" charset="0"/>
-              <a:cs typeface="Open Sans" panose="020B0606030504020204" pitchFamily="34" charset="0"/>
-            </a:endParaRPr>
-          </a:p>
-          <a:p>
-            <a:pPr marL="1200150" lvl="2" indent="-285750">
-              <a:spcAft>
-                <a:spcPts val="600"/>
-              </a:spcAft>
-              <a:buFont typeface="Arial" panose="020B0604020202020204" pitchFamily="34" charset="0"/>
-              <a:buChar char="•"/>
-            </a:pPr>
-            <a:r>
-              <a:rPr lang="en-US" sz="1600" dirty="0" smtClean="0">
-                <a:solidFill>
-                  <a:srgbClr val="34495E"/>
-                </a:solidFill>
-                <a:ea typeface="Open Sans" panose="020B0606030504020204" pitchFamily="34" charset="0"/>
-                <a:cs typeface="Open Sans" panose="020B0606030504020204" pitchFamily="34" charset="0"/>
-              </a:rPr>
-              <a:t>Study </a:t>
-            </a:r>
-            <a:r>
-              <a:rPr lang="en-US" sz="1600" dirty="0" smtClean="0">
-                <a:solidFill>
-                  <a:srgbClr val="34495E"/>
-                </a:solidFill>
-                <a:ea typeface="Open Sans" panose="020B0606030504020204" pitchFamily="34" charset="0"/>
-                <a:cs typeface="Open Sans" panose="020B0606030504020204" pitchFamily="34" charset="0"/>
-              </a:rPr>
-              <a:t>1: DRF and arousals	</a:t>
-            </a:r>
-          </a:p>
-          <a:p>
-            <a:pPr marL="1200150" lvl="2" indent="-285750">
-              <a:spcAft>
-                <a:spcPts val="600"/>
-              </a:spcAft>
-              <a:buFont typeface="Arial" panose="020B0604020202020204" pitchFamily="34" charset="0"/>
-              <a:buChar char="•"/>
-            </a:pPr>
-            <a:r>
-              <a:rPr lang="en-US" sz="1600" dirty="0" smtClean="0">
-                <a:solidFill>
-                  <a:srgbClr val="34495E"/>
-                </a:solidFill>
-                <a:ea typeface="Open Sans" panose="020B0606030504020204" pitchFamily="34" charset="0"/>
-                <a:cs typeface="Open Sans" panose="020B0606030504020204" pitchFamily="34" charset="0"/>
-              </a:rPr>
-              <a:t>Study 2: DRF and sleep inertia		</a:t>
-            </a:r>
-            <a:r>
-              <a:rPr lang="en-US" sz="1600" i="1" dirty="0" smtClean="0">
-                <a:solidFill>
-                  <a:srgbClr val="34495E"/>
-                </a:solidFill>
-                <a:latin typeface="HelveticaNeueLT Std Lt" panose="020B0403020202020204" pitchFamily="34" charset="0"/>
-                <a:ea typeface="Open Sans" panose="020B0606030504020204" pitchFamily="34" charset="0"/>
-                <a:cs typeface="Open Sans" panose="020B0606030504020204" pitchFamily="34" charset="0"/>
-              </a:rPr>
-              <a:t>        </a:t>
-            </a:r>
-          </a:p>
-          <a:p>
-            <a:pPr marL="1200150" lvl="2" indent="-285750">
-              <a:spcAft>
-                <a:spcPts val="600"/>
-              </a:spcAft>
-              <a:buFont typeface="Arial" panose="020B0604020202020204" pitchFamily="34" charset="0"/>
-              <a:buChar char="•"/>
-            </a:pPr>
-            <a:r>
-              <a:rPr lang="en-US" sz="1600" dirty="0" smtClean="0">
-                <a:solidFill>
-                  <a:srgbClr val="34495E"/>
-                </a:solidFill>
-                <a:ea typeface="Open Sans" panose="020B0606030504020204" pitchFamily="34" charset="0"/>
-                <a:cs typeface="Open Sans" panose="020B0606030504020204" pitchFamily="34" charset="0"/>
-              </a:rPr>
-              <a:t>Study 3: DRF and the default mode network			</a:t>
-            </a:r>
-          </a:p>
-          <a:p>
-            <a:pPr marL="1200150" lvl="2" indent="-285750">
-              <a:spcAft>
-                <a:spcPts val="600"/>
-              </a:spcAft>
-              <a:buFont typeface="Arial" panose="020B0604020202020204" pitchFamily="34" charset="0"/>
-              <a:buChar char="•"/>
-            </a:pPr>
-            <a:r>
-              <a:rPr lang="en-US" sz="1600" dirty="0" smtClean="0">
-                <a:solidFill>
-                  <a:srgbClr val="34495E"/>
-                </a:solidFill>
-                <a:ea typeface="Open Sans" panose="020B0606030504020204" pitchFamily="34" charset="0"/>
-                <a:cs typeface="Open Sans" panose="020B0606030504020204" pitchFamily="34" charset="0"/>
-              </a:rPr>
-              <a:t>Study 4: DRF in the student population </a:t>
-            </a:r>
-          </a:p>
-          <a:p>
-            <a:pPr marL="1200150" lvl="2" indent="-285750">
-              <a:spcAft>
-                <a:spcPts val="1800"/>
-              </a:spcAft>
-              <a:buFont typeface="Arial" panose="020B0604020202020204" pitchFamily="34" charset="0"/>
-              <a:buChar char="•"/>
-            </a:pPr>
-            <a:r>
-              <a:rPr lang="en-US" sz="1600" dirty="0" smtClean="0">
-                <a:solidFill>
-                  <a:srgbClr val="34495E"/>
-                </a:solidFill>
-                <a:ea typeface="Open Sans" panose="020B0606030504020204" pitchFamily="34" charset="0"/>
-                <a:cs typeface="Open Sans" panose="020B0606030504020204" pitchFamily="34" charset="0"/>
-              </a:rPr>
-              <a:t>Conclusion		</a:t>
-            </a:r>
-          </a:p>
-          <a:p>
-            <a:pPr marL="857250" lvl="1" indent="-400050">
-              <a:spcAft>
-                <a:spcPts val="600"/>
-              </a:spcAft>
-              <a:buFont typeface="+mj-lt"/>
-              <a:buAutoNum type="romanUcPeriod"/>
-            </a:pPr>
-            <a:r>
-              <a:rPr lang="en-US" sz="1600" dirty="0" smtClean="0">
-                <a:solidFill>
-                  <a:srgbClr val="34495E"/>
-                </a:solidFill>
-                <a:ea typeface="Open Sans" panose="020B0606030504020204" pitchFamily="34" charset="0"/>
-                <a:cs typeface="Open Sans" panose="020B0606030504020204" pitchFamily="34" charset="0"/>
-              </a:rPr>
-              <a:t>Dream content and dream function</a:t>
-            </a:r>
-          </a:p>
-          <a:p>
-            <a:pPr marL="1200150" lvl="2" indent="-285750">
-              <a:spcAft>
-                <a:spcPts val="1800"/>
-              </a:spcAft>
-              <a:buFont typeface="Arial" panose="020B0604020202020204" pitchFamily="34" charset="0"/>
-              <a:buChar char="•"/>
-            </a:pPr>
-            <a:r>
-              <a:rPr lang="en-US" sz="1600" dirty="0" smtClean="0">
-                <a:solidFill>
-                  <a:srgbClr val="34495E"/>
-                </a:solidFill>
-                <a:ea typeface="Open Sans" panose="020B0606030504020204" pitchFamily="34" charset="0"/>
-                <a:cs typeface="Open Sans" panose="020B0606030504020204" pitchFamily="34" charset="0"/>
-              </a:rPr>
-              <a:t>Study 5: The link between waking-life and dream content </a:t>
-            </a:r>
-          </a:p>
-          <a:p>
-            <a:pPr marL="857250" lvl="1" indent="-400050">
-              <a:spcAft>
-                <a:spcPts val="600"/>
-              </a:spcAft>
-              <a:buFont typeface="+mj-lt"/>
-              <a:buAutoNum type="romanUcPeriod"/>
-            </a:pPr>
-            <a:r>
-              <a:rPr lang="en-US" sz="1600" dirty="0" smtClean="0">
-                <a:solidFill>
-                  <a:srgbClr val="34495E"/>
-                </a:solidFill>
-                <a:ea typeface="Open Sans" panose="020B0606030504020204" pitchFamily="34" charset="0"/>
-                <a:cs typeface="Open Sans" panose="020B0606030504020204" pitchFamily="34" charset="0"/>
-              </a:rPr>
-              <a:t>Methodological development</a:t>
-            </a:r>
-          </a:p>
-          <a:p>
-            <a:pPr marL="1200150" lvl="2" indent="-285750">
-              <a:spcAft>
-                <a:spcPts val="1800"/>
-              </a:spcAft>
-              <a:buFont typeface="Arial" panose="020B0604020202020204" pitchFamily="34" charset="0"/>
-              <a:buChar char="•"/>
-            </a:pPr>
-            <a:r>
-              <a:rPr lang="en-US" sz="1600" dirty="0" smtClean="0">
-                <a:solidFill>
-                  <a:srgbClr val="34495E"/>
-                </a:solidFill>
-                <a:ea typeface="Open Sans" panose="020B0606030504020204" pitchFamily="34" charset="0"/>
-                <a:cs typeface="Open Sans" panose="020B0606030504020204" pitchFamily="34" charset="0"/>
-              </a:rPr>
-              <a:t>Study 6: An open source software for sleep scoring and analysis</a:t>
-            </a:r>
-          </a:p>
-          <a:p>
-            <a:pPr marL="857250" lvl="1" indent="-400050">
-              <a:spcAft>
-                <a:spcPts val="1800"/>
-              </a:spcAft>
-              <a:buFont typeface="+mj-lt"/>
-              <a:buAutoNum type="romanUcPeriod"/>
-            </a:pPr>
-            <a:r>
-              <a:rPr lang="en-US" sz="1600" dirty="0" smtClean="0">
-                <a:solidFill>
-                  <a:srgbClr val="34495E"/>
-                </a:solidFill>
-                <a:ea typeface="Open Sans" panose="020B0606030504020204" pitchFamily="34" charset="0"/>
-                <a:cs typeface="Open Sans" panose="020B0606030504020204" pitchFamily="34" charset="0"/>
-              </a:rPr>
-              <a:t>General conclusion</a:t>
-            </a:r>
-          </a:p>
-          <a:p>
-            <a:pPr>
-              <a:spcAft>
-                <a:spcPts val="1200"/>
-              </a:spcAft>
-            </a:pPr>
-            <a:endParaRPr lang="en-US" dirty="0">
-              <a:solidFill>
-                <a:schemeClr val="tx2">
-                  <a:lumMod val="50000"/>
-                </a:schemeClr>
-              </a:solidFill>
-              <a:latin typeface="Open Sans" panose="020B0606030504020204" pitchFamily="34" charset="0"/>
-              <a:ea typeface="Open Sans" panose="020B0606030504020204" pitchFamily="34" charset="0"/>
-              <a:cs typeface="Open Sans" panose="020B0606030504020204" pitchFamily="34" charset="0"/>
-            </a:endParaRPr>
-          </a:p>
-        </p:txBody>
-      </p:sp>
-      <p:sp>
-        <p:nvSpPr>
-          <p:cNvPr id="16" name="Rectangle 15"/>
-          <p:cNvSpPr/>
-          <p:nvPr/>
-        </p:nvSpPr>
-        <p:spPr>
-          <a:xfrm>
-            <a:off x="0" y="0"/>
-            <a:ext cx="9144000" cy="259200"/>
-          </a:xfrm>
-          <a:prstGeom prst="rect">
-            <a:avLst/>
-          </a:prstGeom>
-          <a:solidFill>
-            <a:srgbClr val="45607B"/>
-          </a:solidFill>
-          <a:ln>
-            <a:noFill/>
-          </a:ln>
-        </p:spPr>
-        <p:style>
-          <a:lnRef idx="2">
-            <a:schemeClr val="accent1">
-              <a:shade val="50000"/>
-            </a:schemeClr>
-          </a:lnRef>
-          <a:fillRef idx="1">
-            <a:schemeClr val="accent1"/>
-          </a:fillRef>
-          <a:effectRef idx="0">
-            <a:schemeClr val="accent1"/>
-          </a:effectRef>
-          <a:fontRef idx="minor">
-            <a:schemeClr val="lt1"/>
-          </a:fontRef>
-        </p:style>
-        <p:txBody>
-          <a:bodyPr rtlCol="0" anchor="ctr"/>
-          <a:lstStyle/>
-          <a:p>
-            <a:pPr algn="ctr"/>
-            <a:endParaRPr lang="en-US" dirty="0">
-              <a:solidFill>
-                <a:schemeClr val="bg1"/>
-              </a:solidFill>
-              <a:latin typeface="Roboto Light" panose="02000000000000000000" pitchFamily="2" charset="0"/>
-              <a:ea typeface="Roboto Light" panose="02000000000000000000" pitchFamily="2" charset="0"/>
-            </a:endParaRPr>
-          </a:p>
-        </p:txBody>
-      </p:sp>
-      <p:sp>
-        <p:nvSpPr>
-          <p:cNvPr id="17" name="ZoneTexte 16"/>
-          <p:cNvSpPr txBox="1"/>
-          <p:nvPr/>
-        </p:nvSpPr>
-        <p:spPr>
-          <a:xfrm>
-            <a:off x="0" y="259200"/>
-            <a:ext cx="1828800" cy="261610"/>
-          </a:xfrm>
-          <a:prstGeom prst="rect">
-            <a:avLst/>
-          </a:prstGeom>
-          <a:solidFill>
-            <a:srgbClr val="ECF0F1"/>
-          </a:solidFill>
-        </p:spPr>
-        <p:txBody>
-          <a:bodyPr wrap="square" rtlCol="0">
-            <a:spAutoFit/>
-          </a:bodyPr>
-          <a:lstStyle/>
-          <a:p>
-            <a:pPr algn="ctr"/>
-            <a:r>
-              <a:rPr lang="en-US" sz="1100" b="1" i="1" dirty="0" smtClean="0">
-                <a:solidFill>
-                  <a:srgbClr val="34495E"/>
-                </a:solidFill>
-                <a:latin typeface="Roboto Light" panose="02000000000000000000" pitchFamily="2" charset="0"/>
-                <a:ea typeface="Roboto Light" panose="02000000000000000000" pitchFamily="2" charset="0"/>
-              </a:rPr>
-              <a:t>Introduction</a:t>
-            </a:r>
-            <a:endParaRPr lang="en-US" sz="1100" b="1" i="1" dirty="0">
-              <a:solidFill>
-                <a:srgbClr val="34495E"/>
-              </a:solidFill>
-              <a:latin typeface="Roboto Light" panose="02000000000000000000" pitchFamily="2" charset="0"/>
-              <a:ea typeface="Roboto Light" panose="02000000000000000000" pitchFamily="2" charset="0"/>
-            </a:endParaRPr>
-          </a:p>
-        </p:txBody>
-      </p:sp>
-      <p:sp>
-        <p:nvSpPr>
-          <p:cNvPr id="18" name="ZoneTexte 17"/>
-          <p:cNvSpPr txBox="1"/>
-          <p:nvPr/>
-        </p:nvSpPr>
-        <p:spPr>
-          <a:xfrm>
-            <a:off x="1828800" y="258463"/>
-            <a:ext cx="1828800" cy="261610"/>
-          </a:xfrm>
-          <a:prstGeom prst="rect">
-            <a:avLst/>
-          </a:prstGeom>
-          <a:solidFill>
-            <a:srgbClr val="ECF0F1"/>
-          </a:solidFill>
-        </p:spPr>
-        <p:txBody>
-          <a:bodyPr wrap="square" rtlCol="0">
-            <a:spAutoFit/>
-          </a:bodyPr>
-          <a:lstStyle/>
-          <a:p>
-            <a:pPr algn="ctr"/>
-            <a:r>
-              <a:rPr lang="en-US" sz="1100" i="1" dirty="0" smtClean="0">
-                <a:solidFill>
-                  <a:srgbClr val="95A5A6"/>
-                </a:solidFill>
-                <a:latin typeface="Roboto Light" panose="02000000000000000000" pitchFamily="2" charset="0"/>
-                <a:ea typeface="Roboto Light" panose="02000000000000000000" pitchFamily="2" charset="0"/>
-              </a:rPr>
-              <a:t>Dream recall</a:t>
-            </a:r>
-            <a:endParaRPr lang="en-US" sz="1100" i="1" dirty="0">
-              <a:solidFill>
-                <a:srgbClr val="95A5A6"/>
-              </a:solidFill>
-              <a:latin typeface="Roboto Light" panose="02000000000000000000" pitchFamily="2" charset="0"/>
-              <a:ea typeface="Roboto Light" panose="02000000000000000000" pitchFamily="2" charset="0"/>
-            </a:endParaRPr>
-          </a:p>
-        </p:txBody>
-      </p:sp>
-      <p:sp>
-        <p:nvSpPr>
-          <p:cNvPr id="19" name="ZoneTexte 18"/>
-          <p:cNvSpPr txBox="1"/>
-          <p:nvPr/>
-        </p:nvSpPr>
-        <p:spPr>
-          <a:xfrm>
-            <a:off x="3657600" y="258463"/>
-            <a:ext cx="1828800" cy="261610"/>
-          </a:xfrm>
-          <a:prstGeom prst="rect">
-            <a:avLst/>
-          </a:prstGeom>
-          <a:solidFill>
-            <a:srgbClr val="ECF0F1"/>
-          </a:solidFill>
-        </p:spPr>
-        <p:txBody>
-          <a:bodyPr wrap="square" rtlCol="0">
-            <a:spAutoFit/>
-          </a:bodyPr>
-          <a:lstStyle/>
-          <a:p>
-            <a:pPr algn="ctr"/>
-            <a:r>
-              <a:rPr lang="en-US" sz="1100" i="1" dirty="0" smtClean="0">
-                <a:solidFill>
-                  <a:srgbClr val="95A5A6"/>
-                </a:solidFill>
-                <a:latin typeface="Roboto Light" panose="02000000000000000000" pitchFamily="2" charset="0"/>
-                <a:ea typeface="Roboto Light" panose="02000000000000000000" pitchFamily="2" charset="0"/>
-              </a:rPr>
-              <a:t>Dream content</a:t>
-            </a:r>
-            <a:endParaRPr lang="en-US" sz="1100" i="1" dirty="0">
-              <a:solidFill>
-                <a:srgbClr val="95A5A6"/>
-              </a:solidFill>
-              <a:latin typeface="Roboto Light" panose="02000000000000000000" pitchFamily="2" charset="0"/>
-              <a:ea typeface="Roboto Light" panose="02000000000000000000" pitchFamily="2" charset="0"/>
-            </a:endParaRPr>
-          </a:p>
-        </p:txBody>
-      </p:sp>
-      <p:sp>
-        <p:nvSpPr>
-          <p:cNvPr id="20" name="ZoneTexte 19"/>
-          <p:cNvSpPr txBox="1"/>
-          <p:nvPr/>
-        </p:nvSpPr>
-        <p:spPr>
-          <a:xfrm>
-            <a:off x="5486400" y="258463"/>
-            <a:ext cx="1828800" cy="261610"/>
-          </a:xfrm>
-          <a:prstGeom prst="rect">
-            <a:avLst/>
-          </a:prstGeom>
-          <a:solidFill>
-            <a:srgbClr val="ECF0F1"/>
-          </a:solidFill>
-        </p:spPr>
-        <p:txBody>
-          <a:bodyPr wrap="square" rtlCol="0">
-            <a:spAutoFit/>
-          </a:bodyPr>
-          <a:lstStyle/>
-          <a:p>
-            <a:pPr algn="ctr"/>
-            <a:r>
-              <a:rPr lang="en-US" sz="1100" i="1" dirty="0" smtClean="0">
-                <a:solidFill>
-                  <a:srgbClr val="95A5A6"/>
-                </a:solidFill>
-                <a:latin typeface="Roboto Light" panose="02000000000000000000" pitchFamily="2" charset="0"/>
-                <a:ea typeface="Roboto Light" panose="02000000000000000000" pitchFamily="2" charset="0"/>
-              </a:rPr>
-              <a:t>Software</a:t>
-            </a:r>
-            <a:endParaRPr lang="en-US" sz="1100" i="1" dirty="0">
-              <a:solidFill>
-                <a:srgbClr val="95A5A6"/>
-              </a:solidFill>
-              <a:latin typeface="Roboto Light" panose="02000000000000000000" pitchFamily="2" charset="0"/>
-              <a:ea typeface="Roboto Light" panose="02000000000000000000" pitchFamily="2" charset="0"/>
-            </a:endParaRPr>
-          </a:p>
-        </p:txBody>
-      </p:sp>
-      <p:sp>
-        <p:nvSpPr>
-          <p:cNvPr id="21" name="ZoneTexte 20"/>
-          <p:cNvSpPr txBox="1"/>
-          <p:nvPr/>
-        </p:nvSpPr>
-        <p:spPr>
-          <a:xfrm>
-            <a:off x="7315200" y="258463"/>
-            <a:ext cx="1828800" cy="261610"/>
-          </a:xfrm>
-          <a:prstGeom prst="rect">
-            <a:avLst/>
-          </a:prstGeom>
-          <a:solidFill>
-            <a:srgbClr val="ECF0F1"/>
-          </a:solidFill>
-        </p:spPr>
-        <p:txBody>
-          <a:bodyPr wrap="square" rtlCol="0">
-            <a:spAutoFit/>
-          </a:bodyPr>
-          <a:lstStyle/>
-          <a:p>
-            <a:pPr algn="ctr"/>
-            <a:r>
-              <a:rPr lang="en-US" sz="1100" i="1" dirty="0" smtClean="0">
-                <a:solidFill>
-                  <a:srgbClr val="95A5A6"/>
-                </a:solidFill>
-                <a:latin typeface="Roboto Light" panose="02000000000000000000" pitchFamily="2" charset="0"/>
-                <a:ea typeface="Roboto Light" panose="02000000000000000000" pitchFamily="2" charset="0"/>
-              </a:rPr>
-              <a:t>Conclusion</a:t>
-            </a:r>
-            <a:endParaRPr lang="en-US" sz="1100" i="1" dirty="0">
-              <a:solidFill>
-                <a:srgbClr val="95A5A6"/>
-              </a:solidFill>
-              <a:latin typeface="Roboto Light" panose="02000000000000000000" pitchFamily="2" charset="0"/>
-              <a:ea typeface="Roboto Light" panose="02000000000000000000" pitchFamily="2" charset="0"/>
-            </a:endParaRPr>
-          </a:p>
-        </p:txBody>
-      </p:sp>
-      <p:sp>
-        <p:nvSpPr>
-          <p:cNvPr id="22" name="Espace réservé du numéro de diapositive 3"/>
-          <p:cNvSpPr>
-            <a:spLocks noGrp="1"/>
-          </p:cNvSpPr>
-          <p:nvPr>
-            <p:ph type="sldNum" sz="quarter" idx="12"/>
-          </p:nvPr>
-        </p:nvSpPr>
-        <p:spPr>
-          <a:xfrm>
-            <a:off x="8532813" y="6420123"/>
-            <a:ext cx="611187" cy="365125"/>
-          </a:xfrm>
-        </p:spPr>
-        <p:txBody>
-          <a:bodyPr/>
-          <a:lstStyle/>
-          <a:p>
-            <a:pPr algn="ctr"/>
-            <a:r>
-              <a:rPr lang="en-US" sz="1100" dirty="0" smtClean="0">
-                <a:solidFill>
-                  <a:srgbClr val="7F8C8D"/>
-                </a:solidFill>
-              </a:rPr>
-              <a:t>3</a:t>
-            </a:r>
-            <a:endParaRPr lang="en-US" sz="1100" dirty="0">
-              <a:solidFill>
-                <a:srgbClr val="7F8C8D"/>
-              </a:solidFill>
-            </a:endParaRPr>
-          </a:p>
-        </p:txBody>
-      </p:sp>
-      <p:cxnSp>
-        <p:nvCxnSpPr>
-          <p:cNvPr id="23" name="Connecteur droit 22"/>
-          <p:cNvCxnSpPr/>
-          <p:nvPr/>
-        </p:nvCxnSpPr>
-        <p:spPr>
-          <a:xfrm flipH="1" flipV="1">
-            <a:off x="8521927" y="6318000"/>
-            <a:ext cx="0" cy="540000"/>
-          </a:xfrm>
-          <a:prstGeom prst="line">
-            <a:avLst/>
-          </a:prstGeom>
-          <a:ln w="28575">
-            <a:solidFill>
-              <a:srgbClr val="7F8C8D"/>
-            </a:solidFill>
-          </a:ln>
-        </p:spPr>
-        <p:style>
-          <a:lnRef idx="1">
-            <a:schemeClr val="dk1"/>
-          </a:lnRef>
-          <a:fillRef idx="0">
-            <a:schemeClr val="dk1"/>
-          </a:fillRef>
-          <a:effectRef idx="0">
-            <a:schemeClr val="dk1"/>
-          </a:effectRef>
-          <a:fontRef idx="minor">
-            <a:schemeClr val="tx1"/>
-          </a:fontRef>
-        </p:style>
-      </p:cxnSp>
-      <p:sp>
-        <p:nvSpPr>
-          <p:cNvPr id="24" name="ZoneTexte 23"/>
-          <p:cNvSpPr txBox="1"/>
-          <p:nvPr/>
-        </p:nvSpPr>
-        <p:spPr>
-          <a:xfrm>
-            <a:off x="4572000" y="6471881"/>
-            <a:ext cx="3893227" cy="261610"/>
-          </a:xfrm>
-          <a:prstGeom prst="rect">
-            <a:avLst/>
-          </a:prstGeom>
-          <a:noFill/>
-        </p:spPr>
-        <p:txBody>
-          <a:bodyPr wrap="square" rtlCol="0">
-            <a:spAutoFit/>
-          </a:bodyPr>
-          <a:lstStyle/>
-          <a:p>
-            <a:pPr algn="r"/>
-            <a:r>
-              <a:rPr lang="en-US" sz="1100" dirty="0" smtClean="0">
-                <a:solidFill>
-                  <a:srgbClr val="7F8C8D"/>
-                </a:solidFill>
-                <a:latin typeface="Roboto Medium" panose="02000000000000000000" pitchFamily="2" charset="0"/>
-                <a:ea typeface="Roboto Medium" panose="02000000000000000000" pitchFamily="2" charset="0"/>
-              </a:rPr>
-              <a:t>Outline</a:t>
-            </a:r>
-            <a:endParaRPr lang="en-US" sz="1100" dirty="0">
-              <a:solidFill>
-                <a:srgbClr val="7F8C8D"/>
-              </a:solidFill>
-              <a:latin typeface="Roboto" pitchFamily="2" charset="0"/>
-              <a:ea typeface="Roboto" pitchFamily="2" charset="0"/>
-            </a:endParaRPr>
-          </a:p>
-        </p:txBody>
-      </p:sp>
-      <p:sp>
-        <p:nvSpPr>
-          <p:cNvPr id="25" name="ZoneTexte 24"/>
-          <p:cNvSpPr txBox="1"/>
-          <p:nvPr/>
-        </p:nvSpPr>
-        <p:spPr>
-          <a:xfrm>
-            <a:off x="284615" y="6471880"/>
-            <a:ext cx="3893227" cy="261610"/>
-          </a:xfrm>
-          <a:prstGeom prst="rect">
-            <a:avLst/>
-          </a:prstGeom>
-          <a:noFill/>
-        </p:spPr>
-        <p:txBody>
-          <a:bodyPr wrap="square" rtlCol="0">
-            <a:spAutoFit/>
-          </a:bodyPr>
-          <a:lstStyle/>
-          <a:p>
-            <a:r>
-              <a:rPr lang="en-US" sz="1100" dirty="0" smtClean="0">
-                <a:solidFill>
-                  <a:srgbClr val="7F8C8D"/>
-                </a:solidFill>
-                <a:latin typeface="Roboto Light" panose="02000000000000000000" pitchFamily="2" charset="0"/>
-                <a:ea typeface="Roboto Light" panose="02000000000000000000" pitchFamily="2" charset="0"/>
-              </a:rPr>
-              <a:t>R. Vallat – Ph.D. Oral Defense – December 8</a:t>
-            </a:r>
-            <a:r>
-              <a:rPr lang="en-US" sz="1100" baseline="30000" dirty="0" smtClean="0">
-                <a:solidFill>
-                  <a:srgbClr val="7F8C8D"/>
-                </a:solidFill>
-                <a:latin typeface="Roboto Light" panose="02000000000000000000" pitchFamily="2" charset="0"/>
-                <a:ea typeface="Roboto Light" panose="02000000000000000000" pitchFamily="2" charset="0"/>
-              </a:rPr>
-              <a:t>th</a:t>
-            </a:r>
-            <a:r>
-              <a:rPr lang="en-US" sz="1100" dirty="0" smtClean="0">
-                <a:solidFill>
-                  <a:srgbClr val="7F8C8D"/>
-                </a:solidFill>
-                <a:latin typeface="Roboto Light" panose="02000000000000000000" pitchFamily="2" charset="0"/>
-                <a:ea typeface="Roboto Light" panose="02000000000000000000" pitchFamily="2" charset="0"/>
-              </a:rPr>
-              <a:t> 2017</a:t>
-            </a:r>
-            <a:endParaRPr lang="en-US" sz="1100" dirty="0">
-              <a:solidFill>
-                <a:srgbClr val="7F8C8D"/>
-              </a:solidFill>
-              <a:latin typeface="Roboto Light" panose="02000000000000000000" pitchFamily="2" charset="0"/>
-              <a:ea typeface="Roboto Light" panose="02000000000000000000" pitchFamily="2" charset="0"/>
-            </a:endParaRPr>
-          </a:p>
-        </p:txBody>
-      </p:sp>
-    </p:spTree>
-    <p:extLst>
-      <p:ext uri="{BB962C8B-B14F-4D97-AF65-F5344CB8AC3E}">
-        <p14:creationId xmlns:p14="http://schemas.microsoft.com/office/powerpoint/2010/main" val="944712357"/>
       </p:ext>
     </p:extLst>
   </p:cSld>
@@ -13655,6 +14139,819 @@
           <a:bodyPr rtlCol="0" anchor="t"/>
           <a:lstStyle/>
           <a:p>
+            <a:pPr>
+              <a:spcAft>
+                <a:spcPts val="1800"/>
+              </a:spcAft>
+            </a:pPr>
+            <a:r>
+              <a:rPr lang="en-US" b="1" dirty="0" smtClean="0">
+                <a:solidFill>
+                  <a:srgbClr val="34495E"/>
+                </a:solidFill>
+                <a:latin typeface="+mj-lt"/>
+                <a:ea typeface="Open Sans" panose="020B0606030504020204" pitchFamily="34" charset="0"/>
+                <a:cs typeface="Open Sans" panose="020B0606030504020204" pitchFamily="34" charset="0"/>
+              </a:rPr>
+              <a:t>Outline</a:t>
+            </a:r>
+            <a:endParaRPr lang="en-US" b="1" dirty="0">
+              <a:solidFill>
+                <a:srgbClr val="34495E"/>
+              </a:solidFill>
+              <a:latin typeface="+mj-lt"/>
+              <a:ea typeface="Open Sans" panose="020B0606030504020204" pitchFamily="34" charset="0"/>
+              <a:cs typeface="Open Sans" panose="020B0606030504020204" pitchFamily="34" charset="0"/>
+            </a:endParaRPr>
+          </a:p>
+          <a:p>
+            <a:pPr marL="857250" lvl="1" indent="-400050">
+              <a:spcAft>
+                <a:spcPts val="1800"/>
+              </a:spcAft>
+              <a:buFont typeface="+mj-lt"/>
+              <a:buAutoNum type="romanUcPeriod"/>
+            </a:pPr>
+            <a:r>
+              <a:rPr lang="en-US" sz="1600" dirty="0" smtClean="0">
+                <a:solidFill>
+                  <a:srgbClr val="34495E"/>
+                </a:solidFill>
+                <a:ea typeface="Open Sans" panose="020B0606030504020204" pitchFamily="34" charset="0"/>
+                <a:cs typeface="Open Sans" panose="020B0606030504020204" pitchFamily="34" charset="0"/>
+              </a:rPr>
+              <a:t>General introduction</a:t>
+            </a:r>
+          </a:p>
+          <a:p>
+            <a:pPr marL="857250" lvl="1" indent="-400050">
+              <a:spcAft>
+                <a:spcPts val="600"/>
+              </a:spcAft>
+              <a:buFont typeface="+mj-lt"/>
+              <a:buAutoNum type="romanUcPeriod"/>
+            </a:pPr>
+            <a:r>
+              <a:rPr lang="en-US" sz="1600" dirty="0" smtClean="0">
+                <a:solidFill>
+                  <a:srgbClr val="34495E"/>
+                </a:solidFill>
+                <a:ea typeface="Open Sans" panose="020B0606030504020204" pitchFamily="34" charset="0"/>
+                <a:cs typeface="Open Sans" panose="020B0606030504020204" pitchFamily="34" charset="0"/>
+              </a:rPr>
+              <a:t>Mechanisms of dream recall </a:t>
+            </a:r>
+          </a:p>
+          <a:p>
+            <a:pPr marL="1200150" lvl="2" indent="-285750">
+              <a:spcAft>
+                <a:spcPts val="600"/>
+              </a:spcAft>
+              <a:buFont typeface="Arial" panose="020B0604020202020204" pitchFamily="34" charset="0"/>
+              <a:buChar char="•"/>
+            </a:pPr>
+            <a:r>
+              <a:rPr lang="en-US" sz="1600" dirty="0" smtClean="0">
+                <a:solidFill>
+                  <a:srgbClr val="34495E"/>
+                </a:solidFill>
+                <a:ea typeface="Open Sans" panose="020B0606030504020204" pitchFamily="34" charset="0"/>
+                <a:cs typeface="Open Sans" panose="020B0606030504020204" pitchFamily="34" charset="0"/>
+              </a:rPr>
+              <a:t>Study 1: DRF and arousals	</a:t>
+            </a:r>
+          </a:p>
+          <a:p>
+            <a:pPr marL="1200150" lvl="2" indent="-285750">
+              <a:spcAft>
+                <a:spcPts val="600"/>
+              </a:spcAft>
+              <a:buFont typeface="Arial" panose="020B0604020202020204" pitchFamily="34" charset="0"/>
+              <a:buChar char="•"/>
+            </a:pPr>
+            <a:r>
+              <a:rPr lang="en-US" sz="1600" dirty="0" smtClean="0">
+                <a:solidFill>
+                  <a:srgbClr val="34495E"/>
+                </a:solidFill>
+                <a:ea typeface="Open Sans" panose="020B0606030504020204" pitchFamily="34" charset="0"/>
+                <a:cs typeface="Open Sans" panose="020B0606030504020204" pitchFamily="34" charset="0"/>
+              </a:rPr>
+              <a:t>Study 2: DRF and sleep inertia		</a:t>
+            </a:r>
+            <a:r>
+              <a:rPr lang="en-US" sz="1600" i="1" dirty="0" smtClean="0">
+                <a:solidFill>
+                  <a:srgbClr val="34495E"/>
+                </a:solidFill>
+                <a:latin typeface="HelveticaNeueLT Std Lt" panose="020B0403020202020204" pitchFamily="34" charset="0"/>
+                <a:ea typeface="Open Sans" panose="020B0606030504020204" pitchFamily="34" charset="0"/>
+                <a:cs typeface="Open Sans" panose="020B0606030504020204" pitchFamily="34" charset="0"/>
+              </a:rPr>
+              <a:t>        </a:t>
+            </a:r>
+          </a:p>
+          <a:p>
+            <a:pPr marL="1200150" lvl="2" indent="-285750">
+              <a:spcAft>
+                <a:spcPts val="600"/>
+              </a:spcAft>
+              <a:buFont typeface="Arial" panose="020B0604020202020204" pitchFamily="34" charset="0"/>
+              <a:buChar char="•"/>
+            </a:pPr>
+            <a:r>
+              <a:rPr lang="en-US" sz="1600" dirty="0" smtClean="0">
+                <a:solidFill>
+                  <a:srgbClr val="34495E"/>
+                </a:solidFill>
+                <a:ea typeface="Open Sans" panose="020B0606030504020204" pitchFamily="34" charset="0"/>
+                <a:cs typeface="Open Sans" panose="020B0606030504020204" pitchFamily="34" charset="0"/>
+              </a:rPr>
+              <a:t>Study 3: DRF and the default mode network			</a:t>
+            </a:r>
+          </a:p>
+          <a:p>
+            <a:pPr marL="1200150" lvl="2" indent="-285750">
+              <a:spcAft>
+                <a:spcPts val="600"/>
+              </a:spcAft>
+              <a:buFont typeface="Arial" panose="020B0604020202020204" pitchFamily="34" charset="0"/>
+              <a:buChar char="•"/>
+            </a:pPr>
+            <a:r>
+              <a:rPr lang="en-US" sz="1600" dirty="0" smtClean="0">
+                <a:solidFill>
+                  <a:srgbClr val="34495E"/>
+                </a:solidFill>
+                <a:ea typeface="Open Sans" panose="020B0606030504020204" pitchFamily="34" charset="0"/>
+                <a:cs typeface="Open Sans" panose="020B0606030504020204" pitchFamily="34" charset="0"/>
+              </a:rPr>
+              <a:t>Study 4: DRF in the student population </a:t>
+            </a:r>
+          </a:p>
+          <a:p>
+            <a:pPr marL="1200150" lvl="2" indent="-285750">
+              <a:spcAft>
+                <a:spcPts val="1800"/>
+              </a:spcAft>
+              <a:buFont typeface="Arial" panose="020B0604020202020204" pitchFamily="34" charset="0"/>
+              <a:buChar char="•"/>
+            </a:pPr>
+            <a:r>
+              <a:rPr lang="en-US" sz="1600" dirty="0" smtClean="0">
+                <a:solidFill>
+                  <a:srgbClr val="34495E"/>
+                </a:solidFill>
+                <a:ea typeface="Open Sans" panose="020B0606030504020204" pitchFamily="34" charset="0"/>
+                <a:cs typeface="Open Sans" panose="020B0606030504020204" pitchFamily="34" charset="0"/>
+              </a:rPr>
+              <a:t>Conclusion		</a:t>
+            </a:r>
+          </a:p>
+          <a:p>
+            <a:pPr marL="857250" lvl="1" indent="-400050">
+              <a:spcAft>
+                <a:spcPts val="600"/>
+              </a:spcAft>
+              <a:buFont typeface="+mj-lt"/>
+              <a:buAutoNum type="romanUcPeriod"/>
+            </a:pPr>
+            <a:r>
+              <a:rPr lang="en-US" sz="1600" dirty="0" smtClean="0">
+                <a:solidFill>
+                  <a:srgbClr val="34495E"/>
+                </a:solidFill>
+                <a:ea typeface="Open Sans" panose="020B0606030504020204" pitchFamily="34" charset="0"/>
+                <a:cs typeface="Open Sans" panose="020B0606030504020204" pitchFamily="34" charset="0"/>
+              </a:rPr>
+              <a:t>Dream content and dream function</a:t>
+            </a:r>
+          </a:p>
+          <a:p>
+            <a:pPr marL="1200150" lvl="2" indent="-285750">
+              <a:spcAft>
+                <a:spcPts val="1800"/>
+              </a:spcAft>
+              <a:buFont typeface="Arial" panose="020B0604020202020204" pitchFamily="34" charset="0"/>
+              <a:buChar char="•"/>
+            </a:pPr>
+            <a:r>
+              <a:rPr lang="en-US" sz="1600" dirty="0" smtClean="0">
+                <a:solidFill>
+                  <a:srgbClr val="34495E"/>
+                </a:solidFill>
+                <a:ea typeface="Open Sans" panose="020B0606030504020204" pitchFamily="34" charset="0"/>
+                <a:cs typeface="Open Sans" panose="020B0606030504020204" pitchFamily="34" charset="0"/>
+              </a:rPr>
+              <a:t>Study 5: The link between waking-life and dream content </a:t>
+            </a:r>
+          </a:p>
+          <a:p>
+            <a:pPr marL="857250" lvl="1" indent="-400050">
+              <a:spcAft>
+                <a:spcPts val="600"/>
+              </a:spcAft>
+              <a:buFont typeface="+mj-lt"/>
+              <a:buAutoNum type="romanUcPeriod"/>
+            </a:pPr>
+            <a:r>
+              <a:rPr lang="en-US" sz="1600" dirty="0" smtClean="0">
+                <a:solidFill>
+                  <a:srgbClr val="34495E"/>
+                </a:solidFill>
+                <a:ea typeface="Open Sans" panose="020B0606030504020204" pitchFamily="34" charset="0"/>
+                <a:cs typeface="Open Sans" panose="020B0606030504020204" pitchFamily="34" charset="0"/>
+              </a:rPr>
+              <a:t>Methodological development</a:t>
+            </a:r>
+          </a:p>
+          <a:p>
+            <a:pPr marL="1200150" lvl="2" indent="-285750">
+              <a:spcAft>
+                <a:spcPts val="1800"/>
+              </a:spcAft>
+              <a:buFont typeface="Arial" panose="020B0604020202020204" pitchFamily="34" charset="0"/>
+              <a:buChar char="•"/>
+            </a:pPr>
+            <a:r>
+              <a:rPr lang="en-US" sz="1600" dirty="0" smtClean="0">
+                <a:solidFill>
+                  <a:srgbClr val="34495E"/>
+                </a:solidFill>
+                <a:ea typeface="Open Sans" panose="020B0606030504020204" pitchFamily="34" charset="0"/>
+                <a:cs typeface="Open Sans" panose="020B0606030504020204" pitchFamily="34" charset="0"/>
+              </a:rPr>
+              <a:t>Study 6: An open source software for sleep scoring and analysis</a:t>
+            </a:r>
+          </a:p>
+          <a:p>
+            <a:pPr marL="857250" lvl="1" indent="-400050">
+              <a:spcAft>
+                <a:spcPts val="1800"/>
+              </a:spcAft>
+              <a:buFont typeface="+mj-lt"/>
+              <a:buAutoNum type="romanUcPeriod"/>
+            </a:pPr>
+            <a:r>
+              <a:rPr lang="en-US" sz="1600" dirty="0" smtClean="0">
+                <a:solidFill>
+                  <a:srgbClr val="34495E"/>
+                </a:solidFill>
+                <a:ea typeface="Open Sans" panose="020B0606030504020204" pitchFamily="34" charset="0"/>
+                <a:cs typeface="Open Sans" panose="020B0606030504020204" pitchFamily="34" charset="0"/>
+              </a:rPr>
+              <a:t>General conclusion</a:t>
+            </a:r>
+          </a:p>
+          <a:p>
+            <a:pPr>
+              <a:spcAft>
+                <a:spcPts val="1200"/>
+              </a:spcAft>
+            </a:pPr>
+            <a:endParaRPr lang="en-US" dirty="0">
+              <a:solidFill>
+                <a:schemeClr val="tx2">
+                  <a:lumMod val="50000"/>
+                </a:schemeClr>
+              </a:solidFill>
+              <a:latin typeface="Open Sans" panose="020B0606030504020204" pitchFamily="34" charset="0"/>
+              <a:ea typeface="Open Sans" panose="020B0606030504020204" pitchFamily="34" charset="0"/>
+              <a:cs typeface="Open Sans" panose="020B0606030504020204" pitchFamily="34" charset="0"/>
+            </a:endParaRPr>
+          </a:p>
+        </p:txBody>
+      </p:sp>
+      <p:sp>
+        <p:nvSpPr>
+          <p:cNvPr id="16" name="Rectangle 15"/>
+          <p:cNvSpPr/>
+          <p:nvPr/>
+        </p:nvSpPr>
+        <p:spPr>
+          <a:xfrm>
+            <a:off x="0" y="0"/>
+            <a:ext cx="9144000" cy="259200"/>
+          </a:xfrm>
+          <a:prstGeom prst="rect">
+            <a:avLst/>
+          </a:prstGeom>
+          <a:solidFill>
+            <a:srgbClr val="45607B"/>
+          </a:solidFill>
+          <a:ln>
+            <a:noFill/>
+          </a:ln>
+        </p:spPr>
+        <p:style>
+          <a:lnRef idx="2">
+            <a:schemeClr val="accent1">
+              <a:shade val="50000"/>
+            </a:schemeClr>
+          </a:lnRef>
+          <a:fillRef idx="1">
+            <a:schemeClr val="accent1"/>
+          </a:fillRef>
+          <a:effectRef idx="0">
+            <a:schemeClr val="accent1"/>
+          </a:effectRef>
+          <a:fontRef idx="minor">
+            <a:schemeClr val="lt1"/>
+          </a:fontRef>
+        </p:style>
+        <p:txBody>
+          <a:bodyPr rtlCol="0" anchor="ctr"/>
+          <a:lstStyle/>
+          <a:p>
+            <a:pPr algn="ctr"/>
+            <a:endParaRPr lang="en-US" dirty="0">
+              <a:solidFill>
+                <a:schemeClr val="bg1"/>
+              </a:solidFill>
+              <a:latin typeface="Roboto Light" panose="02000000000000000000" pitchFamily="2" charset="0"/>
+              <a:ea typeface="Roboto Light" panose="02000000000000000000" pitchFamily="2" charset="0"/>
+            </a:endParaRPr>
+          </a:p>
+        </p:txBody>
+      </p:sp>
+      <p:sp>
+        <p:nvSpPr>
+          <p:cNvPr id="17" name="ZoneTexte 16"/>
+          <p:cNvSpPr txBox="1"/>
+          <p:nvPr/>
+        </p:nvSpPr>
+        <p:spPr>
+          <a:xfrm>
+            <a:off x="0" y="259200"/>
+            <a:ext cx="1828800" cy="261610"/>
+          </a:xfrm>
+          <a:prstGeom prst="rect">
+            <a:avLst/>
+          </a:prstGeom>
+          <a:solidFill>
+            <a:srgbClr val="ECF0F1"/>
+          </a:solidFill>
+        </p:spPr>
+        <p:txBody>
+          <a:bodyPr wrap="square" rtlCol="0">
+            <a:spAutoFit/>
+          </a:bodyPr>
+          <a:lstStyle/>
+          <a:p>
+            <a:pPr algn="ctr"/>
+            <a:r>
+              <a:rPr lang="en-US" sz="1100" b="1" i="1" dirty="0" smtClean="0">
+                <a:solidFill>
+                  <a:srgbClr val="34495E"/>
+                </a:solidFill>
+                <a:latin typeface="Roboto Light" panose="02000000000000000000" pitchFamily="2" charset="0"/>
+                <a:ea typeface="Roboto Light" panose="02000000000000000000" pitchFamily="2" charset="0"/>
+              </a:rPr>
+              <a:t>Introduction</a:t>
+            </a:r>
+            <a:endParaRPr lang="en-US" sz="1100" b="1" i="1" dirty="0">
+              <a:solidFill>
+                <a:srgbClr val="34495E"/>
+              </a:solidFill>
+              <a:latin typeface="Roboto Light" panose="02000000000000000000" pitchFamily="2" charset="0"/>
+              <a:ea typeface="Roboto Light" panose="02000000000000000000" pitchFamily="2" charset="0"/>
+            </a:endParaRPr>
+          </a:p>
+        </p:txBody>
+      </p:sp>
+      <p:sp>
+        <p:nvSpPr>
+          <p:cNvPr id="18" name="ZoneTexte 17"/>
+          <p:cNvSpPr txBox="1"/>
+          <p:nvPr/>
+        </p:nvSpPr>
+        <p:spPr>
+          <a:xfrm>
+            <a:off x="1828800" y="258463"/>
+            <a:ext cx="1828800" cy="261610"/>
+          </a:xfrm>
+          <a:prstGeom prst="rect">
+            <a:avLst/>
+          </a:prstGeom>
+          <a:solidFill>
+            <a:srgbClr val="ECF0F1"/>
+          </a:solidFill>
+        </p:spPr>
+        <p:txBody>
+          <a:bodyPr wrap="square" rtlCol="0">
+            <a:spAutoFit/>
+          </a:bodyPr>
+          <a:lstStyle/>
+          <a:p>
+            <a:pPr algn="ctr"/>
+            <a:r>
+              <a:rPr lang="en-US" sz="1100" i="1" dirty="0" smtClean="0">
+                <a:solidFill>
+                  <a:srgbClr val="95A5A6"/>
+                </a:solidFill>
+                <a:latin typeface="Roboto Light" panose="02000000000000000000" pitchFamily="2" charset="0"/>
+                <a:ea typeface="Roboto Light" panose="02000000000000000000" pitchFamily="2" charset="0"/>
+              </a:rPr>
+              <a:t>Dream recall</a:t>
+            </a:r>
+            <a:endParaRPr lang="en-US" sz="1100" i="1" dirty="0">
+              <a:solidFill>
+                <a:srgbClr val="95A5A6"/>
+              </a:solidFill>
+              <a:latin typeface="Roboto Light" panose="02000000000000000000" pitchFamily="2" charset="0"/>
+              <a:ea typeface="Roboto Light" panose="02000000000000000000" pitchFamily="2" charset="0"/>
+            </a:endParaRPr>
+          </a:p>
+        </p:txBody>
+      </p:sp>
+      <p:sp>
+        <p:nvSpPr>
+          <p:cNvPr id="19" name="ZoneTexte 18"/>
+          <p:cNvSpPr txBox="1"/>
+          <p:nvPr/>
+        </p:nvSpPr>
+        <p:spPr>
+          <a:xfrm>
+            <a:off x="3657600" y="258463"/>
+            <a:ext cx="1828800" cy="261610"/>
+          </a:xfrm>
+          <a:prstGeom prst="rect">
+            <a:avLst/>
+          </a:prstGeom>
+          <a:solidFill>
+            <a:srgbClr val="ECF0F1"/>
+          </a:solidFill>
+        </p:spPr>
+        <p:txBody>
+          <a:bodyPr wrap="square" rtlCol="0">
+            <a:spAutoFit/>
+          </a:bodyPr>
+          <a:lstStyle/>
+          <a:p>
+            <a:pPr algn="ctr"/>
+            <a:r>
+              <a:rPr lang="en-US" sz="1100" i="1" dirty="0" smtClean="0">
+                <a:solidFill>
+                  <a:srgbClr val="95A5A6"/>
+                </a:solidFill>
+                <a:latin typeface="Roboto Light" panose="02000000000000000000" pitchFamily="2" charset="0"/>
+                <a:ea typeface="Roboto Light" panose="02000000000000000000" pitchFamily="2" charset="0"/>
+              </a:rPr>
+              <a:t>Dream content</a:t>
+            </a:r>
+            <a:endParaRPr lang="en-US" sz="1100" i="1" dirty="0">
+              <a:solidFill>
+                <a:srgbClr val="95A5A6"/>
+              </a:solidFill>
+              <a:latin typeface="Roboto Light" panose="02000000000000000000" pitchFamily="2" charset="0"/>
+              <a:ea typeface="Roboto Light" panose="02000000000000000000" pitchFamily="2" charset="0"/>
+            </a:endParaRPr>
+          </a:p>
+        </p:txBody>
+      </p:sp>
+      <p:sp>
+        <p:nvSpPr>
+          <p:cNvPr id="20" name="ZoneTexte 19"/>
+          <p:cNvSpPr txBox="1"/>
+          <p:nvPr/>
+        </p:nvSpPr>
+        <p:spPr>
+          <a:xfrm>
+            <a:off x="5486400" y="258463"/>
+            <a:ext cx="1828800" cy="261610"/>
+          </a:xfrm>
+          <a:prstGeom prst="rect">
+            <a:avLst/>
+          </a:prstGeom>
+          <a:solidFill>
+            <a:srgbClr val="ECF0F1"/>
+          </a:solidFill>
+        </p:spPr>
+        <p:txBody>
+          <a:bodyPr wrap="square" rtlCol="0">
+            <a:spAutoFit/>
+          </a:bodyPr>
+          <a:lstStyle/>
+          <a:p>
+            <a:pPr algn="ctr"/>
+            <a:r>
+              <a:rPr lang="en-US" sz="1100" i="1" dirty="0" smtClean="0">
+                <a:solidFill>
+                  <a:srgbClr val="95A5A6"/>
+                </a:solidFill>
+                <a:latin typeface="Roboto Light" panose="02000000000000000000" pitchFamily="2" charset="0"/>
+                <a:ea typeface="Roboto Light" panose="02000000000000000000" pitchFamily="2" charset="0"/>
+              </a:rPr>
+              <a:t>Software</a:t>
+            </a:r>
+            <a:endParaRPr lang="en-US" sz="1100" i="1" dirty="0">
+              <a:solidFill>
+                <a:srgbClr val="95A5A6"/>
+              </a:solidFill>
+              <a:latin typeface="Roboto Light" panose="02000000000000000000" pitchFamily="2" charset="0"/>
+              <a:ea typeface="Roboto Light" panose="02000000000000000000" pitchFamily="2" charset="0"/>
+            </a:endParaRPr>
+          </a:p>
+        </p:txBody>
+      </p:sp>
+      <p:sp>
+        <p:nvSpPr>
+          <p:cNvPr id="21" name="ZoneTexte 20"/>
+          <p:cNvSpPr txBox="1"/>
+          <p:nvPr/>
+        </p:nvSpPr>
+        <p:spPr>
+          <a:xfrm>
+            <a:off x="7315200" y="258463"/>
+            <a:ext cx="1828800" cy="261610"/>
+          </a:xfrm>
+          <a:prstGeom prst="rect">
+            <a:avLst/>
+          </a:prstGeom>
+          <a:solidFill>
+            <a:srgbClr val="ECF0F1"/>
+          </a:solidFill>
+        </p:spPr>
+        <p:txBody>
+          <a:bodyPr wrap="square" rtlCol="0">
+            <a:spAutoFit/>
+          </a:bodyPr>
+          <a:lstStyle/>
+          <a:p>
+            <a:pPr algn="ctr"/>
+            <a:r>
+              <a:rPr lang="en-US" sz="1100" i="1" dirty="0" smtClean="0">
+                <a:solidFill>
+                  <a:srgbClr val="95A5A6"/>
+                </a:solidFill>
+                <a:latin typeface="Roboto Light" panose="02000000000000000000" pitchFamily="2" charset="0"/>
+                <a:ea typeface="Roboto Light" panose="02000000000000000000" pitchFamily="2" charset="0"/>
+              </a:rPr>
+              <a:t>Conclusion</a:t>
+            </a:r>
+            <a:endParaRPr lang="en-US" sz="1100" i="1" dirty="0">
+              <a:solidFill>
+                <a:srgbClr val="95A5A6"/>
+              </a:solidFill>
+              <a:latin typeface="Roboto Light" panose="02000000000000000000" pitchFamily="2" charset="0"/>
+              <a:ea typeface="Roboto Light" panose="02000000000000000000" pitchFamily="2" charset="0"/>
+            </a:endParaRPr>
+          </a:p>
+        </p:txBody>
+      </p:sp>
+      <p:sp>
+        <p:nvSpPr>
+          <p:cNvPr id="22" name="Espace réservé du numéro de diapositive 3"/>
+          <p:cNvSpPr>
+            <a:spLocks noGrp="1"/>
+          </p:cNvSpPr>
+          <p:nvPr>
+            <p:ph type="sldNum" sz="quarter" idx="12"/>
+          </p:nvPr>
+        </p:nvSpPr>
+        <p:spPr>
+          <a:xfrm>
+            <a:off x="8532813" y="6420123"/>
+            <a:ext cx="611187" cy="365125"/>
+          </a:xfrm>
+        </p:spPr>
+        <p:txBody>
+          <a:bodyPr/>
+          <a:lstStyle/>
+          <a:p>
+            <a:pPr algn="ctr"/>
+            <a:r>
+              <a:rPr lang="en-US" sz="1100" dirty="0" smtClean="0">
+                <a:solidFill>
+                  <a:srgbClr val="7F8C8D"/>
+                </a:solidFill>
+              </a:rPr>
+              <a:t>3</a:t>
+            </a:r>
+            <a:endParaRPr lang="en-US" sz="1100" dirty="0">
+              <a:solidFill>
+                <a:srgbClr val="7F8C8D"/>
+              </a:solidFill>
+            </a:endParaRPr>
+          </a:p>
+        </p:txBody>
+      </p:sp>
+      <p:cxnSp>
+        <p:nvCxnSpPr>
+          <p:cNvPr id="23" name="Connecteur droit 22"/>
+          <p:cNvCxnSpPr/>
+          <p:nvPr/>
+        </p:nvCxnSpPr>
+        <p:spPr>
+          <a:xfrm flipH="1" flipV="1">
+            <a:off x="8521927" y="6318000"/>
+            <a:ext cx="0" cy="540000"/>
+          </a:xfrm>
+          <a:prstGeom prst="line">
+            <a:avLst/>
+          </a:prstGeom>
+          <a:ln w="28575">
+            <a:solidFill>
+              <a:srgbClr val="7F8C8D"/>
+            </a:solidFill>
+          </a:ln>
+        </p:spPr>
+        <p:style>
+          <a:lnRef idx="1">
+            <a:schemeClr val="dk1"/>
+          </a:lnRef>
+          <a:fillRef idx="0">
+            <a:schemeClr val="dk1"/>
+          </a:fillRef>
+          <a:effectRef idx="0">
+            <a:schemeClr val="dk1"/>
+          </a:effectRef>
+          <a:fontRef idx="minor">
+            <a:schemeClr val="tx1"/>
+          </a:fontRef>
+        </p:style>
+      </p:cxnSp>
+      <p:sp>
+        <p:nvSpPr>
+          <p:cNvPr id="24" name="ZoneTexte 23"/>
+          <p:cNvSpPr txBox="1"/>
+          <p:nvPr/>
+        </p:nvSpPr>
+        <p:spPr>
+          <a:xfrm>
+            <a:off x="4572000" y="6471881"/>
+            <a:ext cx="3893227" cy="261610"/>
+          </a:xfrm>
+          <a:prstGeom prst="rect">
+            <a:avLst/>
+          </a:prstGeom>
+          <a:noFill/>
+        </p:spPr>
+        <p:txBody>
+          <a:bodyPr wrap="square" rtlCol="0">
+            <a:spAutoFit/>
+          </a:bodyPr>
+          <a:lstStyle/>
+          <a:p>
+            <a:pPr algn="r"/>
+            <a:r>
+              <a:rPr lang="en-US" sz="1100" dirty="0" smtClean="0">
+                <a:solidFill>
+                  <a:srgbClr val="7F8C8D"/>
+                </a:solidFill>
+                <a:latin typeface="Roboto Medium" panose="02000000000000000000" pitchFamily="2" charset="0"/>
+                <a:ea typeface="Roboto Medium" panose="02000000000000000000" pitchFamily="2" charset="0"/>
+              </a:rPr>
+              <a:t>Outline</a:t>
+            </a:r>
+            <a:endParaRPr lang="en-US" sz="1100" dirty="0">
+              <a:solidFill>
+                <a:srgbClr val="7F8C8D"/>
+              </a:solidFill>
+              <a:latin typeface="Roboto" pitchFamily="2" charset="0"/>
+              <a:ea typeface="Roboto" pitchFamily="2" charset="0"/>
+            </a:endParaRPr>
+          </a:p>
+        </p:txBody>
+      </p:sp>
+      <p:sp>
+        <p:nvSpPr>
+          <p:cNvPr id="25" name="ZoneTexte 24"/>
+          <p:cNvSpPr txBox="1"/>
+          <p:nvPr/>
+        </p:nvSpPr>
+        <p:spPr>
+          <a:xfrm>
+            <a:off x="284615" y="6471880"/>
+            <a:ext cx="3893227" cy="261610"/>
+          </a:xfrm>
+          <a:prstGeom prst="rect">
+            <a:avLst/>
+          </a:prstGeom>
+          <a:noFill/>
+        </p:spPr>
+        <p:txBody>
+          <a:bodyPr wrap="square" rtlCol="0">
+            <a:spAutoFit/>
+          </a:bodyPr>
+          <a:lstStyle/>
+          <a:p>
+            <a:r>
+              <a:rPr lang="en-US" sz="1100" dirty="0" smtClean="0">
+                <a:solidFill>
+                  <a:srgbClr val="7F8C8D"/>
+                </a:solidFill>
+                <a:latin typeface="Roboto Light" panose="02000000000000000000" pitchFamily="2" charset="0"/>
+                <a:ea typeface="Roboto Light" panose="02000000000000000000" pitchFamily="2" charset="0"/>
+              </a:rPr>
+              <a:t>R. Vallat – Ph.D. Oral Defense – December 8</a:t>
+            </a:r>
+            <a:r>
+              <a:rPr lang="en-US" sz="1100" baseline="30000" dirty="0" smtClean="0">
+                <a:solidFill>
+                  <a:srgbClr val="7F8C8D"/>
+                </a:solidFill>
+                <a:latin typeface="Roboto Light" panose="02000000000000000000" pitchFamily="2" charset="0"/>
+                <a:ea typeface="Roboto Light" panose="02000000000000000000" pitchFamily="2" charset="0"/>
+              </a:rPr>
+              <a:t>th</a:t>
+            </a:r>
+            <a:r>
+              <a:rPr lang="en-US" sz="1100" dirty="0" smtClean="0">
+                <a:solidFill>
+                  <a:srgbClr val="7F8C8D"/>
+                </a:solidFill>
+                <a:latin typeface="Roboto Light" panose="02000000000000000000" pitchFamily="2" charset="0"/>
+                <a:ea typeface="Roboto Light" panose="02000000000000000000" pitchFamily="2" charset="0"/>
+              </a:rPr>
+              <a:t> 2017</a:t>
+            </a:r>
+            <a:endParaRPr lang="en-US" sz="1100" dirty="0">
+              <a:solidFill>
+                <a:srgbClr val="7F8C8D"/>
+              </a:solidFill>
+              <a:latin typeface="Roboto Light" panose="02000000000000000000" pitchFamily="2" charset="0"/>
+              <a:ea typeface="Roboto Light" panose="02000000000000000000" pitchFamily="2" charset="0"/>
+            </a:endParaRPr>
+          </a:p>
+        </p:txBody>
+      </p:sp>
+    </p:spTree>
+    <p:extLst>
+      <p:ext uri="{BB962C8B-B14F-4D97-AF65-F5344CB8AC3E}">
+        <p14:creationId xmlns:p14="http://schemas.microsoft.com/office/powerpoint/2010/main" val="944712357"/>
+      </p:ext>
+    </p:extLst>
+  </p:cSld>
+  <p:clrMapOvr>
+    <a:masterClrMapping/>
+  </p:clrMapOvr>
+  <p:timing>
+    <p:tnLst>
+      <p:par>
+        <p:cTn id="1" dur="indefinite" restart="never" nodeType="tmRoot"/>
+      </p:par>
+    </p:tnLst>
+  </p:timing>
+</p:sld>
+</file>
+
+<file path=ppt/slides/slide9.xml><?xml version="1.0" encoding="utf-8"?>
+<p:sld xmlns:a="http://schemas.openxmlformats.org/drawingml/2006/main" xmlns:r="http://schemas.openxmlformats.org/officeDocument/2006/relationships" xmlns:p="http://schemas.openxmlformats.org/presentationml/2006/main">
+  <p:cSld>
+    <p:spTree>
+      <p:nvGrpSpPr>
+        <p:cNvPr id="1" name=""/>
+        <p:cNvGrpSpPr/>
+        <p:nvPr/>
+      </p:nvGrpSpPr>
+      <p:grpSpPr>
+        <a:xfrm>
+          <a:off x="0" y="0"/>
+          <a:ext cx="0" cy="0"/>
+          <a:chOff x="0" y="0"/>
+          <a:chExt cx="0" cy="0"/>
+        </a:xfrm>
+      </p:grpSpPr>
+      <p:sp>
+        <p:nvSpPr>
+          <p:cNvPr id="13" name="Rectangle 12"/>
+          <p:cNvSpPr/>
+          <p:nvPr/>
+        </p:nvSpPr>
+        <p:spPr>
+          <a:xfrm>
+            <a:off x="611188" y="800100"/>
+            <a:ext cx="7921625" cy="5508625"/>
+          </a:xfrm>
+          <a:prstGeom prst="rect">
+            <a:avLst/>
+          </a:prstGeom>
+          <a:noFill/>
+          <a:ln>
+            <a:noFill/>
+          </a:ln>
+        </p:spPr>
+        <p:style>
+          <a:lnRef idx="2">
+            <a:schemeClr val="accent1">
+              <a:shade val="50000"/>
+            </a:schemeClr>
+          </a:lnRef>
+          <a:fillRef idx="1">
+            <a:schemeClr val="accent1"/>
+          </a:fillRef>
+          <a:effectRef idx="0">
+            <a:schemeClr val="accent1"/>
+          </a:effectRef>
+          <a:fontRef idx="minor">
+            <a:schemeClr val="lt1"/>
+          </a:fontRef>
+        </p:style>
+        <p:txBody>
+          <a:bodyPr rtlCol="0" anchor="t"/>
+          <a:lstStyle/>
+          <a:p>
             <a:pPr algn="just">
               <a:spcAft>
                 <a:spcPts val="1200"/>
@@ -13814,7 +15111,7 @@
                 </a:solidFill>
               </a:rPr>
               <a:pPr algn="ctr"/>
-              <a:t>8</a:t>
+              <a:t>9</a:t>
             </a:fld>
             <a:endParaRPr lang="en-US" sz="1100" dirty="0">
               <a:solidFill>
@@ -14506,829 +15803,6 @@
     <p:extLst>
       <p:ext uri="{BB962C8B-B14F-4D97-AF65-F5344CB8AC3E}">
         <p14:creationId xmlns:p14="http://schemas.microsoft.com/office/powerpoint/2010/main" val="3325135344"/>
-      </p:ext>
-    </p:extLst>
-  </p:cSld>
-  <p:clrMapOvr>
-    <a:masterClrMapping/>
-  </p:clrMapOvr>
-  <p:timing>
-    <p:tnLst>
-      <p:par>
-        <p:cTn id="1" dur="indefinite" restart="never" nodeType="tmRoot"/>
-      </p:par>
-    </p:tnLst>
-  </p:timing>
-</p:sld>
-</file>
-
-<file path=ppt/slides/slide9.xml><?xml version="1.0" encoding="utf-8"?>
-<p:sld xmlns:a="http://schemas.openxmlformats.org/drawingml/2006/main" xmlns:r="http://schemas.openxmlformats.org/officeDocument/2006/relationships" xmlns:p="http://schemas.openxmlformats.org/presentationml/2006/main">
-  <p:cSld>
-    <p:spTree>
-      <p:nvGrpSpPr>
-        <p:cNvPr id="1" name=""/>
-        <p:cNvGrpSpPr/>
-        <p:nvPr/>
-      </p:nvGrpSpPr>
-      <p:grpSpPr>
-        <a:xfrm>
-          <a:off x="0" y="0"/>
-          <a:ext cx="0" cy="0"/>
-          <a:chOff x="0" y="0"/>
-          <a:chExt cx="0" cy="0"/>
-        </a:xfrm>
-      </p:grpSpPr>
-      <p:sp>
-        <p:nvSpPr>
-          <p:cNvPr id="13" name="Rectangle 12"/>
-          <p:cNvSpPr/>
-          <p:nvPr/>
-        </p:nvSpPr>
-        <p:spPr>
-          <a:xfrm>
-            <a:off x="611188" y="800100"/>
-            <a:ext cx="7921625" cy="5508625"/>
-          </a:xfrm>
-          <a:prstGeom prst="rect">
-            <a:avLst/>
-          </a:prstGeom>
-          <a:noFill/>
-          <a:ln>
-            <a:noFill/>
-          </a:ln>
-        </p:spPr>
-        <p:style>
-          <a:lnRef idx="2">
-            <a:schemeClr val="accent1">
-              <a:shade val="50000"/>
-            </a:schemeClr>
-          </a:lnRef>
-          <a:fillRef idx="1">
-            <a:schemeClr val="accent1"/>
-          </a:fillRef>
-          <a:effectRef idx="0">
-            <a:schemeClr val="accent1"/>
-          </a:effectRef>
-          <a:fontRef idx="minor">
-            <a:schemeClr val="lt1"/>
-          </a:fontRef>
-        </p:style>
-        <p:txBody>
-          <a:bodyPr rtlCol="0" anchor="t"/>
-          <a:lstStyle/>
-          <a:p>
-            <a:pPr>
-              <a:spcAft>
-                <a:spcPts val="1800"/>
-              </a:spcAft>
-            </a:pPr>
-            <a:r>
-              <a:rPr lang="en-US" b="1" dirty="0" smtClean="0">
-                <a:solidFill>
-                  <a:srgbClr val="34495E"/>
-                </a:solidFill>
-                <a:latin typeface="+mj-lt"/>
-                <a:ea typeface="Open Sans" panose="020B0606030504020204" pitchFamily="34" charset="0"/>
-                <a:cs typeface="Open Sans" panose="020B0606030504020204" pitchFamily="34" charset="0"/>
-              </a:rPr>
-              <a:t>Outline</a:t>
-            </a:r>
-            <a:endParaRPr lang="en-US" b="1" dirty="0">
-              <a:solidFill>
-                <a:srgbClr val="34495E"/>
-              </a:solidFill>
-              <a:latin typeface="+mj-lt"/>
-              <a:ea typeface="Open Sans" panose="020B0606030504020204" pitchFamily="34" charset="0"/>
-              <a:cs typeface="Open Sans" panose="020B0606030504020204" pitchFamily="34" charset="0"/>
-            </a:endParaRPr>
-          </a:p>
-          <a:p>
-            <a:pPr marL="857250" lvl="1" indent="-400050">
-              <a:spcAft>
-                <a:spcPts val="1800"/>
-              </a:spcAft>
-              <a:buFont typeface="+mj-lt"/>
-              <a:buAutoNum type="romanUcPeriod"/>
-            </a:pPr>
-            <a:r>
-              <a:rPr lang="en-US" sz="1600" dirty="0" smtClean="0">
-                <a:solidFill>
-                  <a:srgbClr val="95A5A6"/>
-                </a:solidFill>
-                <a:ea typeface="Open Sans" panose="020B0606030504020204" pitchFamily="34" charset="0"/>
-                <a:cs typeface="Open Sans" panose="020B0606030504020204" pitchFamily="34" charset="0"/>
-              </a:rPr>
-              <a:t>General introduction</a:t>
-            </a:r>
-          </a:p>
-          <a:p>
-            <a:pPr marL="857250" lvl="1" indent="-400050">
-              <a:spcAft>
-                <a:spcPts val="600"/>
-              </a:spcAft>
-              <a:buFont typeface="+mj-lt"/>
-              <a:buAutoNum type="romanUcPeriod"/>
-            </a:pPr>
-            <a:r>
-              <a:rPr lang="en-US" sz="1600" b="1" dirty="0" smtClean="0">
-                <a:solidFill>
-                  <a:srgbClr val="34495E"/>
-                </a:solidFill>
-                <a:ea typeface="Open Sans" panose="020B0606030504020204" pitchFamily="34" charset="0"/>
-                <a:cs typeface="Open Sans" panose="020B0606030504020204" pitchFamily="34" charset="0"/>
-              </a:rPr>
-              <a:t>Mechanisms of dream recall frequency (DRF)</a:t>
-            </a:r>
-          </a:p>
-          <a:p>
-            <a:pPr marL="1200150" lvl="2" indent="-285750">
-              <a:spcAft>
-                <a:spcPts val="600"/>
-              </a:spcAft>
-              <a:buFont typeface="Arial" panose="020B0604020202020204" pitchFamily="34" charset="0"/>
-              <a:buChar char="•"/>
-            </a:pPr>
-            <a:r>
-              <a:rPr lang="en-US" sz="1600" dirty="0" smtClean="0">
-                <a:solidFill>
-                  <a:srgbClr val="95A5A6"/>
-                </a:solidFill>
-                <a:ea typeface="Open Sans" panose="020B0606030504020204" pitchFamily="34" charset="0"/>
-                <a:cs typeface="Open Sans" panose="020B0606030504020204" pitchFamily="34" charset="0"/>
-              </a:rPr>
-              <a:t>Study 1: DRF and arousals	</a:t>
-            </a:r>
-          </a:p>
-          <a:p>
-            <a:pPr marL="1200150" lvl="2" indent="-285750">
-              <a:spcAft>
-                <a:spcPts val="600"/>
-              </a:spcAft>
-              <a:buFont typeface="Arial" panose="020B0604020202020204" pitchFamily="34" charset="0"/>
-              <a:buChar char="•"/>
-            </a:pPr>
-            <a:r>
-              <a:rPr lang="en-US" sz="1600" b="1" dirty="0" smtClean="0">
-                <a:solidFill>
-                  <a:srgbClr val="34495E"/>
-                </a:solidFill>
-                <a:ea typeface="Open Sans" panose="020B0606030504020204" pitchFamily="34" charset="0"/>
-                <a:cs typeface="Open Sans" panose="020B0606030504020204" pitchFamily="34" charset="0"/>
-              </a:rPr>
-              <a:t>Study 2: DRF and sleep inertia</a:t>
-            </a:r>
-            <a:r>
-              <a:rPr lang="en-US" sz="1600" dirty="0" smtClean="0">
-                <a:solidFill>
-                  <a:srgbClr val="34495E"/>
-                </a:solidFill>
-                <a:ea typeface="Open Sans" panose="020B0606030504020204" pitchFamily="34" charset="0"/>
-                <a:cs typeface="Open Sans" panose="020B0606030504020204" pitchFamily="34" charset="0"/>
-              </a:rPr>
-              <a:t>		</a:t>
-            </a:r>
-            <a:r>
-              <a:rPr lang="en-US" sz="1600" i="1" dirty="0" smtClean="0">
-                <a:solidFill>
-                  <a:srgbClr val="34495E"/>
-                </a:solidFill>
-                <a:latin typeface="HelveticaNeueLT Std Lt" panose="020B0403020202020204" pitchFamily="34" charset="0"/>
-                <a:ea typeface="Open Sans" panose="020B0606030504020204" pitchFamily="34" charset="0"/>
-                <a:cs typeface="Open Sans" panose="020B0606030504020204" pitchFamily="34" charset="0"/>
-              </a:rPr>
-              <a:t>        </a:t>
-            </a:r>
-          </a:p>
-          <a:p>
-            <a:pPr marL="1200150" lvl="2" indent="-285750">
-              <a:spcAft>
-                <a:spcPts val="600"/>
-              </a:spcAft>
-              <a:buFont typeface="Arial" panose="020B0604020202020204" pitchFamily="34" charset="0"/>
-              <a:buChar char="•"/>
-            </a:pPr>
-            <a:r>
-              <a:rPr lang="en-US" sz="1600" dirty="0" smtClean="0">
-                <a:solidFill>
-                  <a:srgbClr val="95A5A6"/>
-                </a:solidFill>
-                <a:ea typeface="Open Sans" panose="020B0606030504020204" pitchFamily="34" charset="0"/>
-                <a:cs typeface="Open Sans" panose="020B0606030504020204" pitchFamily="34" charset="0"/>
-              </a:rPr>
-              <a:t>Study 3: DRF and the default mode network			</a:t>
-            </a:r>
-          </a:p>
-          <a:p>
-            <a:pPr marL="1200150" lvl="2" indent="-285750">
-              <a:spcAft>
-                <a:spcPts val="600"/>
-              </a:spcAft>
-              <a:buFont typeface="Arial" panose="020B0604020202020204" pitchFamily="34" charset="0"/>
-              <a:buChar char="•"/>
-            </a:pPr>
-            <a:r>
-              <a:rPr lang="en-US" sz="1600" dirty="0" smtClean="0">
-                <a:solidFill>
-                  <a:srgbClr val="95A5A6"/>
-                </a:solidFill>
-                <a:ea typeface="Open Sans" panose="020B0606030504020204" pitchFamily="34" charset="0"/>
-                <a:cs typeface="Open Sans" panose="020B0606030504020204" pitchFamily="34" charset="0"/>
-              </a:rPr>
-              <a:t>Study 4: DRF in the student population </a:t>
-            </a:r>
-          </a:p>
-          <a:p>
-            <a:pPr marL="1200150" lvl="2" indent="-285750">
-              <a:spcAft>
-                <a:spcPts val="1800"/>
-              </a:spcAft>
-              <a:buFont typeface="Arial" panose="020B0604020202020204" pitchFamily="34" charset="0"/>
-              <a:buChar char="•"/>
-            </a:pPr>
-            <a:r>
-              <a:rPr lang="en-US" sz="1600" dirty="0" smtClean="0">
-                <a:solidFill>
-                  <a:srgbClr val="95A5A6"/>
-                </a:solidFill>
-                <a:ea typeface="Open Sans" panose="020B0606030504020204" pitchFamily="34" charset="0"/>
-                <a:cs typeface="Open Sans" panose="020B0606030504020204" pitchFamily="34" charset="0"/>
-              </a:rPr>
-              <a:t>Conclusion		</a:t>
-            </a:r>
-          </a:p>
-          <a:p>
-            <a:pPr marL="857250" lvl="1" indent="-400050">
-              <a:spcAft>
-                <a:spcPts val="600"/>
-              </a:spcAft>
-              <a:buFont typeface="+mj-lt"/>
-              <a:buAutoNum type="romanUcPeriod"/>
-            </a:pPr>
-            <a:r>
-              <a:rPr lang="en-US" sz="1600" dirty="0" smtClean="0">
-                <a:solidFill>
-                  <a:srgbClr val="95A5A6"/>
-                </a:solidFill>
-                <a:ea typeface="Open Sans" panose="020B0606030504020204" pitchFamily="34" charset="0"/>
-                <a:cs typeface="Open Sans" panose="020B0606030504020204" pitchFamily="34" charset="0"/>
-              </a:rPr>
-              <a:t>Dream content and dream function</a:t>
-            </a:r>
-          </a:p>
-          <a:p>
-            <a:pPr marL="1200150" lvl="2" indent="-285750">
-              <a:spcAft>
-                <a:spcPts val="1800"/>
-              </a:spcAft>
-              <a:buFont typeface="Arial" panose="020B0604020202020204" pitchFamily="34" charset="0"/>
-              <a:buChar char="•"/>
-            </a:pPr>
-            <a:r>
-              <a:rPr lang="en-US" sz="1600" dirty="0" smtClean="0">
-                <a:solidFill>
-                  <a:srgbClr val="95A5A6"/>
-                </a:solidFill>
-                <a:ea typeface="Open Sans" panose="020B0606030504020204" pitchFamily="34" charset="0"/>
-                <a:cs typeface="Open Sans" panose="020B0606030504020204" pitchFamily="34" charset="0"/>
-              </a:rPr>
-              <a:t>Study 5: The link between waking-life and dream content </a:t>
-            </a:r>
-          </a:p>
-          <a:p>
-            <a:pPr marL="857250" lvl="1" indent="-400050">
-              <a:spcAft>
-                <a:spcPts val="600"/>
-              </a:spcAft>
-              <a:buFont typeface="+mj-lt"/>
-              <a:buAutoNum type="romanUcPeriod"/>
-            </a:pPr>
-            <a:r>
-              <a:rPr lang="en-US" sz="1600" dirty="0" smtClean="0">
-                <a:solidFill>
-                  <a:srgbClr val="95A5A6"/>
-                </a:solidFill>
-                <a:ea typeface="Open Sans" panose="020B0606030504020204" pitchFamily="34" charset="0"/>
-                <a:cs typeface="Open Sans" panose="020B0606030504020204" pitchFamily="34" charset="0"/>
-              </a:rPr>
-              <a:t>Methodological development</a:t>
-            </a:r>
-          </a:p>
-          <a:p>
-            <a:pPr marL="1200150" lvl="2" indent="-285750">
-              <a:spcAft>
-                <a:spcPts val="1800"/>
-              </a:spcAft>
-              <a:buFont typeface="Arial" panose="020B0604020202020204" pitchFamily="34" charset="0"/>
-              <a:buChar char="•"/>
-            </a:pPr>
-            <a:r>
-              <a:rPr lang="en-US" sz="1600" dirty="0" smtClean="0">
-                <a:solidFill>
-                  <a:srgbClr val="95A5A6"/>
-                </a:solidFill>
-                <a:ea typeface="Open Sans" panose="020B0606030504020204" pitchFamily="34" charset="0"/>
-                <a:cs typeface="Open Sans" panose="020B0606030504020204" pitchFamily="34" charset="0"/>
-              </a:rPr>
-              <a:t>Study 6: An open source software for sleep scoring and analysis</a:t>
-            </a:r>
-          </a:p>
-          <a:p>
-            <a:pPr marL="857250" lvl="1" indent="-400050">
-              <a:spcAft>
-                <a:spcPts val="1800"/>
-              </a:spcAft>
-              <a:buFont typeface="+mj-lt"/>
-              <a:buAutoNum type="romanUcPeriod"/>
-            </a:pPr>
-            <a:r>
-              <a:rPr lang="en-US" sz="1600" dirty="0" smtClean="0">
-                <a:solidFill>
-                  <a:srgbClr val="95A5A6"/>
-                </a:solidFill>
-                <a:ea typeface="Open Sans" panose="020B0606030504020204" pitchFamily="34" charset="0"/>
-                <a:cs typeface="Open Sans" panose="020B0606030504020204" pitchFamily="34" charset="0"/>
-              </a:rPr>
-              <a:t>General conclusion</a:t>
-            </a:r>
-          </a:p>
-          <a:p>
-            <a:pPr>
-              <a:spcAft>
-                <a:spcPts val="1200"/>
-              </a:spcAft>
-            </a:pPr>
-            <a:endParaRPr lang="en-US" dirty="0">
-              <a:solidFill>
-                <a:schemeClr val="tx2">
-                  <a:lumMod val="50000"/>
-                </a:schemeClr>
-              </a:solidFill>
-              <a:latin typeface="Open Sans" panose="020B0606030504020204" pitchFamily="34" charset="0"/>
-              <a:ea typeface="Open Sans" panose="020B0606030504020204" pitchFamily="34" charset="0"/>
-              <a:cs typeface="Open Sans" panose="020B0606030504020204" pitchFamily="34" charset="0"/>
-            </a:endParaRPr>
-          </a:p>
-        </p:txBody>
-      </p:sp>
-      <p:sp>
-        <p:nvSpPr>
-          <p:cNvPr id="16" name="Rectangle 15"/>
-          <p:cNvSpPr/>
-          <p:nvPr/>
-        </p:nvSpPr>
-        <p:spPr>
-          <a:xfrm>
-            <a:off x="0" y="0"/>
-            <a:ext cx="9144000" cy="259200"/>
-          </a:xfrm>
-          <a:prstGeom prst="rect">
-            <a:avLst/>
-          </a:prstGeom>
-          <a:solidFill>
-            <a:srgbClr val="45607B"/>
-          </a:solidFill>
-          <a:ln>
-            <a:noFill/>
-          </a:ln>
-        </p:spPr>
-        <p:style>
-          <a:lnRef idx="2">
-            <a:schemeClr val="accent1">
-              <a:shade val="50000"/>
-            </a:schemeClr>
-          </a:lnRef>
-          <a:fillRef idx="1">
-            <a:schemeClr val="accent1"/>
-          </a:fillRef>
-          <a:effectRef idx="0">
-            <a:schemeClr val="accent1"/>
-          </a:effectRef>
-          <a:fontRef idx="minor">
-            <a:schemeClr val="lt1"/>
-          </a:fontRef>
-        </p:style>
-        <p:txBody>
-          <a:bodyPr rtlCol="0" anchor="ctr"/>
-          <a:lstStyle/>
-          <a:p>
-            <a:pPr algn="ctr"/>
-            <a:endParaRPr lang="en-US" dirty="0">
-              <a:solidFill>
-                <a:schemeClr val="bg1"/>
-              </a:solidFill>
-              <a:latin typeface="Roboto Light" panose="02000000000000000000" pitchFamily="2" charset="0"/>
-              <a:ea typeface="Roboto Light" panose="02000000000000000000" pitchFamily="2" charset="0"/>
-            </a:endParaRPr>
-          </a:p>
-        </p:txBody>
-      </p:sp>
-      <p:sp>
-        <p:nvSpPr>
-          <p:cNvPr id="17" name="ZoneTexte 16"/>
-          <p:cNvSpPr txBox="1"/>
-          <p:nvPr/>
-        </p:nvSpPr>
-        <p:spPr>
-          <a:xfrm>
-            <a:off x="0" y="259200"/>
-            <a:ext cx="1828800" cy="261610"/>
-          </a:xfrm>
-          <a:prstGeom prst="rect">
-            <a:avLst/>
-          </a:prstGeom>
-          <a:solidFill>
-            <a:srgbClr val="ECF0F1"/>
-          </a:solidFill>
-        </p:spPr>
-        <p:txBody>
-          <a:bodyPr wrap="square" rtlCol="0">
-            <a:spAutoFit/>
-          </a:bodyPr>
-          <a:lstStyle/>
-          <a:p>
-            <a:pPr algn="ctr"/>
-            <a:r>
-              <a:rPr lang="en-US" sz="1100" b="1" i="1" dirty="0" smtClean="0">
-                <a:solidFill>
-                  <a:srgbClr val="34495E"/>
-                </a:solidFill>
-                <a:latin typeface="Roboto Light" panose="02000000000000000000" pitchFamily="2" charset="0"/>
-                <a:ea typeface="Roboto Light" panose="02000000000000000000" pitchFamily="2" charset="0"/>
-              </a:rPr>
-              <a:t>Introduction</a:t>
-            </a:r>
-            <a:endParaRPr lang="en-US" sz="1100" b="1" i="1" dirty="0">
-              <a:solidFill>
-                <a:srgbClr val="34495E"/>
-              </a:solidFill>
-              <a:latin typeface="Roboto Light" panose="02000000000000000000" pitchFamily="2" charset="0"/>
-              <a:ea typeface="Roboto Light" panose="02000000000000000000" pitchFamily="2" charset="0"/>
-            </a:endParaRPr>
-          </a:p>
-        </p:txBody>
-      </p:sp>
-      <p:sp>
-        <p:nvSpPr>
-          <p:cNvPr id="18" name="ZoneTexte 17"/>
-          <p:cNvSpPr txBox="1"/>
-          <p:nvPr/>
-        </p:nvSpPr>
-        <p:spPr>
-          <a:xfrm>
-            <a:off x="1828800" y="258463"/>
-            <a:ext cx="1828800" cy="261610"/>
-          </a:xfrm>
-          <a:prstGeom prst="rect">
-            <a:avLst/>
-          </a:prstGeom>
-          <a:solidFill>
-            <a:srgbClr val="ECF0F1"/>
-          </a:solidFill>
-        </p:spPr>
-        <p:txBody>
-          <a:bodyPr wrap="square" rtlCol="0">
-            <a:spAutoFit/>
-          </a:bodyPr>
-          <a:lstStyle/>
-          <a:p>
-            <a:pPr algn="ctr"/>
-            <a:r>
-              <a:rPr lang="en-US" sz="1100" i="1" dirty="0" smtClean="0">
-                <a:solidFill>
-                  <a:srgbClr val="95A5A6"/>
-                </a:solidFill>
-                <a:latin typeface="Roboto Light" panose="02000000000000000000" pitchFamily="2" charset="0"/>
-                <a:ea typeface="Roboto Light" panose="02000000000000000000" pitchFamily="2" charset="0"/>
-              </a:rPr>
-              <a:t>Dream recall</a:t>
-            </a:r>
-            <a:endParaRPr lang="en-US" sz="1100" i="1" dirty="0">
-              <a:solidFill>
-                <a:srgbClr val="95A5A6"/>
-              </a:solidFill>
-              <a:latin typeface="Roboto Light" panose="02000000000000000000" pitchFamily="2" charset="0"/>
-              <a:ea typeface="Roboto Light" panose="02000000000000000000" pitchFamily="2" charset="0"/>
-            </a:endParaRPr>
-          </a:p>
-        </p:txBody>
-      </p:sp>
-      <p:sp>
-        <p:nvSpPr>
-          <p:cNvPr id="19" name="ZoneTexte 18"/>
-          <p:cNvSpPr txBox="1"/>
-          <p:nvPr/>
-        </p:nvSpPr>
-        <p:spPr>
-          <a:xfrm>
-            <a:off x="3657600" y="258463"/>
-            <a:ext cx="1828800" cy="261610"/>
-          </a:xfrm>
-          <a:prstGeom prst="rect">
-            <a:avLst/>
-          </a:prstGeom>
-          <a:solidFill>
-            <a:srgbClr val="ECF0F1"/>
-          </a:solidFill>
-        </p:spPr>
-        <p:txBody>
-          <a:bodyPr wrap="square" rtlCol="0">
-            <a:spAutoFit/>
-          </a:bodyPr>
-          <a:lstStyle/>
-          <a:p>
-            <a:pPr algn="ctr"/>
-            <a:r>
-              <a:rPr lang="en-US" sz="1100" i="1" dirty="0" smtClean="0">
-                <a:solidFill>
-                  <a:srgbClr val="95A5A6"/>
-                </a:solidFill>
-                <a:latin typeface="Roboto Light" panose="02000000000000000000" pitchFamily="2" charset="0"/>
-                <a:ea typeface="Roboto Light" panose="02000000000000000000" pitchFamily="2" charset="0"/>
-              </a:rPr>
-              <a:t>Dream content</a:t>
-            </a:r>
-            <a:endParaRPr lang="en-US" sz="1100" i="1" dirty="0">
-              <a:solidFill>
-                <a:srgbClr val="95A5A6"/>
-              </a:solidFill>
-              <a:latin typeface="Roboto Light" panose="02000000000000000000" pitchFamily="2" charset="0"/>
-              <a:ea typeface="Roboto Light" panose="02000000000000000000" pitchFamily="2" charset="0"/>
-            </a:endParaRPr>
-          </a:p>
-        </p:txBody>
-      </p:sp>
-      <p:sp>
-        <p:nvSpPr>
-          <p:cNvPr id="20" name="ZoneTexte 19"/>
-          <p:cNvSpPr txBox="1"/>
-          <p:nvPr/>
-        </p:nvSpPr>
-        <p:spPr>
-          <a:xfrm>
-            <a:off x="5486400" y="258463"/>
-            <a:ext cx="1828800" cy="261610"/>
-          </a:xfrm>
-          <a:prstGeom prst="rect">
-            <a:avLst/>
-          </a:prstGeom>
-          <a:solidFill>
-            <a:srgbClr val="ECF0F1"/>
-          </a:solidFill>
-        </p:spPr>
-        <p:txBody>
-          <a:bodyPr wrap="square" rtlCol="0">
-            <a:spAutoFit/>
-          </a:bodyPr>
-          <a:lstStyle/>
-          <a:p>
-            <a:pPr algn="ctr"/>
-            <a:r>
-              <a:rPr lang="en-US" sz="1100" i="1" dirty="0" smtClean="0">
-                <a:solidFill>
-                  <a:srgbClr val="95A5A6"/>
-                </a:solidFill>
-                <a:latin typeface="Roboto Light" panose="02000000000000000000" pitchFamily="2" charset="0"/>
-                <a:ea typeface="Roboto Light" panose="02000000000000000000" pitchFamily="2" charset="0"/>
-              </a:rPr>
-              <a:t>Software</a:t>
-            </a:r>
-            <a:endParaRPr lang="en-US" sz="1100" i="1" dirty="0">
-              <a:solidFill>
-                <a:srgbClr val="95A5A6"/>
-              </a:solidFill>
-              <a:latin typeface="Roboto Light" panose="02000000000000000000" pitchFamily="2" charset="0"/>
-              <a:ea typeface="Roboto Light" panose="02000000000000000000" pitchFamily="2" charset="0"/>
-            </a:endParaRPr>
-          </a:p>
-        </p:txBody>
-      </p:sp>
-      <p:sp>
-        <p:nvSpPr>
-          <p:cNvPr id="21" name="ZoneTexte 20"/>
-          <p:cNvSpPr txBox="1"/>
-          <p:nvPr/>
-        </p:nvSpPr>
-        <p:spPr>
-          <a:xfrm>
-            <a:off x="7315200" y="258463"/>
-            <a:ext cx="1828800" cy="261610"/>
-          </a:xfrm>
-          <a:prstGeom prst="rect">
-            <a:avLst/>
-          </a:prstGeom>
-          <a:solidFill>
-            <a:srgbClr val="ECF0F1"/>
-          </a:solidFill>
-        </p:spPr>
-        <p:txBody>
-          <a:bodyPr wrap="square" rtlCol="0">
-            <a:spAutoFit/>
-          </a:bodyPr>
-          <a:lstStyle/>
-          <a:p>
-            <a:pPr algn="ctr"/>
-            <a:r>
-              <a:rPr lang="en-US" sz="1100" i="1" dirty="0" smtClean="0">
-                <a:solidFill>
-                  <a:srgbClr val="95A5A6"/>
-                </a:solidFill>
-                <a:latin typeface="Roboto Light" panose="02000000000000000000" pitchFamily="2" charset="0"/>
-                <a:ea typeface="Roboto Light" panose="02000000000000000000" pitchFamily="2" charset="0"/>
-              </a:rPr>
-              <a:t>Conclusion</a:t>
-            </a:r>
-            <a:endParaRPr lang="en-US" sz="1100" i="1" dirty="0">
-              <a:solidFill>
-                <a:srgbClr val="95A5A6"/>
-              </a:solidFill>
-              <a:latin typeface="Roboto Light" panose="02000000000000000000" pitchFamily="2" charset="0"/>
-              <a:ea typeface="Roboto Light" panose="02000000000000000000" pitchFamily="2" charset="0"/>
-            </a:endParaRPr>
-          </a:p>
-        </p:txBody>
-      </p:sp>
-      <p:sp>
-        <p:nvSpPr>
-          <p:cNvPr id="22" name="Espace réservé du numéro de diapositive 3"/>
-          <p:cNvSpPr>
-            <a:spLocks noGrp="1"/>
-          </p:cNvSpPr>
-          <p:nvPr>
-            <p:ph type="sldNum" sz="quarter" idx="12"/>
-          </p:nvPr>
-        </p:nvSpPr>
-        <p:spPr>
-          <a:xfrm>
-            <a:off x="8532813" y="6420123"/>
-            <a:ext cx="611187" cy="365125"/>
-          </a:xfrm>
-        </p:spPr>
-        <p:txBody>
-          <a:bodyPr/>
-          <a:lstStyle/>
-          <a:p>
-            <a:pPr algn="ctr"/>
-            <a:r>
-              <a:rPr lang="en-US" sz="1100" dirty="0" smtClean="0">
-                <a:solidFill>
-                  <a:srgbClr val="7F8C8D"/>
-                </a:solidFill>
-              </a:rPr>
-              <a:t>5</a:t>
-            </a:r>
-            <a:endParaRPr lang="en-US" sz="1100" dirty="0">
-              <a:solidFill>
-                <a:srgbClr val="7F8C8D"/>
-              </a:solidFill>
-            </a:endParaRPr>
-          </a:p>
-        </p:txBody>
-      </p:sp>
-      <p:cxnSp>
-        <p:nvCxnSpPr>
-          <p:cNvPr id="23" name="Connecteur droit 22"/>
-          <p:cNvCxnSpPr/>
-          <p:nvPr/>
-        </p:nvCxnSpPr>
-        <p:spPr>
-          <a:xfrm flipH="1" flipV="1">
-            <a:off x="8521927" y="6318000"/>
-            <a:ext cx="0" cy="540000"/>
-          </a:xfrm>
-          <a:prstGeom prst="line">
-            <a:avLst/>
-          </a:prstGeom>
-          <a:ln w="28575">
-            <a:solidFill>
-              <a:srgbClr val="7F8C8D"/>
-            </a:solidFill>
-          </a:ln>
-        </p:spPr>
-        <p:style>
-          <a:lnRef idx="1">
-            <a:schemeClr val="dk1"/>
-          </a:lnRef>
-          <a:fillRef idx="0">
-            <a:schemeClr val="dk1"/>
-          </a:fillRef>
-          <a:effectRef idx="0">
-            <a:schemeClr val="dk1"/>
-          </a:effectRef>
-          <a:fontRef idx="minor">
-            <a:schemeClr val="tx1"/>
-          </a:fontRef>
-        </p:style>
-      </p:cxnSp>
-      <p:sp>
-        <p:nvSpPr>
-          <p:cNvPr id="24" name="ZoneTexte 23"/>
-          <p:cNvSpPr txBox="1"/>
-          <p:nvPr/>
-        </p:nvSpPr>
-        <p:spPr>
-          <a:xfrm>
-            <a:off x="4572000" y="6471881"/>
-            <a:ext cx="3893227" cy="261610"/>
-          </a:xfrm>
-          <a:prstGeom prst="rect">
-            <a:avLst/>
-          </a:prstGeom>
-          <a:noFill/>
-        </p:spPr>
-        <p:txBody>
-          <a:bodyPr wrap="square" rtlCol="0">
-            <a:spAutoFit/>
-          </a:bodyPr>
-          <a:lstStyle/>
-          <a:p>
-            <a:pPr algn="r"/>
-            <a:r>
-              <a:rPr lang="en-US" sz="1100" dirty="0" smtClean="0">
-                <a:solidFill>
-                  <a:srgbClr val="7F8C8D"/>
-                </a:solidFill>
-                <a:latin typeface="Roboto Medium" panose="02000000000000000000" pitchFamily="2" charset="0"/>
-                <a:ea typeface="Roboto Medium" panose="02000000000000000000" pitchFamily="2" charset="0"/>
-              </a:rPr>
-              <a:t>Outline</a:t>
-            </a:r>
-            <a:endParaRPr lang="en-US" sz="1100" dirty="0">
-              <a:solidFill>
-                <a:srgbClr val="7F8C8D"/>
-              </a:solidFill>
-              <a:latin typeface="Roboto" pitchFamily="2" charset="0"/>
-              <a:ea typeface="Roboto" pitchFamily="2" charset="0"/>
-            </a:endParaRPr>
-          </a:p>
-        </p:txBody>
-      </p:sp>
-      <p:sp>
-        <p:nvSpPr>
-          <p:cNvPr id="25" name="ZoneTexte 24"/>
-          <p:cNvSpPr txBox="1"/>
-          <p:nvPr/>
-        </p:nvSpPr>
-        <p:spPr>
-          <a:xfrm>
-            <a:off x="284615" y="6471880"/>
-            <a:ext cx="3893227" cy="261610"/>
-          </a:xfrm>
-          <a:prstGeom prst="rect">
-            <a:avLst/>
-          </a:prstGeom>
-          <a:noFill/>
-        </p:spPr>
-        <p:txBody>
-          <a:bodyPr wrap="square" rtlCol="0">
-            <a:spAutoFit/>
-          </a:bodyPr>
-          <a:lstStyle/>
-          <a:p>
-            <a:r>
-              <a:rPr lang="en-US" sz="1100" dirty="0" smtClean="0">
-                <a:solidFill>
-                  <a:srgbClr val="7F8C8D"/>
-                </a:solidFill>
-                <a:latin typeface="Roboto Light" panose="02000000000000000000" pitchFamily="2" charset="0"/>
-                <a:ea typeface="Roboto Light" panose="02000000000000000000" pitchFamily="2" charset="0"/>
-              </a:rPr>
-              <a:t>R. Vallat – Ph.D. Oral Defense – December 8</a:t>
-            </a:r>
-            <a:r>
-              <a:rPr lang="en-US" sz="1100" baseline="30000" dirty="0" smtClean="0">
-                <a:solidFill>
-                  <a:srgbClr val="7F8C8D"/>
-                </a:solidFill>
-                <a:latin typeface="Roboto Light" panose="02000000000000000000" pitchFamily="2" charset="0"/>
-                <a:ea typeface="Roboto Light" panose="02000000000000000000" pitchFamily="2" charset="0"/>
-              </a:rPr>
-              <a:t>th</a:t>
-            </a:r>
-            <a:r>
-              <a:rPr lang="en-US" sz="1100" dirty="0" smtClean="0">
-                <a:solidFill>
-                  <a:srgbClr val="7F8C8D"/>
-                </a:solidFill>
-                <a:latin typeface="Roboto Light" panose="02000000000000000000" pitchFamily="2" charset="0"/>
-                <a:ea typeface="Roboto Light" panose="02000000000000000000" pitchFamily="2" charset="0"/>
-              </a:rPr>
-              <a:t> 2017</a:t>
-            </a:r>
-            <a:endParaRPr lang="en-US" sz="1100" dirty="0">
-              <a:solidFill>
-                <a:srgbClr val="7F8C8D"/>
-              </a:solidFill>
-              <a:latin typeface="Roboto Light" panose="02000000000000000000" pitchFamily="2" charset="0"/>
-              <a:ea typeface="Roboto Light" panose="02000000000000000000" pitchFamily="2" charset="0"/>
-            </a:endParaRPr>
-          </a:p>
-        </p:txBody>
-      </p:sp>
-    </p:spTree>
-    <p:extLst>
-      <p:ext uri="{BB962C8B-B14F-4D97-AF65-F5344CB8AC3E}">
-        <p14:creationId xmlns:p14="http://schemas.microsoft.com/office/powerpoint/2010/main" val="1937816580"/>
       </p:ext>
     </p:extLst>
   </p:cSld>
